--- a/prochazkova.pptx
+++ b/prochazkova.pptx
@@ -10,13 +10,13 @@
   <p:sldIdLst>
     <p:sldId id="256" r:id="rId2"/>
     <p:sldId id="257" r:id="rId3"/>
-    <p:sldId id="258" r:id="rId4"/>
-    <p:sldId id="259" r:id="rId5"/>
-    <p:sldId id="260" r:id="rId6"/>
-    <p:sldId id="261" r:id="rId7"/>
-    <p:sldId id="262" r:id="rId8"/>
-    <p:sldId id="263" r:id="rId9"/>
-    <p:sldId id="264" r:id="rId10"/>
+    <p:sldId id="263" r:id="rId4"/>
+    <p:sldId id="264" r:id="rId5"/>
+    <p:sldId id="258" r:id="rId6"/>
+    <p:sldId id="259" r:id="rId7"/>
+    <p:sldId id="260" r:id="rId8"/>
+    <p:sldId id="261" r:id="rId9"/>
+    <p:sldId id="262" r:id="rId10"/>
     <p:sldId id="265" r:id="rId11"/>
     <p:sldId id="266" r:id="rId12"/>
     <p:sldId id="267" r:id="rId13"/>
@@ -621,75 +621,6 @@
           <a:bodyPr/>
           <a:lstStyle/>
           <a:p>
-            <a:r>
-              <a:rPr lang="cs-CZ" dirty="0"/>
-              <a:t>97- první typ standardu, pásmo 2,4 GHz</a:t>
-            </a:r>
-          </a:p>
-          <a:p>
-            <a:r>
-              <a:rPr lang="cs-CZ" dirty="0"/>
-              <a:t>99- druhý typ standardu, pásmo 2,4GHz, </a:t>
-            </a:r>
-            <a:r>
-              <a:rPr lang="en-US" b="0" i="0" dirty="0" err="1">
-                <a:solidFill>
-                  <a:srgbClr val="666666"/>
-                </a:solidFill>
-                <a:effectLst/>
-                <a:latin typeface="asap"/>
-              </a:rPr>
-              <a:t>maximální</a:t>
-            </a:r>
-            <a:r>
-              <a:rPr lang="en-US" b="0" i="0" dirty="0">
-                <a:solidFill>
-                  <a:srgbClr val="666666"/>
-                </a:solidFill>
-                <a:effectLst/>
-                <a:latin typeface="asap"/>
-              </a:rPr>
-              <a:t> </a:t>
-            </a:r>
-            <a:r>
-              <a:rPr lang="en-US" b="0" i="0" dirty="0" err="1">
-                <a:solidFill>
-                  <a:srgbClr val="666666"/>
-                </a:solidFill>
-                <a:effectLst/>
-                <a:latin typeface="asap"/>
-              </a:rPr>
-              <a:t>rychlost</a:t>
-            </a:r>
-            <a:r>
-              <a:rPr lang="en-US" b="0" i="0" dirty="0">
-                <a:solidFill>
-                  <a:srgbClr val="666666"/>
-                </a:solidFill>
-                <a:effectLst/>
-                <a:latin typeface="asap"/>
-              </a:rPr>
-              <a:t> 11 Mbit/s</a:t>
-            </a:r>
-            <a:endParaRPr lang="cs-CZ" b="0" i="0" dirty="0">
-              <a:solidFill>
-                <a:srgbClr val="666666"/>
-              </a:solidFill>
-              <a:effectLst/>
-              <a:latin typeface="asap"/>
-            </a:endParaRPr>
-          </a:p>
-          <a:p>
-            <a:r>
-              <a:rPr lang="cs-CZ" b="0" i="0" dirty="0">
-                <a:solidFill>
-                  <a:srgbClr val="666666"/>
-                </a:solidFill>
-                <a:effectLst/>
-                <a:latin typeface="asap"/>
-              </a:rPr>
-              <a:t>    - </a:t>
-            </a:r>
             <a:endParaRPr lang="cs-CZ" dirty="0"/>
           </a:p>
         </p:txBody>
@@ -720,7 +651,7 @@
     </p:spTree>
     <p:extLst>
       <p:ext uri="{BB962C8B-B14F-4D97-AF65-F5344CB8AC3E}">
-        <p14:creationId xmlns:p14="http://schemas.microsoft.com/office/powerpoint/2010/main" val="3707788280"/>
+        <p14:creationId xmlns:p14="http://schemas.microsoft.com/office/powerpoint/2010/main" val="1178734581"/>
       </p:ext>
     </p:extLst>
   </p:cSld>
@@ -774,6 +705,75 @@
           <a:bodyPr/>
           <a:lstStyle/>
           <a:p>
+            <a:r>
+              <a:rPr lang="cs-CZ" dirty="0"/>
+              <a:t>97- první typ standardu, pásmo 2,4 GHz</a:t>
+            </a:r>
+          </a:p>
+          <a:p>
+            <a:r>
+              <a:rPr lang="cs-CZ" dirty="0"/>
+              <a:t>99- druhý typ standardu, pásmo 2,4GHz, </a:t>
+            </a:r>
+            <a:r>
+              <a:rPr lang="en-US" b="0" i="0" dirty="0" err="1">
+                <a:solidFill>
+                  <a:srgbClr val="666666"/>
+                </a:solidFill>
+                <a:effectLst/>
+                <a:latin typeface="asap"/>
+              </a:rPr>
+              <a:t>maximální</a:t>
+            </a:r>
+            <a:r>
+              <a:rPr lang="en-US" b="0" i="0" dirty="0">
+                <a:solidFill>
+                  <a:srgbClr val="666666"/>
+                </a:solidFill>
+                <a:effectLst/>
+                <a:latin typeface="asap"/>
+              </a:rPr>
+              <a:t> </a:t>
+            </a:r>
+            <a:r>
+              <a:rPr lang="en-US" b="0" i="0" dirty="0" err="1">
+                <a:solidFill>
+                  <a:srgbClr val="666666"/>
+                </a:solidFill>
+                <a:effectLst/>
+                <a:latin typeface="asap"/>
+              </a:rPr>
+              <a:t>rychlost</a:t>
+            </a:r>
+            <a:r>
+              <a:rPr lang="en-US" b="0" i="0" dirty="0">
+                <a:solidFill>
+                  <a:srgbClr val="666666"/>
+                </a:solidFill>
+                <a:effectLst/>
+                <a:latin typeface="asap"/>
+              </a:rPr>
+              <a:t> 11 Mbit/s</a:t>
+            </a:r>
+            <a:endParaRPr lang="cs-CZ" b="0" i="0" dirty="0">
+              <a:solidFill>
+                <a:srgbClr val="666666"/>
+              </a:solidFill>
+              <a:effectLst/>
+              <a:latin typeface="asap"/>
+            </a:endParaRPr>
+          </a:p>
+          <a:p>
+            <a:r>
+              <a:rPr lang="cs-CZ" b="0" i="0" dirty="0">
+                <a:solidFill>
+                  <a:srgbClr val="666666"/>
+                </a:solidFill>
+                <a:effectLst/>
+                <a:latin typeface="asap"/>
+              </a:rPr>
+              <a:t>    - </a:t>
+            </a:r>
             <a:endParaRPr lang="cs-CZ" dirty="0"/>
           </a:p>
         </p:txBody>
@@ -795,7 +795,7 @@
           <a:p>
             <a:fld id="{41D4C70A-8DA6-47AE-981F-F0A3334D9E74}" type="slidenum">
               <a:rPr lang="cs-CZ" smtClean="0"/>
-              <a:t>4</a:t>
+              <a:t>5</a:t>
             </a:fld>
             <a:endParaRPr lang="cs-CZ"/>
           </a:p>
@@ -804,7 +804,7 @@
     </p:spTree>
     <p:extLst>
       <p:ext uri="{BB962C8B-B14F-4D97-AF65-F5344CB8AC3E}">
-        <p14:creationId xmlns:p14="http://schemas.microsoft.com/office/powerpoint/2010/main" val="2274338897"/>
+        <p14:creationId xmlns:p14="http://schemas.microsoft.com/office/powerpoint/2010/main" val="3707788280"/>
       </p:ext>
     </p:extLst>
   </p:cSld>
@@ -858,112 +858,6 @@
           <a:bodyPr/>
           <a:lstStyle/>
           <a:p>
-            <a:r>
-              <a:rPr lang="cs-CZ" b="0" i="0" dirty="0" err="1">
-                <a:solidFill>
-                  <a:srgbClr val="333333"/>
-                </a:solidFill>
-                <a:effectLst/>
-                <a:latin typeface="Noto Serif" panose="020B0604020202020204" pitchFamily="18" charset="0"/>
-              </a:rPr>
-              <a:t>WiFi</a:t>
-            </a:r>
-            <a:r>
-              <a:rPr lang="cs-CZ" b="0" i="0" dirty="0">
-                <a:solidFill>
-                  <a:srgbClr val="333333"/>
-                </a:solidFill>
-                <a:effectLst/>
-                <a:latin typeface="Noto Serif" panose="020B0604020202020204" pitchFamily="18" charset="0"/>
-              </a:rPr>
-              <a:t> signál bude zeslabovat průchod skrz zdi a předměty, vliv dalších </a:t>
-            </a:r>
-            <a:r>
-              <a:rPr lang="cs-CZ" b="0" i="0" dirty="0" err="1">
-                <a:solidFill>
-                  <a:srgbClr val="333333"/>
-                </a:solidFill>
-                <a:effectLst/>
-                <a:latin typeface="Noto Serif" panose="020B0604020202020204" pitchFamily="18" charset="0"/>
-              </a:rPr>
-              <a:t>WiFi</a:t>
-            </a:r>
-            <a:r>
-              <a:rPr lang="cs-CZ" b="0" i="0" dirty="0">
-                <a:solidFill>
-                  <a:srgbClr val="333333"/>
-                </a:solidFill>
-                <a:effectLst/>
-                <a:latin typeface="Noto Serif" panose="020B0604020202020204" pitchFamily="18" charset="0"/>
-              </a:rPr>
-              <a:t>, použití mikrovlnných trub a řada dalších elektrických a elektronických zařízení.</a:t>
-            </a:r>
-          </a:p>
-          <a:p>
-            <a:r>
-              <a:rPr lang="cs-CZ" b="0" i="0" dirty="0">
-                <a:solidFill>
-                  <a:srgbClr val="333333"/>
-                </a:solidFill>
-                <a:effectLst/>
-                <a:latin typeface="Noto Serif" panose="020B0604020202020204" pitchFamily="18" charset="0"/>
-              </a:rPr>
-              <a:t>router – jak dobré a kolik má antén, nastavená „síla“ signálu – na straně opačného to ovlivní i anténa v zařízení, které k </a:t>
-            </a:r>
-            <a:r>
-              <a:rPr lang="cs-CZ" b="0" i="0" dirty="0" err="1">
-                <a:solidFill>
-                  <a:srgbClr val="333333"/>
-                </a:solidFill>
-                <a:effectLst/>
-                <a:latin typeface="Noto Serif" panose="020B0604020202020204" pitchFamily="18" charset="0"/>
-              </a:rPr>
-              <a:t>WiFi</a:t>
-            </a:r>
-            <a:r>
-              <a:rPr lang="cs-CZ" b="0" i="0" dirty="0">
-                <a:solidFill>
-                  <a:srgbClr val="333333"/>
-                </a:solidFill>
-                <a:effectLst/>
-                <a:latin typeface="Noto Serif" panose="020B0604020202020204" pitchFamily="18" charset="0"/>
-              </a:rPr>
-              <a:t> síti připojujete</a:t>
-            </a:r>
-          </a:p>
-          <a:p>
-            <a:r>
-              <a:rPr lang="cs-CZ" b="0" i="0" dirty="0">
-                <a:solidFill>
-                  <a:srgbClr val="333333"/>
-                </a:solidFill>
-                <a:effectLst/>
-                <a:latin typeface="Noto Serif" panose="020B0604020202020204" pitchFamily="18" charset="0"/>
-              </a:rPr>
-              <a:t>2.4 GHz- má méně kanálů</a:t>
-            </a:r>
-          </a:p>
-          <a:p>
-            <a:r>
-              <a:rPr lang="cs-CZ" b="0" i="0">
-                <a:solidFill>
-                  <a:srgbClr val="333333"/>
-                </a:solidFill>
-                <a:effectLst/>
-                <a:latin typeface="Noto Serif" panose="020B0604020202020204" pitchFamily="18" charset="0"/>
-              </a:rPr>
-              <a:t>5 GHz- 24 </a:t>
-            </a:r>
-            <a:r>
-              <a:rPr lang="cs-CZ" b="0" i="0" dirty="0">
-                <a:solidFill>
-                  <a:srgbClr val="333333"/>
-                </a:solidFill>
-                <a:effectLst/>
-                <a:latin typeface="Noto Serif" panose="020B0604020202020204" pitchFamily="18" charset="0"/>
-              </a:rPr>
-              <a:t>nepřekrývajících se kanálů</a:t>
-            </a:r>
             <a:endParaRPr lang="cs-CZ" dirty="0"/>
           </a:p>
         </p:txBody>
@@ -985,7 +879,7 @@
           <a:p>
             <a:fld id="{41D4C70A-8DA6-47AE-981F-F0A3334D9E74}" type="slidenum">
               <a:rPr lang="cs-CZ" smtClean="0"/>
-              <a:t>5</a:t>
+              <a:t>6</a:t>
             </a:fld>
             <a:endParaRPr lang="cs-CZ"/>
           </a:p>
@@ -994,7 +888,7 @@
     </p:spTree>
     <p:extLst>
       <p:ext uri="{BB962C8B-B14F-4D97-AF65-F5344CB8AC3E}">
-        <p14:creationId xmlns:p14="http://schemas.microsoft.com/office/powerpoint/2010/main" val="2755987071"/>
+        <p14:creationId xmlns:p14="http://schemas.microsoft.com/office/powerpoint/2010/main" val="2274338897"/>
       </p:ext>
     </p:extLst>
   </p:cSld>
@@ -1049,6 +943,196 @@
           <a:lstStyle/>
           <a:p>
             <a:r>
+              <a:rPr lang="cs-CZ" b="0" i="0" dirty="0" err="1">
+                <a:solidFill>
+                  <a:srgbClr val="333333"/>
+                </a:solidFill>
+                <a:effectLst/>
+                <a:latin typeface="Noto Serif" panose="020B0604020202020204" pitchFamily="18" charset="0"/>
+              </a:rPr>
+              <a:t>WiFi</a:t>
+            </a:r>
+            <a:r>
+              <a:rPr lang="cs-CZ" b="0" i="0" dirty="0">
+                <a:solidFill>
+                  <a:srgbClr val="333333"/>
+                </a:solidFill>
+                <a:effectLst/>
+                <a:latin typeface="Noto Serif" panose="020B0604020202020204" pitchFamily="18" charset="0"/>
+              </a:rPr>
+              <a:t> signál bude zeslabovat průchod skrz zdi a předměty, vliv dalších </a:t>
+            </a:r>
+            <a:r>
+              <a:rPr lang="cs-CZ" b="0" i="0" dirty="0" err="1">
+                <a:solidFill>
+                  <a:srgbClr val="333333"/>
+                </a:solidFill>
+                <a:effectLst/>
+                <a:latin typeface="Noto Serif" panose="020B0604020202020204" pitchFamily="18" charset="0"/>
+              </a:rPr>
+              <a:t>WiFi</a:t>
+            </a:r>
+            <a:r>
+              <a:rPr lang="cs-CZ" b="0" i="0" dirty="0">
+                <a:solidFill>
+                  <a:srgbClr val="333333"/>
+                </a:solidFill>
+                <a:effectLst/>
+                <a:latin typeface="Noto Serif" panose="020B0604020202020204" pitchFamily="18" charset="0"/>
+              </a:rPr>
+              <a:t>, použití mikrovlnných trub a řada dalších elektrických a elektronických zařízení.</a:t>
+            </a:r>
+          </a:p>
+          <a:p>
+            <a:r>
+              <a:rPr lang="cs-CZ" b="0" i="0" dirty="0">
+                <a:solidFill>
+                  <a:srgbClr val="333333"/>
+                </a:solidFill>
+                <a:effectLst/>
+                <a:latin typeface="Noto Serif" panose="020B0604020202020204" pitchFamily="18" charset="0"/>
+              </a:rPr>
+              <a:t>router – jak dobré a kolik má antén, nastavená „síla“ signálu – na straně opačného to ovlivní i anténa v zařízení, které k </a:t>
+            </a:r>
+            <a:r>
+              <a:rPr lang="cs-CZ" b="0" i="0" dirty="0" err="1">
+                <a:solidFill>
+                  <a:srgbClr val="333333"/>
+                </a:solidFill>
+                <a:effectLst/>
+                <a:latin typeface="Noto Serif" panose="020B0604020202020204" pitchFamily="18" charset="0"/>
+              </a:rPr>
+              <a:t>WiFi</a:t>
+            </a:r>
+            <a:r>
+              <a:rPr lang="cs-CZ" b="0" i="0" dirty="0">
+                <a:solidFill>
+                  <a:srgbClr val="333333"/>
+                </a:solidFill>
+                <a:effectLst/>
+                <a:latin typeface="Noto Serif" panose="020B0604020202020204" pitchFamily="18" charset="0"/>
+              </a:rPr>
+              <a:t> síti připojujete</a:t>
+            </a:r>
+          </a:p>
+          <a:p>
+            <a:r>
+              <a:rPr lang="cs-CZ" b="0" i="0" dirty="0">
+                <a:solidFill>
+                  <a:srgbClr val="333333"/>
+                </a:solidFill>
+                <a:effectLst/>
+                <a:latin typeface="Noto Serif" panose="020B0604020202020204" pitchFamily="18" charset="0"/>
+              </a:rPr>
+              <a:t>2.4 GHz- má méně kanálů</a:t>
+            </a:r>
+          </a:p>
+          <a:p>
+            <a:r>
+              <a:rPr lang="cs-CZ" b="0" i="0">
+                <a:solidFill>
+                  <a:srgbClr val="333333"/>
+                </a:solidFill>
+                <a:effectLst/>
+                <a:latin typeface="Noto Serif" panose="020B0604020202020204" pitchFamily="18" charset="0"/>
+              </a:rPr>
+              <a:t>5 GHz- 24 </a:t>
+            </a:r>
+            <a:r>
+              <a:rPr lang="cs-CZ" b="0" i="0" dirty="0">
+                <a:solidFill>
+                  <a:srgbClr val="333333"/>
+                </a:solidFill>
+                <a:effectLst/>
+                <a:latin typeface="Noto Serif" panose="020B0604020202020204" pitchFamily="18" charset="0"/>
+              </a:rPr>
+              <a:t>nepřekrývajících se kanálů</a:t>
+            </a:r>
+            <a:endParaRPr lang="cs-CZ" dirty="0"/>
+          </a:p>
+        </p:txBody>
+      </p:sp>
+      <p:sp>
+        <p:nvSpPr>
+          <p:cNvPr id="4" name="Zástupný symbol pro číslo snímku 3"/>
+          <p:cNvSpPr>
+            <a:spLocks noGrp="1"/>
+          </p:cNvSpPr>
+          <p:nvPr>
+            <p:ph type="sldNum" sz="quarter" idx="5"/>
+          </p:nvPr>
+        </p:nvSpPr>
+        <p:spPr/>
+        <p:txBody>
+          <a:bodyPr/>
+          <a:lstStyle/>
+          <a:p>
+            <a:fld id="{41D4C70A-8DA6-47AE-981F-F0A3334D9E74}" type="slidenum">
+              <a:rPr lang="cs-CZ" smtClean="0"/>
+              <a:t>7</a:t>
+            </a:fld>
+            <a:endParaRPr lang="cs-CZ"/>
+          </a:p>
+        </p:txBody>
+      </p:sp>
+    </p:spTree>
+    <p:extLst>
+      <p:ext uri="{BB962C8B-B14F-4D97-AF65-F5344CB8AC3E}">
+        <p14:creationId xmlns:p14="http://schemas.microsoft.com/office/powerpoint/2010/main" val="2755987071"/>
+      </p:ext>
+    </p:extLst>
+  </p:cSld>
+  <p:clrMapOvr>
+    <a:masterClrMapping/>
+  </p:clrMapOvr>
+</p:notes>
+</file>
+
+<file path=ppt/notesSlides/notesSlide6.xml><?xml version="1.0" encoding="utf-8"?>
+<p:notes xmlns:a="http://schemas.openxmlformats.org/drawingml/2006/main" xmlns:r="http://schemas.openxmlformats.org/officeDocument/2006/relationships" xmlns:p="http://schemas.openxmlformats.org/presentationml/2006/main">
+  <p:cSld>
+    <p:spTree>
+      <p:nvGrpSpPr>
+        <p:cNvPr id="1" name=""/>
+        <p:cNvGrpSpPr/>
+        <p:nvPr/>
+      </p:nvGrpSpPr>
+      <p:grpSpPr>
+        <a:xfrm>
+          <a:off x="0" y="0"/>
+          <a:ext cx="0" cy="0"/>
+          <a:chOff x="0" y="0"/>
+          <a:chExt cx="0" cy="0"/>
+        </a:xfrm>
+      </p:grpSpPr>
+      <p:sp>
+        <p:nvSpPr>
+          <p:cNvPr id="2" name="Zástupný symbol pro obrázek snímku 1"/>
+          <p:cNvSpPr>
+            <a:spLocks noGrp="1" noRot="1" noChangeAspect="1"/>
+          </p:cNvSpPr>
+          <p:nvPr>
+            <p:ph type="sldImg"/>
+          </p:nvPr>
+        </p:nvSpPr>
+        <p:spPr/>
+      </p:sp>
+      <p:sp>
+        <p:nvSpPr>
+          <p:cNvPr id="3" name="Zástupný symbol pro poznámky 2"/>
+          <p:cNvSpPr>
+            <a:spLocks noGrp="1"/>
+          </p:cNvSpPr>
+          <p:nvPr>
+            <p:ph type="body" idx="1"/>
+          </p:nvPr>
+        </p:nvSpPr>
+        <p:spPr/>
+        <p:txBody>
+          <a:bodyPr/>
+          <a:lstStyle/>
+          <a:p>
+            <a:r>
               <a:rPr lang="cs-CZ" dirty="0"/>
               <a:t>Cenná data= </a:t>
             </a:r>
@@ -1079,6 +1163,39 @@
               </a:rPr>
               <a:t>skrze náš router do naší domácí počítačové sítě proniknout a dále může sledovat skrze IP kamery náš soukromý život, krást a zneužívat naše data, nebo z našeho internetového připojení může dále páchat trestnou činnost atd.</a:t>
             </a:r>
+          </a:p>
+          <a:p>
+            <a:r>
+              <a:rPr lang="cs-CZ" b="0" i="0" dirty="0" err="1">
+                <a:solidFill>
+                  <a:srgbClr val="404040"/>
+                </a:solidFill>
+                <a:effectLst/>
+                <a:latin typeface="Open Sans" panose="020B0606030504020204" pitchFamily="34" charset="0"/>
+              </a:rPr>
+              <a:t>Routuje</a:t>
+            </a:r>
+            <a:r>
+              <a:rPr lang="cs-CZ" b="0" i="0" dirty="0">
+                <a:solidFill>
+                  <a:srgbClr val="404040"/>
+                </a:solidFill>
+                <a:effectLst/>
+                <a:latin typeface="Open Sans" panose="020B0606030504020204" pitchFamily="34" charset="0"/>
+              </a:rPr>
+              <a:t>= </a:t>
+            </a:r>
+            <a:r>
+              <a:rPr lang="cs-CZ" sz="1200" b="0" i="0" dirty="0">
+                <a:solidFill>
+                  <a:schemeClr val="tx1"/>
+                </a:solidFill>
+                <a:effectLst/>
+                <a:latin typeface="Arial" panose="020B0604020202020204" pitchFamily="34" charset="0"/>
+                <a:cs typeface="Arial" panose="020B0604020202020204" pitchFamily="34" charset="0"/>
+              </a:rPr>
+              <a:t>směruje</a:t>
+            </a:r>
             <a:endParaRPr lang="cs-CZ" dirty="0"/>
           </a:p>
         </p:txBody>
@@ -1100,7 +1217,7 @@
           <a:p>
             <a:fld id="{41D4C70A-8DA6-47AE-981F-F0A3334D9E74}" type="slidenum">
               <a:rPr lang="cs-CZ" smtClean="0"/>
-              <a:t>6</a:t>
+              <a:t>8</a:t>
             </a:fld>
             <a:endParaRPr lang="cs-CZ"/>
           </a:p>
@@ -1110,6 +1227,144 @@
     <p:extLst>
       <p:ext uri="{BB962C8B-B14F-4D97-AF65-F5344CB8AC3E}">
         <p14:creationId xmlns:p14="http://schemas.microsoft.com/office/powerpoint/2010/main" val="3589523524"/>
+      </p:ext>
+    </p:extLst>
+  </p:cSld>
+  <p:clrMapOvr>
+    <a:masterClrMapping/>
+  </p:clrMapOvr>
+</p:notes>
+</file>
+
+<file path=ppt/notesSlides/notesSlide7.xml><?xml version="1.0" encoding="utf-8"?>
+<p:notes xmlns:a="http://schemas.openxmlformats.org/drawingml/2006/main" xmlns:r="http://schemas.openxmlformats.org/officeDocument/2006/relationships" xmlns:p="http://schemas.openxmlformats.org/presentationml/2006/main">
+  <p:cSld>
+    <p:spTree>
+      <p:nvGrpSpPr>
+        <p:cNvPr id="1" name=""/>
+        <p:cNvGrpSpPr/>
+        <p:nvPr/>
+      </p:nvGrpSpPr>
+      <p:grpSpPr>
+        <a:xfrm>
+          <a:off x="0" y="0"/>
+          <a:ext cx="0" cy="0"/>
+          <a:chOff x="0" y="0"/>
+          <a:chExt cx="0" cy="0"/>
+        </a:xfrm>
+      </p:grpSpPr>
+      <p:sp>
+        <p:nvSpPr>
+          <p:cNvPr id="2" name="Zástupný symbol pro obrázek snímku 1"/>
+          <p:cNvSpPr>
+            <a:spLocks noGrp="1" noRot="1" noChangeAspect="1"/>
+          </p:cNvSpPr>
+          <p:nvPr>
+            <p:ph type="sldImg"/>
+          </p:nvPr>
+        </p:nvSpPr>
+        <p:spPr/>
+      </p:sp>
+      <p:sp>
+        <p:nvSpPr>
+          <p:cNvPr id="3" name="Zástupný symbol pro poznámky 2"/>
+          <p:cNvSpPr>
+            <a:spLocks noGrp="1"/>
+          </p:cNvSpPr>
+          <p:nvPr>
+            <p:ph type="body" idx="1"/>
+          </p:nvPr>
+        </p:nvSpPr>
+        <p:spPr/>
+        <p:txBody>
+          <a:bodyPr/>
+          <a:lstStyle/>
+          <a:p>
+            <a:r>
+              <a:rPr lang="cs-CZ" dirty="0"/>
+              <a:t>K lepšímu zabezpečení je potřeba uživatelské jméno a heslo změnit</a:t>
+            </a:r>
+          </a:p>
+          <a:p>
+            <a:r>
+              <a:rPr lang="cs-CZ" b="0" i="0" dirty="0">
+                <a:solidFill>
+                  <a:srgbClr val="404040"/>
+                </a:solidFill>
+                <a:effectLst/>
+                <a:latin typeface="Open Sans" panose="020B0606030504020204" pitchFamily="34" charset="0"/>
+              </a:rPr>
+              <a:t>Do nastavení se uživatel dostane tak, že v internetovém prohlížeči zadá přístupovou IP adresu nalezenou na štítku nalepeném na routeru a je vyzván k zadání uživatelského jména a hesla</a:t>
+            </a:r>
+            <a:r>
+              <a:rPr lang="cs-CZ" dirty="0"/>
+              <a:t> </a:t>
+            </a:r>
+          </a:p>
+          <a:p>
+            <a:r>
+              <a:rPr lang="cs-CZ" b="0" i="0" dirty="0">
+                <a:solidFill>
+                  <a:srgbClr val="404040"/>
+                </a:solidFill>
+                <a:effectLst/>
+                <a:latin typeface="Open Sans" panose="020B0606030504020204" pitchFamily="34" charset="0"/>
+              </a:rPr>
+              <a:t>V sekci nastavení Wi-Fi sítě je třeba zadat jméno vysílané Wi-Fi sítě, tzv. SSID a hesla</a:t>
+            </a:r>
+          </a:p>
+          <a:p>
+            <a:r>
+              <a:rPr lang="cs-CZ" b="0" i="0" dirty="0" err="1">
+                <a:solidFill>
+                  <a:srgbClr val="202122"/>
+                </a:solidFill>
+                <a:effectLst/>
+                <a:latin typeface="Arial" panose="020B0604020202020204" pitchFamily="34" charset="0"/>
+              </a:rPr>
+              <a:t>WiFI</a:t>
+            </a:r>
+            <a:r>
+              <a:rPr lang="cs-CZ" b="0" i="0" dirty="0">
+                <a:solidFill>
+                  <a:srgbClr val="202122"/>
+                </a:solidFill>
+                <a:effectLst/>
+                <a:latin typeface="Arial" panose="020B0604020202020204" pitchFamily="34" charset="0"/>
+              </a:rPr>
+              <a:t> Alliance vydala 31. října 2002 popis zabezpečení WPA</a:t>
+            </a:r>
+            <a:endParaRPr lang="cs-CZ" b="0" dirty="0"/>
+          </a:p>
+        </p:txBody>
+      </p:sp>
+      <p:sp>
+        <p:nvSpPr>
+          <p:cNvPr id="4" name="Zástupný symbol pro číslo snímku 3"/>
+          <p:cNvSpPr>
+            <a:spLocks noGrp="1"/>
+          </p:cNvSpPr>
+          <p:nvPr>
+            <p:ph type="sldNum" sz="quarter" idx="5"/>
+          </p:nvPr>
+        </p:nvSpPr>
+        <p:spPr/>
+        <p:txBody>
+          <a:bodyPr/>
+          <a:lstStyle/>
+          <a:p>
+            <a:fld id="{41D4C70A-8DA6-47AE-981F-F0A3334D9E74}" type="slidenum">
+              <a:rPr lang="cs-CZ" smtClean="0"/>
+              <a:t>9</a:t>
+            </a:fld>
+            <a:endParaRPr lang="cs-CZ"/>
+          </a:p>
+        </p:txBody>
+      </p:sp>
+    </p:spTree>
+    <p:extLst>
+      <p:ext uri="{BB962C8B-B14F-4D97-AF65-F5344CB8AC3E}">
+        <p14:creationId xmlns:p14="http://schemas.microsoft.com/office/powerpoint/2010/main" val="628836037"/>
       </p:ext>
     </p:extLst>
   </p:cSld>
@@ -5525,6 +5780,186 @@
 </file>
 
 <file path=ppt/slides/slide3.xml><?xml version="1.0" encoding="utf-8"?>
+<p:sld xmlns:a="http://schemas.openxmlformats.org/drawingml/2006/main" xmlns:r="http://schemas.openxmlformats.org/officeDocument/2006/relationships" xmlns:p="http://schemas.openxmlformats.org/presentationml/2006/main">
+  <p:cSld>
+    <p:spTree>
+      <p:nvGrpSpPr>
+        <p:cNvPr id="1" name=""/>
+        <p:cNvGrpSpPr/>
+        <p:nvPr/>
+      </p:nvGrpSpPr>
+      <p:grpSpPr>
+        <a:xfrm>
+          <a:off x="0" y="0"/>
+          <a:ext cx="0" cy="0"/>
+          <a:chOff x="0" y="0"/>
+          <a:chExt cx="0" cy="0"/>
+        </a:xfrm>
+      </p:grpSpPr>
+      <p:sp>
+        <p:nvSpPr>
+          <p:cNvPr id="2" name="Nadpis 1">
+            <a:extLst>
+              <a:ext uri="{FF2B5EF4-FFF2-40B4-BE49-F238E27FC236}">
+                <a16:creationId xmlns:a16="http://schemas.microsoft.com/office/drawing/2014/main" id="{5CEBA942-2D42-181F-11C1-AA6D7676E662}"/>
+              </a:ext>
+            </a:extLst>
+          </p:cNvPr>
+          <p:cNvSpPr>
+            <a:spLocks noGrp="1"/>
+          </p:cNvSpPr>
+          <p:nvPr>
+            <p:ph type="title"/>
+          </p:nvPr>
+        </p:nvSpPr>
+        <p:spPr>
+          <a:xfrm>
+            <a:off x="231544" y="251770"/>
+            <a:ext cx="3999183" cy="724623"/>
+          </a:xfrm>
+        </p:spPr>
+        <p:txBody>
+          <a:bodyPr>
+            <a:normAutofit fontScale="90000"/>
+          </a:bodyPr>
+          <a:lstStyle/>
+          <a:p>
+            <a:r>
+              <a:rPr lang="cs-CZ" dirty="0"/>
+              <a:t>Pásmo 2,4 GHz</a:t>
+            </a:r>
+          </a:p>
+        </p:txBody>
+      </p:sp>
+      <p:sp>
+        <p:nvSpPr>
+          <p:cNvPr id="3" name="Zástupný obsah 2">
+            <a:extLst>
+              <a:ext uri="{FF2B5EF4-FFF2-40B4-BE49-F238E27FC236}">
+                <a16:creationId xmlns:a16="http://schemas.microsoft.com/office/drawing/2014/main" id="{311214F6-D404-8B86-233C-BDF24C217FD0}"/>
+              </a:ext>
+            </a:extLst>
+          </p:cNvPr>
+          <p:cNvSpPr>
+            <a:spLocks noGrp="1"/>
+          </p:cNvSpPr>
+          <p:nvPr>
+            <p:ph idx="1"/>
+          </p:nvPr>
+        </p:nvSpPr>
+        <p:spPr/>
+        <p:txBody>
+          <a:bodyPr/>
+          <a:lstStyle/>
+          <a:p>
+            <a:endParaRPr lang="cs-CZ"/>
+          </a:p>
+        </p:txBody>
+      </p:sp>
+    </p:spTree>
+    <p:extLst>
+      <p:ext uri="{BB962C8B-B14F-4D97-AF65-F5344CB8AC3E}">
+        <p14:creationId xmlns:p14="http://schemas.microsoft.com/office/powerpoint/2010/main" val="3076635656"/>
+      </p:ext>
+    </p:extLst>
+  </p:cSld>
+  <p:clrMapOvr>
+    <a:masterClrMapping/>
+  </p:clrMapOvr>
+</p:sld>
+</file>
+
+<file path=ppt/slides/slide4.xml><?xml version="1.0" encoding="utf-8"?>
+<p:sld xmlns:a="http://schemas.openxmlformats.org/drawingml/2006/main" xmlns:r="http://schemas.openxmlformats.org/officeDocument/2006/relationships" xmlns:p="http://schemas.openxmlformats.org/presentationml/2006/main">
+  <p:cSld>
+    <p:spTree>
+      <p:nvGrpSpPr>
+        <p:cNvPr id="1" name=""/>
+        <p:cNvGrpSpPr/>
+        <p:nvPr/>
+      </p:nvGrpSpPr>
+      <p:grpSpPr>
+        <a:xfrm>
+          <a:off x="0" y="0"/>
+          <a:ext cx="0" cy="0"/>
+          <a:chOff x="0" y="0"/>
+          <a:chExt cx="0" cy="0"/>
+        </a:xfrm>
+      </p:grpSpPr>
+      <p:sp>
+        <p:nvSpPr>
+          <p:cNvPr id="2" name="Nadpis 1">
+            <a:extLst>
+              <a:ext uri="{FF2B5EF4-FFF2-40B4-BE49-F238E27FC236}">
+                <a16:creationId xmlns:a16="http://schemas.microsoft.com/office/drawing/2014/main" id="{CE6A3530-AD76-4FA1-F5B7-9C7DB0546928}"/>
+              </a:ext>
+            </a:extLst>
+          </p:cNvPr>
+          <p:cNvSpPr>
+            <a:spLocks noGrp="1"/>
+          </p:cNvSpPr>
+          <p:nvPr>
+            <p:ph type="title"/>
+          </p:nvPr>
+        </p:nvSpPr>
+        <p:spPr>
+          <a:xfrm>
+            <a:off x="402336" y="344760"/>
+            <a:ext cx="3394749" cy="662630"/>
+          </a:xfrm>
+        </p:spPr>
+        <p:txBody>
+          <a:bodyPr>
+            <a:normAutofit fontScale="90000"/>
+          </a:bodyPr>
+          <a:lstStyle/>
+          <a:p>
+            <a:r>
+              <a:rPr lang="cs-CZ" dirty="0"/>
+              <a:t>Pásmo 5GHZ</a:t>
+            </a:r>
+          </a:p>
+        </p:txBody>
+      </p:sp>
+      <p:sp>
+        <p:nvSpPr>
+          <p:cNvPr id="3" name="Zástupný obsah 2">
+            <a:extLst>
+              <a:ext uri="{FF2B5EF4-FFF2-40B4-BE49-F238E27FC236}">
+                <a16:creationId xmlns:a16="http://schemas.microsoft.com/office/drawing/2014/main" id="{C3125C44-05D0-54CD-D1B3-245EF4CF5F70}"/>
+              </a:ext>
+            </a:extLst>
+          </p:cNvPr>
+          <p:cNvSpPr>
+            <a:spLocks noGrp="1"/>
+          </p:cNvSpPr>
+          <p:nvPr>
+            <p:ph idx="1"/>
+          </p:nvPr>
+        </p:nvSpPr>
+        <p:spPr/>
+        <p:txBody>
+          <a:bodyPr/>
+          <a:lstStyle/>
+          <a:p>
+            <a:endParaRPr lang="cs-CZ"/>
+          </a:p>
+        </p:txBody>
+      </p:sp>
+    </p:spTree>
+    <p:extLst>
+      <p:ext uri="{BB962C8B-B14F-4D97-AF65-F5344CB8AC3E}">
+        <p14:creationId xmlns:p14="http://schemas.microsoft.com/office/powerpoint/2010/main" val="2166075358"/>
+      </p:ext>
+    </p:extLst>
+  </p:cSld>
+  <p:clrMapOvr>
+    <a:masterClrMapping/>
+  </p:clrMapOvr>
+</p:sld>
+</file>
+
+<file path=ppt/slides/slide5.xml><?xml version="1.0" encoding="utf-8"?>
 <p:sld xmlns:a="http://schemas.openxmlformats.org/drawingml/2006/main" xmlns:r="http://schemas.openxmlformats.org/officeDocument/2006/relationships" xmlns:p="http://schemas.openxmlformats.org/presentationml/2006/main">
   <p:cSld>
     <p:spTree>
@@ -6767,7 +7202,7 @@
 </p:sld>
 </file>
 
-<file path=ppt/slides/slide4.xml><?xml version="1.0" encoding="utf-8"?>
+<file path=ppt/slides/slide6.xml><?xml version="1.0" encoding="utf-8"?>
 <p:sld xmlns:a="http://schemas.openxmlformats.org/drawingml/2006/main" xmlns:r="http://schemas.openxmlformats.org/officeDocument/2006/relationships" xmlns:p="http://schemas.openxmlformats.org/presentationml/2006/main">
   <p:cSld>
     <p:spTree>
@@ -6936,7 +7371,7 @@
 </p:sld>
 </file>
 
-<file path=ppt/slides/slide5.xml><?xml version="1.0" encoding="utf-8"?>
+<file path=ppt/slides/slide7.xml><?xml version="1.0" encoding="utf-8"?>
 <p:sld xmlns:a="http://schemas.openxmlformats.org/drawingml/2006/main" xmlns:r="http://schemas.openxmlformats.org/officeDocument/2006/relationships" xmlns:p="http://schemas.openxmlformats.org/presentationml/2006/main">
   <p:cSld>
     <p:spTree>
@@ -7162,7 +7597,7 @@
 </p:sld>
 </file>
 
-<file path=ppt/slides/slide6.xml><?xml version="1.0" encoding="utf-8"?>
+<file path=ppt/slides/slide8.xml><?xml version="1.0" encoding="utf-8"?>
 <p:sld xmlns:a="http://schemas.openxmlformats.org/drawingml/2006/main" xmlns:r="http://schemas.openxmlformats.org/officeDocument/2006/relationships" xmlns:p="http://schemas.openxmlformats.org/presentationml/2006/main">
   <p:cSld>
     <p:spTree>
@@ -7181,6 +7616,50 @@
       </p:grpSpPr>
       <p:sp>
         <p:nvSpPr>
+          <p:cNvPr id="6" name="Obdélník 5">
+            <a:extLst>
+              <a:ext uri="{FF2B5EF4-FFF2-40B4-BE49-F238E27FC236}">
+                <a16:creationId xmlns:a16="http://schemas.microsoft.com/office/drawing/2014/main" id="{5123C84A-0173-DAAE-5696-8544DC8B4C6F}"/>
+              </a:ext>
+            </a:extLst>
+          </p:cNvPr>
+          <p:cNvSpPr/>
+          <p:nvPr/>
+        </p:nvSpPr>
+        <p:spPr>
+          <a:xfrm>
+            <a:off x="437071" y="1782305"/>
+            <a:ext cx="7420570" cy="3533614"/>
+          </a:xfrm>
+          <a:prstGeom prst="rect">
+            <a:avLst/>
+          </a:prstGeom>
+        </p:spPr>
+        <p:style>
+          <a:lnRef idx="2">
+            <a:schemeClr val="dk1"/>
+          </a:lnRef>
+          <a:fillRef idx="1">
+            <a:schemeClr val="lt1"/>
+          </a:fillRef>
+          <a:effectRef idx="0">
+            <a:schemeClr val="dk1"/>
+          </a:effectRef>
+          <a:fontRef idx="minor">
+            <a:schemeClr val="dk1"/>
+          </a:fontRef>
+        </p:style>
+        <p:txBody>
+          <a:bodyPr rtlCol="0" anchor="ctr"/>
+          <a:lstStyle/>
+          <a:p>
+            <a:pPr algn="ctr"/>
+            <a:endParaRPr lang="cs-CZ"/>
+          </a:p>
+        </p:txBody>
+      </p:sp>
+      <p:sp>
+        <p:nvSpPr>
           <p:cNvPr id="2" name="Nadpis 1">
             <a:extLst>
               <a:ext uri="{FF2B5EF4-FFF2-40B4-BE49-F238E27FC236}">
@@ -7240,8 +7719,8 @@
         </p:nvSpPr>
         <p:spPr>
           <a:xfrm>
-            <a:off x="604433" y="1890793"/>
-            <a:ext cx="7377193" cy="4465824"/>
+            <a:off x="437071" y="1782305"/>
+            <a:ext cx="7420571" cy="3533614"/>
           </a:xfrm>
         </p:spPr>
         <p:txBody>
@@ -7256,7 +7735,7 @@
               </a:buClr>
             </a:pPr>
             <a:r>
-              <a:rPr lang="cs-CZ" dirty="0">
+              <a:rPr lang="cs-CZ" sz="3200" dirty="0">
                 <a:solidFill>
                   <a:schemeClr val="tx1"/>
                 </a:solidFill>
@@ -7266,7 +7745,7 @@
               <a:t>Většina zařízení připojených k </a:t>
             </a:r>
             <a:r>
-              <a:rPr lang="cs-CZ" dirty="0" err="1">
+              <a:rPr lang="cs-CZ" sz="3200" dirty="0" err="1">
                 <a:solidFill>
                   <a:schemeClr val="tx1"/>
                 </a:solidFill>
@@ -7276,7 +7755,7 @@
               <a:t>WiFi</a:t>
             </a:r>
             <a:r>
-              <a:rPr lang="cs-CZ" dirty="0">
+              <a:rPr lang="cs-CZ" sz="3200" dirty="0">
                 <a:solidFill>
                   <a:schemeClr val="tx1"/>
                 </a:solidFill>
@@ -7293,7 +7772,7 @@
               </a:buClr>
             </a:pPr>
             <a:r>
-              <a:rPr lang="cs-CZ" dirty="0">
+              <a:rPr lang="cs-CZ" sz="3200" dirty="0">
                 <a:solidFill>
                   <a:schemeClr val="tx1"/>
                 </a:solidFill>
@@ -7310,7 +7789,7 @@
               </a:buClr>
             </a:pPr>
             <a:r>
-              <a:rPr lang="cs-CZ" b="0" i="0" dirty="0">
+              <a:rPr lang="cs-CZ" sz="3200" b="0" i="0" dirty="0">
                 <a:solidFill>
                   <a:schemeClr val="tx1"/>
                 </a:solidFill>
@@ -7321,7 +7800,7 @@
               <a:t>Router propojuje dvě různé počítačové sítě a </a:t>
             </a:r>
             <a:r>
-              <a:rPr lang="cs-CZ" b="0" i="0" dirty="0" err="1">
+              <a:rPr lang="cs-CZ" sz="3200" b="0" i="0" dirty="0" err="1">
                 <a:solidFill>
                   <a:schemeClr val="tx1"/>
                 </a:solidFill>
@@ -7332,7 +7811,7 @@
               <a:t>routuje</a:t>
             </a:r>
             <a:r>
-              <a:rPr lang="cs-CZ" b="0" i="0" dirty="0">
+              <a:rPr lang="cs-CZ" sz="3200" b="0" i="0" dirty="0">
                 <a:solidFill>
                   <a:schemeClr val="tx1"/>
                 </a:solidFill>
@@ -7340,9 +7819,9 @@
                 <a:latin typeface="Arial" panose="020B0604020202020204" pitchFamily="34" charset="0"/>
                 <a:cs typeface="Arial" panose="020B0604020202020204" pitchFamily="34" charset="0"/>
               </a:rPr>
-              <a:t> (směruje) mezi nimi datový tok</a:t>
-            </a:r>
-            <a:endParaRPr lang="en-US" dirty="0">
+              <a:t> mezi nimi datový tok</a:t>
+            </a:r>
+            <a:endParaRPr lang="en-US" sz="3200" dirty="0">
               <a:solidFill>
                 <a:schemeClr val="tx1"/>
               </a:solidFill>
@@ -7411,166 +7890,6 @@
 </p:sld>
 </file>
 
-<file path=ppt/slides/slide7.xml><?xml version="1.0" encoding="utf-8"?>
-<p:sld xmlns:a="http://schemas.openxmlformats.org/drawingml/2006/main" xmlns:r="http://schemas.openxmlformats.org/officeDocument/2006/relationships" xmlns:p="http://schemas.openxmlformats.org/presentationml/2006/main">
-  <p:cSld>
-    <p:spTree>
-      <p:nvGrpSpPr>
-        <p:cNvPr id="1" name=""/>
-        <p:cNvGrpSpPr/>
-        <p:nvPr/>
-      </p:nvGrpSpPr>
-      <p:grpSpPr>
-        <a:xfrm>
-          <a:off x="0" y="0"/>
-          <a:ext cx="0" cy="0"/>
-          <a:chOff x="0" y="0"/>
-          <a:chExt cx="0" cy="0"/>
-        </a:xfrm>
-      </p:grpSpPr>
-      <p:sp>
-        <p:nvSpPr>
-          <p:cNvPr id="2" name="Nadpis 1">
-            <a:extLst>
-              <a:ext uri="{FF2B5EF4-FFF2-40B4-BE49-F238E27FC236}">
-                <a16:creationId xmlns:a16="http://schemas.microsoft.com/office/drawing/2014/main" id="{E320C837-B2AD-F25E-A8E7-1C00EBA88E60}"/>
-              </a:ext>
-            </a:extLst>
-          </p:cNvPr>
-          <p:cNvSpPr>
-            <a:spLocks noGrp="1"/>
-          </p:cNvSpPr>
-          <p:nvPr>
-            <p:ph type="title"/>
-          </p:nvPr>
-        </p:nvSpPr>
-        <p:spPr/>
-        <p:txBody>
-          <a:bodyPr/>
-          <a:lstStyle/>
-          <a:p>
-            <a:endParaRPr lang="cs-CZ"/>
-          </a:p>
-        </p:txBody>
-      </p:sp>
-      <p:sp>
-        <p:nvSpPr>
-          <p:cNvPr id="3" name="Zástupný obsah 2">
-            <a:extLst>
-              <a:ext uri="{FF2B5EF4-FFF2-40B4-BE49-F238E27FC236}">
-                <a16:creationId xmlns:a16="http://schemas.microsoft.com/office/drawing/2014/main" id="{26311C80-C188-C0A8-F644-909279A20233}"/>
-              </a:ext>
-            </a:extLst>
-          </p:cNvPr>
-          <p:cNvSpPr>
-            <a:spLocks noGrp="1"/>
-          </p:cNvSpPr>
-          <p:nvPr>
-            <p:ph idx="1"/>
-          </p:nvPr>
-        </p:nvSpPr>
-        <p:spPr/>
-        <p:txBody>
-          <a:bodyPr/>
-          <a:lstStyle/>
-          <a:p>
-            <a:endParaRPr lang="cs-CZ"/>
-          </a:p>
-        </p:txBody>
-      </p:sp>
-    </p:spTree>
-    <p:extLst>
-      <p:ext uri="{BB962C8B-B14F-4D97-AF65-F5344CB8AC3E}">
-        <p14:creationId xmlns:p14="http://schemas.microsoft.com/office/powerpoint/2010/main" val="202359997"/>
-      </p:ext>
-    </p:extLst>
-  </p:cSld>
-  <p:clrMapOvr>
-    <a:masterClrMapping/>
-  </p:clrMapOvr>
-</p:sld>
-</file>
-
-<file path=ppt/slides/slide8.xml><?xml version="1.0" encoding="utf-8"?>
-<p:sld xmlns:a="http://schemas.openxmlformats.org/drawingml/2006/main" xmlns:r="http://schemas.openxmlformats.org/officeDocument/2006/relationships" xmlns:p="http://schemas.openxmlformats.org/presentationml/2006/main">
-  <p:cSld>
-    <p:spTree>
-      <p:nvGrpSpPr>
-        <p:cNvPr id="1" name=""/>
-        <p:cNvGrpSpPr/>
-        <p:nvPr/>
-      </p:nvGrpSpPr>
-      <p:grpSpPr>
-        <a:xfrm>
-          <a:off x="0" y="0"/>
-          <a:ext cx="0" cy="0"/>
-          <a:chOff x="0" y="0"/>
-          <a:chExt cx="0" cy="0"/>
-        </a:xfrm>
-      </p:grpSpPr>
-      <p:sp>
-        <p:nvSpPr>
-          <p:cNvPr id="2" name="Nadpis 1">
-            <a:extLst>
-              <a:ext uri="{FF2B5EF4-FFF2-40B4-BE49-F238E27FC236}">
-                <a16:creationId xmlns:a16="http://schemas.microsoft.com/office/drawing/2014/main" id="{5CEBA942-2D42-181F-11C1-AA6D7676E662}"/>
-              </a:ext>
-            </a:extLst>
-          </p:cNvPr>
-          <p:cNvSpPr>
-            <a:spLocks noGrp="1"/>
-          </p:cNvSpPr>
-          <p:nvPr>
-            <p:ph type="title"/>
-          </p:nvPr>
-        </p:nvSpPr>
-        <p:spPr/>
-        <p:txBody>
-          <a:bodyPr/>
-          <a:lstStyle/>
-          <a:p>
-            <a:endParaRPr lang="cs-CZ"/>
-          </a:p>
-        </p:txBody>
-      </p:sp>
-      <p:sp>
-        <p:nvSpPr>
-          <p:cNvPr id="3" name="Zástupný obsah 2">
-            <a:extLst>
-              <a:ext uri="{FF2B5EF4-FFF2-40B4-BE49-F238E27FC236}">
-                <a16:creationId xmlns:a16="http://schemas.microsoft.com/office/drawing/2014/main" id="{311214F6-D404-8B86-233C-BDF24C217FD0}"/>
-              </a:ext>
-            </a:extLst>
-          </p:cNvPr>
-          <p:cNvSpPr>
-            <a:spLocks noGrp="1"/>
-          </p:cNvSpPr>
-          <p:nvPr>
-            <p:ph idx="1"/>
-          </p:nvPr>
-        </p:nvSpPr>
-        <p:spPr/>
-        <p:txBody>
-          <a:bodyPr/>
-          <a:lstStyle/>
-          <a:p>
-            <a:endParaRPr lang="cs-CZ"/>
-          </a:p>
-        </p:txBody>
-      </p:sp>
-    </p:spTree>
-    <p:extLst>
-      <p:ext uri="{BB962C8B-B14F-4D97-AF65-F5344CB8AC3E}">
-        <p14:creationId xmlns:p14="http://schemas.microsoft.com/office/powerpoint/2010/main" val="3076635656"/>
-      </p:ext>
-    </p:extLst>
-  </p:cSld>
-  <p:clrMapOvr>
-    <a:masterClrMapping/>
-  </p:clrMapOvr>
-</p:sld>
-</file>
-
 <file path=ppt/slides/slide9.xml><?xml version="1.0" encoding="utf-8"?>
 <p:sld xmlns:a="http://schemas.openxmlformats.org/drawingml/2006/main" xmlns:r="http://schemas.openxmlformats.org/officeDocument/2006/relationships" xmlns:p="http://schemas.openxmlformats.org/presentationml/2006/main">
   <p:cSld>
@@ -7590,10 +7909,54 @@
       </p:grpSpPr>
       <p:sp>
         <p:nvSpPr>
+          <p:cNvPr id="4" name="Obdélník 3">
+            <a:extLst>
+              <a:ext uri="{FF2B5EF4-FFF2-40B4-BE49-F238E27FC236}">
+                <a16:creationId xmlns:a16="http://schemas.microsoft.com/office/drawing/2014/main" id="{394EDFCC-EF40-FF93-4DC6-208435BD8614}"/>
+              </a:ext>
+            </a:extLst>
+          </p:cNvPr>
+          <p:cNvSpPr/>
+          <p:nvPr/>
+        </p:nvSpPr>
+        <p:spPr>
+          <a:xfrm>
+            <a:off x="1839132" y="1658318"/>
+            <a:ext cx="9670943" cy="4680489"/>
+          </a:xfrm>
+          <a:prstGeom prst="rect">
+            <a:avLst/>
+          </a:prstGeom>
+        </p:spPr>
+        <p:style>
+          <a:lnRef idx="2">
+            <a:schemeClr val="dk1"/>
+          </a:lnRef>
+          <a:fillRef idx="1">
+            <a:schemeClr val="lt1"/>
+          </a:fillRef>
+          <a:effectRef idx="0">
+            <a:schemeClr val="dk1"/>
+          </a:effectRef>
+          <a:fontRef idx="minor">
+            <a:schemeClr val="dk1"/>
+          </a:fontRef>
+        </p:style>
+        <p:txBody>
+          <a:bodyPr rtlCol="0" anchor="ctr"/>
+          <a:lstStyle/>
+          <a:p>
+            <a:pPr algn="ctr"/>
+            <a:endParaRPr lang="cs-CZ"/>
+          </a:p>
+        </p:txBody>
+      </p:sp>
+      <p:sp>
+        <p:nvSpPr>
           <p:cNvPr id="2" name="Nadpis 1">
             <a:extLst>
               <a:ext uri="{FF2B5EF4-FFF2-40B4-BE49-F238E27FC236}">
-                <a16:creationId xmlns:a16="http://schemas.microsoft.com/office/drawing/2014/main" id="{CE6A3530-AD76-4FA1-F5B7-9C7DB0546928}"/>
+                <a16:creationId xmlns:a16="http://schemas.microsoft.com/office/drawing/2014/main" id="{E320C837-B2AD-F25E-A8E7-1C00EBA88E60}"/>
               </a:ext>
             </a:extLst>
           </p:cNvPr>
@@ -7604,12 +7967,20 @@
             <p:ph type="title"/>
           </p:nvPr>
         </p:nvSpPr>
-        <p:spPr/>
+        <p:spPr>
+          <a:xfrm>
+            <a:off x="262851" y="238367"/>
+            <a:ext cx="6075956" cy="879606"/>
+          </a:xfrm>
+        </p:spPr>
         <p:txBody>
           <a:bodyPr/>
           <a:lstStyle/>
           <a:p>
-            <a:endParaRPr lang="cs-CZ"/>
+            <a:r>
+              <a:rPr lang="cs-CZ" dirty="0"/>
+              <a:t>Jak zabezpečit router?</a:t>
+            </a:r>
           </a:p>
         </p:txBody>
       </p:sp>
@@ -7618,7 +7989,7 @@
           <p:cNvPr id="3" name="Zástupný obsah 2">
             <a:extLst>
               <a:ext uri="{FF2B5EF4-FFF2-40B4-BE49-F238E27FC236}">
-                <a16:creationId xmlns:a16="http://schemas.microsoft.com/office/drawing/2014/main" id="{C3125C44-05D0-54CD-D1B3-245EF4CF5F70}"/>
+                <a16:creationId xmlns:a16="http://schemas.microsoft.com/office/drawing/2014/main" id="{26311C80-C188-C0A8-F644-909279A20233}"/>
               </a:ext>
             </a:extLst>
           </p:cNvPr>
@@ -7629,19 +8000,266 @@
             <p:ph idx="1"/>
           </p:nvPr>
         </p:nvSpPr>
-        <p:spPr/>
-        <p:txBody>
-          <a:bodyPr/>
-          <a:lstStyle/>
-          <a:p>
-            <a:endParaRPr lang="cs-CZ"/>
+        <p:spPr>
+          <a:xfrm>
+            <a:off x="1844297" y="1689314"/>
+            <a:ext cx="9665777" cy="4649493"/>
+          </a:xfrm>
+        </p:spPr>
+        <p:txBody>
+          <a:bodyPr>
+            <a:normAutofit/>
+          </a:bodyPr>
+          <a:lstStyle/>
+          <a:p>
+            <a:pPr>
+              <a:buClrTx/>
+            </a:pPr>
+            <a:r>
+              <a:rPr lang="cs-CZ" sz="2400" dirty="0">
+                <a:solidFill>
+                  <a:schemeClr val="tx1"/>
+                </a:solidFill>
+                <a:latin typeface="Arial" panose="020B0604020202020204" pitchFamily="34" charset="0"/>
+                <a:cs typeface="Arial" panose="020B0604020202020204" pitchFamily="34" charset="0"/>
+              </a:rPr>
+              <a:t>Standartně má většina routerů nastavené </a:t>
+            </a:r>
+            <a:r>
+              <a:rPr lang="cs-CZ" sz="2400" b="1" dirty="0">
+                <a:solidFill>
+                  <a:schemeClr val="tx1"/>
+                </a:solidFill>
+                <a:latin typeface="Arial" panose="020B0604020202020204" pitchFamily="34" charset="0"/>
+                <a:cs typeface="Arial" panose="020B0604020202020204" pitchFamily="34" charset="0"/>
+              </a:rPr>
+              <a:t>uživatelské jméno: admin</a:t>
+            </a:r>
+            <a:r>
+              <a:rPr lang="cs-CZ" sz="2400" dirty="0">
+                <a:solidFill>
+                  <a:schemeClr val="tx1"/>
+                </a:solidFill>
+                <a:latin typeface="Arial" panose="020B0604020202020204" pitchFamily="34" charset="0"/>
+                <a:cs typeface="Arial" panose="020B0604020202020204" pitchFamily="34" charset="0"/>
+              </a:rPr>
+              <a:t> a </a:t>
+            </a:r>
+            <a:r>
+              <a:rPr lang="cs-CZ" sz="2400" b="1" dirty="0">
+                <a:solidFill>
+                  <a:schemeClr val="tx1"/>
+                </a:solidFill>
+                <a:latin typeface="Arial" panose="020B0604020202020204" pitchFamily="34" charset="0"/>
+                <a:cs typeface="Arial" panose="020B0604020202020204" pitchFamily="34" charset="0"/>
+              </a:rPr>
+              <a:t>heslo: admin</a:t>
+            </a:r>
+          </a:p>
+          <a:p>
+            <a:pPr>
+              <a:buClrTx/>
+            </a:pPr>
+            <a:r>
+              <a:rPr lang="cs-CZ" sz="2400" dirty="0">
+                <a:solidFill>
+                  <a:schemeClr val="tx1"/>
+                </a:solidFill>
+                <a:latin typeface="Arial" panose="020B0604020202020204" pitchFamily="34" charset="0"/>
+                <a:cs typeface="Arial" panose="020B0604020202020204" pitchFamily="34" charset="0"/>
+              </a:rPr>
+              <a:t>T</a:t>
+            </a:r>
+            <a:r>
+              <a:rPr lang="cs-CZ" sz="2400" b="0" i="0" dirty="0">
+                <a:solidFill>
+                  <a:schemeClr val="tx1"/>
+                </a:solidFill>
+                <a:effectLst/>
+                <a:latin typeface="Arial" panose="020B0604020202020204" pitchFamily="34" charset="0"/>
+                <a:cs typeface="Arial" panose="020B0604020202020204" pitchFamily="34" charset="0"/>
+              </a:rPr>
+              <a:t>ohoto umí útočníci velice dobře využít, proto je to první věc </a:t>
+            </a:r>
+            <a:r>
+              <a:rPr lang="cs-CZ" sz="2400" dirty="0">
+                <a:solidFill>
+                  <a:schemeClr val="tx1"/>
+                </a:solidFill>
+                <a:latin typeface="Arial" panose="020B0604020202020204" pitchFamily="34" charset="0"/>
+                <a:cs typeface="Arial" panose="020B0604020202020204" pitchFamily="34" charset="0"/>
+              </a:rPr>
+              <a:t>p</a:t>
+            </a:r>
+            <a:r>
+              <a:rPr lang="cs-CZ" sz="2400" b="0" i="0" dirty="0">
+                <a:solidFill>
+                  <a:schemeClr val="tx1"/>
+                </a:solidFill>
+                <a:effectLst/>
+                <a:latin typeface="Arial" panose="020B0604020202020204" pitchFamily="34" charset="0"/>
+                <a:cs typeface="Arial" panose="020B0604020202020204" pitchFamily="34" charset="0"/>
+              </a:rPr>
+              <a:t>o přihlášení do administrace routeru, kterou je třeba změnit</a:t>
+            </a:r>
+          </a:p>
+          <a:p>
+            <a:pPr>
+              <a:buClrTx/>
+            </a:pPr>
+            <a:r>
+              <a:rPr lang="pl-PL" sz="2400" i="0" dirty="0">
+                <a:solidFill>
+                  <a:schemeClr val="tx1"/>
+                </a:solidFill>
+                <a:effectLst/>
+                <a:latin typeface="Arial" panose="020B0604020202020204" pitchFamily="34" charset="0"/>
+                <a:cs typeface="Arial" panose="020B0604020202020204" pitchFamily="34" charset="0"/>
+              </a:rPr>
+              <a:t>Komunikaci na síti je třeba ještě zabezpečit a zašifrovat</a:t>
+            </a:r>
+          </a:p>
+          <a:p>
+            <a:pPr>
+              <a:buClrTx/>
+            </a:pPr>
+            <a:r>
+              <a:rPr lang="cs-CZ" sz="2400" b="1" i="0" dirty="0">
+                <a:solidFill>
+                  <a:schemeClr val="tx1"/>
+                </a:solidFill>
+                <a:effectLst/>
+                <a:latin typeface="Arial" panose="020B0604020202020204" pitchFamily="34" charset="0"/>
+              </a:rPr>
+              <a:t>WEP</a:t>
+            </a:r>
+            <a:r>
+              <a:rPr lang="cs-CZ" sz="2400" b="0" i="0" dirty="0">
+                <a:solidFill>
+                  <a:schemeClr val="tx1"/>
+                </a:solidFill>
+                <a:effectLst/>
+                <a:latin typeface="Arial" panose="020B0604020202020204" pitchFamily="34" charset="0"/>
+              </a:rPr>
+              <a:t> -původní šifrovací standard pro bezdrátové sítě</a:t>
+            </a:r>
+          </a:p>
+          <a:p>
+            <a:pPr marL="0" indent="0">
+              <a:buClrTx/>
+              <a:buNone/>
+            </a:pPr>
+            <a:r>
+              <a:rPr lang="cs-CZ" sz="2400" dirty="0">
+                <a:solidFill>
+                  <a:schemeClr val="tx1"/>
+                </a:solidFill>
+                <a:latin typeface="Arial" panose="020B0604020202020204" pitchFamily="34" charset="0"/>
+              </a:rPr>
+              <a:t>            </a:t>
+            </a:r>
+            <a:r>
+              <a:rPr lang="cs-CZ" sz="2400" b="0" i="0" dirty="0">
+                <a:solidFill>
+                  <a:schemeClr val="tx1"/>
+                </a:solidFill>
+                <a:effectLst/>
+                <a:latin typeface="Arial" panose="020B0604020202020204" pitchFamily="34" charset="0"/>
+              </a:rPr>
+              <a:t>-v srpnu 2001 prolomen. </a:t>
+            </a:r>
+          </a:p>
+          <a:p>
+            <a:pPr marL="0" indent="0">
+              <a:buClrTx/>
+              <a:buNone/>
+            </a:pPr>
+            <a:r>
+              <a:rPr lang="cs-CZ" sz="2400" dirty="0">
+                <a:solidFill>
+                  <a:schemeClr val="tx1"/>
+                </a:solidFill>
+                <a:latin typeface="Arial" panose="020B0604020202020204" pitchFamily="34" charset="0"/>
+              </a:rPr>
+              <a:t>            -n</a:t>
+            </a:r>
+            <a:r>
+              <a:rPr lang="cs-CZ" sz="2400" b="0" i="0" dirty="0">
+                <a:solidFill>
+                  <a:schemeClr val="tx1"/>
+                </a:solidFill>
+                <a:effectLst/>
+                <a:latin typeface="Arial" panose="020B0604020202020204" pitchFamily="34" charset="0"/>
+              </a:rPr>
+              <a:t>a nových zařízeních stále podporován, ale je doporučuje se            používat WPA2</a:t>
+            </a:r>
+            <a:endParaRPr lang="pl-PL" sz="2400" i="0" dirty="0">
+              <a:solidFill>
+                <a:schemeClr val="tx1"/>
+              </a:solidFill>
+              <a:effectLst/>
+              <a:latin typeface="Arial" panose="020B0604020202020204" pitchFamily="34" charset="0"/>
+              <a:cs typeface="Arial" panose="020B0604020202020204" pitchFamily="34" charset="0"/>
+            </a:endParaRPr>
+          </a:p>
+          <a:p>
+            <a:pPr>
+              <a:buClrTx/>
+            </a:pPr>
+            <a:r>
+              <a:rPr lang="cs-CZ" sz="2400" b="1" dirty="0">
+                <a:solidFill>
+                  <a:schemeClr val="tx1"/>
+                </a:solidFill>
+                <a:latin typeface="Arial" panose="020B0604020202020204" pitchFamily="34" charset="0"/>
+                <a:cs typeface="Arial" panose="020B0604020202020204" pitchFamily="34" charset="0"/>
+              </a:rPr>
+              <a:t>WPA </a:t>
+            </a:r>
+            <a:r>
+              <a:rPr lang="cs-CZ" sz="2400" dirty="0">
+                <a:solidFill>
+                  <a:schemeClr val="tx1"/>
+                </a:solidFill>
+                <a:latin typeface="Arial" panose="020B0604020202020204" pitchFamily="34" charset="0"/>
+                <a:cs typeface="Arial" panose="020B0604020202020204" pitchFamily="34" charset="0"/>
+              </a:rPr>
+              <a:t>-</a:t>
+            </a:r>
+            <a:r>
+              <a:rPr lang="cs-CZ" sz="2400" b="0" i="0" dirty="0">
+                <a:solidFill>
+                  <a:schemeClr val="tx1"/>
+                </a:solidFill>
+                <a:effectLst/>
+                <a:latin typeface="Arial" panose="020B0604020202020204" pitchFamily="34" charset="0"/>
+              </a:rPr>
+              <a:t> bezpečnostní protokoly, které řeší problémy </a:t>
+            </a:r>
+            <a:r>
+              <a:rPr lang="cs-CZ" sz="2400" b="0" i="0" u="none" strike="noStrike" dirty="0">
+                <a:solidFill>
+                  <a:schemeClr val="tx1"/>
+                </a:solidFill>
+                <a:effectLst/>
+                <a:latin typeface="Arial" panose="020B0604020202020204" pitchFamily="34" charset="0"/>
+              </a:rPr>
+              <a:t>WEP</a:t>
+            </a:r>
+            <a:endParaRPr lang="cs-CZ" sz="2400" b="1" dirty="0">
+              <a:solidFill>
+                <a:schemeClr val="tx1"/>
+              </a:solidFill>
+              <a:latin typeface="Arial" panose="020B0604020202020204" pitchFamily="34" charset="0"/>
+              <a:cs typeface="Arial" panose="020B0604020202020204" pitchFamily="34" charset="0"/>
+            </a:endParaRPr>
           </a:p>
         </p:txBody>
       </p:sp>
     </p:spTree>
     <p:extLst>
       <p:ext uri="{BB962C8B-B14F-4D97-AF65-F5344CB8AC3E}">
-        <p14:creationId xmlns:p14="http://schemas.microsoft.com/office/powerpoint/2010/main" val="2166075358"/>
+        <p14:creationId xmlns:p14="http://schemas.microsoft.com/office/powerpoint/2010/main" val="202359997"/>
       </p:ext>
     </p:extLst>
   </p:cSld>

--- a/prochazkova.pptx
+++ b/prochazkova.pptx
@@ -10,24 +10,24 @@
   <p:sldIdLst>
     <p:sldId id="256" r:id="rId2"/>
     <p:sldId id="257" r:id="rId3"/>
-    <p:sldId id="263" r:id="rId4"/>
-    <p:sldId id="264" r:id="rId5"/>
-    <p:sldId id="258" r:id="rId6"/>
-    <p:sldId id="259" r:id="rId7"/>
-    <p:sldId id="260" r:id="rId8"/>
-    <p:sldId id="261" r:id="rId9"/>
-    <p:sldId id="262" r:id="rId10"/>
-    <p:sldId id="265" r:id="rId11"/>
-    <p:sldId id="266" r:id="rId12"/>
-    <p:sldId id="267" r:id="rId13"/>
-    <p:sldId id="268" r:id="rId14"/>
-    <p:sldId id="269" r:id="rId15"/>
-    <p:sldId id="270" r:id="rId16"/>
-    <p:sldId id="271" r:id="rId17"/>
-    <p:sldId id="272" r:id="rId18"/>
-    <p:sldId id="273" r:id="rId19"/>
-    <p:sldId id="274" r:id="rId20"/>
-    <p:sldId id="275" r:id="rId21"/>
+    <p:sldId id="276" r:id="rId4"/>
+    <p:sldId id="263" r:id="rId5"/>
+    <p:sldId id="264" r:id="rId6"/>
+    <p:sldId id="258" r:id="rId7"/>
+    <p:sldId id="259" r:id="rId8"/>
+    <p:sldId id="260" r:id="rId9"/>
+    <p:sldId id="261" r:id="rId10"/>
+    <p:sldId id="262" r:id="rId11"/>
+    <p:sldId id="265" r:id="rId12"/>
+    <p:sldId id="266" r:id="rId13"/>
+    <p:sldId id="267" r:id="rId14"/>
+    <p:sldId id="268" r:id="rId15"/>
+    <p:sldId id="269" r:id="rId16"/>
+    <p:sldId id="270" r:id="rId17"/>
+    <p:sldId id="271" r:id="rId18"/>
+    <p:sldId id="272" r:id="rId19"/>
+    <p:sldId id="273" r:id="rId20"/>
+    <p:sldId id="274" r:id="rId21"/>
   </p:sldIdLst>
   <p:sldSz cx="12192000" cy="6858000"/>
   <p:notesSz cx="6858000" cy="9144000"/>
@@ -621,6 +621,26 @@
           <a:bodyPr/>
           <a:lstStyle/>
           <a:p>
+            <a:r>
+              <a:rPr lang="cs-CZ" dirty="0"/>
+              <a:t>Pokud obě strany nepodporují 5GHz, tak komunikace pokračuje na 2,4GHz</a:t>
+            </a:r>
+          </a:p>
+          <a:p>
+            <a:r>
+              <a:rPr lang="cs-CZ" dirty="0"/>
+              <a:t>Vyšší </a:t>
+            </a:r>
+            <a:r>
+              <a:rPr lang="cs-CZ" b="0" i="0" dirty="0">
+                <a:solidFill>
+                  <a:srgbClr val="222222"/>
+                </a:solidFill>
+                <a:effectLst/>
+                <a:latin typeface="Raleway" pitchFamily="2" charset="-18"/>
+              </a:rPr>
+              <a:t>frekvence= rychlejší přenos dat</a:t>
+            </a:r>
             <a:endParaRPr lang="cs-CZ" dirty="0"/>
           </a:p>
         </p:txBody>
@@ -651,7 +671,7 @@
     </p:spTree>
     <p:extLst>
       <p:ext uri="{BB962C8B-B14F-4D97-AF65-F5344CB8AC3E}">
-        <p14:creationId xmlns:p14="http://schemas.microsoft.com/office/powerpoint/2010/main" val="1178734581"/>
+        <p14:creationId xmlns:p14="http://schemas.microsoft.com/office/powerpoint/2010/main" val="1368672635"/>
       </p:ext>
     </p:extLst>
   </p:cSld>
@@ -706,75 +726,74 @@
           <a:lstStyle/>
           <a:p>
             <a:r>
+              <a:rPr lang="pl-PL" b="0" i="0" dirty="0">
+                <a:solidFill>
+                  <a:srgbClr val="454545"/>
+                </a:solidFill>
+                <a:effectLst/>
+                <a:latin typeface="Tahoma" panose="020B0604030504040204" pitchFamily="34" charset="0"/>
+              </a:rPr>
+              <a:t>Wifi na 2,4 GHz má11 dostupných kanálů</a:t>
+            </a:r>
+          </a:p>
+          <a:p>
+            <a:pPr marL="0" marR="0" lvl="0" indent="0" algn="l" defTabSz="914400" rtl="0" eaLnBrk="1" fontAlgn="auto" latinLnBrk="0" hangingPunct="1">
+              <a:lnSpc>
+                <a:spcPct val="100000"/>
+              </a:lnSpc>
+              <a:spcBef>
+                <a:spcPts val="0"/>
+              </a:spcBef>
+              <a:spcAft>
+                <a:spcPts val="0"/>
+              </a:spcAft>
+              <a:buClrTx/>
+              <a:buSzTx/>
+              <a:buFontTx/>
+              <a:buNone/>
+              <a:tabLst/>
+              <a:defRPr/>
+            </a:pPr>
+            <a:r>
               <a:rPr lang="cs-CZ" dirty="0"/>
-              <a:t>97- první typ standardu, pásmo 2,4 GHz</a:t>
+              <a:t>Překážky=</a:t>
+            </a:r>
+            <a:r>
+              <a:rPr lang="cs-CZ" b="0" i="0" dirty="0">
+                <a:solidFill>
+                  <a:srgbClr val="454545"/>
+                </a:solidFill>
+                <a:effectLst/>
+                <a:latin typeface="Tahoma" panose="020B0604030504040204" pitchFamily="34" charset="0"/>
+              </a:rPr>
+              <a:t> zdi, </a:t>
+            </a:r>
+            <a:r>
+              <a:rPr lang="cs-CZ" b="0" i="0" dirty="0" err="1">
+                <a:solidFill>
+                  <a:srgbClr val="454545"/>
+                </a:solidFill>
+                <a:effectLst/>
+                <a:latin typeface="Tahoma" panose="020B0604030504040204" pitchFamily="34" charset="0"/>
+              </a:rPr>
+              <a:t>stropůy</a:t>
+            </a:r>
+            <a:r>
+              <a:rPr lang="cs-CZ" b="0" i="0" dirty="0">
+                <a:solidFill>
+                  <a:srgbClr val="454545"/>
+                </a:solidFill>
+                <a:effectLst/>
+                <a:latin typeface="Tahoma" panose="020B0604030504040204" pitchFamily="34" charset="0"/>
+              </a:rPr>
+              <a:t> nábytek apod.</a:t>
             </a:r>
           </a:p>
           <a:p>
             <a:r>
               <a:rPr lang="cs-CZ" dirty="0"/>
-              <a:t>99- druhý typ standardu, pásmo 2,4GHz, </a:t>
-            </a:r>
-            <a:r>
-              <a:rPr lang="en-US" b="0" i="0" dirty="0" err="1">
-                <a:solidFill>
-                  <a:srgbClr val="666666"/>
-                </a:solidFill>
-                <a:effectLst/>
-                <a:latin typeface="asap"/>
-              </a:rPr>
-              <a:t>maximální</a:t>
-            </a:r>
-            <a:r>
-              <a:rPr lang="en-US" b="0" i="0" dirty="0">
-                <a:solidFill>
-                  <a:srgbClr val="666666"/>
-                </a:solidFill>
-                <a:effectLst/>
-                <a:latin typeface="asap"/>
-              </a:rPr>
-              <a:t> </a:t>
-            </a:r>
-            <a:r>
-              <a:rPr lang="en-US" b="0" i="0" dirty="0" err="1">
-                <a:solidFill>
-                  <a:srgbClr val="666666"/>
-                </a:solidFill>
-                <a:effectLst/>
-                <a:latin typeface="asap"/>
-              </a:rPr>
-              <a:t>rychlost</a:t>
-            </a:r>
-            <a:r>
-              <a:rPr lang="en-US" b="0" i="0" dirty="0">
-                <a:solidFill>
-                  <a:srgbClr val="666666"/>
-                </a:solidFill>
-                <a:effectLst/>
-                <a:latin typeface="asap"/>
-              </a:rPr>
-              <a:t> 11 Mbit/s</a:t>
-            </a:r>
-            <a:endParaRPr lang="cs-CZ" b="0" i="0" dirty="0">
-              <a:solidFill>
-                <a:srgbClr val="666666"/>
-              </a:solidFill>
-              <a:effectLst/>
-              <a:latin typeface="asap"/>
-            </a:endParaRPr>
-          </a:p>
-          <a:p>
-            <a:r>
-              <a:rPr lang="cs-CZ" b="0" i="0" dirty="0">
-                <a:solidFill>
-                  <a:srgbClr val="666666"/>
-                </a:solidFill>
-                <a:effectLst/>
-                <a:latin typeface="asap"/>
-              </a:rPr>
-              <a:t>    - </a:t>
-            </a:r>
-            <a:endParaRPr lang="cs-CZ" dirty="0"/>
+              <a:t>Velká většina zařízení funguje na 2,4</a:t>
+            </a:r>
           </a:p>
         </p:txBody>
       </p:sp>
@@ -795,7 +814,7 @@
           <a:p>
             <a:fld id="{41D4C70A-8DA6-47AE-981F-F0A3334D9E74}" type="slidenum">
               <a:rPr lang="cs-CZ" smtClean="0"/>
-              <a:t>5</a:t>
+              <a:t>4</a:t>
             </a:fld>
             <a:endParaRPr lang="cs-CZ"/>
           </a:p>
@@ -804,7 +823,7 @@
     </p:spTree>
     <p:extLst>
       <p:ext uri="{BB962C8B-B14F-4D97-AF65-F5344CB8AC3E}">
-        <p14:creationId xmlns:p14="http://schemas.microsoft.com/office/powerpoint/2010/main" val="3707788280"/>
+        <p14:creationId xmlns:p14="http://schemas.microsoft.com/office/powerpoint/2010/main" val="1178734581"/>
       </p:ext>
     </p:extLst>
   </p:cSld>
@@ -858,7 +877,22 @@
           <a:bodyPr/>
           <a:lstStyle/>
           <a:p>
-            <a:endParaRPr lang="cs-CZ" dirty="0"/>
+            <a:r>
+              <a:rPr lang="cs-CZ" dirty="0"/>
+              <a:t>Jelikož se více používá 2,4, není tolik přeplněné </a:t>
+            </a:r>
+          </a:p>
+          <a:p>
+            <a:r>
+              <a:rPr lang="cs-CZ" dirty="0"/>
+              <a:t>Výhody- 3., 4., 5. odrážka</a:t>
+            </a:r>
+          </a:p>
+          <a:p>
+            <a:r>
+              <a:rPr lang="cs-CZ" dirty="0"/>
+              <a:t>Nevýhody 6. odrážka</a:t>
+            </a:r>
           </a:p>
         </p:txBody>
       </p:sp>
@@ -879,7 +913,7 @@
           <a:p>
             <a:fld id="{41D4C70A-8DA6-47AE-981F-F0A3334D9E74}" type="slidenum">
               <a:rPr lang="cs-CZ" smtClean="0"/>
-              <a:t>6</a:t>
+              <a:t>5</a:t>
             </a:fld>
             <a:endParaRPr lang="cs-CZ"/>
           </a:p>
@@ -888,7 +922,7 @@
     </p:spTree>
     <p:extLst>
       <p:ext uri="{BB962C8B-B14F-4D97-AF65-F5344CB8AC3E}">
-        <p14:creationId xmlns:p14="http://schemas.microsoft.com/office/powerpoint/2010/main" val="2274338897"/>
+        <p14:creationId xmlns:p14="http://schemas.microsoft.com/office/powerpoint/2010/main" val="3035941350"/>
       </p:ext>
     </p:extLst>
   </p:cSld>
@@ -942,112 +976,6 @@
           <a:bodyPr/>
           <a:lstStyle/>
           <a:p>
-            <a:r>
-              <a:rPr lang="cs-CZ" b="0" i="0" dirty="0" err="1">
-                <a:solidFill>
-                  <a:srgbClr val="333333"/>
-                </a:solidFill>
-                <a:effectLst/>
-                <a:latin typeface="Noto Serif" panose="020B0604020202020204" pitchFamily="18" charset="0"/>
-              </a:rPr>
-              <a:t>WiFi</a:t>
-            </a:r>
-            <a:r>
-              <a:rPr lang="cs-CZ" b="0" i="0" dirty="0">
-                <a:solidFill>
-                  <a:srgbClr val="333333"/>
-                </a:solidFill>
-                <a:effectLst/>
-                <a:latin typeface="Noto Serif" panose="020B0604020202020204" pitchFamily="18" charset="0"/>
-              </a:rPr>
-              <a:t> signál bude zeslabovat průchod skrz zdi a předměty, vliv dalších </a:t>
-            </a:r>
-            <a:r>
-              <a:rPr lang="cs-CZ" b="0" i="0" dirty="0" err="1">
-                <a:solidFill>
-                  <a:srgbClr val="333333"/>
-                </a:solidFill>
-                <a:effectLst/>
-                <a:latin typeface="Noto Serif" panose="020B0604020202020204" pitchFamily="18" charset="0"/>
-              </a:rPr>
-              <a:t>WiFi</a:t>
-            </a:r>
-            <a:r>
-              <a:rPr lang="cs-CZ" b="0" i="0" dirty="0">
-                <a:solidFill>
-                  <a:srgbClr val="333333"/>
-                </a:solidFill>
-                <a:effectLst/>
-                <a:latin typeface="Noto Serif" panose="020B0604020202020204" pitchFamily="18" charset="0"/>
-              </a:rPr>
-              <a:t>, použití mikrovlnných trub a řada dalších elektrických a elektronických zařízení.</a:t>
-            </a:r>
-          </a:p>
-          <a:p>
-            <a:r>
-              <a:rPr lang="cs-CZ" b="0" i="0" dirty="0">
-                <a:solidFill>
-                  <a:srgbClr val="333333"/>
-                </a:solidFill>
-                <a:effectLst/>
-                <a:latin typeface="Noto Serif" panose="020B0604020202020204" pitchFamily="18" charset="0"/>
-              </a:rPr>
-              <a:t>router – jak dobré a kolik má antén, nastavená „síla“ signálu – na straně opačného to ovlivní i anténa v zařízení, které k </a:t>
-            </a:r>
-            <a:r>
-              <a:rPr lang="cs-CZ" b="0" i="0" dirty="0" err="1">
-                <a:solidFill>
-                  <a:srgbClr val="333333"/>
-                </a:solidFill>
-                <a:effectLst/>
-                <a:latin typeface="Noto Serif" panose="020B0604020202020204" pitchFamily="18" charset="0"/>
-              </a:rPr>
-              <a:t>WiFi</a:t>
-            </a:r>
-            <a:r>
-              <a:rPr lang="cs-CZ" b="0" i="0" dirty="0">
-                <a:solidFill>
-                  <a:srgbClr val="333333"/>
-                </a:solidFill>
-                <a:effectLst/>
-                <a:latin typeface="Noto Serif" panose="020B0604020202020204" pitchFamily="18" charset="0"/>
-              </a:rPr>
-              <a:t> síti připojujete</a:t>
-            </a:r>
-          </a:p>
-          <a:p>
-            <a:r>
-              <a:rPr lang="cs-CZ" b="0" i="0" dirty="0">
-                <a:solidFill>
-                  <a:srgbClr val="333333"/>
-                </a:solidFill>
-                <a:effectLst/>
-                <a:latin typeface="Noto Serif" panose="020B0604020202020204" pitchFamily="18" charset="0"/>
-              </a:rPr>
-              <a:t>2.4 GHz- má méně kanálů</a:t>
-            </a:r>
-          </a:p>
-          <a:p>
-            <a:r>
-              <a:rPr lang="cs-CZ" b="0" i="0">
-                <a:solidFill>
-                  <a:srgbClr val="333333"/>
-                </a:solidFill>
-                <a:effectLst/>
-                <a:latin typeface="Noto Serif" panose="020B0604020202020204" pitchFamily="18" charset="0"/>
-              </a:rPr>
-              <a:t>5 GHz- 24 </a:t>
-            </a:r>
-            <a:r>
-              <a:rPr lang="cs-CZ" b="0" i="0" dirty="0">
-                <a:solidFill>
-                  <a:srgbClr val="333333"/>
-                </a:solidFill>
-                <a:effectLst/>
-                <a:latin typeface="Noto Serif" panose="020B0604020202020204" pitchFamily="18" charset="0"/>
-              </a:rPr>
-              <a:t>nepřekrývajících se kanálů</a:t>
-            </a:r>
             <a:endParaRPr lang="cs-CZ" dirty="0"/>
           </a:p>
         </p:txBody>
@@ -1069,7 +997,7 @@
           <a:p>
             <a:fld id="{41D4C70A-8DA6-47AE-981F-F0A3334D9E74}" type="slidenum">
               <a:rPr lang="cs-CZ" smtClean="0"/>
-              <a:t>7</a:t>
+              <a:t>6</a:t>
             </a:fld>
             <a:endParaRPr lang="cs-CZ"/>
           </a:p>
@@ -1078,7 +1006,7 @@
     </p:spTree>
     <p:extLst>
       <p:ext uri="{BB962C8B-B14F-4D97-AF65-F5344CB8AC3E}">
-        <p14:creationId xmlns:p14="http://schemas.microsoft.com/office/powerpoint/2010/main" val="2755987071"/>
+        <p14:creationId xmlns:p14="http://schemas.microsoft.com/office/powerpoint/2010/main" val="3707788280"/>
       </p:ext>
     </p:extLst>
   </p:cSld>
@@ -1132,70 +1060,6 @@
           <a:bodyPr/>
           <a:lstStyle/>
           <a:p>
-            <a:r>
-              <a:rPr lang="cs-CZ" dirty="0"/>
-              <a:t>Cenná data= </a:t>
-            </a:r>
-            <a:r>
-              <a:rPr lang="cs-CZ" b="0" i="0" dirty="0">
-                <a:solidFill>
-                  <a:srgbClr val="404040"/>
-                </a:solidFill>
-                <a:effectLst/>
-                <a:latin typeface="Open Sans" panose="020B0606030504020204" pitchFamily="34" charset="0"/>
-              </a:rPr>
-              <a:t>fotografie, videozáznamy, dokumenty, hudba a filmy, IP kamery, dětské chůvičky a chytré televizory</a:t>
-            </a:r>
-            <a:endParaRPr lang="cs-CZ" dirty="0"/>
-          </a:p>
-          <a:p>
-            <a:r>
-              <a:rPr lang="cs-CZ" dirty="0"/>
-              <a:t>Útočník může </a:t>
-            </a:r>
-            <a:r>
-              <a:rPr lang="cs-CZ" b="0" i="0" dirty="0">
-                <a:solidFill>
-                  <a:srgbClr val="404040"/>
-                </a:solidFill>
-                <a:effectLst/>
-                <a:latin typeface="Open Sans" panose="020B0606030504020204" pitchFamily="34" charset="0"/>
-              </a:rPr>
-              <a:t>skrze náš router do naší domácí počítačové sítě proniknout a dále může sledovat skrze IP kamery náš soukromý život, krást a zneužívat naše data, nebo z našeho internetového připojení může dále páchat trestnou činnost atd.</a:t>
-            </a:r>
-          </a:p>
-          <a:p>
-            <a:r>
-              <a:rPr lang="cs-CZ" b="0" i="0" dirty="0" err="1">
-                <a:solidFill>
-                  <a:srgbClr val="404040"/>
-                </a:solidFill>
-                <a:effectLst/>
-                <a:latin typeface="Open Sans" panose="020B0606030504020204" pitchFamily="34" charset="0"/>
-              </a:rPr>
-              <a:t>Routuje</a:t>
-            </a:r>
-            <a:r>
-              <a:rPr lang="cs-CZ" b="0" i="0" dirty="0">
-                <a:solidFill>
-                  <a:srgbClr val="404040"/>
-                </a:solidFill>
-                <a:effectLst/>
-                <a:latin typeface="Open Sans" panose="020B0606030504020204" pitchFamily="34" charset="0"/>
-              </a:rPr>
-              <a:t>= </a:t>
-            </a:r>
-            <a:r>
-              <a:rPr lang="cs-CZ" sz="1200" b="0" i="0" dirty="0">
-                <a:solidFill>
-                  <a:schemeClr val="tx1"/>
-                </a:solidFill>
-                <a:effectLst/>
-                <a:latin typeface="Arial" panose="020B0604020202020204" pitchFamily="34" charset="0"/>
-                <a:cs typeface="Arial" panose="020B0604020202020204" pitchFamily="34" charset="0"/>
-              </a:rPr>
-              <a:t>směruje</a:t>
-            </a:r>
             <a:endParaRPr lang="cs-CZ" dirty="0"/>
           </a:p>
         </p:txBody>
@@ -1217,7 +1081,7 @@
           <a:p>
             <a:fld id="{41D4C70A-8DA6-47AE-981F-F0A3334D9E74}" type="slidenum">
               <a:rPr lang="cs-CZ" smtClean="0"/>
-              <a:t>8</a:t>
+              <a:t>7</a:t>
             </a:fld>
             <a:endParaRPr lang="cs-CZ"/>
           </a:p>
@@ -1226,7 +1090,7 @@
     </p:spTree>
     <p:extLst>
       <p:ext uri="{BB962C8B-B14F-4D97-AF65-F5344CB8AC3E}">
-        <p14:creationId xmlns:p14="http://schemas.microsoft.com/office/powerpoint/2010/main" val="3589523524"/>
+        <p14:creationId xmlns:p14="http://schemas.microsoft.com/office/powerpoint/2010/main" val="2274338897"/>
       </p:ext>
     </p:extLst>
   </p:cSld>
@@ -1281,6 +1145,344 @@
           <a:lstStyle/>
           <a:p>
             <a:r>
+              <a:rPr lang="cs-CZ" b="0" i="0" dirty="0" err="1">
+                <a:solidFill>
+                  <a:srgbClr val="333333"/>
+                </a:solidFill>
+                <a:effectLst/>
+                <a:latin typeface="Noto Serif" panose="020B0604020202020204" pitchFamily="18" charset="0"/>
+              </a:rPr>
+              <a:t>WiFi</a:t>
+            </a:r>
+            <a:r>
+              <a:rPr lang="cs-CZ" b="0" i="0" dirty="0">
+                <a:solidFill>
+                  <a:srgbClr val="333333"/>
+                </a:solidFill>
+                <a:effectLst/>
+                <a:latin typeface="Noto Serif" panose="020B0604020202020204" pitchFamily="18" charset="0"/>
+              </a:rPr>
+              <a:t> signál bude zeslabovat průchod skrz zdi a předměty, vliv dalších </a:t>
+            </a:r>
+            <a:r>
+              <a:rPr lang="cs-CZ" b="0" i="0" dirty="0" err="1">
+                <a:solidFill>
+                  <a:srgbClr val="333333"/>
+                </a:solidFill>
+                <a:effectLst/>
+                <a:latin typeface="Noto Serif" panose="020B0604020202020204" pitchFamily="18" charset="0"/>
+              </a:rPr>
+              <a:t>WiFi</a:t>
+            </a:r>
+            <a:r>
+              <a:rPr lang="cs-CZ" b="0" i="0" dirty="0">
+                <a:solidFill>
+                  <a:srgbClr val="333333"/>
+                </a:solidFill>
+                <a:effectLst/>
+                <a:latin typeface="Noto Serif" panose="020B0604020202020204" pitchFamily="18" charset="0"/>
+              </a:rPr>
+              <a:t>, použití mikrovlnných trub a řada dalších elektrických a elektronických zařízení.</a:t>
+            </a:r>
+          </a:p>
+          <a:p>
+            <a:r>
+              <a:rPr lang="cs-CZ" b="0" i="0" dirty="0">
+                <a:solidFill>
+                  <a:srgbClr val="333333"/>
+                </a:solidFill>
+                <a:effectLst/>
+                <a:latin typeface="Noto Serif" panose="020B0604020202020204" pitchFamily="18" charset="0"/>
+              </a:rPr>
+              <a:t>router – jak dobré a kolik má antén, nastavená „síla“ signálu – na straně opačného to ovlivní i anténa v zařízení, které k </a:t>
+            </a:r>
+            <a:r>
+              <a:rPr lang="cs-CZ" b="0" i="0" dirty="0" err="1">
+                <a:solidFill>
+                  <a:srgbClr val="333333"/>
+                </a:solidFill>
+                <a:effectLst/>
+                <a:latin typeface="Noto Serif" panose="020B0604020202020204" pitchFamily="18" charset="0"/>
+              </a:rPr>
+              <a:t>WiFi</a:t>
+            </a:r>
+            <a:r>
+              <a:rPr lang="cs-CZ" b="0" i="0" dirty="0">
+                <a:solidFill>
+                  <a:srgbClr val="333333"/>
+                </a:solidFill>
+                <a:effectLst/>
+                <a:latin typeface="Noto Serif" panose="020B0604020202020204" pitchFamily="18" charset="0"/>
+              </a:rPr>
+              <a:t> síti připojujete</a:t>
+            </a:r>
+          </a:p>
+          <a:p>
+            <a:r>
+              <a:rPr lang="cs-CZ" b="0" i="0" dirty="0">
+                <a:solidFill>
+                  <a:srgbClr val="333333"/>
+                </a:solidFill>
+                <a:effectLst/>
+                <a:latin typeface="Noto Serif" panose="020B0604020202020204" pitchFamily="18" charset="0"/>
+              </a:rPr>
+              <a:t>2.4 GHz- má méně kanálů</a:t>
+            </a:r>
+          </a:p>
+          <a:p>
+            <a:r>
+              <a:rPr lang="cs-CZ" b="0" i="0">
+                <a:solidFill>
+                  <a:srgbClr val="333333"/>
+                </a:solidFill>
+                <a:effectLst/>
+                <a:latin typeface="Noto Serif" panose="020B0604020202020204" pitchFamily="18" charset="0"/>
+              </a:rPr>
+              <a:t>5 GHz- 24 </a:t>
+            </a:r>
+            <a:r>
+              <a:rPr lang="cs-CZ" b="0" i="0" dirty="0">
+                <a:solidFill>
+                  <a:srgbClr val="333333"/>
+                </a:solidFill>
+                <a:effectLst/>
+                <a:latin typeface="Noto Serif" panose="020B0604020202020204" pitchFamily="18" charset="0"/>
+              </a:rPr>
+              <a:t>nepřekrývajících se kanálů</a:t>
+            </a:r>
+            <a:endParaRPr lang="cs-CZ" dirty="0"/>
+          </a:p>
+        </p:txBody>
+      </p:sp>
+      <p:sp>
+        <p:nvSpPr>
+          <p:cNvPr id="4" name="Zástupný symbol pro číslo snímku 3"/>
+          <p:cNvSpPr>
+            <a:spLocks noGrp="1"/>
+          </p:cNvSpPr>
+          <p:nvPr>
+            <p:ph type="sldNum" sz="quarter" idx="5"/>
+          </p:nvPr>
+        </p:nvSpPr>
+        <p:spPr/>
+        <p:txBody>
+          <a:bodyPr/>
+          <a:lstStyle/>
+          <a:p>
+            <a:fld id="{41D4C70A-8DA6-47AE-981F-F0A3334D9E74}" type="slidenum">
+              <a:rPr lang="cs-CZ" smtClean="0"/>
+              <a:t>8</a:t>
+            </a:fld>
+            <a:endParaRPr lang="cs-CZ"/>
+          </a:p>
+        </p:txBody>
+      </p:sp>
+    </p:spTree>
+    <p:extLst>
+      <p:ext uri="{BB962C8B-B14F-4D97-AF65-F5344CB8AC3E}">
+        <p14:creationId xmlns:p14="http://schemas.microsoft.com/office/powerpoint/2010/main" val="2755987071"/>
+      </p:ext>
+    </p:extLst>
+  </p:cSld>
+  <p:clrMapOvr>
+    <a:masterClrMapping/>
+  </p:clrMapOvr>
+</p:notes>
+</file>
+
+<file path=ppt/notesSlides/notesSlide8.xml><?xml version="1.0" encoding="utf-8"?>
+<p:notes xmlns:a="http://schemas.openxmlformats.org/drawingml/2006/main" xmlns:r="http://schemas.openxmlformats.org/officeDocument/2006/relationships" xmlns:p="http://schemas.openxmlformats.org/presentationml/2006/main">
+  <p:cSld>
+    <p:spTree>
+      <p:nvGrpSpPr>
+        <p:cNvPr id="1" name=""/>
+        <p:cNvGrpSpPr/>
+        <p:nvPr/>
+      </p:nvGrpSpPr>
+      <p:grpSpPr>
+        <a:xfrm>
+          <a:off x="0" y="0"/>
+          <a:ext cx="0" cy="0"/>
+          <a:chOff x="0" y="0"/>
+          <a:chExt cx="0" cy="0"/>
+        </a:xfrm>
+      </p:grpSpPr>
+      <p:sp>
+        <p:nvSpPr>
+          <p:cNvPr id="2" name="Zástupný symbol pro obrázek snímku 1"/>
+          <p:cNvSpPr>
+            <a:spLocks noGrp="1" noRot="1" noChangeAspect="1"/>
+          </p:cNvSpPr>
+          <p:nvPr>
+            <p:ph type="sldImg"/>
+          </p:nvPr>
+        </p:nvSpPr>
+        <p:spPr/>
+      </p:sp>
+      <p:sp>
+        <p:nvSpPr>
+          <p:cNvPr id="3" name="Zástupný symbol pro poznámky 2"/>
+          <p:cNvSpPr>
+            <a:spLocks noGrp="1"/>
+          </p:cNvSpPr>
+          <p:nvPr>
+            <p:ph type="body" idx="1"/>
+          </p:nvPr>
+        </p:nvSpPr>
+        <p:spPr/>
+        <p:txBody>
+          <a:bodyPr/>
+          <a:lstStyle/>
+          <a:p>
+            <a:r>
+              <a:rPr lang="cs-CZ" dirty="0"/>
+              <a:t>Cenná data= </a:t>
+            </a:r>
+            <a:r>
+              <a:rPr lang="cs-CZ" b="0" i="0" dirty="0">
+                <a:solidFill>
+                  <a:srgbClr val="404040"/>
+                </a:solidFill>
+                <a:effectLst/>
+                <a:latin typeface="Open Sans" panose="020B0606030504020204" pitchFamily="34" charset="0"/>
+              </a:rPr>
+              <a:t>fotografie, videozáznamy, dokumenty, hudba a filmy, IP kamery, dětské chůvičky a chytré televizory</a:t>
+            </a:r>
+            <a:endParaRPr lang="cs-CZ" dirty="0"/>
+          </a:p>
+          <a:p>
+            <a:r>
+              <a:rPr lang="cs-CZ" dirty="0"/>
+              <a:t>Útočník může </a:t>
+            </a:r>
+            <a:r>
+              <a:rPr lang="cs-CZ" b="0" i="0" dirty="0">
+                <a:solidFill>
+                  <a:srgbClr val="404040"/>
+                </a:solidFill>
+                <a:effectLst/>
+                <a:latin typeface="Open Sans" panose="020B0606030504020204" pitchFamily="34" charset="0"/>
+              </a:rPr>
+              <a:t>skrze náš router do naší domácí počítačové sítě proniknout a dále může sledovat skrze IP kamery náš soukromý život, krást a zneužívat naše data, nebo z našeho internetového připojení může dále páchat trestnou činnost atd.</a:t>
+            </a:r>
+          </a:p>
+          <a:p>
+            <a:r>
+              <a:rPr lang="cs-CZ" b="0" i="0" dirty="0" err="1">
+                <a:solidFill>
+                  <a:srgbClr val="404040"/>
+                </a:solidFill>
+                <a:effectLst/>
+                <a:latin typeface="Open Sans" panose="020B0606030504020204" pitchFamily="34" charset="0"/>
+              </a:rPr>
+              <a:t>Routuje</a:t>
+            </a:r>
+            <a:r>
+              <a:rPr lang="cs-CZ" b="0" i="0" dirty="0">
+                <a:solidFill>
+                  <a:srgbClr val="404040"/>
+                </a:solidFill>
+                <a:effectLst/>
+                <a:latin typeface="Open Sans" panose="020B0606030504020204" pitchFamily="34" charset="0"/>
+              </a:rPr>
+              <a:t>= </a:t>
+            </a:r>
+            <a:r>
+              <a:rPr lang="cs-CZ" sz="1200" b="0" i="0" dirty="0">
+                <a:solidFill>
+                  <a:schemeClr val="tx1"/>
+                </a:solidFill>
+                <a:effectLst/>
+                <a:latin typeface="Arial" panose="020B0604020202020204" pitchFamily="34" charset="0"/>
+                <a:cs typeface="Arial" panose="020B0604020202020204" pitchFamily="34" charset="0"/>
+              </a:rPr>
+              <a:t>směruje</a:t>
+            </a:r>
+            <a:endParaRPr lang="cs-CZ" dirty="0"/>
+          </a:p>
+        </p:txBody>
+      </p:sp>
+      <p:sp>
+        <p:nvSpPr>
+          <p:cNvPr id="4" name="Zástupný symbol pro číslo snímku 3"/>
+          <p:cNvSpPr>
+            <a:spLocks noGrp="1"/>
+          </p:cNvSpPr>
+          <p:nvPr>
+            <p:ph type="sldNum" sz="quarter" idx="5"/>
+          </p:nvPr>
+        </p:nvSpPr>
+        <p:spPr/>
+        <p:txBody>
+          <a:bodyPr/>
+          <a:lstStyle/>
+          <a:p>
+            <a:fld id="{41D4C70A-8DA6-47AE-981F-F0A3334D9E74}" type="slidenum">
+              <a:rPr lang="cs-CZ" smtClean="0"/>
+              <a:t>9</a:t>
+            </a:fld>
+            <a:endParaRPr lang="cs-CZ"/>
+          </a:p>
+        </p:txBody>
+      </p:sp>
+    </p:spTree>
+    <p:extLst>
+      <p:ext uri="{BB962C8B-B14F-4D97-AF65-F5344CB8AC3E}">
+        <p14:creationId xmlns:p14="http://schemas.microsoft.com/office/powerpoint/2010/main" val="3589523524"/>
+      </p:ext>
+    </p:extLst>
+  </p:cSld>
+  <p:clrMapOvr>
+    <a:masterClrMapping/>
+  </p:clrMapOvr>
+</p:notes>
+</file>
+
+<file path=ppt/notesSlides/notesSlide9.xml><?xml version="1.0" encoding="utf-8"?>
+<p:notes xmlns:a="http://schemas.openxmlformats.org/drawingml/2006/main" xmlns:r="http://schemas.openxmlformats.org/officeDocument/2006/relationships" xmlns:p="http://schemas.openxmlformats.org/presentationml/2006/main">
+  <p:cSld>
+    <p:spTree>
+      <p:nvGrpSpPr>
+        <p:cNvPr id="1" name=""/>
+        <p:cNvGrpSpPr/>
+        <p:nvPr/>
+      </p:nvGrpSpPr>
+      <p:grpSpPr>
+        <a:xfrm>
+          <a:off x="0" y="0"/>
+          <a:ext cx="0" cy="0"/>
+          <a:chOff x="0" y="0"/>
+          <a:chExt cx="0" cy="0"/>
+        </a:xfrm>
+      </p:grpSpPr>
+      <p:sp>
+        <p:nvSpPr>
+          <p:cNvPr id="2" name="Zástupný symbol pro obrázek snímku 1"/>
+          <p:cNvSpPr>
+            <a:spLocks noGrp="1" noRot="1" noChangeAspect="1"/>
+          </p:cNvSpPr>
+          <p:nvPr>
+            <p:ph type="sldImg"/>
+          </p:nvPr>
+        </p:nvSpPr>
+        <p:spPr/>
+      </p:sp>
+      <p:sp>
+        <p:nvSpPr>
+          <p:cNvPr id="3" name="Zástupný symbol pro poznámky 2"/>
+          <p:cNvSpPr>
+            <a:spLocks noGrp="1"/>
+          </p:cNvSpPr>
+          <p:nvPr>
+            <p:ph type="body" idx="1"/>
+          </p:nvPr>
+        </p:nvSpPr>
+        <p:spPr/>
+        <p:txBody>
+          <a:bodyPr/>
+          <a:lstStyle/>
+          <a:p>
+            <a:r>
               <a:rPr lang="cs-CZ" dirty="0"/>
               <a:t>K lepšímu zabezpečení je potřeba uživatelské jméno a heslo změnit</a:t>
             </a:r>
@@ -1355,7 +1557,7 @@
           <a:p>
             <a:fld id="{41D4C70A-8DA6-47AE-981F-F0A3334D9E74}" type="slidenum">
               <a:rPr lang="cs-CZ" smtClean="0"/>
-              <a:t>9</a:t>
+              <a:t>10</a:t>
             </a:fld>
             <a:endParaRPr lang="cs-CZ"/>
           </a:p>
@@ -4609,10 +4811,54 @@
       </p:grpSpPr>
       <p:sp>
         <p:nvSpPr>
+          <p:cNvPr id="4" name="Obdélník 3">
+            <a:extLst>
+              <a:ext uri="{FF2B5EF4-FFF2-40B4-BE49-F238E27FC236}">
+                <a16:creationId xmlns:a16="http://schemas.microsoft.com/office/drawing/2014/main" id="{394EDFCC-EF40-FF93-4DC6-208435BD8614}"/>
+              </a:ext>
+            </a:extLst>
+          </p:cNvPr>
+          <p:cNvSpPr/>
+          <p:nvPr/>
+        </p:nvSpPr>
+        <p:spPr>
+          <a:xfrm>
+            <a:off x="1839132" y="1658318"/>
+            <a:ext cx="9670943" cy="4680489"/>
+          </a:xfrm>
+          <a:prstGeom prst="rect">
+            <a:avLst/>
+          </a:prstGeom>
+        </p:spPr>
+        <p:style>
+          <a:lnRef idx="2">
+            <a:schemeClr val="dk1"/>
+          </a:lnRef>
+          <a:fillRef idx="1">
+            <a:schemeClr val="lt1"/>
+          </a:fillRef>
+          <a:effectRef idx="0">
+            <a:schemeClr val="dk1"/>
+          </a:effectRef>
+          <a:fontRef idx="minor">
+            <a:schemeClr val="dk1"/>
+          </a:fontRef>
+        </p:style>
+        <p:txBody>
+          <a:bodyPr rtlCol="0" anchor="ctr"/>
+          <a:lstStyle/>
+          <a:p>
+            <a:pPr algn="ctr"/>
+            <a:endParaRPr lang="cs-CZ"/>
+          </a:p>
+        </p:txBody>
+      </p:sp>
+      <p:sp>
+        <p:nvSpPr>
           <p:cNvPr id="2" name="Nadpis 1">
             <a:extLst>
               <a:ext uri="{FF2B5EF4-FFF2-40B4-BE49-F238E27FC236}">
-                <a16:creationId xmlns:a16="http://schemas.microsoft.com/office/drawing/2014/main" id="{A51351A0-14FD-0F3C-874E-EB855A2A14E4}"/>
+                <a16:creationId xmlns:a16="http://schemas.microsoft.com/office/drawing/2014/main" id="{E320C837-B2AD-F25E-A8E7-1C00EBA88E60}"/>
               </a:ext>
             </a:extLst>
           </p:cNvPr>
@@ -4623,12 +4869,20 @@
             <p:ph type="title"/>
           </p:nvPr>
         </p:nvSpPr>
-        <p:spPr/>
+        <p:spPr>
+          <a:xfrm>
+            <a:off x="262851" y="238367"/>
+            <a:ext cx="6075956" cy="879606"/>
+          </a:xfrm>
+        </p:spPr>
         <p:txBody>
           <a:bodyPr/>
           <a:lstStyle/>
           <a:p>
-            <a:endParaRPr lang="cs-CZ"/>
+            <a:r>
+              <a:rPr lang="cs-CZ" dirty="0"/>
+              <a:t>Jak zabezpečit router?</a:t>
+            </a:r>
           </a:p>
         </p:txBody>
       </p:sp>
@@ -4637,7 +4891,7 @@
           <p:cNvPr id="3" name="Zástupný obsah 2">
             <a:extLst>
               <a:ext uri="{FF2B5EF4-FFF2-40B4-BE49-F238E27FC236}">
-                <a16:creationId xmlns:a16="http://schemas.microsoft.com/office/drawing/2014/main" id="{A2FEDD8F-0387-6441-FD7A-353FA279FB86}"/>
+                <a16:creationId xmlns:a16="http://schemas.microsoft.com/office/drawing/2014/main" id="{26311C80-C188-C0A8-F644-909279A20233}"/>
               </a:ext>
             </a:extLst>
           </p:cNvPr>
@@ -4648,19 +4902,266 @@
             <p:ph idx="1"/>
           </p:nvPr>
         </p:nvSpPr>
-        <p:spPr/>
-        <p:txBody>
-          <a:bodyPr/>
-          <a:lstStyle/>
-          <a:p>
-            <a:endParaRPr lang="cs-CZ"/>
+        <p:spPr>
+          <a:xfrm>
+            <a:off x="1844297" y="1689314"/>
+            <a:ext cx="9665777" cy="4649493"/>
+          </a:xfrm>
+        </p:spPr>
+        <p:txBody>
+          <a:bodyPr>
+            <a:normAutofit/>
+          </a:bodyPr>
+          <a:lstStyle/>
+          <a:p>
+            <a:pPr>
+              <a:buClrTx/>
+            </a:pPr>
+            <a:r>
+              <a:rPr lang="cs-CZ" sz="2400" dirty="0">
+                <a:solidFill>
+                  <a:schemeClr val="tx1"/>
+                </a:solidFill>
+                <a:latin typeface="Arial" panose="020B0604020202020204" pitchFamily="34" charset="0"/>
+                <a:cs typeface="Arial" panose="020B0604020202020204" pitchFamily="34" charset="0"/>
+              </a:rPr>
+              <a:t>Standartně má většina routerů nastavené </a:t>
+            </a:r>
+            <a:r>
+              <a:rPr lang="cs-CZ" sz="2400" b="1" dirty="0">
+                <a:solidFill>
+                  <a:schemeClr val="tx1"/>
+                </a:solidFill>
+                <a:latin typeface="Arial" panose="020B0604020202020204" pitchFamily="34" charset="0"/>
+                <a:cs typeface="Arial" panose="020B0604020202020204" pitchFamily="34" charset="0"/>
+              </a:rPr>
+              <a:t>uživatelské jméno: admin</a:t>
+            </a:r>
+            <a:r>
+              <a:rPr lang="cs-CZ" sz="2400" dirty="0">
+                <a:solidFill>
+                  <a:schemeClr val="tx1"/>
+                </a:solidFill>
+                <a:latin typeface="Arial" panose="020B0604020202020204" pitchFamily="34" charset="0"/>
+                <a:cs typeface="Arial" panose="020B0604020202020204" pitchFamily="34" charset="0"/>
+              </a:rPr>
+              <a:t> a </a:t>
+            </a:r>
+            <a:r>
+              <a:rPr lang="cs-CZ" sz="2400" b="1" dirty="0">
+                <a:solidFill>
+                  <a:schemeClr val="tx1"/>
+                </a:solidFill>
+                <a:latin typeface="Arial" panose="020B0604020202020204" pitchFamily="34" charset="0"/>
+                <a:cs typeface="Arial" panose="020B0604020202020204" pitchFamily="34" charset="0"/>
+              </a:rPr>
+              <a:t>heslo: admin</a:t>
+            </a:r>
+          </a:p>
+          <a:p>
+            <a:pPr>
+              <a:buClrTx/>
+            </a:pPr>
+            <a:r>
+              <a:rPr lang="cs-CZ" sz="2400" dirty="0">
+                <a:solidFill>
+                  <a:schemeClr val="tx1"/>
+                </a:solidFill>
+                <a:latin typeface="Arial" panose="020B0604020202020204" pitchFamily="34" charset="0"/>
+                <a:cs typeface="Arial" panose="020B0604020202020204" pitchFamily="34" charset="0"/>
+              </a:rPr>
+              <a:t>T</a:t>
+            </a:r>
+            <a:r>
+              <a:rPr lang="cs-CZ" sz="2400" b="0" i="0" dirty="0">
+                <a:solidFill>
+                  <a:schemeClr val="tx1"/>
+                </a:solidFill>
+                <a:effectLst/>
+                <a:latin typeface="Arial" panose="020B0604020202020204" pitchFamily="34" charset="0"/>
+                <a:cs typeface="Arial" panose="020B0604020202020204" pitchFamily="34" charset="0"/>
+              </a:rPr>
+              <a:t>ohoto umí útočníci velice dobře využít, proto je to první věc </a:t>
+            </a:r>
+            <a:r>
+              <a:rPr lang="cs-CZ" sz="2400" dirty="0">
+                <a:solidFill>
+                  <a:schemeClr val="tx1"/>
+                </a:solidFill>
+                <a:latin typeface="Arial" panose="020B0604020202020204" pitchFamily="34" charset="0"/>
+                <a:cs typeface="Arial" panose="020B0604020202020204" pitchFamily="34" charset="0"/>
+              </a:rPr>
+              <a:t>p</a:t>
+            </a:r>
+            <a:r>
+              <a:rPr lang="cs-CZ" sz="2400" b="0" i="0" dirty="0">
+                <a:solidFill>
+                  <a:schemeClr val="tx1"/>
+                </a:solidFill>
+                <a:effectLst/>
+                <a:latin typeface="Arial" panose="020B0604020202020204" pitchFamily="34" charset="0"/>
+                <a:cs typeface="Arial" panose="020B0604020202020204" pitchFamily="34" charset="0"/>
+              </a:rPr>
+              <a:t>o přihlášení do administrace routeru, kterou je třeba změnit</a:t>
+            </a:r>
+          </a:p>
+          <a:p>
+            <a:pPr>
+              <a:buClrTx/>
+            </a:pPr>
+            <a:r>
+              <a:rPr lang="pl-PL" sz="2400" i="0" dirty="0">
+                <a:solidFill>
+                  <a:schemeClr val="tx1"/>
+                </a:solidFill>
+                <a:effectLst/>
+                <a:latin typeface="Arial" panose="020B0604020202020204" pitchFamily="34" charset="0"/>
+                <a:cs typeface="Arial" panose="020B0604020202020204" pitchFamily="34" charset="0"/>
+              </a:rPr>
+              <a:t>Komunikaci na síti je třeba ještě zabezpečit a zašifrovat</a:t>
+            </a:r>
+          </a:p>
+          <a:p>
+            <a:pPr>
+              <a:buClrTx/>
+            </a:pPr>
+            <a:r>
+              <a:rPr lang="cs-CZ" sz="2400" b="1" i="0" dirty="0">
+                <a:solidFill>
+                  <a:schemeClr val="tx1"/>
+                </a:solidFill>
+                <a:effectLst/>
+                <a:latin typeface="Arial" panose="020B0604020202020204" pitchFamily="34" charset="0"/>
+              </a:rPr>
+              <a:t>WEP</a:t>
+            </a:r>
+            <a:r>
+              <a:rPr lang="cs-CZ" sz="2400" b="0" i="0" dirty="0">
+                <a:solidFill>
+                  <a:schemeClr val="tx1"/>
+                </a:solidFill>
+                <a:effectLst/>
+                <a:latin typeface="Arial" panose="020B0604020202020204" pitchFamily="34" charset="0"/>
+              </a:rPr>
+              <a:t> -původní šifrovací standard pro bezdrátové sítě</a:t>
+            </a:r>
+          </a:p>
+          <a:p>
+            <a:pPr marL="0" indent="0">
+              <a:buClrTx/>
+              <a:buNone/>
+            </a:pPr>
+            <a:r>
+              <a:rPr lang="cs-CZ" sz="2400" dirty="0">
+                <a:solidFill>
+                  <a:schemeClr val="tx1"/>
+                </a:solidFill>
+                <a:latin typeface="Arial" panose="020B0604020202020204" pitchFamily="34" charset="0"/>
+              </a:rPr>
+              <a:t>            </a:t>
+            </a:r>
+            <a:r>
+              <a:rPr lang="cs-CZ" sz="2400" b="0" i="0" dirty="0">
+                <a:solidFill>
+                  <a:schemeClr val="tx1"/>
+                </a:solidFill>
+                <a:effectLst/>
+                <a:latin typeface="Arial" panose="020B0604020202020204" pitchFamily="34" charset="0"/>
+              </a:rPr>
+              <a:t>-v srpnu 2001 prolomen. </a:t>
+            </a:r>
+          </a:p>
+          <a:p>
+            <a:pPr marL="0" indent="0">
+              <a:buClrTx/>
+              <a:buNone/>
+            </a:pPr>
+            <a:r>
+              <a:rPr lang="cs-CZ" sz="2400" dirty="0">
+                <a:solidFill>
+                  <a:schemeClr val="tx1"/>
+                </a:solidFill>
+                <a:latin typeface="Arial" panose="020B0604020202020204" pitchFamily="34" charset="0"/>
+              </a:rPr>
+              <a:t>            -n</a:t>
+            </a:r>
+            <a:r>
+              <a:rPr lang="cs-CZ" sz="2400" b="0" i="0" dirty="0">
+                <a:solidFill>
+                  <a:schemeClr val="tx1"/>
+                </a:solidFill>
+                <a:effectLst/>
+                <a:latin typeface="Arial" panose="020B0604020202020204" pitchFamily="34" charset="0"/>
+              </a:rPr>
+              <a:t>a nových zařízeních stále podporován, ale je doporučuje se            používat WPA2</a:t>
+            </a:r>
+            <a:endParaRPr lang="pl-PL" sz="2400" i="0" dirty="0">
+              <a:solidFill>
+                <a:schemeClr val="tx1"/>
+              </a:solidFill>
+              <a:effectLst/>
+              <a:latin typeface="Arial" panose="020B0604020202020204" pitchFamily="34" charset="0"/>
+              <a:cs typeface="Arial" panose="020B0604020202020204" pitchFamily="34" charset="0"/>
+            </a:endParaRPr>
+          </a:p>
+          <a:p>
+            <a:pPr>
+              <a:buClrTx/>
+            </a:pPr>
+            <a:r>
+              <a:rPr lang="cs-CZ" sz="2400" b="1" dirty="0">
+                <a:solidFill>
+                  <a:schemeClr val="tx1"/>
+                </a:solidFill>
+                <a:latin typeface="Arial" panose="020B0604020202020204" pitchFamily="34" charset="0"/>
+                <a:cs typeface="Arial" panose="020B0604020202020204" pitchFamily="34" charset="0"/>
+              </a:rPr>
+              <a:t>WPA </a:t>
+            </a:r>
+            <a:r>
+              <a:rPr lang="cs-CZ" sz="2400" dirty="0">
+                <a:solidFill>
+                  <a:schemeClr val="tx1"/>
+                </a:solidFill>
+                <a:latin typeface="Arial" panose="020B0604020202020204" pitchFamily="34" charset="0"/>
+                <a:cs typeface="Arial" panose="020B0604020202020204" pitchFamily="34" charset="0"/>
+              </a:rPr>
+              <a:t>-</a:t>
+            </a:r>
+            <a:r>
+              <a:rPr lang="cs-CZ" sz="2400" b="0" i="0" dirty="0">
+                <a:solidFill>
+                  <a:schemeClr val="tx1"/>
+                </a:solidFill>
+                <a:effectLst/>
+                <a:latin typeface="Arial" panose="020B0604020202020204" pitchFamily="34" charset="0"/>
+              </a:rPr>
+              <a:t> bezpečnostní protokoly, které řeší problémy </a:t>
+            </a:r>
+            <a:r>
+              <a:rPr lang="cs-CZ" sz="2400" b="0" i="0" u="none" strike="noStrike" dirty="0">
+                <a:solidFill>
+                  <a:schemeClr val="tx1"/>
+                </a:solidFill>
+                <a:effectLst/>
+                <a:latin typeface="Arial" panose="020B0604020202020204" pitchFamily="34" charset="0"/>
+              </a:rPr>
+              <a:t>WEP</a:t>
+            </a:r>
+            <a:endParaRPr lang="cs-CZ" sz="2400" b="1" dirty="0">
+              <a:solidFill>
+                <a:schemeClr val="tx1"/>
+              </a:solidFill>
+              <a:latin typeface="Arial" panose="020B0604020202020204" pitchFamily="34" charset="0"/>
+              <a:cs typeface="Arial" panose="020B0604020202020204" pitchFamily="34" charset="0"/>
+            </a:endParaRPr>
           </a:p>
         </p:txBody>
       </p:sp>
     </p:spTree>
     <p:extLst>
       <p:ext uri="{BB962C8B-B14F-4D97-AF65-F5344CB8AC3E}">
-        <p14:creationId xmlns:p14="http://schemas.microsoft.com/office/powerpoint/2010/main" val="1668518660"/>
+        <p14:creationId xmlns:p14="http://schemas.microsoft.com/office/powerpoint/2010/main" val="202359997"/>
       </p:ext>
     </p:extLst>
   </p:cSld>
@@ -4692,7 +5193,7 @@
           <p:cNvPr id="2" name="Nadpis 1">
             <a:extLst>
               <a:ext uri="{FF2B5EF4-FFF2-40B4-BE49-F238E27FC236}">
-                <a16:creationId xmlns:a16="http://schemas.microsoft.com/office/drawing/2014/main" id="{C8AB5481-517E-79BB-3A0A-0547EC02F7C2}"/>
+                <a16:creationId xmlns:a16="http://schemas.microsoft.com/office/drawing/2014/main" id="{A51351A0-14FD-0F3C-874E-EB855A2A14E4}"/>
               </a:ext>
             </a:extLst>
           </p:cNvPr>
@@ -4717,7 +5218,7 @@
           <p:cNvPr id="3" name="Zástupný obsah 2">
             <a:extLst>
               <a:ext uri="{FF2B5EF4-FFF2-40B4-BE49-F238E27FC236}">
-                <a16:creationId xmlns:a16="http://schemas.microsoft.com/office/drawing/2014/main" id="{79CD1F13-BE3C-CFE6-FDDC-3A4D30572722}"/>
+                <a16:creationId xmlns:a16="http://schemas.microsoft.com/office/drawing/2014/main" id="{A2FEDD8F-0387-6441-FD7A-353FA279FB86}"/>
               </a:ext>
             </a:extLst>
           </p:cNvPr>
@@ -4740,7 +5241,7 @@
     </p:spTree>
     <p:extLst>
       <p:ext uri="{BB962C8B-B14F-4D97-AF65-F5344CB8AC3E}">
-        <p14:creationId xmlns:p14="http://schemas.microsoft.com/office/powerpoint/2010/main" val="1566103268"/>
+        <p14:creationId xmlns:p14="http://schemas.microsoft.com/office/powerpoint/2010/main" val="1668518660"/>
       </p:ext>
     </p:extLst>
   </p:cSld>
@@ -4772,7 +5273,7 @@
           <p:cNvPr id="2" name="Nadpis 1">
             <a:extLst>
               <a:ext uri="{FF2B5EF4-FFF2-40B4-BE49-F238E27FC236}">
-                <a16:creationId xmlns:a16="http://schemas.microsoft.com/office/drawing/2014/main" id="{3E828C0C-E567-69B9-9B47-C9882ED481EA}"/>
+                <a16:creationId xmlns:a16="http://schemas.microsoft.com/office/drawing/2014/main" id="{C8AB5481-517E-79BB-3A0A-0547EC02F7C2}"/>
               </a:ext>
             </a:extLst>
           </p:cNvPr>
@@ -4797,7 +5298,7 @@
           <p:cNvPr id="3" name="Zástupný obsah 2">
             <a:extLst>
               <a:ext uri="{FF2B5EF4-FFF2-40B4-BE49-F238E27FC236}">
-                <a16:creationId xmlns:a16="http://schemas.microsoft.com/office/drawing/2014/main" id="{E9CEAB81-9185-AD5C-D592-39848CCBDB29}"/>
+                <a16:creationId xmlns:a16="http://schemas.microsoft.com/office/drawing/2014/main" id="{79CD1F13-BE3C-CFE6-FDDC-3A4D30572722}"/>
               </a:ext>
             </a:extLst>
           </p:cNvPr>
@@ -4820,7 +5321,7 @@
     </p:spTree>
     <p:extLst>
       <p:ext uri="{BB962C8B-B14F-4D97-AF65-F5344CB8AC3E}">
-        <p14:creationId xmlns:p14="http://schemas.microsoft.com/office/powerpoint/2010/main" val="3439284420"/>
+        <p14:creationId xmlns:p14="http://schemas.microsoft.com/office/powerpoint/2010/main" val="1566103268"/>
       </p:ext>
     </p:extLst>
   </p:cSld>
@@ -4852,7 +5353,7 @@
           <p:cNvPr id="2" name="Nadpis 1">
             <a:extLst>
               <a:ext uri="{FF2B5EF4-FFF2-40B4-BE49-F238E27FC236}">
-                <a16:creationId xmlns:a16="http://schemas.microsoft.com/office/drawing/2014/main" id="{3A8C88A5-8115-9129-3817-7C53A1481739}"/>
+                <a16:creationId xmlns:a16="http://schemas.microsoft.com/office/drawing/2014/main" id="{3E828C0C-E567-69B9-9B47-C9882ED481EA}"/>
               </a:ext>
             </a:extLst>
           </p:cNvPr>
@@ -4877,7 +5378,7 @@
           <p:cNvPr id="3" name="Zástupný obsah 2">
             <a:extLst>
               <a:ext uri="{FF2B5EF4-FFF2-40B4-BE49-F238E27FC236}">
-                <a16:creationId xmlns:a16="http://schemas.microsoft.com/office/drawing/2014/main" id="{1A3709FE-76B5-9AD7-8429-0CE7BA0AB9DC}"/>
+                <a16:creationId xmlns:a16="http://schemas.microsoft.com/office/drawing/2014/main" id="{E9CEAB81-9185-AD5C-D592-39848CCBDB29}"/>
               </a:ext>
             </a:extLst>
           </p:cNvPr>
@@ -4900,7 +5401,7 @@
     </p:spTree>
     <p:extLst>
       <p:ext uri="{BB962C8B-B14F-4D97-AF65-F5344CB8AC3E}">
-        <p14:creationId xmlns:p14="http://schemas.microsoft.com/office/powerpoint/2010/main" val="1147928050"/>
+        <p14:creationId xmlns:p14="http://schemas.microsoft.com/office/powerpoint/2010/main" val="3439284420"/>
       </p:ext>
     </p:extLst>
   </p:cSld>
@@ -4932,7 +5433,7 @@
           <p:cNvPr id="2" name="Nadpis 1">
             <a:extLst>
               <a:ext uri="{FF2B5EF4-FFF2-40B4-BE49-F238E27FC236}">
-                <a16:creationId xmlns:a16="http://schemas.microsoft.com/office/drawing/2014/main" id="{C730515A-0245-39D2-8B5F-AEF3BCB42AC4}"/>
+                <a16:creationId xmlns:a16="http://schemas.microsoft.com/office/drawing/2014/main" id="{3A8C88A5-8115-9129-3817-7C53A1481739}"/>
               </a:ext>
             </a:extLst>
           </p:cNvPr>
@@ -4957,7 +5458,7 @@
           <p:cNvPr id="3" name="Zástupný obsah 2">
             <a:extLst>
               <a:ext uri="{FF2B5EF4-FFF2-40B4-BE49-F238E27FC236}">
-                <a16:creationId xmlns:a16="http://schemas.microsoft.com/office/drawing/2014/main" id="{E18B97AC-0E9D-C062-8A1C-05148F3A82CD}"/>
+                <a16:creationId xmlns:a16="http://schemas.microsoft.com/office/drawing/2014/main" id="{1A3709FE-76B5-9AD7-8429-0CE7BA0AB9DC}"/>
               </a:ext>
             </a:extLst>
           </p:cNvPr>
@@ -4980,7 +5481,7 @@
     </p:spTree>
     <p:extLst>
       <p:ext uri="{BB962C8B-B14F-4D97-AF65-F5344CB8AC3E}">
-        <p14:creationId xmlns:p14="http://schemas.microsoft.com/office/powerpoint/2010/main" val="3793748274"/>
+        <p14:creationId xmlns:p14="http://schemas.microsoft.com/office/powerpoint/2010/main" val="1147928050"/>
       </p:ext>
     </p:extLst>
   </p:cSld>
@@ -5012,7 +5513,7 @@
           <p:cNvPr id="2" name="Nadpis 1">
             <a:extLst>
               <a:ext uri="{FF2B5EF4-FFF2-40B4-BE49-F238E27FC236}">
-                <a16:creationId xmlns:a16="http://schemas.microsoft.com/office/drawing/2014/main" id="{75696E2F-4445-D6F4-69C4-544A7FEDFED2}"/>
+                <a16:creationId xmlns:a16="http://schemas.microsoft.com/office/drawing/2014/main" id="{C730515A-0245-39D2-8B5F-AEF3BCB42AC4}"/>
               </a:ext>
             </a:extLst>
           </p:cNvPr>
@@ -5037,7 +5538,7 @@
           <p:cNvPr id="3" name="Zástupný obsah 2">
             <a:extLst>
               <a:ext uri="{FF2B5EF4-FFF2-40B4-BE49-F238E27FC236}">
-                <a16:creationId xmlns:a16="http://schemas.microsoft.com/office/drawing/2014/main" id="{B7D5CCF3-49C2-D3AE-D80F-B269F03A1320}"/>
+                <a16:creationId xmlns:a16="http://schemas.microsoft.com/office/drawing/2014/main" id="{E18B97AC-0E9D-C062-8A1C-05148F3A82CD}"/>
               </a:ext>
             </a:extLst>
           </p:cNvPr>
@@ -5060,7 +5561,7 @@
     </p:spTree>
     <p:extLst>
       <p:ext uri="{BB962C8B-B14F-4D97-AF65-F5344CB8AC3E}">
-        <p14:creationId xmlns:p14="http://schemas.microsoft.com/office/powerpoint/2010/main" val="1515943619"/>
+        <p14:creationId xmlns:p14="http://schemas.microsoft.com/office/powerpoint/2010/main" val="3793748274"/>
       </p:ext>
     </p:extLst>
   </p:cSld>
@@ -5092,7 +5593,7 @@
           <p:cNvPr id="2" name="Nadpis 1">
             <a:extLst>
               <a:ext uri="{FF2B5EF4-FFF2-40B4-BE49-F238E27FC236}">
-                <a16:creationId xmlns:a16="http://schemas.microsoft.com/office/drawing/2014/main" id="{DA7CABE9-F6C3-1CCE-8E89-93AAE825E2AF}"/>
+                <a16:creationId xmlns:a16="http://schemas.microsoft.com/office/drawing/2014/main" id="{75696E2F-4445-D6F4-69C4-544A7FEDFED2}"/>
               </a:ext>
             </a:extLst>
           </p:cNvPr>
@@ -5117,7 +5618,7 @@
           <p:cNvPr id="3" name="Zástupný obsah 2">
             <a:extLst>
               <a:ext uri="{FF2B5EF4-FFF2-40B4-BE49-F238E27FC236}">
-                <a16:creationId xmlns:a16="http://schemas.microsoft.com/office/drawing/2014/main" id="{BC5D86A8-7A19-527B-4C32-C55796FE7FBC}"/>
+                <a16:creationId xmlns:a16="http://schemas.microsoft.com/office/drawing/2014/main" id="{B7D5CCF3-49C2-D3AE-D80F-B269F03A1320}"/>
               </a:ext>
             </a:extLst>
           </p:cNvPr>
@@ -5140,7 +5641,7 @@
     </p:spTree>
     <p:extLst>
       <p:ext uri="{BB962C8B-B14F-4D97-AF65-F5344CB8AC3E}">
-        <p14:creationId xmlns:p14="http://schemas.microsoft.com/office/powerpoint/2010/main" val="734858332"/>
+        <p14:creationId xmlns:p14="http://schemas.microsoft.com/office/powerpoint/2010/main" val="1515943619"/>
       </p:ext>
     </p:extLst>
   </p:cSld>
@@ -5172,7 +5673,7 @@
           <p:cNvPr id="2" name="Nadpis 1">
             <a:extLst>
               <a:ext uri="{FF2B5EF4-FFF2-40B4-BE49-F238E27FC236}">
-                <a16:creationId xmlns:a16="http://schemas.microsoft.com/office/drawing/2014/main" id="{8B2DA134-CF08-48A3-FBBB-57FB095DC360}"/>
+                <a16:creationId xmlns:a16="http://schemas.microsoft.com/office/drawing/2014/main" id="{DA7CABE9-F6C3-1CCE-8E89-93AAE825E2AF}"/>
               </a:ext>
             </a:extLst>
           </p:cNvPr>
@@ -5197,7 +5698,7 @@
           <p:cNvPr id="3" name="Zástupný obsah 2">
             <a:extLst>
               <a:ext uri="{FF2B5EF4-FFF2-40B4-BE49-F238E27FC236}">
-                <a16:creationId xmlns:a16="http://schemas.microsoft.com/office/drawing/2014/main" id="{E7739911-8210-B9B5-491D-04F58F74D934}"/>
+                <a16:creationId xmlns:a16="http://schemas.microsoft.com/office/drawing/2014/main" id="{BC5D86A8-7A19-527B-4C32-C55796FE7FBC}"/>
               </a:ext>
             </a:extLst>
           </p:cNvPr>
@@ -5220,7 +5721,7 @@
     </p:spTree>
     <p:extLst>
       <p:ext uri="{BB962C8B-B14F-4D97-AF65-F5344CB8AC3E}">
-        <p14:creationId xmlns:p14="http://schemas.microsoft.com/office/powerpoint/2010/main" val="720323700"/>
+        <p14:creationId xmlns:p14="http://schemas.microsoft.com/office/powerpoint/2010/main" val="734858332"/>
       </p:ext>
     </p:extLst>
   </p:cSld>
@@ -5252,7 +5753,7 @@
           <p:cNvPr id="2" name="Nadpis 1">
             <a:extLst>
               <a:ext uri="{FF2B5EF4-FFF2-40B4-BE49-F238E27FC236}">
-                <a16:creationId xmlns:a16="http://schemas.microsoft.com/office/drawing/2014/main" id="{EA943DBD-8AA8-C441-CAAC-AE408D5B05F7}"/>
+                <a16:creationId xmlns:a16="http://schemas.microsoft.com/office/drawing/2014/main" id="{8B2DA134-CF08-48A3-FBBB-57FB095DC360}"/>
               </a:ext>
             </a:extLst>
           </p:cNvPr>
@@ -5277,7 +5778,7 @@
           <p:cNvPr id="3" name="Zástupný obsah 2">
             <a:extLst>
               <a:ext uri="{FF2B5EF4-FFF2-40B4-BE49-F238E27FC236}">
-                <a16:creationId xmlns:a16="http://schemas.microsoft.com/office/drawing/2014/main" id="{FF883635-2FC2-6251-40F3-D283E3EB1748}"/>
+                <a16:creationId xmlns:a16="http://schemas.microsoft.com/office/drawing/2014/main" id="{E7739911-8210-B9B5-491D-04F58F74D934}"/>
               </a:ext>
             </a:extLst>
           </p:cNvPr>
@@ -5300,7 +5801,7 @@
     </p:spTree>
     <p:extLst>
       <p:ext uri="{BB962C8B-B14F-4D97-AF65-F5344CB8AC3E}">
-        <p14:creationId xmlns:p14="http://schemas.microsoft.com/office/powerpoint/2010/main" val="3972665055"/>
+        <p14:creationId xmlns:p14="http://schemas.microsoft.com/office/powerpoint/2010/main" val="720323700"/>
       </p:ext>
     </p:extLst>
   </p:cSld>
@@ -5332,7 +5833,7 @@
           <p:cNvPr id="2" name="Nadpis 1">
             <a:extLst>
               <a:ext uri="{FF2B5EF4-FFF2-40B4-BE49-F238E27FC236}">
-                <a16:creationId xmlns:a16="http://schemas.microsoft.com/office/drawing/2014/main" id="{B728589E-EA03-0D6D-7705-6FE57622BC1A}"/>
+                <a16:creationId xmlns:a16="http://schemas.microsoft.com/office/drawing/2014/main" id="{EA943DBD-8AA8-C441-CAAC-AE408D5B05F7}"/>
               </a:ext>
             </a:extLst>
           </p:cNvPr>
@@ -5357,7 +5858,7 @@
           <p:cNvPr id="3" name="Zástupný obsah 2">
             <a:extLst>
               <a:ext uri="{FF2B5EF4-FFF2-40B4-BE49-F238E27FC236}">
-                <a16:creationId xmlns:a16="http://schemas.microsoft.com/office/drawing/2014/main" id="{E45BDBE7-A377-E5BD-BA23-6C58C9C77EBF}"/>
+                <a16:creationId xmlns:a16="http://schemas.microsoft.com/office/drawing/2014/main" id="{FF883635-2FC2-6251-40F3-D283E3EB1748}"/>
               </a:ext>
             </a:extLst>
           </p:cNvPr>
@@ -5380,7 +5881,7 @@
     </p:spTree>
     <p:extLst>
       <p:ext uri="{BB962C8B-B14F-4D97-AF65-F5344CB8AC3E}">
-        <p14:creationId xmlns:p14="http://schemas.microsoft.com/office/powerpoint/2010/main" val="1794189606"/>
+        <p14:creationId xmlns:p14="http://schemas.microsoft.com/office/powerpoint/2010/main" val="3972665055"/>
       </p:ext>
     </p:extLst>
   </p:cSld>
@@ -5721,7 +6222,7 @@
           <p:cNvPr id="2" name="Nadpis 1">
             <a:extLst>
               <a:ext uri="{FF2B5EF4-FFF2-40B4-BE49-F238E27FC236}">
-                <a16:creationId xmlns:a16="http://schemas.microsoft.com/office/drawing/2014/main" id="{67C1BF42-0F08-BDCC-712E-C6AB659402F6}"/>
+                <a16:creationId xmlns:a16="http://schemas.microsoft.com/office/drawing/2014/main" id="{B728589E-EA03-0D6D-7705-6FE57622BC1A}"/>
               </a:ext>
             </a:extLst>
           </p:cNvPr>
@@ -5746,7 +6247,7 @@
           <p:cNvPr id="3" name="Zástupný obsah 2">
             <a:extLst>
               <a:ext uri="{FF2B5EF4-FFF2-40B4-BE49-F238E27FC236}">
-                <a16:creationId xmlns:a16="http://schemas.microsoft.com/office/drawing/2014/main" id="{BD3E5880-BB17-320F-DC2D-633C2710D192}"/>
+                <a16:creationId xmlns:a16="http://schemas.microsoft.com/office/drawing/2014/main" id="{E45BDBE7-A377-E5BD-BA23-6C58C9C77EBF}"/>
               </a:ext>
             </a:extLst>
           </p:cNvPr>
@@ -5769,7 +6270,7 @@
     </p:spTree>
     <p:extLst>
       <p:ext uri="{BB962C8B-B14F-4D97-AF65-F5344CB8AC3E}">
-        <p14:creationId xmlns:p14="http://schemas.microsoft.com/office/powerpoint/2010/main" val="2627885485"/>
+        <p14:creationId xmlns:p14="http://schemas.microsoft.com/office/powerpoint/2010/main" val="1794189606"/>
       </p:ext>
     </p:extLst>
   </p:cSld>
@@ -5798,10 +6299,54 @@
       </p:grpSpPr>
       <p:sp>
         <p:nvSpPr>
+          <p:cNvPr id="4" name="Obdélník 3">
+            <a:extLst>
+              <a:ext uri="{FF2B5EF4-FFF2-40B4-BE49-F238E27FC236}">
+                <a16:creationId xmlns:a16="http://schemas.microsoft.com/office/drawing/2014/main" id="{D1C2EDE4-CB4E-CD18-44EC-58576F3B8B91}"/>
+              </a:ext>
+            </a:extLst>
+          </p:cNvPr>
+          <p:cNvSpPr/>
+          <p:nvPr/>
+        </p:nvSpPr>
+        <p:spPr>
+          <a:xfrm>
+            <a:off x="2723156" y="1642820"/>
+            <a:ext cx="7237708" cy="4205695"/>
+          </a:xfrm>
+          <a:prstGeom prst="rect">
+            <a:avLst/>
+          </a:prstGeom>
+        </p:spPr>
+        <p:style>
+          <a:lnRef idx="2">
+            <a:schemeClr val="dk1"/>
+          </a:lnRef>
+          <a:fillRef idx="1">
+            <a:schemeClr val="lt1"/>
+          </a:fillRef>
+          <a:effectRef idx="0">
+            <a:schemeClr val="dk1"/>
+          </a:effectRef>
+          <a:fontRef idx="minor">
+            <a:schemeClr val="dk1"/>
+          </a:fontRef>
+        </p:style>
+        <p:txBody>
+          <a:bodyPr rtlCol="0" anchor="ctr"/>
+          <a:lstStyle/>
+          <a:p>
+            <a:pPr algn="ctr"/>
+            <a:endParaRPr lang="cs-CZ"/>
+          </a:p>
+        </p:txBody>
+      </p:sp>
+      <p:sp>
+        <p:nvSpPr>
           <p:cNvPr id="2" name="Nadpis 1">
             <a:extLst>
               <a:ext uri="{FF2B5EF4-FFF2-40B4-BE49-F238E27FC236}">
-                <a16:creationId xmlns:a16="http://schemas.microsoft.com/office/drawing/2014/main" id="{5CEBA942-2D42-181F-11C1-AA6D7676E662}"/>
+                <a16:creationId xmlns:a16="http://schemas.microsoft.com/office/drawing/2014/main" id="{BB359F1A-9554-33DB-F69A-353E2AD870FF}"/>
               </a:ext>
             </a:extLst>
           </p:cNvPr>
@@ -5814,8 +6359,8 @@
         </p:nvSpPr>
         <p:spPr>
           <a:xfrm>
-            <a:off x="231544" y="251770"/>
-            <a:ext cx="3999183" cy="724623"/>
+            <a:off x="417835" y="424346"/>
+            <a:ext cx="3100281" cy="693627"/>
           </a:xfrm>
         </p:spPr>
         <p:txBody>
@@ -5826,7 +6371,7 @@
           <a:p>
             <a:r>
               <a:rPr lang="cs-CZ" dirty="0"/>
-              <a:t>Pásmo 2,4 GHz</a:t>
+              <a:t>pásma</a:t>
             </a:r>
           </a:p>
         </p:txBody>
@@ -5836,7 +6381,7 @@
           <p:cNvPr id="3" name="Zástupný obsah 2">
             <a:extLst>
               <a:ext uri="{FF2B5EF4-FFF2-40B4-BE49-F238E27FC236}">
-                <a16:creationId xmlns:a16="http://schemas.microsoft.com/office/drawing/2014/main" id="{311214F6-D404-8B86-233C-BDF24C217FD0}"/>
+                <a16:creationId xmlns:a16="http://schemas.microsoft.com/office/drawing/2014/main" id="{88AEC3F8-3E74-E1DE-B35E-A886C4A8027E}"/>
               </a:ext>
             </a:extLst>
           </p:cNvPr>
@@ -5847,19 +6392,120 @@
             <p:ph idx="1"/>
           </p:nvPr>
         </p:nvSpPr>
-        <p:spPr/>
+        <p:spPr>
+          <a:xfrm>
+            <a:off x="2723156" y="1642820"/>
+            <a:ext cx="7237708" cy="4097207"/>
+          </a:xfrm>
+        </p:spPr>
         <p:txBody>
           <a:bodyPr/>
           <a:lstStyle/>
           <a:p>
-            <a:endParaRPr lang="cs-CZ"/>
+            <a:pPr>
+              <a:buClrTx/>
+            </a:pPr>
+            <a:r>
+              <a:rPr lang="cs-CZ" sz="2800" b="0" i="0" dirty="0">
+                <a:solidFill>
+                  <a:srgbClr val="222222"/>
+                </a:solidFill>
+                <a:effectLst/>
+                <a:latin typeface="Arial" panose="020B0604020202020204" pitchFamily="34" charset="0"/>
+                <a:cs typeface="Arial" panose="020B0604020202020204" pitchFamily="34" charset="0"/>
+              </a:rPr>
+              <a:t>Většina zařízení je schopna komunikovat </a:t>
+            </a:r>
+            <a:r>
+              <a:rPr lang="cs-CZ" sz="2800" i="0" dirty="0">
+                <a:solidFill>
+                  <a:srgbClr val="222222"/>
+                </a:solidFill>
+                <a:effectLst/>
+                <a:latin typeface="Arial" panose="020B0604020202020204" pitchFamily="34" charset="0"/>
+                <a:cs typeface="Arial" panose="020B0604020202020204" pitchFamily="34" charset="0"/>
+              </a:rPr>
+              <a:t>na frekvenci 2,4 GHz</a:t>
+            </a:r>
+          </a:p>
+          <a:p>
+            <a:pPr>
+              <a:buClrTx/>
+            </a:pPr>
+            <a:r>
+              <a:rPr lang="pl-PL" sz="2800" b="0" i="0" dirty="0">
+                <a:solidFill>
+                  <a:srgbClr val="222222"/>
+                </a:solidFill>
+                <a:effectLst/>
+                <a:latin typeface="Arial" panose="020B0604020202020204" pitchFamily="34" charset="0"/>
+                <a:cs typeface="Arial" panose="020B0604020202020204" pitchFamily="34" charset="0"/>
+              </a:rPr>
+              <a:t>5 GHz musí podporovat </a:t>
+            </a:r>
+            <a:r>
+              <a:rPr lang="pl-PL" sz="2800" i="0" dirty="0">
+                <a:solidFill>
+                  <a:srgbClr val="222222"/>
+                </a:solidFill>
+                <a:effectLst/>
+                <a:latin typeface="Arial" panose="020B0604020202020204" pitchFamily="34" charset="0"/>
+                <a:cs typeface="Arial" panose="020B0604020202020204" pitchFamily="34" charset="0"/>
+              </a:rPr>
+              <a:t>obě strany komunikace</a:t>
+            </a:r>
+          </a:p>
+          <a:p>
+            <a:pPr>
+              <a:buClrTx/>
+            </a:pPr>
+            <a:r>
+              <a:rPr lang="pl-PL" sz="2800" dirty="0">
+                <a:solidFill>
+                  <a:srgbClr val="222222"/>
+                </a:solidFill>
+                <a:latin typeface="Arial" panose="020B0604020202020204" pitchFamily="34" charset="0"/>
+                <a:cs typeface="Arial" panose="020B0604020202020204" pitchFamily="34" charset="0"/>
+              </a:rPr>
+              <a:t>U routerů se dopručuje podpora obou pásem</a:t>
+            </a:r>
+          </a:p>
+          <a:p>
+            <a:pPr>
+              <a:buClrTx/>
+            </a:pPr>
+            <a:r>
+              <a:rPr lang="cs-CZ" sz="2800" b="0" i="0" dirty="0">
+                <a:solidFill>
+                  <a:srgbClr val="222222"/>
+                </a:solidFill>
+                <a:effectLst/>
+                <a:latin typeface="Arial" panose="020B0604020202020204" pitchFamily="34" charset="0"/>
+                <a:cs typeface="Arial" panose="020B0604020202020204" pitchFamily="34" charset="0"/>
+              </a:rPr>
+              <a:t>Wi-Fi router pracuje na mnohem vyšší frekvenci než například televize nebo rádio</a:t>
+            </a:r>
+            <a:endParaRPr lang="pl-PL" sz="2800" i="0" dirty="0">
+              <a:solidFill>
+                <a:srgbClr val="222222"/>
+              </a:solidFill>
+              <a:effectLst/>
+              <a:latin typeface="Arial" panose="020B0604020202020204" pitchFamily="34" charset="0"/>
+              <a:cs typeface="Arial" panose="020B0604020202020204" pitchFamily="34" charset="0"/>
+            </a:endParaRPr>
+          </a:p>
+          <a:p>
+            <a:pPr>
+              <a:buClrTx/>
+            </a:pPr>
+            <a:endParaRPr lang="cs-CZ" dirty="0"/>
           </a:p>
         </p:txBody>
       </p:sp>
     </p:spTree>
     <p:extLst>
       <p:ext uri="{BB962C8B-B14F-4D97-AF65-F5344CB8AC3E}">
-        <p14:creationId xmlns:p14="http://schemas.microsoft.com/office/powerpoint/2010/main" val="3076635656"/>
+        <p14:creationId xmlns:p14="http://schemas.microsoft.com/office/powerpoint/2010/main" val="1473162104"/>
       </p:ext>
     </p:extLst>
   </p:cSld>
@@ -5888,6 +6534,300 @@
       </p:grpSpPr>
       <p:sp>
         <p:nvSpPr>
+          <p:cNvPr id="4" name="Obdélník 3">
+            <a:extLst>
+              <a:ext uri="{FF2B5EF4-FFF2-40B4-BE49-F238E27FC236}">
+                <a16:creationId xmlns:a16="http://schemas.microsoft.com/office/drawing/2014/main" id="{6CDFBE71-F7CB-08E4-AC11-325D7F5FA8D0}"/>
+              </a:ext>
+            </a:extLst>
+          </p:cNvPr>
+          <p:cNvSpPr/>
+          <p:nvPr/>
+        </p:nvSpPr>
+        <p:spPr>
+          <a:xfrm>
+            <a:off x="2645045" y="1754641"/>
+            <a:ext cx="7935132" cy="4432516"/>
+          </a:xfrm>
+          <a:prstGeom prst="rect">
+            <a:avLst/>
+          </a:prstGeom>
+        </p:spPr>
+        <p:style>
+          <a:lnRef idx="2">
+            <a:schemeClr val="dk1"/>
+          </a:lnRef>
+          <a:fillRef idx="1">
+            <a:schemeClr val="lt1"/>
+          </a:fillRef>
+          <a:effectRef idx="0">
+            <a:schemeClr val="dk1"/>
+          </a:effectRef>
+          <a:fontRef idx="minor">
+            <a:schemeClr val="dk1"/>
+          </a:fontRef>
+        </p:style>
+        <p:txBody>
+          <a:bodyPr rtlCol="0" anchor="ctr"/>
+          <a:lstStyle/>
+          <a:p>
+            <a:pPr algn="ctr"/>
+            <a:endParaRPr lang="cs-CZ"/>
+          </a:p>
+        </p:txBody>
+      </p:sp>
+      <p:sp>
+        <p:nvSpPr>
+          <p:cNvPr id="2" name="Nadpis 1">
+            <a:extLst>
+              <a:ext uri="{FF2B5EF4-FFF2-40B4-BE49-F238E27FC236}">
+                <a16:creationId xmlns:a16="http://schemas.microsoft.com/office/drawing/2014/main" id="{5CEBA942-2D42-181F-11C1-AA6D7676E662}"/>
+              </a:ext>
+            </a:extLst>
+          </p:cNvPr>
+          <p:cNvSpPr>
+            <a:spLocks noGrp="1"/>
+          </p:cNvSpPr>
+          <p:nvPr>
+            <p:ph type="title"/>
+          </p:nvPr>
+        </p:nvSpPr>
+        <p:spPr>
+          <a:xfrm>
+            <a:off x="231544" y="251770"/>
+            <a:ext cx="3999183" cy="724623"/>
+          </a:xfrm>
+        </p:spPr>
+        <p:txBody>
+          <a:bodyPr>
+            <a:normAutofit fontScale="90000"/>
+          </a:bodyPr>
+          <a:lstStyle/>
+          <a:p>
+            <a:r>
+              <a:rPr lang="cs-CZ" dirty="0"/>
+              <a:t>Pásmo 2,4 GHz</a:t>
+            </a:r>
+          </a:p>
+        </p:txBody>
+      </p:sp>
+      <p:sp>
+        <p:nvSpPr>
+          <p:cNvPr id="3" name="Zástupný obsah 2">
+            <a:extLst>
+              <a:ext uri="{FF2B5EF4-FFF2-40B4-BE49-F238E27FC236}">
+                <a16:creationId xmlns:a16="http://schemas.microsoft.com/office/drawing/2014/main" id="{311214F6-D404-8B86-233C-BDF24C217FD0}"/>
+              </a:ext>
+            </a:extLst>
+          </p:cNvPr>
+          <p:cNvSpPr>
+            <a:spLocks noGrp="1"/>
+          </p:cNvSpPr>
+          <p:nvPr>
+            <p:ph idx="1"/>
+          </p:nvPr>
+        </p:nvSpPr>
+        <p:spPr>
+          <a:xfrm>
+            <a:off x="2645046" y="1754641"/>
+            <a:ext cx="7935132" cy="4432516"/>
+          </a:xfrm>
+        </p:spPr>
+        <p:txBody>
+          <a:bodyPr>
+            <a:normAutofit/>
+          </a:bodyPr>
+          <a:lstStyle/>
+          <a:p>
+            <a:pPr>
+              <a:buClrTx/>
+            </a:pPr>
+            <a:r>
+              <a:rPr lang="cs-CZ" sz="2800" b="0" i="0" dirty="0">
+                <a:solidFill>
+                  <a:schemeClr val="tx1"/>
+                </a:solidFill>
+                <a:effectLst/>
+                <a:latin typeface="Arial" panose="020B0604020202020204" pitchFamily="34" charset="0"/>
+                <a:cs typeface="Arial" panose="020B0604020202020204" pitchFamily="34" charset="0"/>
+              </a:rPr>
+              <a:t>V rámci tohoto pásma jsou využívány frekvence od 2,4 do 2,462 GHz</a:t>
+            </a:r>
+          </a:p>
+          <a:p>
+            <a:pPr>
+              <a:buClrTx/>
+            </a:pPr>
+            <a:r>
+              <a:rPr lang="cs-CZ" sz="2800" b="0" i="0" dirty="0">
+                <a:solidFill>
+                  <a:schemeClr val="tx1"/>
+                </a:solidFill>
+                <a:effectLst/>
+                <a:latin typeface="Arial" panose="020B0604020202020204" pitchFamily="34" charset="0"/>
+                <a:cs typeface="Arial" panose="020B0604020202020204" pitchFamily="34" charset="0"/>
+              </a:rPr>
+              <a:t>jednotlivé kanály Wifi sítě jsou tvořeny po 5 MHz</a:t>
+            </a:r>
+          </a:p>
+          <a:p>
+            <a:pPr>
+              <a:buClrTx/>
+            </a:pPr>
+            <a:r>
+              <a:rPr lang="cs-CZ" sz="2800" b="0" i="0" dirty="0">
+                <a:solidFill>
+                  <a:schemeClr val="tx1"/>
+                </a:solidFill>
+                <a:effectLst/>
+                <a:latin typeface="Arial" panose="020B0604020202020204" pitchFamily="34" charset="0"/>
+                <a:cs typeface="Arial" panose="020B0604020202020204" pitchFamily="34" charset="0"/>
+              </a:rPr>
+              <a:t>Větší dosah</a:t>
+            </a:r>
+          </a:p>
+          <a:p>
+            <a:pPr>
+              <a:buClrTx/>
+            </a:pPr>
+            <a:r>
+              <a:rPr lang="cs-CZ" sz="2800" b="0" i="0" dirty="0">
+                <a:solidFill>
+                  <a:schemeClr val="tx1"/>
+                </a:solidFill>
+                <a:effectLst/>
+                <a:latin typeface="Arial" panose="020B0604020202020204" pitchFamily="34" charset="0"/>
+                <a:cs typeface="Arial" panose="020B0604020202020204" pitchFamily="34" charset="0"/>
+              </a:rPr>
+              <a:t>Lepší přenos přes překážky </a:t>
+            </a:r>
+          </a:p>
+          <a:p>
+            <a:pPr>
+              <a:buClrTx/>
+            </a:pPr>
+            <a:r>
+              <a:rPr lang="cs-CZ" sz="2800" b="0" i="0" dirty="0">
+                <a:solidFill>
+                  <a:schemeClr val="tx1"/>
+                </a:solidFill>
+                <a:effectLst/>
+                <a:latin typeface="Arial" panose="020B0604020202020204" pitchFamily="34" charset="0"/>
+                <a:cs typeface="Arial" panose="020B0604020202020204" pitchFamily="34" charset="0"/>
+              </a:rPr>
+              <a:t>Nižší přenosové rychlosti</a:t>
+            </a:r>
+          </a:p>
+          <a:p>
+            <a:pPr>
+              <a:buClrTx/>
+            </a:pPr>
+            <a:r>
+              <a:rPr lang="cs-CZ" sz="2800" dirty="0">
+                <a:solidFill>
+                  <a:schemeClr val="tx1"/>
+                </a:solidFill>
+                <a:latin typeface="Arial" panose="020B0604020202020204" pitchFamily="34" charset="0"/>
+                <a:cs typeface="Arial" panose="020B0604020202020204" pitchFamily="34" charset="0"/>
+              </a:rPr>
+              <a:t>Přeplněné </a:t>
+            </a:r>
+            <a:endParaRPr lang="cs-CZ" sz="2800" b="0" i="0" dirty="0">
+              <a:solidFill>
+                <a:schemeClr val="tx1"/>
+              </a:solidFill>
+              <a:effectLst/>
+              <a:latin typeface="Arial" panose="020B0604020202020204" pitchFamily="34" charset="0"/>
+              <a:cs typeface="Arial" panose="020B0604020202020204" pitchFamily="34" charset="0"/>
+            </a:endParaRPr>
+          </a:p>
+          <a:p>
+            <a:pPr>
+              <a:buClrTx/>
+            </a:pPr>
+            <a:endParaRPr lang="cs-CZ" sz="2800" dirty="0">
+              <a:latin typeface="Arial" panose="020B0604020202020204" pitchFamily="34" charset="0"/>
+              <a:cs typeface="Arial" panose="020B0604020202020204" pitchFamily="34" charset="0"/>
+            </a:endParaRPr>
+          </a:p>
+        </p:txBody>
+      </p:sp>
+    </p:spTree>
+    <p:extLst>
+      <p:ext uri="{BB962C8B-B14F-4D97-AF65-F5344CB8AC3E}">
+        <p14:creationId xmlns:p14="http://schemas.microsoft.com/office/powerpoint/2010/main" val="3076635656"/>
+      </p:ext>
+    </p:extLst>
+  </p:cSld>
+  <p:clrMapOvr>
+    <a:masterClrMapping/>
+  </p:clrMapOvr>
+</p:sld>
+</file>
+
+<file path=ppt/slides/slide5.xml><?xml version="1.0" encoding="utf-8"?>
+<p:sld xmlns:a="http://schemas.openxmlformats.org/drawingml/2006/main" xmlns:r="http://schemas.openxmlformats.org/officeDocument/2006/relationships" xmlns:p="http://schemas.openxmlformats.org/presentationml/2006/main">
+  <p:cSld>
+    <p:spTree>
+      <p:nvGrpSpPr>
+        <p:cNvPr id="1" name=""/>
+        <p:cNvGrpSpPr/>
+        <p:nvPr/>
+      </p:nvGrpSpPr>
+      <p:grpSpPr>
+        <a:xfrm>
+          <a:off x="0" y="0"/>
+          <a:ext cx="0" cy="0"/>
+          <a:chOff x="0" y="0"/>
+          <a:chExt cx="0" cy="0"/>
+        </a:xfrm>
+      </p:grpSpPr>
+      <p:sp>
+        <p:nvSpPr>
+          <p:cNvPr id="4" name="Obdélník 3">
+            <a:extLst>
+              <a:ext uri="{FF2B5EF4-FFF2-40B4-BE49-F238E27FC236}">
+                <a16:creationId xmlns:a16="http://schemas.microsoft.com/office/drawing/2014/main" id="{6FEEF4DF-5C73-AD21-5406-EF3E95B57711}"/>
+              </a:ext>
+            </a:extLst>
+          </p:cNvPr>
+          <p:cNvSpPr/>
+          <p:nvPr/>
+        </p:nvSpPr>
+        <p:spPr>
+          <a:xfrm>
+            <a:off x="2820692" y="1735809"/>
+            <a:ext cx="7640664" cy="4432515"/>
+          </a:xfrm>
+          <a:prstGeom prst="rect">
+            <a:avLst/>
+          </a:prstGeom>
+        </p:spPr>
+        <p:style>
+          <a:lnRef idx="2">
+            <a:schemeClr val="dk1"/>
+          </a:lnRef>
+          <a:fillRef idx="1">
+            <a:schemeClr val="lt1"/>
+          </a:fillRef>
+          <a:effectRef idx="0">
+            <a:schemeClr val="dk1"/>
+          </a:effectRef>
+          <a:fontRef idx="minor">
+            <a:schemeClr val="dk1"/>
+          </a:fontRef>
+        </p:style>
+        <p:txBody>
+          <a:bodyPr rtlCol="0" anchor="ctr"/>
+          <a:lstStyle/>
+          <a:p>
+            <a:pPr algn="ctr"/>
+            <a:endParaRPr lang="cs-CZ"/>
+          </a:p>
+        </p:txBody>
+      </p:sp>
+      <p:sp>
+        <p:nvSpPr>
           <p:cNvPr id="2" name="Nadpis 1">
             <a:extLst>
               <a:ext uri="{FF2B5EF4-FFF2-40B4-BE49-F238E27FC236}">
@@ -5937,12 +6877,141 @@
             <p:ph idx="1"/>
           </p:nvPr>
         </p:nvSpPr>
-        <p:spPr/>
+        <p:spPr>
+          <a:xfrm>
+            <a:off x="2820693" y="1735809"/>
+            <a:ext cx="7640664" cy="4432515"/>
+          </a:xfrm>
+        </p:spPr>
         <p:txBody>
           <a:bodyPr/>
           <a:lstStyle/>
           <a:p>
-            <a:endParaRPr lang="cs-CZ"/>
+            <a:pPr>
+              <a:buClr>
+                <a:schemeClr val="tx1"/>
+              </a:buClr>
+            </a:pPr>
+            <a:r>
+              <a:rPr lang="pl-PL" sz="2800" dirty="0">
+                <a:solidFill>
+                  <a:schemeClr val="tx1"/>
+                </a:solidFill>
+                <a:latin typeface="Arial" panose="020B0604020202020204" pitchFamily="34" charset="0"/>
+                <a:cs typeface="Arial" panose="020B0604020202020204" pitchFamily="34" charset="0"/>
+              </a:rPr>
+              <a:t>frekvenční rozsah od 5,18 do 5,85 GHz</a:t>
+            </a:r>
+          </a:p>
+          <a:p>
+            <a:pPr>
+              <a:buClr>
+                <a:schemeClr val="tx1"/>
+              </a:buClr>
+            </a:pPr>
+            <a:r>
+              <a:rPr lang="cs-CZ" sz="2800" dirty="0">
+                <a:solidFill>
+                  <a:schemeClr val="tx1"/>
+                </a:solidFill>
+                <a:latin typeface="Arial" panose="020B0604020202020204" pitchFamily="34" charset="0"/>
+                <a:cs typeface="Arial" panose="020B0604020202020204" pitchFamily="34" charset="0"/>
+              </a:rPr>
+              <a:t>36 až 165 dostupných kanálů</a:t>
+            </a:r>
+          </a:p>
+          <a:p>
+            <a:pPr>
+              <a:buClr>
+                <a:schemeClr val="tx1"/>
+              </a:buClr>
+            </a:pPr>
+            <a:r>
+              <a:rPr lang="cs-CZ" sz="2800" b="0" i="0" dirty="0">
+                <a:solidFill>
+                  <a:schemeClr val="tx1"/>
+                </a:solidFill>
+                <a:effectLst/>
+                <a:latin typeface="Arial" panose="020B0604020202020204" pitchFamily="34" charset="0"/>
+                <a:cs typeface="Arial" panose="020B0604020202020204" pitchFamily="34" charset="0"/>
+              </a:rPr>
+              <a:t>Není tak přeplněné</a:t>
+            </a:r>
+          </a:p>
+          <a:p>
+            <a:pPr>
+              <a:buClr>
+                <a:schemeClr val="tx1"/>
+              </a:buClr>
+            </a:pPr>
+            <a:r>
+              <a:rPr lang="cs-CZ" sz="2800" b="0" i="0" dirty="0">
+                <a:solidFill>
+                  <a:schemeClr val="tx1"/>
+                </a:solidFill>
+                <a:effectLst/>
+                <a:latin typeface="Arial" panose="020B0604020202020204" pitchFamily="34" charset="0"/>
+                <a:cs typeface="Arial" panose="020B0604020202020204" pitchFamily="34" charset="0"/>
+              </a:rPr>
+              <a:t>Je dosahováno vyšších přenosových rychlostí</a:t>
+            </a:r>
+          </a:p>
+          <a:p>
+            <a:pPr>
+              <a:buClr>
+                <a:schemeClr val="tx1"/>
+              </a:buClr>
+            </a:pPr>
+            <a:r>
+              <a:rPr lang="cs-CZ" sz="2800" b="0" i="0" dirty="0">
+                <a:solidFill>
+                  <a:schemeClr val="tx1"/>
+                </a:solidFill>
+                <a:effectLst/>
+                <a:latin typeface="Arial" panose="020B0604020202020204" pitchFamily="34" charset="0"/>
+                <a:cs typeface="Arial" panose="020B0604020202020204" pitchFamily="34" charset="0"/>
+              </a:rPr>
+              <a:t>Poskytuje stabilnější připojení</a:t>
+            </a:r>
+          </a:p>
+          <a:p>
+            <a:pPr>
+              <a:buClr>
+                <a:schemeClr val="tx1"/>
+              </a:buClr>
+            </a:pPr>
+            <a:r>
+              <a:rPr lang="cs-CZ" sz="2800" b="0" i="0" dirty="0">
+                <a:solidFill>
+                  <a:schemeClr val="tx1"/>
+                </a:solidFill>
+                <a:effectLst/>
+                <a:latin typeface="Arial" panose="020B0604020202020204" pitchFamily="34" charset="0"/>
+                <a:cs typeface="Arial" panose="020B0604020202020204" pitchFamily="34" charset="0"/>
+              </a:rPr>
+              <a:t>Má kratší dosah a horší průchodnost přes překážky</a:t>
+            </a:r>
+          </a:p>
+          <a:p>
+            <a:pPr>
+              <a:buClr>
+                <a:schemeClr val="tx1"/>
+              </a:buClr>
+            </a:pPr>
+            <a:endParaRPr lang="pl-PL" dirty="0">
+              <a:solidFill>
+                <a:schemeClr val="tx1"/>
+              </a:solidFill>
+              <a:latin typeface="Tahoma" panose="020B0604030504040204" pitchFamily="34" charset="0"/>
+            </a:endParaRPr>
+          </a:p>
+          <a:p>
+            <a:pPr>
+              <a:buClr>
+                <a:schemeClr val="tx1"/>
+              </a:buClr>
+            </a:pPr>
+            <a:endParaRPr lang="cs-CZ" dirty="0"/>
           </a:p>
         </p:txBody>
       </p:sp>
@@ -5959,7 +7028,7 @@
 </p:sld>
 </file>
 
-<file path=ppt/slides/slide5.xml><?xml version="1.0" encoding="utf-8"?>
+<file path=ppt/slides/slide6.xml><?xml version="1.0" encoding="utf-8"?>
 <p:sld xmlns:a="http://schemas.openxmlformats.org/drawingml/2006/main" xmlns:r="http://schemas.openxmlformats.org/officeDocument/2006/relationships" xmlns:p="http://schemas.openxmlformats.org/presentationml/2006/main">
   <p:cSld>
     <p:spTree>
@@ -7202,7 +8271,7 @@
 </p:sld>
 </file>
 
-<file path=ppt/slides/slide6.xml><?xml version="1.0" encoding="utf-8"?>
+<file path=ppt/slides/slide7.xml><?xml version="1.0" encoding="utf-8"?>
 <p:sld xmlns:a="http://schemas.openxmlformats.org/drawingml/2006/main" xmlns:r="http://schemas.openxmlformats.org/officeDocument/2006/relationships" xmlns:p="http://schemas.openxmlformats.org/presentationml/2006/main">
   <p:cSld>
     <p:spTree>
@@ -7371,7 +8440,7 @@
 </p:sld>
 </file>
 
-<file path=ppt/slides/slide7.xml><?xml version="1.0" encoding="utf-8"?>
+<file path=ppt/slides/slide8.xml><?xml version="1.0" encoding="utf-8"?>
 <p:sld xmlns:a="http://schemas.openxmlformats.org/drawingml/2006/main" xmlns:r="http://schemas.openxmlformats.org/officeDocument/2006/relationships" xmlns:p="http://schemas.openxmlformats.org/presentationml/2006/main">
   <p:cSld>
     <p:spTree>
@@ -7597,7 +8666,7 @@
 </p:sld>
 </file>
 
-<file path=ppt/slides/slide8.xml><?xml version="1.0" encoding="utf-8"?>
+<file path=ppt/slides/slide9.xml><?xml version="1.0" encoding="utf-8"?>
 <p:sld xmlns:a="http://schemas.openxmlformats.org/drawingml/2006/main" xmlns:r="http://schemas.openxmlformats.org/officeDocument/2006/relationships" xmlns:p="http://schemas.openxmlformats.org/presentationml/2006/main">
   <p:cSld>
     <p:spTree>
@@ -7628,7 +8697,7 @@
         </p:nvSpPr>
         <p:spPr>
           <a:xfrm>
-            <a:off x="437071" y="1782305"/>
+            <a:off x="437072" y="2548946"/>
             <a:ext cx="7420570" cy="3533614"/>
           </a:xfrm>
           <a:prstGeom prst="rect">
@@ -7719,7 +8788,7 @@
         </p:nvSpPr>
         <p:spPr>
           <a:xfrm>
-            <a:off x="437071" y="1782305"/>
+            <a:off x="456928" y="2548946"/>
             <a:ext cx="7420571" cy="3533614"/>
           </a:xfrm>
         </p:spPr>
@@ -7859,8 +8928,8 @@
         </p:blipFill>
         <p:spPr bwMode="auto">
           <a:xfrm>
-            <a:off x="8329435" y="-38221"/>
-            <a:ext cx="3862565" cy="2896924"/>
+            <a:off x="7569040" y="-38222"/>
+            <a:ext cx="4622961" cy="3467221"/>
           </a:xfrm>
           <a:prstGeom prst="rect">
             <a:avLst/>
@@ -7881,385 +8950,6 @@
     <p:extLst>
       <p:ext uri="{BB962C8B-B14F-4D97-AF65-F5344CB8AC3E}">
         <p14:creationId xmlns:p14="http://schemas.microsoft.com/office/powerpoint/2010/main" val="2779919210"/>
-      </p:ext>
-    </p:extLst>
-  </p:cSld>
-  <p:clrMapOvr>
-    <a:masterClrMapping/>
-  </p:clrMapOvr>
-</p:sld>
-</file>
-
-<file path=ppt/slides/slide9.xml><?xml version="1.0" encoding="utf-8"?>
-<p:sld xmlns:a="http://schemas.openxmlformats.org/drawingml/2006/main" xmlns:r="http://schemas.openxmlformats.org/officeDocument/2006/relationships" xmlns:p="http://schemas.openxmlformats.org/presentationml/2006/main">
-  <p:cSld>
-    <p:spTree>
-      <p:nvGrpSpPr>
-        <p:cNvPr id="1" name=""/>
-        <p:cNvGrpSpPr/>
-        <p:nvPr/>
-      </p:nvGrpSpPr>
-      <p:grpSpPr>
-        <a:xfrm>
-          <a:off x="0" y="0"/>
-          <a:ext cx="0" cy="0"/>
-          <a:chOff x="0" y="0"/>
-          <a:chExt cx="0" cy="0"/>
-        </a:xfrm>
-      </p:grpSpPr>
-      <p:sp>
-        <p:nvSpPr>
-          <p:cNvPr id="4" name="Obdélník 3">
-            <a:extLst>
-              <a:ext uri="{FF2B5EF4-FFF2-40B4-BE49-F238E27FC236}">
-                <a16:creationId xmlns:a16="http://schemas.microsoft.com/office/drawing/2014/main" id="{394EDFCC-EF40-FF93-4DC6-208435BD8614}"/>
-              </a:ext>
-            </a:extLst>
-          </p:cNvPr>
-          <p:cNvSpPr/>
-          <p:nvPr/>
-        </p:nvSpPr>
-        <p:spPr>
-          <a:xfrm>
-            <a:off x="1839132" y="1658318"/>
-            <a:ext cx="9670943" cy="4680489"/>
-          </a:xfrm>
-          <a:prstGeom prst="rect">
-            <a:avLst/>
-          </a:prstGeom>
-        </p:spPr>
-        <p:style>
-          <a:lnRef idx="2">
-            <a:schemeClr val="dk1"/>
-          </a:lnRef>
-          <a:fillRef idx="1">
-            <a:schemeClr val="lt1"/>
-          </a:fillRef>
-          <a:effectRef idx="0">
-            <a:schemeClr val="dk1"/>
-          </a:effectRef>
-          <a:fontRef idx="minor">
-            <a:schemeClr val="dk1"/>
-          </a:fontRef>
-        </p:style>
-        <p:txBody>
-          <a:bodyPr rtlCol="0" anchor="ctr"/>
-          <a:lstStyle/>
-          <a:p>
-            <a:pPr algn="ctr"/>
-            <a:endParaRPr lang="cs-CZ"/>
-          </a:p>
-        </p:txBody>
-      </p:sp>
-      <p:sp>
-        <p:nvSpPr>
-          <p:cNvPr id="2" name="Nadpis 1">
-            <a:extLst>
-              <a:ext uri="{FF2B5EF4-FFF2-40B4-BE49-F238E27FC236}">
-                <a16:creationId xmlns:a16="http://schemas.microsoft.com/office/drawing/2014/main" id="{E320C837-B2AD-F25E-A8E7-1C00EBA88E60}"/>
-              </a:ext>
-            </a:extLst>
-          </p:cNvPr>
-          <p:cNvSpPr>
-            <a:spLocks noGrp="1"/>
-          </p:cNvSpPr>
-          <p:nvPr>
-            <p:ph type="title"/>
-          </p:nvPr>
-        </p:nvSpPr>
-        <p:spPr>
-          <a:xfrm>
-            <a:off x="262851" y="238367"/>
-            <a:ext cx="6075956" cy="879606"/>
-          </a:xfrm>
-        </p:spPr>
-        <p:txBody>
-          <a:bodyPr/>
-          <a:lstStyle/>
-          <a:p>
-            <a:r>
-              <a:rPr lang="cs-CZ" dirty="0"/>
-              <a:t>Jak zabezpečit router?</a:t>
-            </a:r>
-          </a:p>
-        </p:txBody>
-      </p:sp>
-      <p:sp>
-        <p:nvSpPr>
-          <p:cNvPr id="3" name="Zástupný obsah 2">
-            <a:extLst>
-              <a:ext uri="{FF2B5EF4-FFF2-40B4-BE49-F238E27FC236}">
-                <a16:creationId xmlns:a16="http://schemas.microsoft.com/office/drawing/2014/main" id="{26311C80-C188-C0A8-F644-909279A20233}"/>
-              </a:ext>
-            </a:extLst>
-          </p:cNvPr>
-          <p:cNvSpPr>
-            <a:spLocks noGrp="1"/>
-          </p:cNvSpPr>
-          <p:nvPr>
-            <p:ph idx="1"/>
-          </p:nvPr>
-        </p:nvSpPr>
-        <p:spPr>
-          <a:xfrm>
-            <a:off x="1844297" y="1689314"/>
-            <a:ext cx="9665777" cy="4649493"/>
-          </a:xfrm>
-        </p:spPr>
-        <p:txBody>
-          <a:bodyPr>
-            <a:normAutofit/>
-          </a:bodyPr>
-          <a:lstStyle/>
-          <a:p>
-            <a:pPr>
-              <a:buClrTx/>
-            </a:pPr>
-            <a:r>
-              <a:rPr lang="cs-CZ" sz="2400" dirty="0">
-                <a:solidFill>
-                  <a:schemeClr val="tx1"/>
-                </a:solidFill>
-                <a:latin typeface="Arial" panose="020B0604020202020204" pitchFamily="34" charset="0"/>
-                <a:cs typeface="Arial" panose="020B0604020202020204" pitchFamily="34" charset="0"/>
-              </a:rPr>
-              <a:t>Standartně má většina routerů nastavené </a:t>
-            </a:r>
-            <a:r>
-              <a:rPr lang="cs-CZ" sz="2400" b="1" dirty="0">
-                <a:solidFill>
-                  <a:schemeClr val="tx1"/>
-                </a:solidFill>
-                <a:latin typeface="Arial" panose="020B0604020202020204" pitchFamily="34" charset="0"/>
-                <a:cs typeface="Arial" panose="020B0604020202020204" pitchFamily="34" charset="0"/>
-              </a:rPr>
-              <a:t>uživatelské jméno: admin</a:t>
-            </a:r>
-            <a:r>
-              <a:rPr lang="cs-CZ" sz="2400" dirty="0">
-                <a:solidFill>
-                  <a:schemeClr val="tx1"/>
-                </a:solidFill>
-                <a:latin typeface="Arial" panose="020B0604020202020204" pitchFamily="34" charset="0"/>
-                <a:cs typeface="Arial" panose="020B0604020202020204" pitchFamily="34" charset="0"/>
-              </a:rPr>
-              <a:t> a </a:t>
-            </a:r>
-            <a:r>
-              <a:rPr lang="cs-CZ" sz="2400" b="1" dirty="0">
-                <a:solidFill>
-                  <a:schemeClr val="tx1"/>
-                </a:solidFill>
-                <a:latin typeface="Arial" panose="020B0604020202020204" pitchFamily="34" charset="0"/>
-                <a:cs typeface="Arial" panose="020B0604020202020204" pitchFamily="34" charset="0"/>
-              </a:rPr>
-              <a:t>heslo: admin</a:t>
-            </a:r>
-          </a:p>
-          <a:p>
-            <a:pPr>
-              <a:buClrTx/>
-            </a:pPr>
-            <a:r>
-              <a:rPr lang="cs-CZ" sz="2400" dirty="0">
-                <a:solidFill>
-                  <a:schemeClr val="tx1"/>
-                </a:solidFill>
-                <a:latin typeface="Arial" panose="020B0604020202020204" pitchFamily="34" charset="0"/>
-                <a:cs typeface="Arial" panose="020B0604020202020204" pitchFamily="34" charset="0"/>
-              </a:rPr>
-              <a:t>T</a:t>
-            </a:r>
-            <a:r>
-              <a:rPr lang="cs-CZ" sz="2400" b="0" i="0" dirty="0">
-                <a:solidFill>
-                  <a:schemeClr val="tx1"/>
-                </a:solidFill>
-                <a:effectLst/>
-                <a:latin typeface="Arial" panose="020B0604020202020204" pitchFamily="34" charset="0"/>
-                <a:cs typeface="Arial" panose="020B0604020202020204" pitchFamily="34" charset="0"/>
-              </a:rPr>
-              <a:t>ohoto umí útočníci velice dobře využít, proto je to první věc </a:t>
-            </a:r>
-            <a:r>
-              <a:rPr lang="cs-CZ" sz="2400" dirty="0">
-                <a:solidFill>
-                  <a:schemeClr val="tx1"/>
-                </a:solidFill>
-                <a:latin typeface="Arial" panose="020B0604020202020204" pitchFamily="34" charset="0"/>
-                <a:cs typeface="Arial" panose="020B0604020202020204" pitchFamily="34" charset="0"/>
-              </a:rPr>
-              <a:t>p</a:t>
-            </a:r>
-            <a:r>
-              <a:rPr lang="cs-CZ" sz="2400" b="0" i="0" dirty="0">
-                <a:solidFill>
-                  <a:schemeClr val="tx1"/>
-                </a:solidFill>
-                <a:effectLst/>
-                <a:latin typeface="Arial" panose="020B0604020202020204" pitchFamily="34" charset="0"/>
-                <a:cs typeface="Arial" panose="020B0604020202020204" pitchFamily="34" charset="0"/>
-              </a:rPr>
-              <a:t>o přihlášení do administrace routeru, kterou je třeba změnit</a:t>
-            </a:r>
-          </a:p>
-          <a:p>
-            <a:pPr>
-              <a:buClrTx/>
-            </a:pPr>
-            <a:r>
-              <a:rPr lang="pl-PL" sz="2400" i="0" dirty="0">
-                <a:solidFill>
-                  <a:schemeClr val="tx1"/>
-                </a:solidFill>
-                <a:effectLst/>
-                <a:latin typeface="Arial" panose="020B0604020202020204" pitchFamily="34" charset="0"/>
-                <a:cs typeface="Arial" panose="020B0604020202020204" pitchFamily="34" charset="0"/>
-              </a:rPr>
-              <a:t>Komunikaci na síti je třeba ještě zabezpečit a zašifrovat</a:t>
-            </a:r>
-          </a:p>
-          <a:p>
-            <a:pPr>
-              <a:buClrTx/>
-            </a:pPr>
-            <a:r>
-              <a:rPr lang="cs-CZ" sz="2400" b="1" i="0" dirty="0">
-                <a:solidFill>
-                  <a:schemeClr val="tx1"/>
-                </a:solidFill>
-                <a:effectLst/>
-                <a:latin typeface="Arial" panose="020B0604020202020204" pitchFamily="34" charset="0"/>
-              </a:rPr>
-              <a:t>WEP</a:t>
-            </a:r>
-            <a:r>
-              <a:rPr lang="cs-CZ" sz="2400" b="0" i="0" dirty="0">
-                <a:solidFill>
-                  <a:schemeClr val="tx1"/>
-                </a:solidFill>
-                <a:effectLst/>
-                <a:latin typeface="Arial" panose="020B0604020202020204" pitchFamily="34" charset="0"/>
-              </a:rPr>
-              <a:t> -původní šifrovací standard pro bezdrátové sítě</a:t>
-            </a:r>
-          </a:p>
-          <a:p>
-            <a:pPr marL="0" indent="0">
-              <a:buClrTx/>
-              <a:buNone/>
-            </a:pPr>
-            <a:r>
-              <a:rPr lang="cs-CZ" sz="2400" dirty="0">
-                <a:solidFill>
-                  <a:schemeClr val="tx1"/>
-                </a:solidFill>
-                <a:latin typeface="Arial" panose="020B0604020202020204" pitchFamily="34" charset="0"/>
-              </a:rPr>
-              <a:t>            </a:t>
-            </a:r>
-            <a:r>
-              <a:rPr lang="cs-CZ" sz="2400" b="0" i="0" dirty="0">
-                <a:solidFill>
-                  <a:schemeClr val="tx1"/>
-                </a:solidFill>
-                <a:effectLst/>
-                <a:latin typeface="Arial" panose="020B0604020202020204" pitchFamily="34" charset="0"/>
-              </a:rPr>
-              <a:t>-v srpnu 2001 prolomen. </a:t>
-            </a:r>
-          </a:p>
-          <a:p>
-            <a:pPr marL="0" indent="0">
-              <a:buClrTx/>
-              <a:buNone/>
-            </a:pPr>
-            <a:r>
-              <a:rPr lang="cs-CZ" sz="2400" dirty="0">
-                <a:solidFill>
-                  <a:schemeClr val="tx1"/>
-                </a:solidFill>
-                <a:latin typeface="Arial" panose="020B0604020202020204" pitchFamily="34" charset="0"/>
-              </a:rPr>
-              <a:t>            -n</a:t>
-            </a:r>
-            <a:r>
-              <a:rPr lang="cs-CZ" sz="2400" b="0" i="0" dirty="0">
-                <a:solidFill>
-                  <a:schemeClr val="tx1"/>
-                </a:solidFill>
-                <a:effectLst/>
-                <a:latin typeface="Arial" panose="020B0604020202020204" pitchFamily="34" charset="0"/>
-              </a:rPr>
-              <a:t>a nových zařízeních stále podporován, ale je doporučuje se            používat WPA2</a:t>
-            </a:r>
-            <a:endParaRPr lang="pl-PL" sz="2400" i="0" dirty="0">
-              <a:solidFill>
-                <a:schemeClr val="tx1"/>
-              </a:solidFill>
-              <a:effectLst/>
-              <a:latin typeface="Arial" panose="020B0604020202020204" pitchFamily="34" charset="0"/>
-              <a:cs typeface="Arial" panose="020B0604020202020204" pitchFamily="34" charset="0"/>
-            </a:endParaRPr>
-          </a:p>
-          <a:p>
-            <a:pPr>
-              <a:buClrTx/>
-            </a:pPr>
-            <a:r>
-              <a:rPr lang="cs-CZ" sz="2400" b="1" dirty="0">
-                <a:solidFill>
-                  <a:schemeClr val="tx1"/>
-                </a:solidFill>
-                <a:latin typeface="Arial" panose="020B0604020202020204" pitchFamily="34" charset="0"/>
-                <a:cs typeface="Arial" panose="020B0604020202020204" pitchFamily="34" charset="0"/>
-              </a:rPr>
-              <a:t>WPA </a:t>
-            </a:r>
-            <a:r>
-              <a:rPr lang="cs-CZ" sz="2400" dirty="0">
-                <a:solidFill>
-                  <a:schemeClr val="tx1"/>
-                </a:solidFill>
-                <a:latin typeface="Arial" panose="020B0604020202020204" pitchFamily="34" charset="0"/>
-                <a:cs typeface="Arial" panose="020B0604020202020204" pitchFamily="34" charset="0"/>
-              </a:rPr>
-              <a:t>-</a:t>
-            </a:r>
-            <a:r>
-              <a:rPr lang="cs-CZ" sz="2400" b="0" i="0" dirty="0">
-                <a:solidFill>
-                  <a:schemeClr val="tx1"/>
-                </a:solidFill>
-                <a:effectLst/>
-                <a:latin typeface="Arial" panose="020B0604020202020204" pitchFamily="34" charset="0"/>
-              </a:rPr>
-              <a:t> bezpečnostní protokoly, které řeší problémy </a:t>
-            </a:r>
-            <a:r>
-              <a:rPr lang="cs-CZ" sz="2400" b="0" i="0" u="none" strike="noStrike" dirty="0">
-                <a:solidFill>
-                  <a:schemeClr val="tx1"/>
-                </a:solidFill>
-                <a:effectLst/>
-                <a:latin typeface="Arial" panose="020B0604020202020204" pitchFamily="34" charset="0"/>
-              </a:rPr>
-              <a:t>WEP</a:t>
-            </a:r>
-            <a:endParaRPr lang="cs-CZ" sz="2400" b="1" dirty="0">
-              <a:solidFill>
-                <a:schemeClr val="tx1"/>
-              </a:solidFill>
-              <a:latin typeface="Arial" panose="020B0604020202020204" pitchFamily="34" charset="0"/>
-              <a:cs typeface="Arial" panose="020B0604020202020204" pitchFamily="34" charset="0"/>
-            </a:endParaRPr>
-          </a:p>
-        </p:txBody>
-      </p:sp>
-    </p:spTree>
-    <p:extLst>
-      <p:ext uri="{BB962C8B-B14F-4D97-AF65-F5344CB8AC3E}">
-        <p14:creationId xmlns:p14="http://schemas.microsoft.com/office/powerpoint/2010/main" val="202359997"/>
       </p:ext>
     </p:extLst>
   </p:cSld>

--- a/prochazkova.pptx
+++ b/prochazkova.pptx
@@ -14,19 +14,19 @@
     <p:sldId id="263" r:id="rId5"/>
     <p:sldId id="264" r:id="rId6"/>
     <p:sldId id="258" r:id="rId7"/>
-    <p:sldId id="259" r:id="rId8"/>
-    <p:sldId id="260" r:id="rId9"/>
-    <p:sldId id="261" r:id="rId10"/>
-    <p:sldId id="262" r:id="rId11"/>
-    <p:sldId id="265" r:id="rId12"/>
-    <p:sldId id="266" r:id="rId13"/>
-    <p:sldId id="267" r:id="rId14"/>
-    <p:sldId id="268" r:id="rId15"/>
-    <p:sldId id="269" r:id="rId16"/>
-    <p:sldId id="270" r:id="rId17"/>
-    <p:sldId id="271" r:id="rId18"/>
-    <p:sldId id="272" r:id="rId19"/>
-    <p:sldId id="273" r:id="rId20"/>
+    <p:sldId id="272" r:id="rId8"/>
+    <p:sldId id="259" r:id="rId9"/>
+    <p:sldId id="260" r:id="rId10"/>
+    <p:sldId id="261" r:id="rId11"/>
+    <p:sldId id="262" r:id="rId12"/>
+    <p:sldId id="273" r:id="rId13"/>
+    <p:sldId id="265" r:id="rId14"/>
+    <p:sldId id="266" r:id="rId15"/>
+    <p:sldId id="267" r:id="rId16"/>
+    <p:sldId id="268" r:id="rId17"/>
+    <p:sldId id="269" r:id="rId18"/>
+    <p:sldId id="270" r:id="rId19"/>
+    <p:sldId id="271" r:id="rId20"/>
     <p:sldId id="274" r:id="rId21"/>
   </p:sldIdLst>
   <p:sldSz cx="12192000" cy="6858000"/>
@@ -577,6 +577,144 @@
 </p:notes>
 </file>
 
+<file path=ppt/notesSlides/notesSlide10.xml><?xml version="1.0" encoding="utf-8"?>
+<p:notes xmlns:a="http://schemas.openxmlformats.org/drawingml/2006/main" xmlns:r="http://schemas.openxmlformats.org/officeDocument/2006/relationships" xmlns:p="http://schemas.openxmlformats.org/presentationml/2006/main">
+  <p:cSld>
+    <p:spTree>
+      <p:nvGrpSpPr>
+        <p:cNvPr id="1" name=""/>
+        <p:cNvGrpSpPr/>
+        <p:nvPr/>
+      </p:nvGrpSpPr>
+      <p:grpSpPr>
+        <a:xfrm>
+          <a:off x="0" y="0"/>
+          <a:ext cx="0" cy="0"/>
+          <a:chOff x="0" y="0"/>
+          <a:chExt cx="0" cy="0"/>
+        </a:xfrm>
+      </p:grpSpPr>
+      <p:sp>
+        <p:nvSpPr>
+          <p:cNvPr id="2" name="Zástupný symbol pro obrázek snímku 1"/>
+          <p:cNvSpPr>
+            <a:spLocks noGrp="1" noRot="1" noChangeAspect="1"/>
+          </p:cNvSpPr>
+          <p:nvPr>
+            <p:ph type="sldImg"/>
+          </p:nvPr>
+        </p:nvSpPr>
+        <p:spPr/>
+      </p:sp>
+      <p:sp>
+        <p:nvSpPr>
+          <p:cNvPr id="3" name="Zástupný symbol pro poznámky 2"/>
+          <p:cNvSpPr>
+            <a:spLocks noGrp="1"/>
+          </p:cNvSpPr>
+          <p:nvPr>
+            <p:ph type="body" idx="1"/>
+          </p:nvPr>
+        </p:nvSpPr>
+        <p:spPr/>
+        <p:txBody>
+          <a:bodyPr/>
+          <a:lstStyle/>
+          <a:p>
+            <a:r>
+              <a:rPr lang="cs-CZ" dirty="0"/>
+              <a:t>K lepšímu zabezpečení je potřeba uživatelské jméno a heslo změnit</a:t>
+            </a:r>
+          </a:p>
+          <a:p>
+            <a:r>
+              <a:rPr lang="cs-CZ" b="0" i="0" dirty="0">
+                <a:solidFill>
+                  <a:srgbClr val="404040"/>
+                </a:solidFill>
+                <a:effectLst/>
+                <a:latin typeface="Open Sans" panose="020B0606030504020204" pitchFamily="34" charset="0"/>
+              </a:rPr>
+              <a:t>Do nastavení se uživatel dostane tak, že v internetovém prohlížeči zadá přístupovou IP adresu nalezenou na štítku nalepeném na routeru a je vyzván k zadání uživatelského jména a hesla</a:t>
+            </a:r>
+            <a:r>
+              <a:rPr lang="cs-CZ" dirty="0"/>
+              <a:t> </a:t>
+            </a:r>
+          </a:p>
+          <a:p>
+            <a:r>
+              <a:rPr lang="cs-CZ" b="0" i="0" dirty="0">
+                <a:solidFill>
+                  <a:srgbClr val="404040"/>
+                </a:solidFill>
+                <a:effectLst/>
+                <a:latin typeface="Open Sans" panose="020B0606030504020204" pitchFamily="34" charset="0"/>
+              </a:rPr>
+              <a:t>V sekci nastavení Wi-Fi sítě je třeba zadat jméno vysílané Wi-Fi sítě, tzv. SSID a hesla</a:t>
+            </a:r>
+          </a:p>
+          <a:p>
+            <a:r>
+              <a:rPr lang="cs-CZ" b="0" i="0" dirty="0" err="1">
+                <a:solidFill>
+                  <a:srgbClr val="202122"/>
+                </a:solidFill>
+                <a:effectLst/>
+                <a:latin typeface="Arial" panose="020B0604020202020204" pitchFamily="34" charset="0"/>
+              </a:rPr>
+              <a:t>WiFI</a:t>
+            </a:r>
+            <a:r>
+              <a:rPr lang="cs-CZ" b="0" i="0" dirty="0">
+                <a:solidFill>
+                  <a:srgbClr val="202122"/>
+                </a:solidFill>
+                <a:effectLst/>
+                <a:latin typeface="Arial" panose="020B0604020202020204" pitchFamily="34" charset="0"/>
+              </a:rPr>
+              <a:t> Alliance vydala 31. října 2002 popis zabezpečení WPA</a:t>
+            </a:r>
+            <a:endParaRPr lang="cs-CZ" b="0" dirty="0"/>
+          </a:p>
+        </p:txBody>
+      </p:sp>
+      <p:sp>
+        <p:nvSpPr>
+          <p:cNvPr id="4" name="Zástupný symbol pro číslo snímku 3"/>
+          <p:cNvSpPr>
+            <a:spLocks noGrp="1"/>
+          </p:cNvSpPr>
+          <p:nvPr>
+            <p:ph type="sldNum" sz="quarter" idx="5"/>
+          </p:nvPr>
+        </p:nvSpPr>
+        <p:spPr/>
+        <p:txBody>
+          <a:bodyPr/>
+          <a:lstStyle/>
+          <a:p>
+            <a:fld id="{41D4C70A-8DA6-47AE-981F-F0A3334D9E74}" type="slidenum">
+              <a:rPr lang="cs-CZ" smtClean="0"/>
+              <a:t>11</a:t>
+            </a:fld>
+            <a:endParaRPr lang="cs-CZ"/>
+          </a:p>
+        </p:txBody>
+      </p:sp>
+    </p:spTree>
+    <p:extLst>
+      <p:ext uri="{BB962C8B-B14F-4D97-AF65-F5344CB8AC3E}">
+        <p14:creationId xmlns:p14="http://schemas.microsoft.com/office/powerpoint/2010/main" val="628836037"/>
+      </p:ext>
+    </p:extLst>
+  </p:cSld>
+  <p:clrMapOvr>
+    <a:masterClrMapping/>
+  </p:clrMapOvr>
+</p:notes>
+</file>
+
 <file path=ppt/notesSlides/notesSlide2.xml><?xml version="1.0" encoding="utf-8"?>
 <p:notes xmlns:a="http://schemas.openxmlformats.org/drawingml/2006/main" xmlns:r="http://schemas.openxmlformats.org/officeDocument/2006/relationships" xmlns:p="http://schemas.openxmlformats.org/presentationml/2006/main">
   <p:cSld>
@@ -1060,6 +1198,18 @@
           <a:bodyPr/>
           <a:lstStyle/>
           <a:p>
+            <a:r>
+              <a:rPr lang="cs-CZ" dirty="0"/>
+              <a:t>Vznikl v roce 1997</a:t>
+            </a:r>
+          </a:p>
+          <a:p>
+            <a:r>
+              <a:rPr lang="cs-CZ" dirty="0"/>
+              <a:t>První standard</a:t>
+            </a:r>
+          </a:p>
+          <a:p>
             <a:endParaRPr lang="cs-CZ" dirty="0"/>
           </a:p>
         </p:txBody>
@@ -1090,7 +1240,7 @@
     </p:spTree>
     <p:extLst>
       <p:ext uri="{BB962C8B-B14F-4D97-AF65-F5344CB8AC3E}">
-        <p14:creationId xmlns:p14="http://schemas.microsoft.com/office/powerpoint/2010/main" val="2274338897"/>
+        <p14:creationId xmlns:p14="http://schemas.microsoft.com/office/powerpoint/2010/main" val="562213426"/>
       </p:ext>
     </p:extLst>
   </p:cSld>
@@ -1144,112 +1294,6 @@
           <a:bodyPr/>
           <a:lstStyle/>
           <a:p>
-            <a:r>
-              <a:rPr lang="cs-CZ" b="0" i="0" dirty="0" err="1">
-                <a:solidFill>
-                  <a:srgbClr val="333333"/>
-                </a:solidFill>
-                <a:effectLst/>
-                <a:latin typeface="Noto Serif" panose="020B0604020202020204" pitchFamily="18" charset="0"/>
-              </a:rPr>
-              <a:t>WiFi</a:t>
-            </a:r>
-            <a:r>
-              <a:rPr lang="cs-CZ" b="0" i="0" dirty="0">
-                <a:solidFill>
-                  <a:srgbClr val="333333"/>
-                </a:solidFill>
-                <a:effectLst/>
-                <a:latin typeface="Noto Serif" panose="020B0604020202020204" pitchFamily="18" charset="0"/>
-              </a:rPr>
-              <a:t> signál bude zeslabovat průchod skrz zdi a předměty, vliv dalších </a:t>
-            </a:r>
-            <a:r>
-              <a:rPr lang="cs-CZ" b="0" i="0" dirty="0" err="1">
-                <a:solidFill>
-                  <a:srgbClr val="333333"/>
-                </a:solidFill>
-                <a:effectLst/>
-                <a:latin typeface="Noto Serif" panose="020B0604020202020204" pitchFamily="18" charset="0"/>
-              </a:rPr>
-              <a:t>WiFi</a:t>
-            </a:r>
-            <a:r>
-              <a:rPr lang="cs-CZ" b="0" i="0" dirty="0">
-                <a:solidFill>
-                  <a:srgbClr val="333333"/>
-                </a:solidFill>
-                <a:effectLst/>
-                <a:latin typeface="Noto Serif" panose="020B0604020202020204" pitchFamily="18" charset="0"/>
-              </a:rPr>
-              <a:t>, použití mikrovlnných trub a řada dalších elektrických a elektronických zařízení.</a:t>
-            </a:r>
-          </a:p>
-          <a:p>
-            <a:r>
-              <a:rPr lang="cs-CZ" b="0" i="0" dirty="0">
-                <a:solidFill>
-                  <a:srgbClr val="333333"/>
-                </a:solidFill>
-                <a:effectLst/>
-                <a:latin typeface="Noto Serif" panose="020B0604020202020204" pitchFamily="18" charset="0"/>
-              </a:rPr>
-              <a:t>router – jak dobré a kolik má antén, nastavená „síla“ signálu – na straně opačného to ovlivní i anténa v zařízení, které k </a:t>
-            </a:r>
-            <a:r>
-              <a:rPr lang="cs-CZ" b="0" i="0" dirty="0" err="1">
-                <a:solidFill>
-                  <a:srgbClr val="333333"/>
-                </a:solidFill>
-                <a:effectLst/>
-                <a:latin typeface="Noto Serif" panose="020B0604020202020204" pitchFamily="18" charset="0"/>
-              </a:rPr>
-              <a:t>WiFi</a:t>
-            </a:r>
-            <a:r>
-              <a:rPr lang="cs-CZ" b="0" i="0" dirty="0">
-                <a:solidFill>
-                  <a:srgbClr val="333333"/>
-                </a:solidFill>
-                <a:effectLst/>
-                <a:latin typeface="Noto Serif" panose="020B0604020202020204" pitchFamily="18" charset="0"/>
-              </a:rPr>
-              <a:t> síti připojujete</a:t>
-            </a:r>
-          </a:p>
-          <a:p>
-            <a:r>
-              <a:rPr lang="cs-CZ" b="0" i="0" dirty="0">
-                <a:solidFill>
-                  <a:srgbClr val="333333"/>
-                </a:solidFill>
-                <a:effectLst/>
-                <a:latin typeface="Noto Serif" panose="020B0604020202020204" pitchFamily="18" charset="0"/>
-              </a:rPr>
-              <a:t>2.4 GHz- má méně kanálů</a:t>
-            </a:r>
-          </a:p>
-          <a:p>
-            <a:r>
-              <a:rPr lang="cs-CZ" b="0" i="0">
-                <a:solidFill>
-                  <a:srgbClr val="333333"/>
-                </a:solidFill>
-                <a:effectLst/>
-                <a:latin typeface="Noto Serif" panose="020B0604020202020204" pitchFamily="18" charset="0"/>
-              </a:rPr>
-              <a:t>5 GHz- 24 </a:t>
-            </a:r>
-            <a:r>
-              <a:rPr lang="cs-CZ" b="0" i="0" dirty="0">
-                <a:solidFill>
-                  <a:srgbClr val="333333"/>
-                </a:solidFill>
-                <a:effectLst/>
-                <a:latin typeface="Noto Serif" panose="020B0604020202020204" pitchFamily="18" charset="0"/>
-              </a:rPr>
-              <a:t>nepřekrývajících se kanálů</a:t>
-            </a:r>
             <a:endParaRPr lang="cs-CZ" dirty="0"/>
           </a:p>
         </p:txBody>
@@ -1280,7 +1324,7 @@
     </p:spTree>
     <p:extLst>
       <p:ext uri="{BB962C8B-B14F-4D97-AF65-F5344CB8AC3E}">
-        <p14:creationId xmlns:p14="http://schemas.microsoft.com/office/powerpoint/2010/main" val="2755987071"/>
+        <p14:creationId xmlns:p14="http://schemas.microsoft.com/office/powerpoint/2010/main" val="2274338897"/>
       </p:ext>
     </p:extLst>
   </p:cSld>
@@ -1335,68 +1379,110 @@
           <a:lstStyle/>
           <a:p>
             <a:r>
-              <a:rPr lang="cs-CZ" dirty="0"/>
-              <a:t>Cenná data= </a:t>
+              <a:rPr lang="cs-CZ" b="0" i="0" dirty="0" err="1">
+                <a:solidFill>
+                  <a:srgbClr val="333333"/>
+                </a:solidFill>
+                <a:effectLst/>
+                <a:latin typeface="Noto Serif" panose="020B0604020202020204" pitchFamily="18" charset="0"/>
+              </a:rPr>
+              <a:t>WiFi</a:t>
             </a:r>
             <a:r>
               <a:rPr lang="cs-CZ" b="0" i="0" dirty="0">
                 <a:solidFill>
-                  <a:srgbClr val="404040"/>
+                  <a:srgbClr val="333333"/>
                 </a:solidFill>
                 <a:effectLst/>
-                <a:latin typeface="Open Sans" panose="020B0606030504020204" pitchFamily="34" charset="0"/>
-              </a:rPr>
-              <a:t>fotografie, videozáznamy, dokumenty, hudba a filmy, IP kamery, dětské chůvičky a chytré televizory</a:t>
-            </a:r>
-            <a:endParaRPr lang="cs-CZ" dirty="0"/>
-          </a:p>
-          <a:p>
-            <a:r>
-              <a:rPr lang="cs-CZ" dirty="0"/>
-              <a:t>Útočník může </a:t>
+                <a:latin typeface="Noto Serif" panose="020B0604020202020204" pitchFamily="18" charset="0"/>
+              </a:rPr>
+              <a:t> signál bude zeslabovat průchod skrz zdi a předměty, vliv dalších </a:t>
+            </a:r>
+            <a:r>
+              <a:rPr lang="cs-CZ" b="0" i="0" dirty="0" err="1">
+                <a:solidFill>
+                  <a:srgbClr val="333333"/>
+                </a:solidFill>
+                <a:effectLst/>
+                <a:latin typeface="Noto Serif" panose="020B0604020202020204" pitchFamily="18" charset="0"/>
+              </a:rPr>
+              <a:t>WiFi</a:t>
             </a:r>
             <a:r>
               <a:rPr lang="cs-CZ" b="0" i="0" dirty="0">
                 <a:solidFill>
-                  <a:srgbClr val="404040"/>
+                  <a:srgbClr val="333333"/>
                 </a:solidFill>
                 <a:effectLst/>
-                <a:latin typeface="Open Sans" panose="020B0606030504020204" pitchFamily="34" charset="0"/>
-              </a:rPr>
-              <a:t>skrze náš router do naší domácí počítačové sítě proniknout a dále může sledovat skrze IP kamery náš soukromý život, krást a zneužívat naše data, nebo z našeho internetového připojení může dále páchat trestnou činnost atd.</a:t>
-            </a:r>
-          </a:p>
-          <a:p>
+                <a:latin typeface="Noto Serif" panose="020B0604020202020204" pitchFamily="18" charset="0"/>
+              </a:rPr>
+              <a:t>, použití mikrovlnných trub a řada dalších elektrických a elektronických zařízení.</a:t>
+            </a:r>
+          </a:p>
+          <a:p>
+            <a:r>
+              <a:rPr lang="cs-CZ" b="0" i="0" dirty="0">
+                <a:solidFill>
+                  <a:srgbClr val="333333"/>
+                </a:solidFill>
+                <a:effectLst/>
+                <a:latin typeface="Noto Serif" panose="020B0604020202020204" pitchFamily="18" charset="0"/>
+              </a:rPr>
+              <a:t>router – jak dobré a kolik má antén, nastavená „síla“ signálu – na straně opačného to ovlivní i anténa v zařízení, které k </a:t>
+            </a:r>
             <a:r>
               <a:rPr lang="cs-CZ" b="0" i="0" dirty="0" err="1">
                 <a:solidFill>
-                  <a:srgbClr val="404040"/>
+                  <a:srgbClr val="333333"/>
                 </a:solidFill>
                 <a:effectLst/>
-                <a:latin typeface="Open Sans" panose="020B0606030504020204" pitchFamily="34" charset="0"/>
-              </a:rPr>
-              <a:t>Routuje</a:t>
+                <a:latin typeface="Noto Serif" panose="020B0604020202020204" pitchFamily="18" charset="0"/>
+              </a:rPr>
+              <a:t>WiFi</a:t>
             </a:r>
             <a:r>
               <a:rPr lang="cs-CZ" b="0" i="0" dirty="0">
                 <a:solidFill>
-                  <a:srgbClr val="404040"/>
+                  <a:srgbClr val="333333"/>
                 </a:solidFill>
                 <a:effectLst/>
-                <a:latin typeface="Open Sans" panose="020B0606030504020204" pitchFamily="34" charset="0"/>
-              </a:rPr>
-              <a:t>= </a:t>
-            </a:r>
-            <a:r>
-              <a:rPr lang="cs-CZ" sz="1200" b="0" i="0" dirty="0">
-                <a:solidFill>
-                  <a:schemeClr val="tx1"/>
+                <a:latin typeface="Noto Serif" panose="020B0604020202020204" pitchFamily="18" charset="0"/>
+              </a:rPr>
+              <a:t> síti připojujete</a:t>
+            </a:r>
+          </a:p>
+          <a:p>
+            <a:r>
+              <a:rPr lang="cs-CZ" b="0" i="0" dirty="0">
+                <a:solidFill>
+                  <a:srgbClr val="333333"/>
                 </a:solidFill>
                 <a:effectLst/>
-                <a:latin typeface="Arial" panose="020B0604020202020204" pitchFamily="34" charset="0"/>
-                <a:cs typeface="Arial" panose="020B0604020202020204" pitchFamily="34" charset="0"/>
-              </a:rPr>
-              <a:t>směruje</a:t>
+                <a:latin typeface="Noto Serif" panose="020B0604020202020204" pitchFamily="18" charset="0"/>
+              </a:rPr>
+              <a:t>2.4 GHz- má méně kanálů</a:t>
+            </a:r>
+          </a:p>
+          <a:p>
+            <a:r>
+              <a:rPr lang="cs-CZ" b="0" i="0">
+                <a:solidFill>
+                  <a:srgbClr val="333333"/>
+                </a:solidFill>
+                <a:effectLst/>
+                <a:latin typeface="Noto Serif" panose="020B0604020202020204" pitchFamily="18" charset="0"/>
+              </a:rPr>
+              <a:t>5 GHz- 24 </a:t>
+            </a:r>
+            <a:r>
+              <a:rPr lang="cs-CZ" b="0" i="0" dirty="0">
+                <a:solidFill>
+                  <a:srgbClr val="333333"/>
+                </a:solidFill>
+                <a:effectLst/>
+                <a:latin typeface="Noto Serif" panose="020B0604020202020204" pitchFamily="18" charset="0"/>
+              </a:rPr>
+              <a:t>nepřekrývajících se kanálů</a:t>
             </a:r>
             <a:endParaRPr lang="cs-CZ" dirty="0"/>
           </a:p>
@@ -1428,7 +1514,7 @@
     </p:spTree>
     <p:extLst>
       <p:ext uri="{BB962C8B-B14F-4D97-AF65-F5344CB8AC3E}">
-        <p14:creationId xmlns:p14="http://schemas.microsoft.com/office/powerpoint/2010/main" val="3589523524"/>
+        <p14:creationId xmlns:p14="http://schemas.microsoft.com/office/powerpoint/2010/main" val="2755987071"/>
       </p:ext>
     </p:extLst>
   </p:cSld>
@@ -1484,10 +1570,8 @@
           <a:p>
             <a:r>
               <a:rPr lang="cs-CZ" dirty="0"/>
-              <a:t>K lepšímu zabezpečení je potřeba uživatelské jméno a heslo změnit</a:t>
-            </a:r>
-          </a:p>
-          <a:p>
+              <a:t>Cenná data= </a:t>
+            </a:r>
             <a:r>
               <a:rPr lang="cs-CZ" b="0" i="0" dirty="0">
                 <a:solidFill>
@@ -1496,14 +1580,15 @@
                 <a:effectLst/>
                 <a:latin typeface="Open Sans" panose="020B0606030504020204" pitchFamily="34" charset="0"/>
               </a:rPr>
-              <a:t>Do nastavení se uživatel dostane tak, že v internetovém prohlížeči zadá přístupovou IP adresu nalezenou na štítku nalepeném na routeru a je vyzván k zadání uživatelského jména a hesla</a:t>
-            </a:r>
+              <a:t>fotografie, videozáznamy, dokumenty, hudba a filmy, IP kamery, dětské chůvičky a chytré televizory</a:t>
+            </a:r>
+            <a:endParaRPr lang="cs-CZ" dirty="0"/>
+          </a:p>
+          <a:p>
             <a:r>
               <a:rPr lang="cs-CZ" dirty="0"/>
-              <a:t> </a:t>
-            </a:r>
-          </a:p>
-          <a:p>
+              <a:t>Útočník může </a:t>
+            </a:r>
             <a:r>
               <a:rPr lang="cs-CZ" b="0" i="0" dirty="0">
                 <a:solidFill>
@@ -1512,31 +1597,42 @@
                 <a:effectLst/>
                 <a:latin typeface="Open Sans" panose="020B0606030504020204" pitchFamily="34" charset="0"/>
               </a:rPr>
-              <a:t>V sekci nastavení Wi-Fi sítě je třeba zadat jméno vysílané Wi-Fi sítě, tzv. SSID a hesla</a:t>
+              <a:t>skrze náš router do naší domácí počítačové sítě proniknout a dále může sledovat skrze IP kamery náš soukromý život, krást a zneužívat naše data, nebo z našeho internetového připojení může dále páchat trestnou činnost atd.</a:t>
             </a:r>
           </a:p>
           <a:p>
             <a:r>
               <a:rPr lang="cs-CZ" b="0" i="0" dirty="0" err="1">
                 <a:solidFill>
-                  <a:srgbClr val="202122"/>
+                  <a:srgbClr val="404040"/>
+                </a:solidFill>
+                <a:effectLst/>
+                <a:latin typeface="Open Sans" panose="020B0606030504020204" pitchFamily="34" charset="0"/>
+              </a:rPr>
+              <a:t>Routuje</a:t>
+            </a:r>
+            <a:r>
+              <a:rPr lang="cs-CZ" b="0" i="0" dirty="0">
+                <a:solidFill>
+                  <a:srgbClr val="404040"/>
+                </a:solidFill>
+                <a:effectLst/>
+                <a:latin typeface="Open Sans" panose="020B0606030504020204" pitchFamily="34" charset="0"/>
+              </a:rPr>
+              <a:t>= </a:t>
+            </a:r>
+            <a:r>
+              <a:rPr lang="cs-CZ" sz="1200" b="0" i="0" dirty="0">
+                <a:solidFill>
+                  <a:schemeClr val="tx1"/>
                 </a:solidFill>
                 <a:effectLst/>
                 <a:latin typeface="Arial" panose="020B0604020202020204" pitchFamily="34" charset="0"/>
-              </a:rPr>
-              <a:t>WiFI</a:t>
-            </a:r>
-            <a:r>
-              <a:rPr lang="cs-CZ" b="0" i="0" dirty="0">
-                <a:solidFill>
-                  <a:srgbClr val="202122"/>
-                </a:solidFill>
-                <a:effectLst/>
-                <a:latin typeface="Arial" panose="020B0604020202020204" pitchFamily="34" charset="0"/>
-              </a:rPr>
-              <a:t> Alliance vydala 31. října 2002 popis zabezpečení WPA</a:t>
-            </a:r>
-            <a:endParaRPr lang="cs-CZ" b="0" dirty="0"/>
+                <a:cs typeface="Arial" panose="020B0604020202020204" pitchFamily="34" charset="0"/>
+              </a:rPr>
+              <a:t>směruje</a:t>
+            </a:r>
+            <a:endParaRPr lang="cs-CZ" dirty="0"/>
           </a:p>
         </p:txBody>
       </p:sp>
@@ -1566,7 +1662,7 @@
     </p:spTree>
     <p:extLst>
       <p:ext uri="{BB962C8B-B14F-4D97-AF65-F5344CB8AC3E}">
-        <p14:creationId xmlns:p14="http://schemas.microsoft.com/office/powerpoint/2010/main" val="628836037"/>
+        <p14:creationId xmlns:p14="http://schemas.microsoft.com/office/powerpoint/2010/main" val="3589523524"/>
       </p:ext>
     </p:extLst>
   </p:cSld>
@@ -4762,7 +4858,7 @@
         </p:nvSpPr>
         <p:spPr>
           <a:xfrm>
-            <a:off x="511934" y="3025318"/>
+            <a:off x="511934" y="2637860"/>
             <a:ext cx="11680066" cy="3448879"/>
           </a:xfrm>
         </p:spPr>
@@ -4773,7 +4869,10 @@
           <a:lstStyle/>
           <a:p>
             <a:r>
-              <a:rPr lang="cs-CZ" sz="10800" dirty="0"/>
+              <a:rPr lang="cs-CZ" sz="10800" dirty="0">
+                <a:latin typeface="Arial" panose="020B0604020202020204" pitchFamily="34" charset="0"/>
+                <a:cs typeface="Arial" panose="020B0604020202020204" pitchFamily="34" charset="0"/>
+              </a:rPr>
               <a:t>wifi</a:t>
             </a:r>
           </a:p>
@@ -4811,10 +4910,10 @@
       </p:grpSpPr>
       <p:sp>
         <p:nvSpPr>
-          <p:cNvPr id="4" name="Obdélník 3">
+          <p:cNvPr id="6" name="Obdélník 5">
             <a:extLst>
               <a:ext uri="{FF2B5EF4-FFF2-40B4-BE49-F238E27FC236}">
-                <a16:creationId xmlns:a16="http://schemas.microsoft.com/office/drawing/2014/main" id="{394EDFCC-EF40-FF93-4DC6-208435BD8614}"/>
+                <a16:creationId xmlns:a16="http://schemas.microsoft.com/office/drawing/2014/main" id="{5123C84A-0173-DAAE-5696-8544DC8B4C6F}"/>
               </a:ext>
             </a:extLst>
           </p:cNvPr>
@@ -4823,8 +4922,8 @@
         </p:nvSpPr>
         <p:spPr>
           <a:xfrm>
-            <a:off x="1839132" y="1658318"/>
-            <a:ext cx="9670943" cy="4680489"/>
+            <a:off x="437072" y="2548946"/>
+            <a:ext cx="7420570" cy="3533614"/>
           </a:xfrm>
           <a:prstGeom prst="rect">
             <a:avLst/>
@@ -4858,7 +4957,7 @@
           <p:cNvPr id="2" name="Nadpis 1">
             <a:extLst>
               <a:ext uri="{FF2B5EF4-FFF2-40B4-BE49-F238E27FC236}">
-                <a16:creationId xmlns:a16="http://schemas.microsoft.com/office/drawing/2014/main" id="{E320C837-B2AD-F25E-A8E7-1C00EBA88E60}"/>
+                <a16:creationId xmlns:a16="http://schemas.microsoft.com/office/drawing/2014/main" id="{635C866B-1C5F-95B7-C4EA-A68C359849A1}"/>
               </a:ext>
             </a:extLst>
           </p:cNvPr>
@@ -4871,27 +4970,37 @@
         </p:nvSpPr>
         <p:spPr>
           <a:xfrm>
-            <a:off x="262851" y="238367"/>
-            <a:ext cx="6075956" cy="879606"/>
+            <a:off x="437071" y="501383"/>
+            <a:ext cx="4108291" cy="910734"/>
           </a:xfrm>
+          <a:solidFill>
+            <a:srgbClr val="FFFFFF"/>
+          </a:solidFill>
+          <a:ln>
+            <a:solidFill>
+              <a:srgbClr val="404040"/>
+            </a:solidFill>
+          </a:ln>
         </p:spPr>
         <p:txBody>
-          <a:bodyPr/>
+          <a:bodyPr>
+            <a:normAutofit/>
+          </a:bodyPr>
           <a:lstStyle/>
           <a:p>
             <a:r>
               <a:rPr lang="cs-CZ" dirty="0"/>
-              <a:t>Jak zabezpečit router?</a:t>
-            </a:r>
-          </a:p>
-        </p:txBody>
-      </p:sp>
-      <p:sp>
-        <p:nvSpPr>
-          <p:cNvPr id="3" name="Zástupný obsah 2">
+              <a:t>zabezpečení</a:t>
+            </a:r>
+          </a:p>
+        </p:txBody>
+      </p:sp>
+      <p:sp>
+        <p:nvSpPr>
+          <p:cNvPr id="1030" name="Content Placeholder 1029">
             <a:extLst>
               <a:ext uri="{FF2B5EF4-FFF2-40B4-BE49-F238E27FC236}">
-                <a16:creationId xmlns:a16="http://schemas.microsoft.com/office/drawing/2014/main" id="{26311C80-C188-C0A8-F644-909279A20233}"/>
+                <a16:creationId xmlns:a16="http://schemas.microsoft.com/office/drawing/2014/main" id="{E0D2505F-08B6-CAF2-5C5B-EC6E2AE50BC9}"/>
               </a:ext>
             </a:extLst>
           </p:cNvPr>
@@ -4904,8 +5013,8 @@
         </p:nvSpPr>
         <p:spPr>
           <a:xfrm>
-            <a:off x="1844297" y="1689314"/>
-            <a:ext cx="9665777" cy="4649493"/>
+            <a:off x="456928" y="2548946"/>
+            <a:ext cx="7420571" cy="3533614"/>
           </a:xfrm>
         </p:spPr>
         <p:txBody>
@@ -4915,65 +5024,66 @@
           <a:lstStyle/>
           <a:p>
             <a:pPr>
-              <a:buClrTx/>
+              <a:buClr>
+                <a:schemeClr val="tx1"/>
+              </a:buClr>
             </a:pPr>
             <a:r>
-              <a:rPr lang="cs-CZ" sz="2400" dirty="0">
+              <a:rPr lang="cs-CZ" sz="3200" dirty="0">
                 <a:solidFill>
                   <a:schemeClr val="tx1"/>
                 </a:solidFill>
                 <a:latin typeface="Arial" panose="020B0604020202020204" pitchFamily="34" charset="0"/>
                 <a:cs typeface="Arial" panose="020B0604020202020204" pitchFamily="34" charset="0"/>
               </a:rPr>
-              <a:t>Standartně má většina routerů nastavené </a:t>
-            </a:r>
-            <a:r>
-              <a:rPr lang="cs-CZ" sz="2400" b="1" dirty="0">
+              <a:t>Většina zařízení připojených k </a:t>
+            </a:r>
+            <a:r>
+              <a:rPr lang="cs-CZ" sz="3200" dirty="0" err="1">
                 <a:solidFill>
                   <a:schemeClr val="tx1"/>
                 </a:solidFill>
                 <a:latin typeface="Arial" panose="020B0604020202020204" pitchFamily="34" charset="0"/>
                 <a:cs typeface="Arial" panose="020B0604020202020204" pitchFamily="34" charset="0"/>
               </a:rPr>
-              <a:t>uživatelské jméno: admin</a:t>
-            </a:r>
-            <a:r>
-              <a:rPr lang="cs-CZ" sz="2400" dirty="0">
+              <a:t>WiFi</a:t>
+            </a:r>
+            <a:r>
+              <a:rPr lang="cs-CZ" sz="3200" dirty="0">
                 <a:solidFill>
                   <a:schemeClr val="tx1"/>
                 </a:solidFill>
                 <a:latin typeface="Arial" panose="020B0604020202020204" pitchFamily="34" charset="0"/>
                 <a:cs typeface="Arial" panose="020B0604020202020204" pitchFamily="34" charset="0"/>
               </a:rPr>
-              <a:t> a </a:t>
-            </a:r>
-            <a:r>
-              <a:rPr lang="cs-CZ" sz="2400" b="1" dirty="0">
+              <a:t> obsahuje naše cenná data</a:t>
+            </a:r>
+          </a:p>
+          <a:p>
+            <a:pPr>
+              <a:buClr>
+                <a:schemeClr val="tx1"/>
+              </a:buClr>
+            </a:pPr>
+            <a:r>
+              <a:rPr lang="cs-CZ" sz="3200" dirty="0">
                 <a:solidFill>
                   <a:schemeClr val="tx1"/>
                 </a:solidFill>
                 <a:latin typeface="Arial" panose="020B0604020202020204" pitchFamily="34" charset="0"/>
                 <a:cs typeface="Arial" panose="020B0604020202020204" pitchFamily="34" charset="0"/>
               </a:rPr>
-              <a:t>heslo: admin</a:t>
+              <a:t>Router není pouze krabička s anténou </a:t>
             </a:r>
           </a:p>
           <a:p>
             <a:pPr>
-              <a:buClrTx/>
+              <a:buClr>
+                <a:schemeClr val="tx1"/>
+              </a:buClr>
             </a:pPr>
             <a:r>
-              <a:rPr lang="cs-CZ" sz="2400" dirty="0">
-                <a:solidFill>
-                  <a:schemeClr val="tx1"/>
-                </a:solidFill>
-                <a:latin typeface="Arial" panose="020B0604020202020204" pitchFamily="34" charset="0"/>
-                <a:cs typeface="Arial" panose="020B0604020202020204" pitchFamily="34" charset="0"/>
-              </a:rPr>
-              <a:t>T</a:t>
-            </a:r>
-            <a:r>
-              <a:rPr lang="cs-CZ" sz="2400" b="0" i="0" dirty="0">
+              <a:rPr lang="cs-CZ" sz="3200" b="0" i="0" dirty="0">
                 <a:solidFill>
                   <a:schemeClr val="tx1"/>
                 </a:solidFill>
@@ -4981,20 +5091,10 @@
                 <a:latin typeface="Arial" panose="020B0604020202020204" pitchFamily="34" charset="0"/>
                 <a:cs typeface="Arial" panose="020B0604020202020204" pitchFamily="34" charset="0"/>
               </a:rPr>
-              <a:t>ohoto umí útočníci velice dobře využít, proto je to první věc </a:t>
-            </a:r>
-            <a:r>
-              <a:rPr lang="cs-CZ" sz="2400" dirty="0">
-                <a:solidFill>
-                  <a:schemeClr val="tx1"/>
-                </a:solidFill>
-                <a:latin typeface="Arial" panose="020B0604020202020204" pitchFamily="34" charset="0"/>
-                <a:cs typeface="Arial" panose="020B0604020202020204" pitchFamily="34" charset="0"/>
-              </a:rPr>
-              <a:t>p</a:t>
-            </a:r>
-            <a:r>
-              <a:rPr lang="cs-CZ" sz="2400" b="0" i="0" dirty="0">
+              <a:t>Router propojuje dvě různé počítačové sítě a </a:t>
+            </a:r>
+            <a:r>
+              <a:rPr lang="cs-CZ" sz="3200" b="0" i="0" dirty="0" err="1">
                 <a:solidFill>
                   <a:schemeClr val="tx1"/>
                 </a:solidFill>
@@ -5002,15 +5102,10 @@
                 <a:latin typeface="Arial" panose="020B0604020202020204" pitchFamily="34" charset="0"/>
                 <a:cs typeface="Arial" panose="020B0604020202020204" pitchFamily="34" charset="0"/>
               </a:rPr>
-              <a:t>o přihlášení do administrace routeru, kterou je třeba změnit</a:t>
-            </a:r>
-          </a:p>
-          <a:p>
-            <a:pPr>
-              <a:buClrTx/>
-            </a:pPr>
-            <a:r>
-              <a:rPr lang="pl-PL" sz="2400" i="0" dirty="0">
+              <a:t>routuje</a:t>
+            </a:r>
+            <a:r>
+              <a:rPr lang="cs-CZ" sz="3200" b="0" i="0" dirty="0">
                 <a:solidFill>
                   <a:schemeClr val="tx1"/>
                 </a:solidFill>
@@ -5018,137 +5113,9 @@
                 <a:latin typeface="Arial" panose="020B0604020202020204" pitchFamily="34" charset="0"/>
                 <a:cs typeface="Arial" panose="020B0604020202020204" pitchFamily="34" charset="0"/>
               </a:rPr>
-              <a:t>Komunikaci na síti je třeba ještě zabezpečit a zašifrovat</a:t>
-            </a:r>
-          </a:p>
-          <a:p>
-            <a:pPr>
-              <a:buClrTx/>
-            </a:pPr>
-            <a:r>
-              <a:rPr lang="cs-CZ" sz="2400" b="1" i="0" dirty="0">
-                <a:solidFill>
-                  <a:schemeClr val="tx1"/>
-                </a:solidFill>
-                <a:effectLst/>
-                <a:latin typeface="Arial" panose="020B0604020202020204" pitchFamily="34" charset="0"/>
-              </a:rPr>
-              <a:t>WEP</a:t>
-            </a:r>
-            <a:r>
-              <a:rPr lang="cs-CZ" sz="2400" b="0" i="0" dirty="0">
-                <a:solidFill>
-                  <a:schemeClr val="tx1"/>
-                </a:solidFill>
-                <a:effectLst/>
-                <a:latin typeface="Arial" panose="020B0604020202020204" pitchFamily="34" charset="0"/>
-              </a:rPr>
-              <a:t> -původní šifrovací standard pro bezdrátové sítě</a:t>
-            </a:r>
-          </a:p>
-          <a:p>
-            <a:pPr marL="0" indent="0">
-              <a:buClrTx/>
-              <a:buNone/>
-            </a:pPr>
-            <a:r>
-              <a:rPr lang="cs-CZ" sz="2400" dirty="0">
-                <a:solidFill>
-                  <a:schemeClr val="tx1"/>
-                </a:solidFill>
-                <a:latin typeface="Arial" panose="020B0604020202020204" pitchFamily="34" charset="0"/>
-              </a:rPr>
-              <a:t>            </a:t>
-            </a:r>
-            <a:r>
-              <a:rPr lang="cs-CZ" sz="2400" b="0" i="0" dirty="0">
-                <a:solidFill>
-                  <a:schemeClr val="tx1"/>
-                </a:solidFill>
-                <a:effectLst/>
-                <a:latin typeface="Arial" panose="020B0604020202020204" pitchFamily="34" charset="0"/>
-              </a:rPr>
-              <a:t>-v srpnu 2001 prolomen. </a:t>
-            </a:r>
-          </a:p>
-          <a:p>
-            <a:pPr marL="0" indent="0">
-              <a:buClrTx/>
-              <a:buNone/>
-            </a:pPr>
-            <a:r>
-              <a:rPr lang="cs-CZ" sz="2400" dirty="0">
-                <a:solidFill>
-                  <a:schemeClr val="tx1"/>
-                </a:solidFill>
-                <a:latin typeface="Arial" panose="020B0604020202020204" pitchFamily="34" charset="0"/>
-              </a:rPr>
-              <a:t>            -n</a:t>
-            </a:r>
-            <a:r>
-              <a:rPr lang="cs-CZ" sz="2400" b="0" i="0" dirty="0">
-                <a:solidFill>
-                  <a:schemeClr val="tx1"/>
-                </a:solidFill>
-                <a:effectLst/>
-                <a:latin typeface="Arial" panose="020B0604020202020204" pitchFamily="34" charset="0"/>
-              </a:rPr>
-              <a:t>a nových zařízeních stále podporován, ale je doporučuje se            používat WPA2</a:t>
-            </a:r>
-            <a:endParaRPr lang="pl-PL" sz="2400" i="0" dirty="0">
-              <a:solidFill>
-                <a:schemeClr val="tx1"/>
-              </a:solidFill>
-              <a:effectLst/>
-              <a:latin typeface="Arial" panose="020B0604020202020204" pitchFamily="34" charset="0"/>
-              <a:cs typeface="Arial" panose="020B0604020202020204" pitchFamily="34" charset="0"/>
-            </a:endParaRPr>
-          </a:p>
-          <a:p>
-            <a:pPr>
-              <a:buClrTx/>
-            </a:pPr>
-            <a:r>
-              <a:rPr lang="cs-CZ" sz="2400" b="1" dirty="0">
-                <a:solidFill>
-                  <a:schemeClr val="tx1"/>
-                </a:solidFill>
-                <a:latin typeface="Arial" panose="020B0604020202020204" pitchFamily="34" charset="0"/>
-                <a:cs typeface="Arial" panose="020B0604020202020204" pitchFamily="34" charset="0"/>
-              </a:rPr>
-              <a:t>WPA </a:t>
-            </a:r>
-            <a:r>
-              <a:rPr lang="cs-CZ" sz="2400" dirty="0">
-                <a:solidFill>
-                  <a:schemeClr val="tx1"/>
-                </a:solidFill>
-                <a:latin typeface="Arial" panose="020B0604020202020204" pitchFamily="34" charset="0"/>
-                <a:cs typeface="Arial" panose="020B0604020202020204" pitchFamily="34" charset="0"/>
-              </a:rPr>
-              <a:t>-</a:t>
-            </a:r>
-            <a:r>
-              <a:rPr lang="cs-CZ" sz="2400" b="0" i="0" dirty="0">
-                <a:solidFill>
-                  <a:schemeClr val="tx1"/>
-                </a:solidFill>
-                <a:effectLst/>
-                <a:latin typeface="Arial" panose="020B0604020202020204" pitchFamily="34" charset="0"/>
-              </a:rPr>
-              <a:t> bezpečnostní protokoly, které řeší problémy </a:t>
-            </a:r>
-            <a:r>
-              <a:rPr lang="cs-CZ" sz="2400" b="0" i="0" u="none" strike="noStrike" dirty="0">
-                <a:solidFill>
-                  <a:schemeClr val="tx1"/>
-                </a:solidFill>
-                <a:effectLst/>
-                <a:latin typeface="Arial" panose="020B0604020202020204" pitchFamily="34" charset="0"/>
-              </a:rPr>
-              <a:t>WEP</a:t>
-            </a:r>
-            <a:endParaRPr lang="cs-CZ" sz="2400" b="1" dirty="0">
+              <a:t> mezi nimi datový tok</a:t>
+            </a:r>
+            <a:endParaRPr lang="en-US" sz="3200" dirty="0">
               <a:solidFill>
                 <a:schemeClr val="tx1"/>
               </a:solidFill>
@@ -5158,10 +5125,56 @@
           </a:p>
         </p:txBody>
       </p:sp>
+      <p:pic>
+        <p:nvPicPr>
+          <p:cNvPr id="1026" name="Picture 2">
+            <a:extLst>
+              <a:ext uri="{FF2B5EF4-FFF2-40B4-BE49-F238E27FC236}">
+                <a16:creationId xmlns:a16="http://schemas.microsoft.com/office/drawing/2014/main" id="{8D05C7EB-7347-9A39-7E25-74018A5CBFF9}"/>
+              </a:ext>
+            </a:extLst>
+          </p:cNvPr>
+          <p:cNvPicPr>
+            <a:picLocks noChangeAspect="1" noChangeArrowheads="1"/>
+          </p:cNvPicPr>
+          <p:nvPr/>
+        </p:nvPicPr>
+        <p:blipFill>
+          <a:blip r:embed="rId3">
+            <a:extLst>
+              <a:ext uri="{28A0092B-C50C-407E-A947-70E740481C1C}">
+                <a14:useLocalDpi xmlns:a14="http://schemas.microsoft.com/office/drawing/2010/main" val="0"/>
+              </a:ext>
+            </a:extLst>
+          </a:blip>
+          <a:stretch>
+            <a:fillRect/>
+          </a:stretch>
+        </p:blipFill>
+        <p:spPr bwMode="auto">
+          <a:xfrm>
+            <a:off x="7569040" y="-38222"/>
+            <a:ext cx="4622961" cy="3467221"/>
+          </a:xfrm>
+          <a:prstGeom prst="rect">
+            <a:avLst/>
+          </a:prstGeom>
+          <a:noFill/>
+          <a:extLst>
+            <a:ext uri="{909E8E84-426E-40DD-AFC4-6F175D3DCCD1}">
+              <a14:hiddenFill xmlns:a14="http://schemas.microsoft.com/office/drawing/2010/main">
+                <a:solidFill>
+                  <a:srgbClr val="FFFFFF"/>
+                </a:solidFill>
+              </a14:hiddenFill>
+            </a:ext>
+          </a:extLst>
+        </p:spPr>
+      </p:pic>
     </p:spTree>
     <p:extLst>
       <p:ext uri="{BB962C8B-B14F-4D97-AF65-F5344CB8AC3E}">
-        <p14:creationId xmlns:p14="http://schemas.microsoft.com/office/powerpoint/2010/main" val="202359997"/>
+        <p14:creationId xmlns:p14="http://schemas.microsoft.com/office/powerpoint/2010/main" val="2779919210"/>
       </p:ext>
     </p:extLst>
   </p:cSld>
@@ -5190,10 +5203,54 @@
       </p:grpSpPr>
       <p:sp>
         <p:nvSpPr>
+          <p:cNvPr id="4" name="Obdélník 3">
+            <a:extLst>
+              <a:ext uri="{FF2B5EF4-FFF2-40B4-BE49-F238E27FC236}">
+                <a16:creationId xmlns:a16="http://schemas.microsoft.com/office/drawing/2014/main" id="{394EDFCC-EF40-FF93-4DC6-208435BD8614}"/>
+              </a:ext>
+            </a:extLst>
+          </p:cNvPr>
+          <p:cNvSpPr/>
+          <p:nvPr/>
+        </p:nvSpPr>
+        <p:spPr>
+          <a:xfrm>
+            <a:off x="1839132" y="1658318"/>
+            <a:ext cx="9670943" cy="4680489"/>
+          </a:xfrm>
+          <a:prstGeom prst="rect">
+            <a:avLst/>
+          </a:prstGeom>
+        </p:spPr>
+        <p:style>
+          <a:lnRef idx="2">
+            <a:schemeClr val="dk1"/>
+          </a:lnRef>
+          <a:fillRef idx="1">
+            <a:schemeClr val="lt1"/>
+          </a:fillRef>
+          <a:effectRef idx="0">
+            <a:schemeClr val="dk1"/>
+          </a:effectRef>
+          <a:fontRef idx="minor">
+            <a:schemeClr val="dk1"/>
+          </a:fontRef>
+        </p:style>
+        <p:txBody>
+          <a:bodyPr rtlCol="0" anchor="ctr"/>
+          <a:lstStyle/>
+          <a:p>
+            <a:pPr algn="ctr"/>
+            <a:endParaRPr lang="cs-CZ"/>
+          </a:p>
+        </p:txBody>
+      </p:sp>
+      <p:sp>
+        <p:nvSpPr>
           <p:cNvPr id="2" name="Nadpis 1">
             <a:extLst>
               <a:ext uri="{FF2B5EF4-FFF2-40B4-BE49-F238E27FC236}">
-                <a16:creationId xmlns:a16="http://schemas.microsoft.com/office/drawing/2014/main" id="{A51351A0-14FD-0F3C-874E-EB855A2A14E4}"/>
+                <a16:creationId xmlns:a16="http://schemas.microsoft.com/office/drawing/2014/main" id="{E320C837-B2AD-F25E-A8E7-1C00EBA88E60}"/>
               </a:ext>
             </a:extLst>
           </p:cNvPr>
@@ -5204,12 +5261,20 @@
             <p:ph type="title"/>
           </p:nvPr>
         </p:nvSpPr>
-        <p:spPr/>
+        <p:spPr>
+          <a:xfrm>
+            <a:off x="262851" y="238367"/>
+            <a:ext cx="6075956" cy="879606"/>
+          </a:xfrm>
+        </p:spPr>
         <p:txBody>
           <a:bodyPr/>
           <a:lstStyle/>
           <a:p>
-            <a:endParaRPr lang="cs-CZ"/>
+            <a:r>
+              <a:rPr lang="cs-CZ" dirty="0"/>
+              <a:t>Jak zabezpečit router?</a:t>
+            </a:r>
           </a:p>
         </p:txBody>
       </p:sp>
@@ -5218,7 +5283,7 @@
           <p:cNvPr id="3" name="Zástupný obsah 2">
             <a:extLst>
               <a:ext uri="{FF2B5EF4-FFF2-40B4-BE49-F238E27FC236}">
-                <a16:creationId xmlns:a16="http://schemas.microsoft.com/office/drawing/2014/main" id="{A2FEDD8F-0387-6441-FD7A-353FA279FB86}"/>
+                <a16:creationId xmlns:a16="http://schemas.microsoft.com/office/drawing/2014/main" id="{26311C80-C188-C0A8-F644-909279A20233}"/>
               </a:ext>
             </a:extLst>
           </p:cNvPr>
@@ -5229,19 +5294,266 @@
             <p:ph idx="1"/>
           </p:nvPr>
         </p:nvSpPr>
-        <p:spPr/>
-        <p:txBody>
-          <a:bodyPr/>
-          <a:lstStyle/>
-          <a:p>
-            <a:endParaRPr lang="cs-CZ"/>
+        <p:spPr>
+          <a:xfrm>
+            <a:off x="1844297" y="1689314"/>
+            <a:ext cx="9665777" cy="4649493"/>
+          </a:xfrm>
+        </p:spPr>
+        <p:txBody>
+          <a:bodyPr>
+            <a:normAutofit/>
+          </a:bodyPr>
+          <a:lstStyle/>
+          <a:p>
+            <a:pPr>
+              <a:buClrTx/>
+            </a:pPr>
+            <a:r>
+              <a:rPr lang="cs-CZ" sz="2400" dirty="0">
+                <a:solidFill>
+                  <a:schemeClr val="tx1"/>
+                </a:solidFill>
+                <a:latin typeface="Arial" panose="020B0604020202020204" pitchFamily="34" charset="0"/>
+                <a:cs typeface="Arial" panose="020B0604020202020204" pitchFamily="34" charset="0"/>
+              </a:rPr>
+              <a:t>Standartně má většina routerů nastavené </a:t>
+            </a:r>
+            <a:r>
+              <a:rPr lang="cs-CZ" sz="2400" b="1" dirty="0">
+                <a:solidFill>
+                  <a:schemeClr val="tx1"/>
+                </a:solidFill>
+                <a:latin typeface="Arial" panose="020B0604020202020204" pitchFamily="34" charset="0"/>
+                <a:cs typeface="Arial" panose="020B0604020202020204" pitchFamily="34" charset="0"/>
+              </a:rPr>
+              <a:t>uživatelské jméno: admin</a:t>
+            </a:r>
+            <a:r>
+              <a:rPr lang="cs-CZ" sz="2400" dirty="0">
+                <a:solidFill>
+                  <a:schemeClr val="tx1"/>
+                </a:solidFill>
+                <a:latin typeface="Arial" panose="020B0604020202020204" pitchFamily="34" charset="0"/>
+                <a:cs typeface="Arial" panose="020B0604020202020204" pitchFamily="34" charset="0"/>
+              </a:rPr>
+              <a:t> a </a:t>
+            </a:r>
+            <a:r>
+              <a:rPr lang="cs-CZ" sz="2400" b="1" dirty="0">
+                <a:solidFill>
+                  <a:schemeClr val="tx1"/>
+                </a:solidFill>
+                <a:latin typeface="Arial" panose="020B0604020202020204" pitchFamily="34" charset="0"/>
+                <a:cs typeface="Arial" panose="020B0604020202020204" pitchFamily="34" charset="0"/>
+              </a:rPr>
+              <a:t>heslo: admin</a:t>
+            </a:r>
+          </a:p>
+          <a:p>
+            <a:pPr>
+              <a:buClrTx/>
+            </a:pPr>
+            <a:r>
+              <a:rPr lang="cs-CZ" sz="2400" dirty="0">
+                <a:solidFill>
+                  <a:schemeClr val="tx1"/>
+                </a:solidFill>
+                <a:latin typeface="Arial" panose="020B0604020202020204" pitchFamily="34" charset="0"/>
+                <a:cs typeface="Arial" panose="020B0604020202020204" pitchFamily="34" charset="0"/>
+              </a:rPr>
+              <a:t>T</a:t>
+            </a:r>
+            <a:r>
+              <a:rPr lang="cs-CZ" sz="2400" b="0" i="0" dirty="0">
+                <a:solidFill>
+                  <a:schemeClr val="tx1"/>
+                </a:solidFill>
+                <a:effectLst/>
+                <a:latin typeface="Arial" panose="020B0604020202020204" pitchFamily="34" charset="0"/>
+                <a:cs typeface="Arial" panose="020B0604020202020204" pitchFamily="34" charset="0"/>
+              </a:rPr>
+              <a:t>ohoto umí útočníci velice dobře využít, proto je to první věc </a:t>
+            </a:r>
+            <a:r>
+              <a:rPr lang="cs-CZ" sz="2400" dirty="0">
+                <a:solidFill>
+                  <a:schemeClr val="tx1"/>
+                </a:solidFill>
+                <a:latin typeface="Arial" panose="020B0604020202020204" pitchFamily="34" charset="0"/>
+                <a:cs typeface="Arial" panose="020B0604020202020204" pitchFamily="34" charset="0"/>
+              </a:rPr>
+              <a:t>p</a:t>
+            </a:r>
+            <a:r>
+              <a:rPr lang="cs-CZ" sz="2400" b="0" i="0" dirty="0">
+                <a:solidFill>
+                  <a:schemeClr val="tx1"/>
+                </a:solidFill>
+                <a:effectLst/>
+                <a:latin typeface="Arial" panose="020B0604020202020204" pitchFamily="34" charset="0"/>
+                <a:cs typeface="Arial" panose="020B0604020202020204" pitchFamily="34" charset="0"/>
+              </a:rPr>
+              <a:t>o přihlášení do administrace routeru, kterou je třeba změnit</a:t>
+            </a:r>
+          </a:p>
+          <a:p>
+            <a:pPr>
+              <a:buClrTx/>
+            </a:pPr>
+            <a:r>
+              <a:rPr lang="pl-PL" sz="2400" i="0" dirty="0">
+                <a:solidFill>
+                  <a:schemeClr val="tx1"/>
+                </a:solidFill>
+                <a:effectLst/>
+                <a:latin typeface="Arial" panose="020B0604020202020204" pitchFamily="34" charset="0"/>
+                <a:cs typeface="Arial" panose="020B0604020202020204" pitchFamily="34" charset="0"/>
+              </a:rPr>
+              <a:t>Komunikaci na síti je třeba ještě zabezpečit a zašifrovat</a:t>
+            </a:r>
+          </a:p>
+          <a:p>
+            <a:pPr>
+              <a:buClrTx/>
+            </a:pPr>
+            <a:r>
+              <a:rPr lang="cs-CZ" sz="2400" b="1" i="0" dirty="0">
+                <a:solidFill>
+                  <a:schemeClr val="tx1"/>
+                </a:solidFill>
+                <a:effectLst/>
+                <a:latin typeface="Arial" panose="020B0604020202020204" pitchFamily="34" charset="0"/>
+              </a:rPr>
+              <a:t>WEP</a:t>
+            </a:r>
+            <a:r>
+              <a:rPr lang="cs-CZ" sz="2400" b="0" i="0" dirty="0">
+                <a:solidFill>
+                  <a:schemeClr val="tx1"/>
+                </a:solidFill>
+                <a:effectLst/>
+                <a:latin typeface="Arial" panose="020B0604020202020204" pitchFamily="34" charset="0"/>
+              </a:rPr>
+              <a:t> -původní šifrovací standard pro bezdrátové sítě</a:t>
+            </a:r>
+          </a:p>
+          <a:p>
+            <a:pPr marL="0" indent="0">
+              <a:buClrTx/>
+              <a:buNone/>
+            </a:pPr>
+            <a:r>
+              <a:rPr lang="cs-CZ" sz="2400" dirty="0">
+                <a:solidFill>
+                  <a:schemeClr val="tx1"/>
+                </a:solidFill>
+                <a:latin typeface="Arial" panose="020B0604020202020204" pitchFamily="34" charset="0"/>
+              </a:rPr>
+              <a:t>            </a:t>
+            </a:r>
+            <a:r>
+              <a:rPr lang="cs-CZ" sz="2400" b="0" i="0" dirty="0">
+                <a:solidFill>
+                  <a:schemeClr val="tx1"/>
+                </a:solidFill>
+                <a:effectLst/>
+                <a:latin typeface="Arial" panose="020B0604020202020204" pitchFamily="34" charset="0"/>
+              </a:rPr>
+              <a:t>-v srpnu 2001 prolomen. </a:t>
+            </a:r>
+          </a:p>
+          <a:p>
+            <a:pPr marL="0" indent="0">
+              <a:buClrTx/>
+              <a:buNone/>
+            </a:pPr>
+            <a:r>
+              <a:rPr lang="cs-CZ" sz="2400" dirty="0">
+                <a:solidFill>
+                  <a:schemeClr val="tx1"/>
+                </a:solidFill>
+                <a:latin typeface="Arial" panose="020B0604020202020204" pitchFamily="34" charset="0"/>
+              </a:rPr>
+              <a:t>            -n</a:t>
+            </a:r>
+            <a:r>
+              <a:rPr lang="cs-CZ" sz="2400" b="0" i="0" dirty="0">
+                <a:solidFill>
+                  <a:schemeClr val="tx1"/>
+                </a:solidFill>
+                <a:effectLst/>
+                <a:latin typeface="Arial" panose="020B0604020202020204" pitchFamily="34" charset="0"/>
+              </a:rPr>
+              <a:t>a nových zařízeních stále podporován, ale je doporučuje se            používat WPA2</a:t>
+            </a:r>
+            <a:endParaRPr lang="pl-PL" sz="2400" i="0" dirty="0">
+              <a:solidFill>
+                <a:schemeClr val="tx1"/>
+              </a:solidFill>
+              <a:effectLst/>
+              <a:latin typeface="Arial" panose="020B0604020202020204" pitchFamily="34" charset="0"/>
+              <a:cs typeface="Arial" panose="020B0604020202020204" pitchFamily="34" charset="0"/>
+            </a:endParaRPr>
+          </a:p>
+          <a:p>
+            <a:pPr>
+              <a:buClrTx/>
+            </a:pPr>
+            <a:r>
+              <a:rPr lang="cs-CZ" sz="2400" b="1" dirty="0">
+                <a:solidFill>
+                  <a:schemeClr val="tx1"/>
+                </a:solidFill>
+                <a:latin typeface="Arial" panose="020B0604020202020204" pitchFamily="34" charset="0"/>
+                <a:cs typeface="Arial" panose="020B0604020202020204" pitchFamily="34" charset="0"/>
+              </a:rPr>
+              <a:t>WPA </a:t>
+            </a:r>
+            <a:r>
+              <a:rPr lang="cs-CZ" sz="2400" dirty="0">
+                <a:solidFill>
+                  <a:schemeClr val="tx1"/>
+                </a:solidFill>
+                <a:latin typeface="Arial" panose="020B0604020202020204" pitchFamily="34" charset="0"/>
+                <a:cs typeface="Arial" panose="020B0604020202020204" pitchFamily="34" charset="0"/>
+              </a:rPr>
+              <a:t>-</a:t>
+            </a:r>
+            <a:r>
+              <a:rPr lang="cs-CZ" sz="2400" b="0" i="0" dirty="0">
+                <a:solidFill>
+                  <a:schemeClr val="tx1"/>
+                </a:solidFill>
+                <a:effectLst/>
+                <a:latin typeface="Arial" panose="020B0604020202020204" pitchFamily="34" charset="0"/>
+              </a:rPr>
+              <a:t> bezpečnostní protokoly, které řeší problémy </a:t>
+            </a:r>
+            <a:r>
+              <a:rPr lang="cs-CZ" sz="2400" b="0" i="0" u="none" strike="noStrike" dirty="0">
+                <a:solidFill>
+                  <a:schemeClr val="tx1"/>
+                </a:solidFill>
+                <a:effectLst/>
+                <a:latin typeface="Arial" panose="020B0604020202020204" pitchFamily="34" charset="0"/>
+              </a:rPr>
+              <a:t>WEP</a:t>
+            </a:r>
+            <a:endParaRPr lang="cs-CZ" sz="2400" b="1" dirty="0">
+              <a:solidFill>
+                <a:schemeClr val="tx1"/>
+              </a:solidFill>
+              <a:latin typeface="Arial" panose="020B0604020202020204" pitchFamily="34" charset="0"/>
+              <a:cs typeface="Arial" panose="020B0604020202020204" pitchFamily="34" charset="0"/>
+            </a:endParaRPr>
           </a:p>
         </p:txBody>
       </p:sp>
     </p:spTree>
     <p:extLst>
       <p:ext uri="{BB962C8B-B14F-4D97-AF65-F5344CB8AC3E}">
-        <p14:creationId xmlns:p14="http://schemas.microsoft.com/office/powerpoint/2010/main" val="1668518660"/>
+        <p14:creationId xmlns:p14="http://schemas.microsoft.com/office/powerpoint/2010/main" val="202359997"/>
       </p:ext>
     </p:extLst>
   </p:cSld>
@@ -5273,7 +5585,7 @@
           <p:cNvPr id="2" name="Nadpis 1">
             <a:extLst>
               <a:ext uri="{FF2B5EF4-FFF2-40B4-BE49-F238E27FC236}">
-                <a16:creationId xmlns:a16="http://schemas.microsoft.com/office/drawing/2014/main" id="{C8AB5481-517E-79BB-3A0A-0547EC02F7C2}"/>
+                <a16:creationId xmlns:a16="http://schemas.microsoft.com/office/drawing/2014/main" id="{EA943DBD-8AA8-C441-CAAC-AE408D5B05F7}"/>
               </a:ext>
             </a:extLst>
           </p:cNvPr>
@@ -5284,12 +5596,22 @@
             <p:ph type="title"/>
           </p:nvPr>
         </p:nvSpPr>
-        <p:spPr/>
-        <p:txBody>
-          <a:bodyPr/>
-          <a:lstStyle/>
-          <a:p>
-            <a:endParaRPr lang="cs-CZ"/>
+        <p:spPr>
+          <a:xfrm>
+            <a:off x="402336" y="298265"/>
+            <a:ext cx="3007291" cy="538644"/>
+          </a:xfrm>
+        </p:spPr>
+        <p:txBody>
+          <a:bodyPr>
+            <a:normAutofit fontScale="90000"/>
+          </a:bodyPr>
+          <a:lstStyle/>
+          <a:p>
+            <a:r>
+              <a:rPr lang="cs-CZ" dirty="0"/>
+              <a:t>citace</a:t>
+            </a:r>
           </a:p>
         </p:txBody>
       </p:sp>
@@ -5298,7 +5620,7 @@
           <p:cNvPr id="3" name="Zástupný obsah 2">
             <a:extLst>
               <a:ext uri="{FF2B5EF4-FFF2-40B4-BE49-F238E27FC236}">
-                <a16:creationId xmlns:a16="http://schemas.microsoft.com/office/drawing/2014/main" id="{79CD1F13-BE3C-CFE6-FDDC-3A4D30572722}"/>
+                <a16:creationId xmlns:a16="http://schemas.microsoft.com/office/drawing/2014/main" id="{FF883635-2FC2-6251-40F3-D283E3EB1748}"/>
               </a:ext>
             </a:extLst>
           </p:cNvPr>
@@ -5309,19 +5631,403 @@
             <p:ph idx="1"/>
           </p:nvPr>
         </p:nvSpPr>
-        <p:spPr/>
+        <p:spPr>
+          <a:xfrm>
+            <a:off x="1069383" y="945397"/>
+            <a:ext cx="10383864" cy="5614338"/>
+          </a:xfrm>
+        </p:spPr>
         <p:txBody>
           <a:bodyPr/>
           <a:lstStyle/>
           <a:p>
-            <a:endParaRPr lang="cs-CZ"/>
+            <a:pPr>
+              <a:buClr>
+                <a:schemeClr val="tx1"/>
+              </a:buClr>
+            </a:pPr>
+            <a:r>
+              <a:rPr lang="pl-PL" b="0" i="0" dirty="0">
+                <a:solidFill>
+                  <a:srgbClr val="212529"/>
+                </a:solidFill>
+                <a:effectLst/>
+                <a:latin typeface="Open Sans" panose="020B0606030504020204" pitchFamily="34" charset="0"/>
+              </a:rPr>
+              <a:t>Wi-Fi. </a:t>
+            </a:r>
+            <a:r>
+              <a:rPr lang="pl-PL" b="0" i="1" dirty="0">
+                <a:solidFill>
+                  <a:srgbClr val="212529"/>
+                </a:solidFill>
+                <a:effectLst/>
+                <a:latin typeface="Open Sans" panose="020B0606030504020204" pitchFamily="34" charset="0"/>
+              </a:rPr>
+              <a:t>Wikipedia</a:t>
+            </a:r>
+            <a:r>
+              <a:rPr lang="pl-PL" b="0" i="0" dirty="0">
+                <a:solidFill>
+                  <a:srgbClr val="212529"/>
+                </a:solidFill>
+                <a:effectLst/>
+                <a:latin typeface="Open Sans" panose="020B0606030504020204" pitchFamily="34" charset="0"/>
+              </a:rPr>
+              <a:t> [online]. [cit. 2023-01-20]. Dostupné z: </a:t>
+            </a:r>
+            <a:r>
+              <a:rPr lang="pl-PL" b="0" i="0" dirty="0">
+                <a:solidFill>
+                  <a:schemeClr val="tx1"/>
+                </a:solidFill>
+                <a:effectLst/>
+                <a:latin typeface="Open Sans" panose="020B0606030504020204" pitchFamily="34" charset="0"/>
+                <a:hlinkClick r:id="rId2">
+                  <a:extLst>
+                    <a:ext uri="{A12FA001-AC4F-418D-AE19-62706E023703}">
+                      <ahyp:hlinkClr xmlns:ahyp="http://schemas.microsoft.com/office/drawing/2018/hyperlinkcolor" val="tx"/>
+                    </a:ext>
+                  </a:extLst>
+                </a:hlinkClick>
+              </a:rPr>
+              <a:t>https://cs.wikipedia.org/wiki/Wi-Fi</a:t>
+            </a:r>
+            <a:endParaRPr lang="pl-PL" b="0" i="0" dirty="0">
+              <a:solidFill>
+                <a:schemeClr val="tx1"/>
+              </a:solidFill>
+              <a:effectLst/>
+              <a:latin typeface="Open Sans" panose="020B0606030504020204" pitchFamily="34" charset="0"/>
+            </a:endParaRPr>
+          </a:p>
+          <a:p>
+            <a:pPr>
+              <a:buClr>
+                <a:schemeClr val="tx1"/>
+              </a:buClr>
+            </a:pPr>
+            <a:r>
+              <a:rPr lang="en-US" b="0" i="0" dirty="0">
+                <a:solidFill>
+                  <a:srgbClr val="212529"/>
+                </a:solidFill>
+                <a:effectLst/>
+                <a:latin typeface="Open Sans" panose="020B0606030504020204" pitchFamily="34" charset="0"/>
+              </a:rPr>
+              <a:t>What Is Wi-Fi?. </a:t>
+            </a:r>
+            <a:r>
+              <a:rPr lang="en-US" b="0" i="1" dirty="0">
+                <a:solidFill>
+                  <a:srgbClr val="212529"/>
+                </a:solidFill>
+                <a:effectLst/>
+                <a:latin typeface="Open Sans" panose="020B0606030504020204" pitchFamily="34" charset="0"/>
+              </a:rPr>
+              <a:t>Cisco</a:t>
+            </a:r>
+            <a:r>
+              <a:rPr lang="en-US" b="0" i="0" dirty="0">
+                <a:solidFill>
+                  <a:srgbClr val="212529"/>
+                </a:solidFill>
+                <a:effectLst/>
+                <a:latin typeface="Open Sans" panose="020B0606030504020204" pitchFamily="34" charset="0"/>
+              </a:rPr>
+              <a:t> [online]. [cit. 2023-01-20]. </a:t>
+            </a:r>
+            <a:r>
+              <a:rPr lang="en-US" b="0" i="0" dirty="0" err="1">
+                <a:solidFill>
+                  <a:srgbClr val="212529"/>
+                </a:solidFill>
+                <a:effectLst/>
+                <a:latin typeface="Open Sans" panose="020B0606030504020204" pitchFamily="34" charset="0"/>
+              </a:rPr>
+              <a:t>Dostupné</a:t>
+            </a:r>
+            <a:r>
+              <a:rPr lang="en-US" b="0" i="0" dirty="0">
+                <a:solidFill>
+                  <a:srgbClr val="212529"/>
+                </a:solidFill>
+                <a:effectLst/>
+                <a:latin typeface="Open Sans" panose="020B0606030504020204" pitchFamily="34" charset="0"/>
+              </a:rPr>
+              <a:t> z: </a:t>
+            </a:r>
+            <a:r>
+              <a:rPr lang="en-US" b="0" i="0" dirty="0">
+                <a:solidFill>
+                  <a:srgbClr val="212529"/>
+                </a:solidFill>
+                <a:effectLst/>
+                <a:latin typeface="Open Sans" panose="020B0606030504020204" pitchFamily="34" charset="0"/>
+                <a:hlinkClick r:id="rId3"/>
+              </a:rPr>
+              <a:t>https://www.cisco.com/c/en/us/products/wireless/what-is-wifi.html</a:t>
+            </a:r>
+            <a:endParaRPr lang="cs-CZ" b="0" i="0" dirty="0">
+              <a:solidFill>
+                <a:srgbClr val="212529"/>
+              </a:solidFill>
+              <a:effectLst/>
+              <a:latin typeface="Open Sans" panose="020B0606030504020204" pitchFamily="34" charset="0"/>
+            </a:endParaRPr>
+          </a:p>
+          <a:p>
+            <a:pPr>
+              <a:buClr>
+                <a:schemeClr val="tx1"/>
+              </a:buClr>
+            </a:pPr>
+            <a:r>
+              <a:rPr lang="cs-CZ" b="0" i="0" dirty="0">
+                <a:solidFill>
+                  <a:srgbClr val="212529"/>
+                </a:solidFill>
+                <a:effectLst/>
+                <a:latin typeface="Open Sans" panose="020B0606030504020204" pitchFamily="34" charset="0"/>
+              </a:rPr>
+              <a:t>Wi-Fi. </a:t>
+            </a:r>
+            <a:r>
+              <a:rPr lang="cs-CZ" b="0" i="1" dirty="0">
+                <a:solidFill>
+                  <a:srgbClr val="212529"/>
+                </a:solidFill>
+                <a:effectLst/>
+                <a:latin typeface="Open Sans" panose="020B0606030504020204" pitchFamily="34" charset="0"/>
+              </a:rPr>
+              <a:t>Verizon</a:t>
+            </a:r>
+            <a:r>
+              <a:rPr lang="cs-CZ" b="0" i="0" dirty="0">
+                <a:solidFill>
+                  <a:srgbClr val="212529"/>
+                </a:solidFill>
+                <a:effectLst/>
+                <a:latin typeface="Open Sans" panose="020B0606030504020204" pitchFamily="34" charset="0"/>
+              </a:rPr>
+              <a:t> [online]. [cit. 2023-01-20]. Dostupné z: </a:t>
+            </a:r>
+            <a:r>
+              <a:rPr lang="cs-CZ" b="0" i="0" dirty="0">
+                <a:solidFill>
+                  <a:srgbClr val="212529"/>
+                </a:solidFill>
+                <a:effectLst/>
+                <a:latin typeface="Open Sans" panose="020B0606030504020204" pitchFamily="34" charset="0"/>
+                <a:hlinkClick r:id="rId4"/>
+              </a:rPr>
+              <a:t>https://www.verizon.com/articles/internet-essentials/wifi-definiton/</a:t>
+            </a:r>
+            <a:endParaRPr lang="cs-CZ" dirty="0">
+              <a:solidFill>
+                <a:srgbClr val="212529"/>
+              </a:solidFill>
+              <a:latin typeface="Open Sans" panose="020B0606030504020204" pitchFamily="34" charset="0"/>
+            </a:endParaRPr>
+          </a:p>
+          <a:p>
+            <a:pPr>
+              <a:buClr>
+                <a:schemeClr val="tx1"/>
+              </a:buClr>
+            </a:pPr>
+            <a:r>
+              <a:rPr lang="pl-PL" b="0" i="0" dirty="0">
+                <a:solidFill>
+                  <a:srgbClr val="212529"/>
+                </a:solidFill>
+                <a:effectLst/>
+                <a:latin typeface="Open Sans" panose="020B0606030504020204" pitchFamily="34" charset="0"/>
+              </a:rPr>
+              <a:t>Co je to WiFi - úvod do technologie. </a:t>
+            </a:r>
+            <a:r>
+              <a:rPr lang="pl-PL" b="0" i="1" dirty="0">
+                <a:solidFill>
+                  <a:srgbClr val="212529"/>
+                </a:solidFill>
+                <a:effectLst/>
+                <a:latin typeface="Open Sans" panose="020B0606030504020204" pitchFamily="34" charset="0"/>
+              </a:rPr>
+              <a:t>Vyvoj.hw.cz</a:t>
+            </a:r>
+            <a:r>
+              <a:rPr lang="pl-PL" b="0" i="0" dirty="0">
+                <a:solidFill>
+                  <a:srgbClr val="212529"/>
+                </a:solidFill>
+                <a:effectLst/>
+                <a:latin typeface="Open Sans" panose="020B0606030504020204" pitchFamily="34" charset="0"/>
+              </a:rPr>
+              <a:t> [online]. [cit. 2023-01-20]. Dostupné z: </a:t>
+            </a:r>
+            <a:r>
+              <a:rPr lang="pl-PL" b="0" i="0" dirty="0">
+                <a:solidFill>
+                  <a:srgbClr val="212529"/>
+                </a:solidFill>
+                <a:effectLst/>
+                <a:latin typeface="Open Sans" panose="020B0606030504020204" pitchFamily="34" charset="0"/>
+                <a:hlinkClick r:id="rId5"/>
+              </a:rPr>
+              <a:t>https://vyvoj.hw.cz/produkty/ethernet/co-je-to-wifi-uvod-do-technologie.html</a:t>
+            </a:r>
+            <a:endParaRPr lang="cs-CZ" b="0" i="0" dirty="0">
+              <a:solidFill>
+                <a:srgbClr val="212529"/>
+              </a:solidFill>
+              <a:effectLst/>
+              <a:latin typeface="Open Sans" panose="020B0606030504020204" pitchFamily="34" charset="0"/>
+            </a:endParaRPr>
+          </a:p>
+          <a:p>
+            <a:pPr>
+              <a:buClr>
+                <a:schemeClr val="tx1"/>
+              </a:buClr>
+            </a:pPr>
+            <a:r>
+              <a:rPr lang="it-IT" b="0" i="0" dirty="0">
+                <a:solidFill>
+                  <a:srgbClr val="212529"/>
+                </a:solidFill>
+                <a:effectLst/>
+                <a:latin typeface="Open Sans" panose="020B0606030504020204" pitchFamily="34" charset="0"/>
+              </a:rPr>
+              <a:t>IEEE_802.11. </a:t>
+            </a:r>
+            <a:r>
+              <a:rPr lang="it-IT" b="0" i="1" dirty="0">
+                <a:solidFill>
+                  <a:srgbClr val="212529"/>
+                </a:solidFill>
+                <a:effectLst/>
+                <a:latin typeface="Open Sans" panose="020B0606030504020204" pitchFamily="34" charset="0"/>
+              </a:rPr>
+              <a:t>Wikipedia</a:t>
+            </a:r>
+            <a:r>
+              <a:rPr lang="it-IT" b="0" i="0" dirty="0">
+                <a:solidFill>
+                  <a:srgbClr val="212529"/>
+                </a:solidFill>
+                <a:effectLst/>
+                <a:latin typeface="Open Sans" panose="020B0606030504020204" pitchFamily="34" charset="0"/>
+              </a:rPr>
+              <a:t> [online]. [cit. 2023-01-20]. Dostupné z: </a:t>
+            </a:r>
+            <a:r>
+              <a:rPr lang="it-IT" b="0" i="0" dirty="0">
+                <a:solidFill>
+                  <a:srgbClr val="212529"/>
+                </a:solidFill>
+                <a:effectLst/>
+                <a:latin typeface="Open Sans" panose="020B0606030504020204" pitchFamily="34" charset="0"/>
+                <a:hlinkClick r:id="rId6"/>
+              </a:rPr>
+              <a:t>https://cs.wikipedia.org/wiki/IEEE_802.11</a:t>
+            </a:r>
+            <a:endParaRPr lang="cs-CZ" dirty="0">
+              <a:solidFill>
+                <a:srgbClr val="212529"/>
+              </a:solidFill>
+              <a:latin typeface="Open Sans" panose="020B0606030504020204" pitchFamily="34" charset="0"/>
+            </a:endParaRPr>
+          </a:p>
+          <a:p>
+            <a:pPr>
+              <a:buClr>
+                <a:schemeClr val="tx1"/>
+              </a:buClr>
+            </a:pPr>
+            <a:r>
+              <a:rPr lang="cs-CZ" b="0" i="0" dirty="0">
+                <a:solidFill>
+                  <a:srgbClr val="212529"/>
+                </a:solidFill>
+                <a:effectLst/>
+                <a:latin typeface="Open Sans" panose="020B0606030504020204" pitchFamily="34" charset="0"/>
+              </a:rPr>
+              <a:t>Vyznejte se ve standardech </a:t>
+            </a:r>
+            <a:r>
+              <a:rPr lang="cs-CZ" b="0" i="0" dirty="0" err="1">
+                <a:solidFill>
+                  <a:srgbClr val="212529"/>
+                </a:solidFill>
+                <a:effectLst/>
+                <a:latin typeface="Open Sans" panose="020B0606030504020204" pitchFamily="34" charset="0"/>
+              </a:rPr>
+              <a:t>WiFi</a:t>
+            </a:r>
+            <a:r>
+              <a:rPr lang="cs-CZ" b="0" i="0" dirty="0">
+                <a:solidFill>
+                  <a:srgbClr val="212529"/>
+                </a:solidFill>
+                <a:effectLst/>
+                <a:latin typeface="Open Sans" panose="020B0606030504020204" pitchFamily="34" charset="0"/>
+              </a:rPr>
+              <a:t>. </a:t>
+            </a:r>
+            <a:r>
+              <a:rPr lang="cs-CZ" b="0" i="1" dirty="0" err="1">
+                <a:solidFill>
+                  <a:srgbClr val="212529"/>
+                </a:solidFill>
+                <a:effectLst/>
+                <a:latin typeface="Open Sans" panose="020B0606030504020204" pitchFamily="34" charset="0"/>
+              </a:rPr>
+              <a:t>Airwaynet</a:t>
+            </a:r>
+            <a:r>
+              <a:rPr lang="cs-CZ" b="0" i="0" dirty="0">
+                <a:solidFill>
+                  <a:srgbClr val="212529"/>
+                </a:solidFill>
+                <a:effectLst/>
+                <a:latin typeface="Open Sans" panose="020B0606030504020204" pitchFamily="34" charset="0"/>
+              </a:rPr>
+              <a:t> [online]. [cit. 2023-01-20]. Dostupné z: </a:t>
+            </a:r>
+            <a:r>
+              <a:rPr lang="cs-CZ" b="0" i="0" dirty="0">
+                <a:solidFill>
+                  <a:srgbClr val="212529"/>
+                </a:solidFill>
+                <a:effectLst/>
+                <a:latin typeface="Open Sans" panose="020B0606030504020204" pitchFamily="34" charset="0"/>
+                <a:hlinkClick r:id="rId7"/>
+              </a:rPr>
+              <a:t>https://www.airwaynet.cz/vyznejte-se-ve-standardech-wifi/</a:t>
+            </a:r>
+            <a:endParaRPr lang="cs-CZ" b="0" i="0" dirty="0">
+              <a:solidFill>
+                <a:srgbClr val="212529"/>
+              </a:solidFill>
+              <a:effectLst/>
+              <a:latin typeface="Open Sans" panose="020B0606030504020204" pitchFamily="34" charset="0"/>
+            </a:endParaRPr>
+          </a:p>
+          <a:p>
+            <a:pPr>
+              <a:buClr>
+                <a:schemeClr val="tx1"/>
+              </a:buClr>
+            </a:pPr>
+            <a:endParaRPr lang="cs-CZ" dirty="0"/>
           </a:p>
         </p:txBody>
       </p:sp>
     </p:spTree>
     <p:extLst>
       <p:ext uri="{BB962C8B-B14F-4D97-AF65-F5344CB8AC3E}">
-        <p14:creationId xmlns:p14="http://schemas.microsoft.com/office/powerpoint/2010/main" val="1566103268"/>
+        <p14:creationId xmlns:p14="http://schemas.microsoft.com/office/powerpoint/2010/main" val="3972665055"/>
       </p:ext>
     </p:extLst>
   </p:cSld>
@@ -5353,7 +6059,7 @@
           <p:cNvPr id="2" name="Nadpis 1">
             <a:extLst>
               <a:ext uri="{FF2B5EF4-FFF2-40B4-BE49-F238E27FC236}">
-                <a16:creationId xmlns:a16="http://schemas.microsoft.com/office/drawing/2014/main" id="{3E828C0C-E567-69B9-9B47-C9882ED481EA}"/>
+                <a16:creationId xmlns:a16="http://schemas.microsoft.com/office/drawing/2014/main" id="{A51351A0-14FD-0F3C-874E-EB855A2A14E4}"/>
               </a:ext>
             </a:extLst>
           </p:cNvPr>
@@ -5378,7 +6084,7 @@
           <p:cNvPr id="3" name="Zástupný obsah 2">
             <a:extLst>
               <a:ext uri="{FF2B5EF4-FFF2-40B4-BE49-F238E27FC236}">
-                <a16:creationId xmlns:a16="http://schemas.microsoft.com/office/drawing/2014/main" id="{E9CEAB81-9185-AD5C-D592-39848CCBDB29}"/>
+                <a16:creationId xmlns:a16="http://schemas.microsoft.com/office/drawing/2014/main" id="{A2FEDD8F-0387-6441-FD7A-353FA279FB86}"/>
               </a:ext>
             </a:extLst>
           </p:cNvPr>
@@ -5401,7 +6107,7 @@
     </p:spTree>
     <p:extLst>
       <p:ext uri="{BB962C8B-B14F-4D97-AF65-F5344CB8AC3E}">
-        <p14:creationId xmlns:p14="http://schemas.microsoft.com/office/powerpoint/2010/main" val="3439284420"/>
+        <p14:creationId xmlns:p14="http://schemas.microsoft.com/office/powerpoint/2010/main" val="1668518660"/>
       </p:ext>
     </p:extLst>
   </p:cSld>
@@ -5433,7 +6139,7 @@
           <p:cNvPr id="2" name="Nadpis 1">
             <a:extLst>
               <a:ext uri="{FF2B5EF4-FFF2-40B4-BE49-F238E27FC236}">
-                <a16:creationId xmlns:a16="http://schemas.microsoft.com/office/drawing/2014/main" id="{3A8C88A5-8115-9129-3817-7C53A1481739}"/>
+                <a16:creationId xmlns:a16="http://schemas.microsoft.com/office/drawing/2014/main" id="{C8AB5481-517E-79BB-3A0A-0547EC02F7C2}"/>
               </a:ext>
             </a:extLst>
           </p:cNvPr>
@@ -5458,7 +6164,7 @@
           <p:cNvPr id="3" name="Zástupný obsah 2">
             <a:extLst>
               <a:ext uri="{FF2B5EF4-FFF2-40B4-BE49-F238E27FC236}">
-                <a16:creationId xmlns:a16="http://schemas.microsoft.com/office/drawing/2014/main" id="{1A3709FE-76B5-9AD7-8429-0CE7BA0AB9DC}"/>
+                <a16:creationId xmlns:a16="http://schemas.microsoft.com/office/drawing/2014/main" id="{79CD1F13-BE3C-CFE6-FDDC-3A4D30572722}"/>
               </a:ext>
             </a:extLst>
           </p:cNvPr>
@@ -5481,7 +6187,7 @@
     </p:spTree>
     <p:extLst>
       <p:ext uri="{BB962C8B-B14F-4D97-AF65-F5344CB8AC3E}">
-        <p14:creationId xmlns:p14="http://schemas.microsoft.com/office/powerpoint/2010/main" val="1147928050"/>
+        <p14:creationId xmlns:p14="http://schemas.microsoft.com/office/powerpoint/2010/main" val="1566103268"/>
       </p:ext>
     </p:extLst>
   </p:cSld>
@@ -5513,7 +6219,7 @@
           <p:cNvPr id="2" name="Nadpis 1">
             <a:extLst>
               <a:ext uri="{FF2B5EF4-FFF2-40B4-BE49-F238E27FC236}">
-                <a16:creationId xmlns:a16="http://schemas.microsoft.com/office/drawing/2014/main" id="{C730515A-0245-39D2-8B5F-AEF3BCB42AC4}"/>
+                <a16:creationId xmlns:a16="http://schemas.microsoft.com/office/drawing/2014/main" id="{3E828C0C-E567-69B9-9B47-C9882ED481EA}"/>
               </a:ext>
             </a:extLst>
           </p:cNvPr>
@@ -5538,7 +6244,7 @@
           <p:cNvPr id="3" name="Zástupný obsah 2">
             <a:extLst>
               <a:ext uri="{FF2B5EF4-FFF2-40B4-BE49-F238E27FC236}">
-                <a16:creationId xmlns:a16="http://schemas.microsoft.com/office/drawing/2014/main" id="{E18B97AC-0E9D-C062-8A1C-05148F3A82CD}"/>
+                <a16:creationId xmlns:a16="http://schemas.microsoft.com/office/drawing/2014/main" id="{E9CEAB81-9185-AD5C-D592-39848CCBDB29}"/>
               </a:ext>
             </a:extLst>
           </p:cNvPr>
@@ -5561,7 +6267,7 @@
     </p:spTree>
     <p:extLst>
       <p:ext uri="{BB962C8B-B14F-4D97-AF65-F5344CB8AC3E}">
-        <p14:creationId xmlns:p14="http://schemas.microsoft.com/office/powerpoint/2010/main" val="3793748274"/>
+        <p14:creationId xmlns:p14="http://schemas.microsoft.com/office/powerpoint/2010/main" val="3439284420"/>
       </p:ext>
     </p:extLst>
   </p:cSld>
@@ -5593,7 +6299,7 @@
           <p:cNvPr id="2" name="Nadpis 1">
             <a:extLst>
               <a:ext uri="{FF2B5EF4-FFF2-40B4-BE49-F238E27FC236}">
-                <a16:creationId xmlns:a16="http://schemas.microsoft.com/office/drawing/2014/main" id="{75696E2F-4445-D6F4-69C4-544A7FEDFED2}"/>
+                <a16:creationId xmlns:a16="http://schemas.microsoft.com/office/drawing/2014/main" id="{3A8C88A5-8115-9129-3817-7C53A1481739}"/>
               </a:ext>
             </a:extLst>
           </p:cNvPr>
@@ -5618,7 +6324,7 @@
           <p:cNvPr id="3" name="Zástupný obsah 2">
             <a:extLst>
               <a:ext uri="{FF2B5EF4-FFF2-40B4-BE49-F238E27FC236}">
-                <a16:creationId xmlns:a16="http://schemas.microsoft.com/office/drawing/2014/main" id="{B7D5CCF3-49C2-D3AE-D80F-B269F03A1320}"/>
+                <a16:creationId xmlns:a16="http://schemas.microsoft.com/office/drawing/2014/main" id="{1A3709FE-76B5-9AD7-8429-0CE7BA0AB9DC}"/>
               </a:ext>
             </a:extLst>
           </p:cNvPr>
@@ -5641,7 +6347,7 @@
     </p:spTree>
     <p:extLst>
       <p:ext uri="{BB962C8B-B14F-4D97-AF65-F5344CB8AC3E}">
-        <p14:creationId xmlns:p14="http://schemas.microsoft.com/office/powerpoint/2010/main" val="1515943619"/>
+        <p14:creationId xmlns:p14="http://schemas.microsoft.com/office/powerpoint/2010/main" val="1147928050"/>
       </p:ext>
     </p:extLst>
   </p:cSld>
@@ -5673,7 +6379,7 @@
           <p:cNvPr id="2" name="Nadpis 1">
             <a:extLst>
               <a:ext uri="{FF2B5EF4-FFF2-40B4-BE49-F238E27FC236}">
-                <a16:creationId xmlns:a16="http://schemas.microsoft.com/office/drawing/2014/main" id="{DA7CABE9-F6C3-1CCE-8E89-93AAE825E2AF}"/>
+                <a16:creationId xmlns:a16="http://schemas.microsoft.com/office/drawing/2014/main" id="{C730515A-0245-39D2-8B5F-AEF3BCB42AC4}"/>
               </a:ext>
             </a:extLst>
           </p:cNvPr>
@@ -5698,7 +6404,7 @@
           <p:cNvPr id="3" name="Zástupný obsah 2">
             <a:extLst>
               <a:ext uri="{FF2B5EF4-FFF2-40B4-BE49-F238E27FC236}">
-                <a16:creationId xmlns:a16="http://schemas.microsoft.com/office/drawing/2014/main" id="{BC5D86A8-7A19-527B-4C32-C55796FE7FBC}"/>
+                <a16:creationId xmlns:a16="http://schemas.microsoft.com/office/drawing/2014/main" id="{E18B97AC-0E9D-C062-8A1C-05148F3A82CD}"/>
               </a:ext>
             </a:extLst>
           </p:cNvPr>
@@ -5721,7 +6427,7 @@
     </p:spTree>
     <p:extLst>
       <p:ext uri="{BB962C8B-B14F-4D97-AF65-F5344CB8AC3E}">
-        <p14:creationId xmlns:p14="http://schemas.microsoft.com/office/powerpoint/2010/main" val="734858332"/>
+        <p14:creationId xmlns:p14="http://schemas.microsoft.com/office/powerpoint/2010/main" val="3793748274"/>
       </p:ext>
     </p:extLst>
   </p:cSld>
@@ -5753,7 +6459,7 @@
           <p:cNvPr id="2" name="Nadpis 1">
             <a:extLst>
               <a:ext uri="{FF2B5EF4-FFF2-40B4-BE49-F238E27FC236}">
-                <a16:creationId xmlns:a16="http://schemas.microsoft.com/office/drawing/2014/main" id="{8B2DA134-CF08-48A3-FBBB-57FB095DC360}"/>
+                <a16:creationId xmlns:a16="http://schemas.microsoft.com/office/drawing/2014/main" id="{75696E2F-4445-D6F4-69C4-544A7FEDFED2}"/>
               </a:ext>
             </a:extLst>
           </p:cNvPr>
@@ -5778,7 +6484,7 @@
           <p:cNvPr id="3" name="Zástupný obsah 2">
             <a:extLst>
               <a:ext uri="{FF2B5EF4-FFF2-40B4-BE49-F238E27FC236}">
-                <a16:creationId xmlns:a16="http://schemas.microsoft.com/office/drawing/2014/main" id="{E7739911-8210-B9B5-491D-04F58F74D934}"/>
+                <a16:creationId xmlns:a16="http://schemas.microsoft.com/office/drawing/2014/main" id="{B7D5CCF3-49C2-D3AE-D80F-B269F03A1320}"/>
               </a:ext>
             </a:extLst>
           </p:cNvPr>
@@ -5801,7 +6507,7 @@
     </p:spTree>
     <p:extLst>
       <p:ext uri="{BB962C8B-B14F-4D97-AF65-F5344CB8AC3E}">
-        <p14:creationId xmlns:p14="http://schemas.microsoft.com/office/powerpoint/2010/main" val="720323700"/>
+        <p14:creationId xmlns:p14="http://schemas.microsoft.com/office/powerpoint/2010/main" val="1515943619"/>
       </p:ext>
     </p:extLst>
   </p:cSld>
@@ -5833,7 +6539,7 @@
           <p:cNvPr id="2" name="Nadpis 1">
             <a:extLst>
               <a:ext uri="{FF2B5EF4-FFF2-40B4-BE49-F238E27FC236}">
-                <a16:creationId xmlns:a16="http://schemas.microsoft.com/office/drawing/2014/main" id="{EA943DBD-8AA8-C441-CAAC-AE408D5B05F7}"/>
+                <a16:creationId xmlns:a16="http://schemas.microsoft.com/office/drawing/2014/main" id="{DA7CABE9-F6C3-1CCE-8E89-93AAE825E2AF}"/>
               </a:ext>
             </a:extLst>
           </p:cNvPr>
@@ -5858,7 +6564,7 @@
           <p:cNvPr id="3" name="Zástupný obsah 2">
             <a:extLst>
               <a:ext uri="{FF2B5EF4-FFF2-40B4-BE49-F238E27FC236}">
-                <a16:creationId xmlns:a16="http://schemas.microsoft.com/office/drawing/2014/main" id="{FF883635-2FC2-6251-40F3-D283E3EB1748}"/>
+                <a16:creationId xmlns:a16="http://schemas.microsoft.com/office/drawing/2014/main" id="{BC5D86A8-7A19-527B-4C32-C55796FE7FBC}"/>
               </a:ext>
             </a:extLst>
           </p:cNvPr>
@@ -5881,7 +6587,7 @@
     </p:spTree>
     <p:extLst>
       <p:ext uri="{BB962C8B-B14F-4D97-AF65-F5344CB8AC3E}">
-        <p14:creationId xmlns:p14="http://schemas.microsoft.com/office/powerpoint/2010/main" val="3972665055"/>
+        <p14:creationId xmlns:p14="http://schemas.microsoft.com/office/powerpoint/2010/main" val="734858332"/>
       </p:ext>
     </p:extLst>
   </p:cSld>
@@ -5974,7 +6680,7 @@
         </p:nvSpPr>
         <p:spPr>
           <a:xfrm>
-            <a:off x="824367" y="464880"/>
+            <a:off x="1011386" y="493220"/>
             <a:ext cx="3621024" cy="653093"/>
           </a:xfrm>
         </p:spPr>
@@ -5985,7 +6691,10 @@
           <a:lstStyle/>
           <a:p>
             <a:r>
-              <a:rPr lang="cs-CZ" dirty="0"/>
+              <a:rPr lang="cs-CZ" dirty="0">
+                <a:latin typeface="Arial" panose="020B0604020202020204" pitchFamily="34" charset="0"/>
+                <a:cs typeface="Arial" panose="020B0604020202020204" pitchFamily="34" charset="0"/>
+              </a:rPr>
               <a:t>Co to je?</a:t>
             </a:r>
           </a:p>
@@ -7143,13 +7852,13 @@
           <p:nvPr>
             <p:extLst>
               <p:ext uri="{D42A27DB-BD31-4B8C-83A1-F6EECF244321}">
-                <p14:modId xmlns:p14="http://schemas.microsoft.com/office/powerpoint/2010/main" val="3462725873"/>
+                <p14:modId xmlns:p14="http://schemas.microsoft.com/office/powerpoint/2010/main" val="3270686239"/>
               </p:ext>
             </p:extLst>
           </p:nvPr>
         </p:nvGraphicFramePr>
         <p:xfrm>
-          <a:off x="2682929" y="1990526"/>
+          <a:off x="2698427" y="1742553"/>
           <a:ext cx="8128000" cy="4704080"/>
         </p:xfrm>
         <a:graphic>
@@ -7196,7 +7905,10 @@
                     <a:p>
                       <a:pPr algn="ctr"/>
                       <a:r>
-                        <a:rPr lang="cs-CZ" u="sng" dirty="0"/>
+                        <a:rPr lang="cs-CZ" u="sng" dirty="0">
+                          <a:latin typeface="Arial" panose="020B0604020202020204" pitchFamily="34" charset="0"/>
+                          <a:cs typeface="Arial" panose="020B0604020202020204" pitchFamily="34" charset="0"/>
+                        </a:rPr>
                         <a:t>Standard</a:t>
                       </a:r>
                     </a:p>
@@ -7210,14 +7922,20 @@
                     <a:p>
                       <a:pPr algn="ctr"/>
                       <a:r>
-                        <a:rPr lang="cs-CZ" u="sng" dirty="0"/>
+                        <a:rPr lang="cs-CZ" u="sng" dirty="0">
+                          <a:latin typeface="Arial" panose="020B0604020202020204" pitchFamily="34" charset="0"/>
+                          <a:cs typeface="Arial" panose="020B0604020202020204" pitchFamily="34" charset="0"/>
+                        </a:rPr>
                         <a:t>Rok </a:t>
                       </a:r>
                     </a:p>
                     <a:p>
                       <a:pPr algn="ctr"/>
                       <a:r>
-                        <a:rPr lang="cs-CZ" u="sng" dirty="0"/>
+                        <a:rPr lang="cs-CZ" u="sng" dirty="0">
+                          <a:latin typeface="Arial" panose="020B0604020202020204" pitchFamily="34" charset="0"/>
+                          <a:cs typeface="Arial" panose="020B0604020202020204" pitchFamily="34" charset="0"/>
+                        </a:rPr>
                         <a:t>vydání</a:t>
                       </a:r>
                     </a:p>
@@ -7231,7 +7949,10 @@
                     <a:p>
                       <a:pPr algn="ctr"/>
                       <a:r>
-                        <a:rPr lang="cs-CZ" u="sng" dirty="0"/>
+                        <a:rPr lang="cs-CZ" u="sng" dirty="0">
+                          <a:latin typeface="Arial" panose="020B0604020202020204" pitchFamily="34" charset="0"/>
+                          <a:cs typeface="Arial" panose="020B0604020202020204" pitchFamily="34" charset="0"/>
+                        </a:rPr>
                         <a:t>Pásmo</a:t>
                       </a:r>
                     </a:p>
@@ -7245,14 +7966,23 @@
                     <a:p>
                       <a:pPr algn="ctr"/>
                       <a:r>
-                        <a:rPr lang="cs-CZ" u="sng" dirty="0"/>
+                        <a:rPr lang="cs-CZ" u="sng" dirty="0">
+                          <a:latin typeface="Arial" panose="020B0604020202020204" pitchFamily="34" charset="0"/>
+                          <a:cs typeface="Arial" panose="020B0604020202020204" pitchFamily="34" charset="0"/>
+                        </a:rPr>
                         <a:t>Maximální</a:t>
                       </a:r>
                       <a:r>
-                        <a:rPr lang="cs-CZ" u="sng" baseline="0" dirty="0"/>
+                        <a:rPr lang="cs-CZ" u="sng" baseline="0" dirty="0">
+                          <a:latin typeface="Arial" panose="020B0604020202020204" pitchFamily="34" charset="0"/>
+                          <a:cs typeface="Arial" panose="020B0604020202020204" pitchFamily="34" charset="0"/>
+                        </a:rPr>
                         <a:t> rychlost</a:t>
                       </a:r>
-                      <a:endParaRPr lang="cs-CZ" u="sng" dirty="0"/>
+                      <a:endParaRPr lang="cs-CZ" u="sng" dirty="0">
+                        <a:latin typeface="Arial" panose="020B0604020202020204" pitchFamily="34" charset="0"/>
+                        <a:cs typeface="Arial" panose="020B0604020202020204" pitchFamily="34" charset="0"/>
+                      </a:endParaRPr>
                     </a:p>
                   </a:txBody>
                   <a:tcPr/>
@@ -7276,13 +8006,16 @@
                             <a:schemeClr val="tx1"/>
                           </a:solidFill>
                           <a:effectLst/>
-                          <a:latin typeface="+mn-lt"/>
+                          <a:latin typeface="Arial" panose="020B0604020202020204" pitchFamily="34" charset="0"/>
                           <a:ea typeface="+mn-ea"/>
-                          <a:cs typeface="+mn-cs"/>
+                          <a:cs typeface="Arial" panose="020B0604020202020204" pitchFamily="34" charset="0"/>
                         </a:rPr>
                         <a:t>IEEE 802.11</a:t>
                       </a:r>
-                      <a:endParaRPr lang="cs-CZ" dirty="0"/>
+                      <a:endParaRPr lang="cs-CZ" dirty="0">
+                        <a:latin typeface="Arial" panose="020B0604020202020204" pitchFamily="34" charset="0"/>
+                        <a:cs typeface="Arial" panose="020B0604020202020204" pitchFamily="34" charset="0"/>
+                      </a:endParaRPr>
                     </a:p>
                   </a:txBody>
                   <a:tcPr/>
@@ -7299,13 +8032,16 @@
                             <a:schemeClr val="tx1"/>
                           </a:solidFill>
                           <a:effectLst/>
-                          <a:latin typeface="+mn-lt"/>
+                          <a:latin typeface="Arial" panose="020B0604020202020204" pitchFamily="34" charset="0"/>
                           <a:ea typeface="+mn-ea"/>
-                          <a:cs typeface="+mn-cs"/>
+                          <a:cs typeface="Arial" panose="020B0604020202020204" pitchFamily="34" charset="0"/>
                         </a:rPr>
                         <a:t>1997</a:t>
                       </a:r>
-                      <a:endParaRPr lang="cs-CZ" dirty="0"/>
+                      <a:endParaRPr lang="cs-CZ" dirty="0">
+                        <a:latin typeface="Arial" panose="020B0604020202020204" pitchFamily="34" charset="0"/>
+                        <a:cs typeface="Arial" panose="020B0604020202020204" pitchFamily="34" charset="0"/>
+                      </a:endParaRPr>
                     </a:p>
                   </a:txBody>
                   <a:tcPr/>
@@ -7322,13 +8058,16 @@
                             <a:schemeClr val="tx1"/>
                           </a:solidFill>
                           <a:effectLst/>
-                          <a:latin typeface="+mn-lt"/>
+                          <a:latin typeface="Arial" panose="020B0604020202020204" pitchFamily="34" charset="0"/>
                           <a:ea typeface="+mn-ea"/>
-                          <a:cs typeface="+mn-cs"/>
+                          <a:cs typeface="Arial" panose="020B0604020202020204" pitchFamily="34" charset="0"/>
                         </a:rPr>
                         <a:t>2,4GHz</a:t>
                       </a:r>
-                      <a:endParaRPr lang="cs-CZ" dirty="0"/>
+                      <a:endParaRPr lang="cs-CZ" dirty="0">
+                        <a:latin typeface="Arial" panose="020B0604020202020204" pitchFamily="34" charset="0"/>
+                        <a:cs typeface="Arial" panose="020B0604020202020204" pitchFamily="34" charset="0"/>
+                      </a:endParaRPr>
                     </a:p>
                   </a:txBody>
                   <a:tcPr/>
@@ -7340,8 +8079,11 @@
                     <a:p>
                       <a:pPr algn="ctr"/>
                       <a:r>
-                        <a:rPr lang="cs-CZ" dirty="0"/>
-                        <a:t>2</a:t>
+                        <a:rPr lang="cs-CZ" dirty="0">
+                          <a:latin typeface="Arial" panose="020B0604020202020204" pitchFamily="34" charset="0"/>
+                          <a:cs typeface="Arial" panose="020B0604020202020204" pitchFamily="34" charset="0"/>
+                        </a:rPr>
+                        <a:t>2Mb/s</a:t>
                       </a:r>
                     </a:p>
                   </a:txBody>
@@ -7363,6 +8105,8 @@
                       <a:r>
                         <a:rPr lang="cs-CZ" dirty="0">
                           <a:effectLst/>
+                          <a:latin typeface="Arial" panose="020B0604020202020204" pitchFamily="34" charset="0"/>
+                          <a:cs typeface="Arial" panose="020B0604020202020204" pitchFamily="34" charset="0"/>
                         </a:rPr>
                         <a:t>IEEE 802.11b</a:t>
                       </a:r>
@@ -7382,13 +8126,16 @@
                             <a:schemeClr val="tx1"/>
                           </a:solidFill>
                           <a:effectLst/>
-                          <a:latin typeface="+mn-lt"/>
+                          <a:latin typeface="Arial" panose="020B0604020202020204" pitchFamily="34" charset="0"/>
                           <a:ea typeface="+mn-ea"/>
-                          <a:cs typeface="+mn-cs"/>
+                          <a:cs typeface="Arial" panose="020B0604020202020204" pitchFamily="34" charset="0"/>
                         </a:rPr>
                         <a:t>1999</a:t>
                       </a:r>
-                      <a:endParaRPr lang="cs-CZ" dirty="0"/>
+                      <a:endParaRPr lang="cs-CZ" dirty="0">
+                        <a:latin typeface="Arial" panose="020B0604020202020204" pitchFamily="34" charset="0"/>
+                        <a:cs typeface="Arial" panose="020B0604020202020204" pitchFamily="34" charset="0"/>
+                      </a:endParaRPr>
                     </a:p>
                   </a:txBody>
                   <a:tcPr/>
@@ -7405,13 +8152,16 @@
                             <a:schemeClr val="tx1"/>
                           </a:solidFill>
                           <a:effectLst/>
-                          <a:latin typeface="+mn-lt"/>
+                          <a:latin typeface="Arial" panose="020B0604020202020204" pitchFamily="34" charset="0"/>
                           <a:ea typeface="+mn-ea"/>
-                          <a:cs typeface="+mn-cs"/>
+                          <a:cs typeface="Arial" panose="020B0604020202020204" pitchFamily="34" charset="0"/>
                         </a:rPr>
                         <a:t>2,4GHz</a:t>
                       </a:r>
-                      <a:endParaRPr lang="cs-CZ" dirty="0"/>
+                      <a:endParaRPr lang="cs-CZ" dirty="0">
+                        <a:latin typeface="Arial" panose="020B0604020202020204" pitchFamily="34" charset="0"/>
+                        <a:cs typeface="Arial" panose="020B0604020202020204" pitchFamily="34" charset="0"/>
+                      </a:endParaRPr>
                     </a:p>
                   </a:txBody>
                   <a:tcPr/>
@@ -7423,8 +8173,11 @@
                     <a:p>
                       <a:pPr algn="ctr"/>
                       <a:r>
-                        <a:rPr lang="cs-CZ" dirty="0"/>
-                        <a:t>11</a:t>
+                        <a:rPr lang="cs-CZ" dirty="0">
+                          <a:latin typeface="Arial" panose="020B0604020202020204" pitchFamily="34" charset="0"/>
+                          <a:cs typeface="Arial" panose="020B0604020202020204" pitchFamily="34" charset="0"/>
+                        </a:rPr>
+                        <a:t>11Mb/s</a:t>
                       </a:r>
                     </a:p>
                   </a:txBody>
@@ -7449,13 +8202,16 @@
                             <a:schemeClr val="tx1"/>
                           </a:solidFill>
                           <a:effectLst/>
-                          <a:latin typeface="+mn-lt"/>
+                          <a:latin typeface="Arial" panose="020B0604020202020204" pitchFamily="34" charset="0"/>
                           <a:ea typeface="+mn-ea"/>
-                          <a:cs typeface="+mn-cs"/>
+                          <a:cs typeface="Arial" panose="020B0604020202020204" pitchFamily="34" charset="0"/>
                         </a:rPr>
                         <a:t>IEEE 802.11a</a:t>
                       </a:r>
-                      <a:endParaRPr lang="cs-CZ" dirty="0"/>
+                      <a:endParaRPr lang="cs-CZ" dirty="0">
+                        <a:latin typeface="Arial" panose="020B0604020202020204" pitchFamily="34" charset="0"/>
+                        <a:cs typeface="Arial" panose="020B0604020202020204" pitchFamily="34" charset="0"/>
+                      </a:endParaRPr>
                     </a:p>
                   </a:txBody>
                   <a:tcPr/>
@@ -7472,13 +8228,16 @@
                             <a:schemeClr val="tx1"/>
                           </a:solidFill>
                           <a:effectLst/>
-                          <a:latin typeface="+mn-lt"/>
+                          <a:latin typeface="Arial" panose="020B0604020202020204" pitchFamily="34" charset="0"/>
                           <a:ea typeface="+mn-ea"/>
-                          <a:cs typeface="+mn-cs"/>
+                          <a:cs typeface="Arial" panose="020B0604020202020204" pitchFamily="34" charset="0"/>
                         </a:rPr>
                         <a:t>1999</a:t>
                       </a:r>
-                      <a:endParaRPr lang="cs-CZ" dirty="0"/>
+                      <a:endParaRPr lang="cs-CZ" dirty="0">
+                        <a:latin typeface="Arial" panose="020B0604020202020204" pitchFamily="34" charset="0"/>
+                        <a:cs typeface="Arial" panose="020B0604020202020204" pitchFamily="34" charset="0"/>
+                      </a:endParaRPr>
                     </a:p>
                   </a:txBody>
                   <a:tcPr/>
@@ -7495,13 +8254,16 @@
                             <a:schemeClr val="tx1"/>
                           </a:solidFill>
                           <a:effectLst/>
-                          <a:latin typeface="+mn-lt"/>
+                          <a:latin typeface="Arial" panose="020B0604020202020204" pitchFamily="34" charset="0"/>
                           <a:ea typeface="+mn-ea"/>
-                          <a:cs typeface="+mn-cs"/>
+                          <a:cs typeface="Arial" panose="020B0604020202020204" pitchFamily="34" charset="0"/>
                         </a:rPr>
                         <a:t>5GHz</a:t>
                       </a:r>
-                      <a:endParaRPr lang="cs-CZ" dirty="0"/>
+                      <a:endParaRPr lang="cs-CZ" dirty="0">
+                        <a:latin typeface="Arial" panose="020B0604020202020204" pitchFamily="34" charset="0"/>
+                        <a:cs typeface="Arial" panose="020B0604020202020204" pitchFamily="34" charset="0"/>
+                      </a:endParaRPr>
                     </a:p>
                   </a:txBody>
                   <a:tcPr/>
@@ -7513,8 +8275,11 @@
                     <a:p>
                       <a:pPr algn="ctr"/>
                       <a:r>
-                        <a:rPr lang="cs-CZ" dirty="0"/>
-                        <a:t>54</a:t>
+                        <a:rPr lang="cs-CZ" dirty="0">
+                          <a:latin typeface="Arial" panose="020B0604020202020204" pitchFamily="34" charset="0"/>
+                          <a:cs typeface="Arial" panose="020B0604020202020204" pitchFamily="34" charset="0"/>
+                        </a:rPr>
+                        <a:t>54Mb/s</a:t>
                       </a:r>
                     </a:p>
                   </a:txBody>
@@ -7539,13 +8304,16 @@
                             <a:schemeClr val="tx1"/>
                           </a:solidFill>
                           <a:effectLst/>
-                          <a:latin typeface="+mn-lt"/>
+                          <a:latin typeface="Arial" panose="020B0604020202020204" pitchFamily="34" charset="0"/>
                           <a:ea typeface="+mn-ea"/>
-                          <a:cs typeface="+mn-cs"/>
+                          <a:cs typeface="Arial" panose="020B0604020202020204" pitchFamily="34" charset="0"/>
                         </a:rPr>
                         <a:t>IEEE 802.11g</a:t>
                       </a:r>
-                      <a:endParaRPr lang="cs-CZ" dirty="0"/>
+                      <a:endParaRPr lang="cs-CZ" dirty="0">
+                        <a:latin typeface="Arial" panose="020B0604020202020204" pitchFamily="34" charset="0"/>
+                        <a:cs typeface="Arial" panose="020B0604020202020204" pitchFamily="34" charset="0"/>
+                      </a:endParaRPr>
                     </a:p>
                   </a:txBody>
                   <a:tcPr/>
@@ -7562,13 +8330,16 @@
                             <a:schemeClr val="tx1"/>
                           </a:solidFill>
                           <a:effectLst/>
-                          <a:latin typeface="+mn-lt"/>
+                          <a:latin typeface="Arial" panose="020B0604020202020204" pitchFamily="34" charset="0"/>
                           <a:ea typeface="+mn-ea"/>
-                          <a:cs typeface="+mn-cs"/>
+                          <a:cs typeface="Arial" panose="020B0604020202020204" pitchFamily="34" charset="0"/>
                         </a:rPr>
                         <a:t>2003</a:t>
                       </a:r>
-                      <a:endParaRPr lang="cs-CZ" dirty="0"/>
+                      <a:endParaRPr lang="cs-CZ" dirty="0">
+                        <a:latin typeface="Arial" panose="020B0604020202020204" pitchFamily="34" charset="0"/>
+                        <a:cs typeface="Arial" panose="020B0604020202020204" pitchFamily="34" charset="0"/>
+                      </a:endParaRPr>
                     </a:p>
                   </a:txBody>
                   <a:tcPr/>
@@ -7585,13 +8356,16 @@
                             <a:schemeClr val="tx1"/>
                           </a:solidFill>
                           <a:effectLst/>
-                          <a:latin typeface="+mn-lt"/>
+                          <a:latin typeface="Arial" panose="020B0604020202020204" pitchFamily="34" charset="0"/>
                           <a:ea typeface="+mn-ea"/>
-                          <a:cs typeface="+mn-cs"/>
+                          <a:cs typeface="Arial" panose="020B0604020202020204" pitchFamily="34" charset="0"/>
                         </a:rPr>
                         <a:t>2,4GHz</a:t>
                       </a:r>
-                      <a:endParaRPr lang="cs-CZ" dirty="0"/>
+                      <a:endParaRPr lang="cs-CZ" dirty="0">
+                        <a:latin typeface="Arial" panose="020B0604020202020204" pitchFamily="34" charset="0"/>
+                        <a:cs typeface="Arial" panose="020B0604020202020204" pitchFamily="34" charset="0"/>
+                      </a:endParaRPr>
                     </a:p>
                   </a:txBody>
                   <a:tcPr/>
@@ -7603,8 +8377,11 @@
                     <a:p>
                       <a:pPr algn="ctr"/>
                       <a:r>
-                        <a:rPr lang="cs-CZ" dirty="0"/>
-                        <a:t>54</a:t>
+                        <a:rPr lang="cs-CZ" dirty="0">
+                          <a:latin typeface="Arial" panose="020B0604020202020204" pitchFamily="34" charset="0"/>
+                          <a:cs typeface="Arial" panose="020B0604020202020204" pitchFamily="34" charset="0"/>
+                        </a:rPr>
+                        <a:t>54Mb/s</a:t>
                       </a:r>
                     </a:p>
                   </a:txBody>
@@ -7629,13 +8406,16 @@
                             <a:schemeClr val="tx1"/>
                           </a:solidFill>
                           <a:effectLst/>
-                          <a:latin typeface="+mn-lt"/>
+                          <a:latin typeface="Arial" panose="020B0604020202020204" pitchFamily="34" charset="0"/>
                           <a:ea typeface="+mn-ea"/>
-                          <a:cs typeface="+mn-cs"/>
+                          <a:cs typeface="Arial" panose="020B0604020202020204" pitchFamily="34" charset="0"/>
                         </a:rPr>
                         <a:t>IEEE 802.11n</a:t>
                       </a:r>
-                      <a:endParaRPr lang="cs-CZ" dirty="0"/>
+                      <a:endParaRPr lang="cs-CZ" dirty="0">
+                        <a:latin typeface="Arial" panose="020B0604020202020204" pitchFamily="34" charset="0"/>
+                        <a:cs typeface="Arial" panose="020B0604020202020204" pitchFamily="34" charset="0"/>
+                      </a:endParaRPr>
                     </a:p>
                   </a:txBody>
                   <a:tcPr/>
@@ -7652,13 +8432,16 @@
                             <a:schemeClr val="tx1"/>
                           </a:solidFill>
                           <a:effectLst/>
-                          <a:latin typeface="+mn-lt"/>
+                          <a:latin typeface="Arial" panose="020B0604020202020204" pitchFamily="34" charset="0"/>
                           <a:ea typeface="+mn-ea"/>
-                          <a:cs typeface="+mn-cs"/>
+                          <a:cs typeface="Arial" panose="020B0604020202020204" pitchFamily="34" charset="0"/>
                         </a:rPr>
                         <a:t>2009</a:t>
                       </a:r>
-                      <a:endParaRPr lang="cs-CZ" dirty="0"/>
+                      <a:endParaRPr lang="cs-CZ" dirty="0">
+                        <a:latin typeface="Arial" panose="020B0604020202020204" pitchFamily="34" charset="0"/>
+                        <a:cs typeface="Arial" panose="020B0604020202020204" pitchFamily="34" charset="0"/>
+                      </a:endParaRPr>
                     </a:p>
                   </a:txBody>
                   <a:tcPr/>
@@ -7670,7 +8453,10 @@
                     <a:p>
                       <a:pPr algn="ctr"/>
                       <a:r>
-                        <a:rPr lang="cs-CZ" dirty="0"/>
+                        <a:rPr lang="cs-CZ" dirty="0">
+                          <a:latin typeface="Arial" panose="020B0604020202020204" pitchFamily="34" charset="0"/>
+                          <a:cs typeface="Arial" panose="020B0604020202020204" pitchFamily="34" charset="0"/>
+                        </a:rPr>
                         <a:t>2,4/5</a:t>
                       </a:r>
                       <a:r>
@@ -7679,13 +8465,16 @@
                             <a:schemeClr val="tx1"/>
                           </a:solidFill>
                           <a:effectLst/>
-                          <a:latin typeface="+mn-lt"/>
+                          <a:latin typeface="Arial" panose="020B0604020202020204" pitchFamily="34" charset="0"/>
                           <a:ea typeface="+mn-ea"/>
-                          <a:cs typeface="+mn-cs"/>
+                          <a:cs typeface="Arial" panose="020B0604020202020204" pitchFamily="34" charset="0"/>
                         </a:rPr>
                         <a:t>GHz</a:t>
                       </a:r>
-                      <a:endParaRPr lang="cs-CZ" dirty="0"/>
+                      <a:endParaRPr lang="cs-CZ" dirty="0">
+                        <a:latin typeface="Arial" panose="020B0604020202020204" pitchFamily="34" charset="0"/>
+                        <a:cs typeface="Arial" panose="020B0604020202020204" pitchFamily="34" charset="0"/>
+                      </a:endParaRPr>
                     </a:p>
                   </a:txBody>
                   <a:tcPr/>
@@ -7697,8 +8486,11 @@
                     <a:p>
                       <a:pPr algn="ctr"/>
                       <a:r>
-                        <a:rPr lang="cs-CZ" dirty="0"/>
-                        <a:t>600</a:t>
+                        <a:rPr lang="cs-CZ" dirty="0">
+                          <a:latin typeface="Arial" panose="020B0604020202020204" pitchFamily="34" charset="0"/>
+                          <a:cs typeface="Arial" panose="020B0604020202020204" pitchFamily="34" charset="0"/>
+                        </a:rPr>
+                        <a:t>600Mb/s</a:t>
                       </a:r>
                     </a:p>
                   </a:txBody>
@@ -7723,13 +8515,16 @@
                             <a:schemeClr val="tx1"/>
                           </a:solidFill>
                           <a:effectLst/>
-                          <a:latin typeface="+mn-lt"/>
+                          <a:latin typeface="Arial" panose="020B0604020202020204" pitchFamily="34" charset="0"/>
                           <a:ea typeface="+mn-ea"/>
-                          <a:cs typeface="+mn-cs"/>
+                          <a:cs typeface="Arial" panose="020B0604020202020204" pitchFamily="34" charset="0"/>
                         </a:rPr>
                         <a:t>IEEE 802.11y</a:t>
                       </a:r>
-                      <a:endParaRPr lang="cs-CZ" dirty="0"/>
+                      <a:endParaRPr lang="cs-CZ" dirty="0">
+                        <a:latin typeface="Arial" panose="020B0604020202020204" pitchFamily="34" charset="0"/>
+                        <a:cs typeface="Arial" panose="020B0604020202020204" pitchFamily="34" charset="0"/>
+                      </a:endParaRPr>
                     </a:p>
                   </a:txBody>
                   <a:tcPr/>
@@ -7746,13 +8541,16 @@
                             <a:schemeClr val="tx1"/>
                           </a:solidFill>
                           <a:effectLst/>
-                          <a:latin typeface="+mn-lt"/>
+                          <a:latin typeface="Arial" panose="020B0604020202020204" pitchFamily="34" charset="0"/>
                           <a:ea typeface="+mn-ea"/>
-                          <a:cs typeface="+mn-cs"/>
+                          <a:cs typeface="Arial" panose="020B0604020202020204" pitchFamily="34" charset="0"/>
                         </a:rPr>
                         <a:t>2008</a:t>
                       </a:r>
-                      <a:endParaRPr lang="cs-CZ" dirty="0"/>
+                      <a:endParaRPr lang="cs-CZ" dirty="0">
+                        <a:latin typeface="Arial" panose="020B0604020202020204" pitchFamily="34" charset="0"/>
+                        <a:cs typeface="Arial" panose="020B0604020202020204" pitchFamily="34" charset="0"/>
+                      </a:endParaRPr>
                     </a:p>
                   </a:txBody>
                   <a:tcPr/>
@@ -7764,7 +8562,10 @@
                     <a:p>
                       <a:pPr algn="ctr"/>
                       <a:r>
-                        <a:rPr lang="cs-CZ" dirty="0"/>
+                        <a:rPr lang="cs-CZ" dirty="0">
+                          <a:latin typeface="Arial" panose="020B0604020202020204" pitchFamily="34" charset="0"/>
+                          <a:cs typeface="Arial" panose="020B0604020202020204" pitchFamily="34" charset="0"/>
+                        </a:rPr>
                         <a:t>3,7</a:t>
                       </a:r>
                       <a:r>
@@ -7773,13 +8574,16 @@
                             <a:schemeClr val="tx1"/>
                           </a:solidFill>
                           <a:effectLst/>
-                          <a:latin typeface="+mn-lt"/>
+                          <a:latin typeface="Arial" panose="020B0604020202020204" pitchFamily="34" charset="0"/>
                           <a:ea typeface="+mn-ea"/>
-                          <a:cs typeface="+mn-cs"/>
+                          <a:cs typeface="Arial" panose="020B0604020202020204" pitchFamily="34" charset="0"/>
                         </a:rPr>
                         <a:t>GHz</a:t>
                       </a:r>
-                      <a:endParaRPr lang="cs-CZ" dirty="0"/>
+                      <a:endParaRPr lang="cs-CZ" dirty="0">
+                        <a:latin typeface="Arial" panose="020B0604020202020204" pitchFamily="34" charset="0"/>
+                        <a:cs typeface="Arial" panose="020B0604020202020204" pitchFamily="34" charset="0"/>
+                      </a:endParaRPr>
                     </a:p>
                   </a:txBody>
                   <a:tcPr/>
@@ -7791,8 +8595,11 @@
                     <a:p>
                       <a:pPr algn="ctr"/>
                       <a:r>
-                        <a:rPr lang="cs-CZ" dirty="0"/>
-                        <a:t>54</a:t>
+                        <a:rPr lang="cs-CZ" dirty="0">
+                          <a:latin typeface="Arial" panose="020B0604020202020204" pitchFamily="34" charset="0"/>
+                          <a:cs typeface="Arial" panose="020B0604020202020204" pitchFamily="34" charset="0"/>
+                        </a:rPr>
+                        <a:t>54Mb/s</a:t>
                       </a:r>
                     </a:p>
                   </a:txBody>
@@ -7817,9 +8624,9 @@
                             <a:schemeClr val="tx1"/>
                           </a:solidFill>
                           <a:effectLst/>
-                          <a:latin typeface="+mn-lt"/>
+                          <a:latin typeface="Arial" panose="020B0604020202020204" pitchFamily="34" charset="0"/>
                           <a:ea typeface="+mn-ea"/>
-                          <a:cs typeface="+mn-cs"/>
+                          <a:cs typeface="Arial" panose="020B0604020202020204" pitchFamily="34" charset="0"/>
                         </a:rPr>
                         <a:t>IEEE 802.11ac</a:t>
                       </a:r>
@@ -7827,6 +8634,8 @@
                         <a:solidFill>
                           <a:schemeClr val="tx1"/>
                         </a:solidFill>
+                        <a:latin typeface="Arial" panose="020B0604020202020204" pitchFamily="34" charset="0"/>
+                        <a:cs typeface="Arial" panose="020B0604020202020204" pitchFamily="34" charset="0"/>
                       </a:endParaRPr>
                     </a:p>
                   </a:txBody>
@@ -7844,13 +8653,16 @@
                             <a:schemeClr val="tx1"/>
                           </a:solidFill>
                           <a:effectLst/>
-                          <a:latin typeface="+mn-lt"/>
+                          <a:latin typeface="Arial" panose="020B0604020202020204" pitchFamily="34" charset="0"/>
                           <a:ea typeface="+mn-ea"/>
-                          <a:cs typeface="+mn-cs"/>
+                          <a:cs typeface="Arial" panose="020B0604020202020204" pitchFamily="34" charset="0"/>
                         </a:rPr>
                         <a:t>2013</a:t>
                       </a:r>
-                      <a:endParaRPr lang="cs-CZ" dirty="0"/>
+                      <a:endParaRPr lang="cs-CZ" dirty="0">
+                        <a:latin typeface="Arial" panose="020B0604020202020204" pitchFamily="34" charset="0"/>
+                        <a:cs typeface="Arial" panose="020B0604020202020204" pitchFamily="34" charset="0"/>
+                      </a:endParaRPr>
                     </a:p>
                   </a:txBody>
                   <a:tcPr/>
@@ -7867,13 +8679,16 @@
                             <a:schemeClr val="tx1"/>
                           </a:solidFill>
                           <a:effectLst/>
-                          <a:latin typeface="+mn-lt"/>
+                          <a:latin typeface="Arial" panose="020B0604020202020204" pitchFamily="34" charset="0"/>
                           <a:ea typeface="+mn-ea"/>
-                          <a:cs typeface="+mn-cs"/>
+                          <a:cs typeface="Arial" panose="020B0604020202020204" pitchFamily="34" charset="0"/>
                         </a:rPr>
                         <a:t>5GHz</a:t>
                       </a:r>
-                      <a:endParaRPr lang="cs-CZ" dirty="0"/>
+                      <a:endParaRPr lang="cs-CZ" dirty="0">
+                        <a:latin typeface="Arial" panose="020B0604020202020204" pitchFamily="34" charset="0"/>
+                        <a:cs typeface="Arial" panose="020B0604020202020204" pitchFamily="34" charset="0"/>
+                      </a:endParaRPr>
                     </a:p>
                   </a:txBody>
                   <a:tcPr/>
@@ -7885,8 +8700,11 @@
                     <a:p>
                       <a:pPr algn="ctr"/>
                       <a:r>
-                        <a:rPr lang="cs-CZ" dirty="0"/>
-                        <a:t>6928</a:t>
+                        <a:rPr lang="cs-CZ" dirty="0">
+                          <a:latin typeface="Arial" panose="020B0604020202020204" pitchFamily="34" charset="0"/>
+                          <a:cs typeface="Arial" panose="020B0604020202020204" pitchFamily="34" charset="0"/>
+                        </a:rPr>
+                        <a:t>6928Mb/s</a:t>
                       </a:r>
                     </a:p>
                   </a:txBody>
@@ -7911,13 +8729,16 @@
                             <a:schemeClr val="tx1"/>
                           </a:solidFill>
                           <a:effectLst/>
-                          <a:latin typeface="+mn-lt"/>
+                          <a:latin typeface="Arial" panose="020B0604020202020204" pitchFamily="34" charset="0"/>
                           <a:ea typeface="+mn-ea"/>
-                          <a:cs typeface="+mn-cs"/>
+                          <a:cs typeface="Arial" panose="020B0604020202020204" pitchFamily="34" charset="0"/>
                         </a:rPr>
                         <a:t>IEEE 802.11ad</a:t>
                       </a:r>
-                      <a:endParaRPr lang="cs-CZ" u="none" dirty="0"/>
+                      <a:endParaRPr lang="cs-CZ" u="none" dirty="0">
+                        <a:latin typeface="Arial" panose="020B0604020202020204" pitchFamily="34" charset="0"/>
+                        <a:cs typeface="Arial" panose="020B0604020202020204" pitchFamily="34" charset="0"/>
+                      </a:endParaRPr>
                     </a:p>
                   </a:txBody>
                   <a:tcPr/>
@@ -7931,6 +8752,8 @@
                       <a:r>
                         <a:rPr lang="cs-CZ" dirty="0">
                           <a:effectLst/>
+                          <a:latin typeface="Arial" panose="020B0604020202020204" pitchFamily="34" charset="0"/>
+                          <a:cs typeface="Arial" panose="020B0604020202020204" pitchFamily="34" charset="0"/>
                         </a:rPr>
                         <a:t>2012</a:t>
                       </a:r>
@@ -7945,7 +8768,10 @@
                     <a:p>
                       <a:pPr algn="ctr"/>
                       <a:r>
-                        <a:rPr lang="cs-CZ" dirty="0"/>
+                        <a:rPr lang="cs-CZ" dirty="0">
+                          <a:latin typeface="Arial" panose="020B0604020202020204" pitchFamily="34" charset="0"/>
+                          <a:cs typeface="Arial" panose="020B0604020202020204" pitchFamily="34" charset="0"/>
+                        </a:rPr>
                         <a:t>60</a:t>
                       </a:r>
                       <a:r>
@@ -7954,13 +8780,16 @@
                             <a:schemeClr val="tx1"/>
                           </a:solidFill>
                           <a:effectLst/>
-                          <a:latin typeface="+mn-lt"/>
+                          <a:latin typeface="Arial" panose="020B0604020202020204" pitchFamily="34" charset="0"/>
                           <a:ea typeface="+mn-ea"/>
-                          <a:cs typeface="+mn-cs"/>
+                          <a:cs typeface="Arial" panose="020B0604020202020204" pitchFamily="34" charset="0"/>
                         </a:rPr>
                         <a:t>GHz</a:t>
                       </a:r>
-                      <a:endParaRPr lang="cs-CZ" dirty="0"/>
+                      <a:endParaRPr lang="cs-CZ" dirty="0">
+                        <a:latin typeface="Arial" panose="020B0604020202020204" pitchFamily="34" charset="0"/>
+                        <a:cs typeface="Arial" panose="020B0604020202020204" pitchFamily="34" charset="0"/>
+                      </a:endParaRPr>
                     </a:p>
                   </a:txBody>
                   <a:tcPr/>
@@ -7972,8 +8801,11 @@
                     <a:p>
                       <a:pPr algn="ctr"/>
                       <a:r>
-                        <a:rPr lang="cs-CZ" dirty="0"/>
-                        <a:t>6757</a:t>
+                        <a:rPr lang="cs-CZ" dirty="0">
+                          <a:latin typeface="Arial" panose="020B0604020202020204" pitchFamily="34" charset="0"/>
+                          <a:cs typeface="Arial" panose="020B0604020202020204" pitchFamily="34" charset="0"/>
+                        </a:rPr>
+                        <a:t>6757Mb/s</a:t>
                       </a:r>
                     </a:p>
                   </a:txBody>
@@ -7998,13 +8830,16 @@
                             <a:schemeClr val="tx1"/>
                           </a:solidFill>
                           <a:effectLst/>
-                          <a:latin typeface="+mn-lt"/>
+                          <a:latin typeface="Arial" panose="020B0604020202020204" pitchFamily="34" charset="0"/>
                           <a:ea typeface="+mn-ea"/>
-                          <a:cs typeface="+mn-cs"/>
+                          <a:cs typeface="Arial" panose="020B0604020202020204" pitchFamily="34" charset="0"/>
                         </a:rPr>
                         <a:t>IEEE 802.11ax</a:t>
                       </a:r>
-                      <a:endParaRPr lang="cs-CZ" dirty="0"/>
+                      <a:endParaRPr lang="cs-CZ" dirty="0">
+                        <a:latin typeface="Arial" panose="020B0604020202020204" pitchFamily="34" charset="0"/>
+                        <a:cs typeface="Arial" panose="020B0604020202020204" pitchFamily="34" charset="0"/>
+                      </a:endParaRPr>
                     </a:p>
                   </a:txBody>
                   <a:tcPr/>
@@ -8021,13 +8856,16 @@
                             <a:schemeClr val="tx1"/>
                           </a:solidFill>
                           <a:effectLst/>
-                          <a:latin typeface="+mn-lt"/>
+                          <a:latin typeface="Arial" panose="020B0604020202020204" pitchFamily="34" charset="0"/>
                           <a:ea typeface="+mn-ea"/>
-                          <a:cs typeface="+mn-cs"/>
+                          <a:cs typeface="Arial" panose="020B0604020202020204" pitchFamily="34" charset="0"/>
                         </a:rPr>
                         <a:t>2019</a:t>
                       </a:r>
-                      <a:endParaRPr lang="cs-CZ" dirty="0"/>
+                      <a:endParaRPr lang="cs-CZ" dirty="0">
+                        <a:latin typeface="Arial" panose="020B0604020202020204" pitchFamily="34" charset="0"/>
+                        <a:cs typeface="Arial" panose="020B0604020202020204" pitchFamily="34" charset="0"/>
+                      </a:endParaRPr>
                     </a:p>
                   </a:txBody>
                   <a:tcPr/>
@@ -8044,13 +8882,16 @@
                             <a:schemeClr val="tx1"/>
                           </a:solidFill>
                           <a:effectLst/>
-                          <a:latin typeface="+mn-lt"/>
+                          <a:latin typeface="Arial" panose="020B0604020202020204" pitchFamily="34" charset="0"/>
                           <a:ea typeface="+mn-ea"/>
-                          <a:cs typeface="+mn-cs"/>
+                          <a:cs typeface="Arial" panose="020B0604020202020204" pitchFamily="34" charset="0"/>
                         </a:rPr>
                         <a:t>2,4/5GHz</a:t>
                       </a:r>
-                      <a:endParaRPr lang="cs-CZ" dirty="0"/>
+                      <a:endParaRPr lang="cs-CZ" dirty="0">
+                        <a:latin typeface="Arial" panose="020B0604020202020204" pitchFamily="34" charset="0"/>
+                        <a:cs typeface="Arial" panose="020B0604020202020204" pitchFamily="34" charset="0"/>
+                      </a:endParaRPr>
                     </a:p>
                   </a:txBody>
                   <a:tcPr/>
@@ -8062,8 +8903,11 @@
                     <a:p>
                       <a:pPr algn="ctr"/>
                       <a:r>
-                        <a:rPr lang="cs-CZ" dirty="0"/>
-                        <a:t>600-9608</a:t>
+                        <a:rPr lang="cs-CZ" dirty="0">
+                          <a:latin typeface="Arial" panose="020B0604020202020204" pitchFamily="34" charset="0"/>
+                          <a:cs typeface="Arial" panose="020B0604020202020204" pitchFamily="34" charset="0"/>
+                        </a:rPr>
+                        <a:t>600-9608Mb/s</a:t>
                       </a:r>
                     </a:p>
                   </a:txBody>
@@ -8098,13 +8942,16 @@
                             <a:schemeClr val="tx1"/>
                           </a:solidFill>
                           <a:effectLst/>
-                          <a:latin typeface="+mn-lt"/>
+                          <a:latin typeface="Arial" panose="020B0604020202020204" pitchFamily="34" charset="0"/>
                           <a:ea typeface="+mn-ea"/>
-                          <a:cs typeface="+mn-cs"/>
+                          <a:cs typeface="Arial" panose="020B0604020202020204" pitchFamily="34" charset="0"/>
                         </a:rPr>
                         <a:t>2020</a:t>
                       </a:r>
-                      <a:endParaRPr lang="cs-CZ" dirty="0"/>
+                      <a:endParaRPr lang="cs-CZ" dirty="0">
+                        <a:latin typeface="Arial" panose="020B0604020202020204" pitchFamily="34" charset="0"/>
+                        <a:cs typeface="Arial" panose="020B0604020202020204" pitchFamily="34" charset="0"/>
+                      </a:endParaRPr>
                     </a:p>
                   </a:txBody>
                   <a:tcPr/>
@@ -8137,13 +8984,16 @@
                             <a:schemeClr val="tx1"/>
                           </a:solidFill>
                           <a:effectLst/>
-                          <a:latin typeface="+mn-lt"/>
+                          <a:latin typeface="Arial" panose="020B0604020202020204" pitchFamily="34" charset="0"/>
                           <a:ea typeface="+mn-ea"/>
-                          <a:cs typeface="+mn-cs"/>
+                          <a:cs typeface="Arial" panose="020B0604020202020204" pitchFamily="34" charset="0"/>
                         </a:rPr>
                         <a:t>2,4/5/6GHz</a:t>
                       </a:r>
-                      <a:endParaRPr lang="cs-CZ" dirty="0"/>
+                      <a:endParaRPr lang="cs-CZ" dirty="0">
+                        <a:latin typeface="Arial" panose="020B0604020202020204" pitchFamily="34" charset="0"/>
+                        <a:cs typeface="Arial" panose="020B0604020202020204" pitchFamily="34" charset="0"/>
+                      </a:endParaRPr>
                     </a:p>
                   </a:txBody>
                   <a:tcPr/>
@@ -8177,13 +9027,16 @@
                             <a:schemeClr val="tx1"/>
                           </a:solidFill>
                           <a:effectLst/>
-                          <a:latin typeface="+mn-lt"/>
+                          <a:latin typeface="Arial" panose="020B0604020202020204" pitchFamily="34" charset="0"/>
                           <a:ea typeface="+mn-ea"/>
-                          <a:cs typeface="+mn-cs"/>
+                          <a:cs typeface="Arial" panose="020B0604020202020204" pitchFamily="34" charset="0"/>
                         </a:rPr>
                         <a:t>IEEE 802.11be</a:t>
                       </a:r>
-                      <a:endParaRPr lang="cs-CZ" u="none" dirty="0"/>
+                      <a:endParaRPr lang="cs-CZ" u="none" dirty="0">
+                        <a:latin typeface="Arial" panose="020B0604020202020204" pitchFamily="34" charset="0"/>
+                        <a:cs typeface="Arial" panose="020B0604020202020204" pitchFamily="34" charset="0"/>
+                      </a:endParaRPr>
                     </a:p>
                   </a:txBody>
                   <a:tcPr/>
@@ -8200,13 +9053,16 @@
                             <a:schemeClr val="tx1"/>
                           </a:solidFill>
                           <a:effectLst/>
-                          <a:latin typeface="+mn-lt"/>
+                          <a:latin typeface="Arial" panose="020B0604020202020204" pitchFamily="34" charset="0"/>
                           <a:ea typeface="+mn-ea"/>
-                          <a:cs typeface="+mn-cs"/>
+                          <a:cs typeface="Arial" panose="020B0604020202020204" pitchFamily="34" charset="0"/>
                         </a:rPr>
                         <a:t>N/A</a:t>
                       </a:r>
-                      <a:endParaRPr lang="cs-CZ" dirty="0"/>
+                      <a:endParaRPr lang="cs-CZ" dirty="0">
+                        <a:latin typeface="Arial" panose="020B0604020202020204" pitchFamily="34" charset="0"/>
+                        <a:cs typeface="Arial" panose="020B0604020202020204" pitchFamily="34" charset="0"/>
+                      </a:endParaRPr>
                     </a:p>
                   </a:txBody>
                   <a:tcPr/>
@@ -8223,13 +9079,16 @@
                             <a:schemeClr val="tx1"/>
                           </a:solidFill>
                           <a:effectLst/>
-                          <a:latin typeface="+mn-lt"/>
+                          <a:latin typeface="Arial" panose="020B0604020202020204" pitchFamily="34" charset="0"/>
                           <a:ea typeface="+mn-ea"/>
-                          <a:cs typeface="+mn-cs"/>
+                          <a:cs typeface="Arial" panose="020B0604020202020204" pitchFamily="34" charset="0"/>
                         </a:rPr>
                         <a:t>2,4/5/6GHz</a:t>
                       </a:r>
-                      <a:endParaRPr lang="cs-CZ" dirty="0"/>
+                      <a:endParaRPr lang="cs-CZ" dirty="0">
+                        <a:latin typeface="Arial" panose="020B0604020202020204" pitchFamily="34" charset="0"/>
+                        <a:cs typeface="Arial" panose="020B0604020202020204" pitchFamily="34" charset="0"/>
+                      </a:endParaRPr>
                     </a:p>
                   </a:txBody>
                   <a:tcPr/>
@@ -8241,8 +9100,11 @@
                     <a:p>
                       <a:pPr algn="ctr"/>
                       <a:r>
-                        <a:rPr lang="cs-CZ" dirty="0"/>
-                        <a:t>40000</a:t>
+                        <a:rPr lang="cs-CZ" dirty="0">
+                          <a:latin typeface="Arial" panose="020B0604020202020204" pitchFamily="34" charset="0"/>
+                          <a:cs typeface="Arial" panose="020B0604020202020204" pitchFamily="34" charset="0"/>
+                        </a:rPr>
+                        <a:t>40000Mb/s</a:t>
                       </a:r>
                     </a:p>
                   </a:txBody>
@@ -8272,6 +9134,220 @@
 </file>
 
 <file path=ppt/slides/slide7.xml><?xml version="1.0" encoding="utf-8"?>
+<p:sld xmlns:a="http://schemas.openxmlformats.org/drawingml/2006/main" xmlns:r="http://schemas.openxmlformats.org/officeDocument/2006/relationships" xmlns:p="http://schemas.openxmlformats.org/presentationml/2006/main">
+  <p:cSld>
+    <p:spTree>
+      <p:nvGrpSpPr>
+        <p:cNvPr id="1" name=""/>
+        <p:cNvGrpSpPr/>
+        <p:nvPr/>
+      </p:nvGrpSpPr>
+      <p:grpSpPr>
+        <a:xfrm>
+          <a:off x="0" y="0"/>
+          <a:ext cx="0" cy="0"/>
+          <a:chOff x="0" y="0"/>
+          <a:chExt cx="0" cy="0"/>
+        </a:xfrm>
+      </p:grpSpPr>
+      <p:sp>
+        <p:nvSpPr>
+          <p:cNvPr id="4" name="Obdélník 3">
+            <a:extLst>
+              <a:ext uri="{FF2B5EF4-FFF2-40B4-BE49-F238E27FC236}">
+                <a16:creationId xmlns:a16="http://schemas.microsoft.com/office/drawing/2014/main" id="{0519DC56-54A8-D448-ADF0-BB4AB2153CE3}"/>
+              </a:ext>
+            </a:extLst>
+          </p:cNvPr>
+          <p:cNvSpPr/>
+          <p:nvPr/>
+        </p:nvSpPr>
+        <p:spPr>
+          <a:xfrm>
+            <a:off x="3869409" y="2247254"/>
+            <a:ext cx="5315919" cy="3270142"/>
+          </a:xfrm>
+          <a:prstGeom prst="rect">
+            <a:avLst/>
+          </a:prstGeom>
+        </p:spPr>
+        <p:style>
+          <a:lnRef idx="2">
+            <a:schemeClr val="dk1"/>
+          </a:lnRef>
+          <a:fillRef idx="1">
+            <a:schemeClr val="lt1"/>
+          </a:fillRef>
+          <a:effectRef idx="0">
+            <a:schemeClr val="dk1"/>
+          </a:effectRef>
+          <a:fontRef idx="minor">
+            <a:schemeClr val="dk1"/>
+          </a:fontRef>
+        </p:style>
+        <p:txBody>
+          <a:bodyPr rtlCol="0" anchor="ctr"/>
+          <a:lstStyle/>
+          <a:p>
+            <a:pPr algn="ctr"/>
+            <a:endParaRPr lang="cs-CZ"/>
+          </a:p>
+        </p:txBody>
+      </p:sp>
+      <p:sp>
+        <p:nvSpPr>
+          <p:cNvPr id="2" name="Nadpis 1">
+            <a:extLst>
+              <a:ext uri="{FF2B5EF4-FFF2-40B4-BE49-F238E27FC236}">
+                <a16:creationId xmlns:a16="http://schemas.microsoft.com/office/drawing/2014/main" id="{8B2DA134-CF08-48A3-FBBB-57FB095DC360}"/>
+              </a:ext>
+            </a:extLst>
+          </p:cNvPr>
+          <p:cNvSpPr>
+            <a:spLocks noGrp="1"/>
+          </p:cNvSpPr>
+          <p:nvPr>
+            <p:ph type="title"/>
+          </p:nvPr>
+        </p:nvSpPr>
+        <p:spPr>
+          <a:xfrm>
+            <a:off x="557319" y="519431"/>
+            <a:ext cx="3022789" cy="693627"/>
+          </a:xfrm>
+        </p:spPr>
+        <p:txBody>
+          <a:bodyPr>
+            <a:normAutofit fontScale="90000"/>
+          </a:bodyPr>
+          <a:lstStyle/>
+          <a:p>
+            <a:r>
+              <a:rPr lang="cs-CZ" b="0" i="0" dirty="0">
+                <a:solidFill>
+                  <a:schemeClr val="tx1"/>
+                </a:solidFill>
+                <a:effectLst/>
+                <a:latin typeface="Arial" panose="020B0604020202020204" pitchFamily="34" charset="0"/>
+                <a:cs typeface="Arial" panose="020B0604020202020204" pitchFamily="34" charset="0"/>
+              </a:rPr>
+              <a:t>IEEE 802.11</a:t>
+            </a:r>
+            <a:endParaRPr lang="cs-CZ" dirty="0">
+              <a:solidFill>
+                <a:schemeClr val="tx1"/>
+              </a:solidFill>
+              <a:latin typeface="Arial" panose="020B0604020202020204" pitchFamily="34" charset="0"/>
+              <a:cs typeface="Arial" panose="020B0604020202020204" pitchFamily="34" charset="0"/>
+            </a:endParaRPr>
+          </a:p>
+        </p:txBody>
+      </p:sp>
+      <p:sp>
+        <p:nvSpPr>
+          <p:cNvPr id="3" name="Zástupný obsah 2">
+            <a:extLst>
+              <a:ext uri="{FF2B5EF4-FFF2-40B4-BE49-F238E27FC236}">
+                <a16:creationId xmlns:a16="http://schemas.microsoft.com/office/drawing/2014/main" id="{E7739911-8210-B9B5-491D-04F58F74D934}"/>
+              </a:ext>
+            </a:extLst>
+          </p:cNvPr>
+          <p:cNvSpPr>
+            <a:spLocks/>
+          </p:cNvSpPr>
+          <p:nvPr>
+            <p:ph idx="1"/>
+          </p:nvPr>
+        </p:nvSpPr>
+        <p:spPr>
+          <a:xfrm>
+            <a:off x="3869410" y="2444543"/>
+            <a:ext cx="5315919" cy="3270141"/>
+          </a:xfrm>
+        </p:spPr>
+        <p:txBody>
+          <a:bodyPr>
+            <a:normAutofit/>
+          </a:bodyPr>
+          <a:lstStyle/>
+          <a:p>
+            <a:pPr>
+              <a:buClr>
+                <a:schemeClr val="tx1"/>
+              </a:buClr>
+            </a:pPr>
+            <a:r>
+              <a:rPr lang="cs-CZ" sz="3600" dirty="0">
+                <a:solidFill>
+                  <a:schemeClr val="tx1"/>
+                </a:solidFill>
+                <a:latin typeface="Arial" panose="020B0604020202020204" pitchFamily="34" charset="0"/>
+                <a:cs typeface="Arial" panose="020B0604020202020204" pitchFamily="34" charset="0"/>
+              </a:rPr>
+              <a:t>P</a:t>
+            </a:r>
+            <a:r>
+              <a:rPr lang="cs-CZ" sz="3600" b="0" i="0" dirty="0">
+                <a:solidFill>
+                  <a:schemeClr val="tx1"/>
+                </a:solidFill>
+                <a:effectLst/>
+                <a:latin typeface="Arial" panose="020B0604020202020204" pitchFamily="34" charset="0"/>
+                <a:cs typeface="Arial" panose="020B0604020202020204" pitchFamily="34" charset="0"/>
+              </a:rPr>
+              <a:t>ásmo 2,4 GHz</a:t>
+            </a:r>
+          </a:p>
+          <a:p>
+            <a:pPr>
+              <a:buClr>
+                <a:schemeClr val="tx1"/>
+              </a:buClr>
+            </a:pPr>
+            <a:r>
+              <a:rPr lang="cs-CZ" sz="3600" dirty="0">
+                <a:solidFill>
+                  <a:schemeClr val="tx1"/>
+                </a:solidFill>
+                <a:latin typeface="Arial" panose="020B0604020202020204" pitchFamily="34" charset="0"/>
+                <a:cs typeface="Arial" panose="020B0604020202020204" pitchFamily="34" charset="0"/>
+              </a:rPr>
+              <a:t>Maximální rychlost 2 Mb/s</a:t>
+            </a:r>
+          </a:p>
+          <a:p>
+            <a:pPr>
+              <a:buClr>
+                <a:schemeClr val="tx1"/>
+              </a:buClr>
+            </a:pPr>
+            <a:r>
+              <a:rPr lang="cs-CZ" sz="3600" dirty="0">
+                <a:solidFill>
+                  <a:schemeClr val="tx1"/>
+                </a:solidFill>
+                <a:latin typeface="Arial" panose="020B0604020202020204" pitchFamily="34" charset="0"/>
+                <a:cs typeface="Arial" panose="020B0604020202020204" pitchFamily="34" charset="0"/>
+              </a:rPr>
+              <a:t>Označován jako Wi-Fi 0</a:t>
+            </a:r>
+          </a:p>
+        </p:txBody>
+      </p:sp>
+    </p:spTree>
+    <p:extLst>
+      <p:ext uri="{BB962C8B-B14F-4D97-AF65-F5344CB8AC3E}">
+        <p14:creationId xmlns:p14="http://schemas.microsoft.com/office/powerpoint/2010/main" val="720323700"/>
+      </p:ext>
+    </p:extLst>
+  </p:cSld>
+  <p:clrMapOvr>
+    <a:masterClrMapping/>
+  </p:clrMapOvr>
+</p:sld>
+</file>
+
+<file path=ppt/slides/slide8.xml><?xml version="1.0" encoding="utf-8"?>
 <p:sld xmlns:a="http://schemas.openxmlformats.org/drawingml/2006/main" xmlns:r="http://schemas.openxmlformats.org/officeDocument/2006/relationships" xmlns:p="http://schemas.openxmlformats.org/presentationml/2006/main">
   <p:cSld>
     <p:spTree>
@@ -8440,7 +9516,7 @@
 </p:sld>
 </file>
 
-<file path=ppt/slides/slide8.xml><?xml version="1.0" encoding="utf-8"?>
+<file path=ppt/slides/slide9.xml><?xml version="1.0" encoding="utf-8"?>
 <p:sld xmlns:a="http://schemas.openxmlformats.org/drawingml/2006/main" xmlns:r="http://schemas.openxmlformats.org/officeDocument/2006/relationships" xmlns:p="http://schemas.openxmlformats.org/presentationml/2006/main">
   <p:cSld>
     <p:spTree>
@@ -8657,299 +9733,6 @@
     <p:extLst>
       <p:ext uri="{BB962C8B-B14F-4D97-AF65-F5344CB8AC3E}">
         <p14:creationId xmlns:p14="http://schemas.microsoft.com/office/powerpoint/2010/main" val="3247474966"/>
-      </p:ext>
-    </p:extLst>
-  </p:cSld>
-  <p:clrMapOvr>
-    <a:masterClrMapping/>
-  </p:clrMapOvr>
-</p:sld>
-</file>
-
-<file path=ppt/slides/slide9.xml><?xml version="1.0" encoding="utf-8"?>
-<p:sld xmlns:a="http://schemas.openxmlformats.org/drawingml/2006/main" xmlns:r="http://schemas.openxmlformats.org/officeDocument/2006/relationships" xmlns:p="http://schemas.openxmlformats.org/presentationml/2006/main">
-  <p:cSld>
-    <p:spTree>
-      <p:nvGrpSpPr>
-        <p:cNvPr id="1" name=""/>
-        <p:cNvGrpSpPr/>
-        <p:nvPr/>
-      </p:nvGrpSpPr>
-      <p:grpSpPr>
-        <a:xfrm>
-          <a:off x="0" y="0"/>
-          <a:ext cx="0" cy="0"/>
-          <a:chOff x="0" y="0"/>
-          <a:chExt cx="0" cy="0"/>
-        </a:xfrm>
-      </p:grpSpPr>
-      <p:sp>
-        <p:nvSpPr>
-          <p:cNvPr id="6" name="Obdélník 5">
-            <a:extLst>
-              <a:ext uri="{FF2B5EF4-FFF2-40B4-BE49-F238E27FC236}">
-                <a16:creationId xmlns:a16="http://schemas.microsoft.com/office/drawing/2014/main" id="{5123C84A-0173-DAAE-5696-8544DC8B4C6F}"/>
-              </a:ext>
-            </a:extLst>
-          </p:cNvPr>
-          <p:cNvSpPr/>
-          <p:nvPr/>
-        </p:nvSpPr>
-        <p:spPr>
-          <a:xfrm>
-            <a:off x="437072" y="2548946"/>
-            <a:ext cx="7420570" cy="3533614"/>
-          </a:xfrm>
-          <a:prstGeom prst="rect">
-            <a:avLst/>
-          </a:prstGeom>
-        </p:spPr>
-        <p:style>
-          <a:lnRef idx="2">
-            <a:schemeClr val="dk1"/>
-          </a:lnRef>
-          <a:fillRef idx="1">
-            <a:schemeClr val="lt1"/>
-          </a:fillRef>
-          <a:effectRef idx="0">
-            <a:schemeClr val="dk1"/>
-          </a:effectRef>
-          <a:fontRef idx="minor">
-            <a:schemeClr val="dk1"/>
-          </a:fontRef>
-        </p:style>
-        <p:txBody>
-          <a:bodyPr rtlCol="0" anchor="ctr"/>
-          <a:lstStyle/>
-          <a:p>
-            <a:pPr algn="ctr"/>
-            <a:endParaRPr lang="cs-CZ"/>
-          </a:p>
-        </p:txBody>
-      </p:sp>
-      <p:sp>
-        <p:nvSpPr>
-          <p:cNvPr id="2" name="Nadpis 1">
-            <a:extLst>
-              <a:ext uri="{FF2B5EF4-FFF2-40B4-BE49-F238E27FC236}">
-                <a16:creationId xmlns:a16="http://schemas.microsoft.com/office/drawing/2014/main" id="{635C866B-1C5F-95B7-C4EA-A68C359849A1}"/>
-              </a:ext>
-            </a:extLst>
-          </p:cNvPr>
-          <p:cNvSpPr>
-            <a:spLocks noGrp="1"/>
-          </p:cNvSpPr>
-          <p:nvPr>
-            <p:ph type="title"/>
-          </p:nvPr>
-        </p:nvSpPr>
-        <p:spPr>
-          <a:xfrm>
-            <a:off x="437071" y="501383"/>
-            <a:ext cx="4108291" cy="910734"/>
-          </a:xfrm>
-          <a:solidFill>
-            <a:srgbClr val="FFFFFF"/>
-          </a:solidFill>
-          <a:ln>
-            <a:solidFill>
-              <a:srgbClr val="404040"/>
-            </a:solidFill>
-          </a:ln>
-        </p:spPr>
-        <p:txBody>
-          <a:bodyPr>
-            <a:normAutofit/>
-          </a:bodyPr>
-          <a:lstStyle/>
-          <a:p>
-            <a:r>
-              <a:rPr lang="cs-CZ" dirty="0"/>
-              <a:t>zabezpečení</a:t>
-            </a:r>
-          </a:p>
-        </p:txBody>
-      </p:sp>
-      <p:sp>
-        <p:nvSpPr>
-          <p:cNvPr id="1030" name="Content Placeholder 1029">
-            <a:extLst>
-              <a:ext uri="{FF2B5EF4-FFF2-40B4-BE49-F238E27FC236}">
-                <a16:creationId xmlns:a16="http://schemas.microsoft.com/office/drawing/2014/main" id="{E0D2505F-08B6-CAF2-5C5B-EC6E2AE50BC9}"/>
-              </a:ext>
-            </a:extLst>
-          </p:cNvPr>
-          <p:cNvSpPr>
-            <a:spLocks noGrp="1"/>
-          </p:cNvSpPr>
-          <p:nvPr>
-            <p:ph idx="1"/>
-          </p:nvPr>
-        </p:nvSpPr>
-        <p:spPr>
-          <a:xfrm>
-            <a:off x="456928" y="2548946"/>
-            <a:ext cx="7420571" cy="3533614"/>
-          </a:xfrm>
-        </p:spPr>
-        <p:txBody>
-          <a:bodyPr>
-            <a:normAutofit/>
-          </a:bodyPr>
-          <a:lstStyle/>
-          <a:p>
-            <a:pPr>
-              <a:buClr>
-                <a:schemeClr val="tx1"/>
-              </a:buClr>
-            </a:pPr>
-            <a:r>
-              <a:rPr lang="cs-CZ" sz="3200" dirty="0">
-                <a:solidFill>
-                  <a:schemeClr val="tx1"/>
-                </a:solidFill>
-                <a:latin typeface="Arial" panose="020B0604020202020204" pitchFamily="34" charset="0"/>
-                <a:cs typeface="Arial" panose="020B0604020202020204" pitchFamily="34" charset="0"/>
-              </a:rPr>
-              <a:t>Většina zařízení připojených k </a:t>
-            </a:r>
-            <a:r>
-              <a:rPr lang="cs-CZ" sz="3200" dirty="0" err="1">
-                <a:solidFill>
-                  <a:schemeClr val="tx1"/>
-                </a:solidFill>
-                <a:latin typeface="Arial" panose="020B0604020202020204" pitchFamily="34" charset="0"/>
-                <a:cs typeface="Arial" panose="020B0604020202020204" pitchFamily="34" charset="0"/>
-              </a:rPr>
-              <a:t>WiFi</a:t>
-            </a:r>
-            <a:r>
-              <a:rPr lang="cs-CZ" sz="3200" dirty="0">
-                <a:solidFill>
-                  <a:schemeClr val="tx1"/>
-                </a:solidFill>
-                <a:latin typeface="Arial" panose="020B0604020202020204" pitchFamily="34" charset="0"/>
-                <a:cs typeface="Arial" panose="020B0604020202020204" pitchFamily="34" charset="0"/>
-              </a:rPr>
-              <a:t> obsahuje naše cenná data</a:t>
-            </a:r>
-          </a:p>
-          <a:p>
-            <a:pPr>
-              <a:buClr>
-                <a:schemeClr val="tx1"/>
-              </a:buClr>
-            </a:pPr>
-            <a:r>
-              <a:rPr lang="cs-CZ" sz="3200" dirty="0">
-                <a:solidFill>
-                  <a:schemeClr val="tx1"/>
-                </a:solidFill>
-                <a:latin typeface="Arial" panose="020B0604020202020204" pitchFamily="34" charset="0"/>
-                <a:cs typeface="Arial" panose="020B0604020202020204" pitchFamily="34" charset="0"/>
-              </a:rPr>
-              <a:t>Router není pouze krabička s anténou </a:t>
-            </a:r>
-          </a:p>
-          <a:p>
-            <a:pPr>
-              <a:buClr>
-                <a:schemeClr val="tx1"/>
-              </a:buClr>
-            </a:pPr>
-            <a:r>
-              <a:rPr lang="cs-CZ" sz="3200" b="0" i="0" dirty="0">
-                <a:solidFill>
-                  <a:schemeClr val="tx1"/>
-                </a:solidFill>
-                <a:effectLst/>
-                <a:latin typeface="Arial" panose="020B0604020202020204" pitchFamily="34" charset="0"/>
-                <a:cs typeface="Arial" panose="020B0604020202020204" pitchFamily="34" charset="0"/>
-              </a:rPr>
-              <a:t>Router propojuje dvě různé počítačové sítě a </a:t>
-            </a:r>
-            <a:r>
-              <a:rPr lang="cs-CZ" sz="3200" b="0" i="0" dirty="0" err="1">
-                <a:solidFill>
-                  <a:schemeClr val="tx1"/>
-                </a:solidFill>
-                <a:effectLst/>
-                <a:latin typeface="Arial" panose="020B0604020202020204" pitchFamily="34" charset="0"/>
-                <a:cs typeface="Arial" panose="020B0604020202020204" pitchFamily="34" charset="0"/>
-              </a:rPr>
-              <a:t>routuje</a:t>
-            </a:r>
-            <a:r>
-              <a:rPr lang="cs-CZ" sz="3200" b="0" i="0" dirty="0">
-                <a:solidFill>
-                  <a:schemeClr val="tx1"/>
-                </a:solidFill>
-                <a:effectLst/>
-                <a:latin typeface="Arial" panose="020B0604020202020204" pitchFamily="34" charset="0"/>
-                <a:cs typeface="Arial" panose="020B0604020202020204" pitchFamily="34" charset="0"/>
-              </a:rPr>
-              <a:t> mezi nimi datový tok</a:t>
-            </a:r>
-            <a:endParaRPr lang="en-US" sz="3200" dirty="0">
-              <a:solidFill>
-                <a:schemeClr val="tx1"/>
-              </a:solidFill>
-              <a:latin typeface="Arial" panose="020B0604020202020204" pitchFamily="34" charset="0"/>
-              <a:cs typeface="Arial" panose="020B0604020202020204" pitchFamily="34" charset="0"/>
-            </a:endParaRPr>
-          </a:p>
-        </p:txBody>
-      </p:sp>
-      <p:pic>
-        <p:nvPicPr>
-          <p:cNvPr id="1026" name="Picture 2">
-            <a:extLst>
-              <a:ext uri="{FF2B5EF4-FFF2-40B4-BE49-F238E27FC236}">
-                <a16:creationId xmlns:a16="http://schemas.microsoft.com/office/drawing/2014/main" id="{8D05C7EB-7347-9A39-7E25-74018A5CBFF9}"/>
-              </a:ext>
-            </a:extLst>
-          </p:cNvPr>
-          <p:cNvPicPr>
-            <a:picLocks noChangeAspect="1" noChangeArrowheads="1"/>
-          </p:cNvPicPr>
-          <p:nvPr/>
-        </p:nvPicPr>
-        <p:blipFill>
-          <a:blip r:embed="rId3">
-            <a:extLst>
-              <a:ext uri="{28A0092B-C50C-407E-A947-70E740481C1C}">
-                <a14:useLocalDpi xmlns:a14="http://schemas.microsoft.com/office/drawing/2010/main" val="0"/>
-              </a:ext>
-            </a:extLst>
-          </a:blip>
-          <a:stretch>
-            <a:fillRect/>
-          </a:stretch>
-        </p:blipFill>
-        <p:spPr bwMode="auto">
-          <a:xfrm>
-            <a:off x="7569040" y="-38222"/>
-            <a:ext cx="4622961" cy="3467221"/>
-          </a:xfrm>
-          <a:prstGeom prst="rect">
-            <a:avLst/>
-          </a:prstGeom>
-          <a:noFill/>
-          <a:extLst>
-            <a:ext uri="{909E8E84-426E-40DD-AFC4-6F175D3DCCD1}">
-              <a14:hiddenFill xmlns:a14="http://schemas.microsoft.com/office/drawing/2010/main">
-                <a:solidFill>
-                  <a:srgbClr val="FFFFFF"/>
-                </a:solidFill>
-              </a14:hiddenFill>
-            </a:ext>
-          </a:extLst>
-        </p:spPr>
-      </p:pic>
-    </p:spTree>
-    <p:extLst>
-      <p:ext uri="{BB962C8B-B14F-4D97-AF65-F5344CB8AC3E}">
-        <p14:creationId xmlns:p14="http://schemas.microsoft.com/office/powerpoint/2010/main" val="2779919210"/>
       </p:ext>
     </p:extLst>
   </p:cSld>

--- a/prochazkova.pptx
+++ b/prochazkova.pptx
@@ -5,7 +5,7 @@
     <p:sldMasterId id="2147483702" r:id="rId1"/>
   </p:sldMasterIdLst>
   <p:notesMasterIdLst>
-    <p:notesMasterId r:id="rId22"/>
+    <p:notesMasterId r:id="rId18"/>
   </p:notesMasterIdLst>
   <p:sldIdLst>
     <p:sldId id="256" r:id="rId2"/>
@@ -15,19 +15,15 @@
     <p:sldId id="264" r:id="rId6"/>
     <p:sldId id="258" r:id="rId7"/>
     <p:sldId id="272" r:id="rId8"/>
-    <p:sldId id="259" r:id="rId9"/>
-    <p:sldId id="260" r:id="rId10"/>
-    <p:sldId id="261" r:id="rId11"/>
-    <p:sldId id="262" r:id="rId12"/>
-    <p:sldId id="273" r:id="rId13"/>
-    <p:sldId id="265" r:id="rId14"/>
-    <p:sldId id="266" r:id="rId15"/>
-    <p:sldId id="267" r:id="rId16"/>
-    <p:sldId id="268" r:id="rId17"/>
-    <p:sldId id="269" r:id="rId18"/>
-    <p:sldId id="270" r:id="rId19"/>
-    <p:sldId id="271" r:id="rId20"/>
-    <p:sldId id="274" r:id="rId21"/>
+    <p:sldId id="265" r:id="rId9"/>
+    <p:sldId id="267" r:id="rId10"/>
+    <p:sldId id="268" r:id="rId11"/>
+    <p:sldId id="259" r:id="rId12"/>
+    <p:sldId id="260" r:id="rId13"/>
+    <p:sldId id="261" r:id="rId14"/>
+    <p:sldId id="262" r:id="rId15"/>
+    <p:sldId id="273" r:id="rId16"/>
+    <p:sldId id="266" r:id="rId17"/>
   </p:sldIdLst>
   <p:sldSz cx="12192000" cy="6858000"/>
   <p:notesSz cx="6858000" cy="9144000"/>
@@ -621,61 +617,7 @@
           <a:bodyPr/>
           <a:lstStyle/>
           <a:p>
-            <a:r>
-              <a:rPr lang="cs-CZ" dirty="0"/>
-              <a:t>K lepšímu zabezpečení je potřeba uživatelské jméno a heslo změnit</a:t>
-            </a:r>
-          </a:p>
-          <a:p>
-            <a:r>
-              <a:rPr lang="cs-CZ" b="0" i="0" dirty="0">
-                <a:solidFill>
-                  <a:srgbClr val="404040"/>
-                </a:solidFill>
-                <a:effectLst/>
-                <a:latin typeface="Open Sans" panose="020B0606030504020204" pitchFamily="34" charset="0"/>
-              </a:rPr>
-              <a:t>Do nastavení se uživatel dostane tak, že v internetovém prohlížeči zadá přístupovou IP adresu nalezenou na štítku nalepeném na routeru a je vyzván k zadání uživatelského jména a hesla</a:t>
-            </a:r>
-            <a:r>
-              <a:rPr lang="cs-CZ" dirty="0"/>
-              <a:t> </a:t>
-            </a:r>
-          </a:p>
-          <a:p>
-            <a:r>
-              <a:rPr lang="cs-CZ" b="0" i="0" dirty="0">
-                <a:solidFill>
-                  <a:srgbClr val="404040"/>
-                </a:solidFill>
-                <a:effectLst/>
-                <a:latin typeface="Open Sans" panose="020B0606030504020204" pitchFamily="34" charset="0"/>
-              </a:rPr>
-              <a:t>V sekci nastavení Wi-Fi sítě je třeba zadat jméno vysílané Wi-Fi sítě, tzv. SSID a hesla</a:t>
-            </a:r>
-          </a:p>
-          <a:p>
-            <a:r>
-              <a:rPr lang="cs-CZ" b="0" i="0" dirty="0" err="1">
-                <a:solidFill>
-                  <a:srgbClr val="202122"/>
-                </a:solidFill>
-                <a:effectLst/>
-                <a:latin typeface="Arial" panose="020B0604020202020204" pitchFamily="34" charset="0"/>
-              </a:rPr>
-              <a:t>WiFI</a:t>
-            </a:r>
-            <a:r>
-              <a:rPr lang="cs-CZ" b="0" i="0" dirty="0">
-                <a:solidFill>
-                  <a:srgbClr val="202122"/>
-                </a:solidFill>
-                <a:effectLst/>
-                <a:latin typeface="Arial" panose="020B0604020202020204" pitchFamily="34" charset="0"/>
-              </a:rPr>
-              <a:t> Alliance vydala 31. října 2002 popis zabezpečení WPA</a:t>
-            </a:r>
-            <a:endParaRPr lang="cs-CZ" b="0" dirty="0"/>
+            <a:endParaRPr lang="cs-CZ" dirty="0"/>
           </a:p>
         </p:txBody>
       </p:sp>
@@ -697,6 +639,482 @@
             <a:fld id="{41D4C70A-8DA6-47AE-981F-F0A3334D9E74}" type="slidenum">
               <a:rPr lang="cs-CZ" smtClean="0"/>
               <a:t>11</a:t>
+            </a:fld>
+            <a:endParaRPr lang="cs-CZ"/>
+          </a:p>
+        </p:txBody>
+      </p:sp>
+    </p:spTree>
+    <p:extLst>
+      <p:ext uri="{BB962C8B-B14F-4D97-AF65-F5344CB8AC3E}">
+        <p14:creationId xmlns:p14="http://schemas.microsoft.com/office/powerpoint/2010/main" val="2274338897"/>
+      </p:ext>
+    </p:extLst>
+  </p:cSld>
+  <p:clrMapOvr>
+    <a:masterClrMapping/>
+  </p:clrMapOvr>
+</p:notes>
+</file>
+
+<file path=ppt/notesSlides/notesSlide11.xml><?xml version="1.0" encoding="utf-8"?>
+<p:notes xmlns:a="http://schemas.openxmlformats.org/drawingml/2006/main" xmlns:r="http://schemas.openxmlformats.org/officeDocument/2006/relationships" xmlns:p="http://schemas.openxmlformats.org/presentationml/2006/main">
+  <p:cSld>
+    <p:spTree>
+      <p:nvGrpSpPr>
+        <p:cNvPr id="1" name=""/>
+        <p:cNvGrpSpPr/>
+        <p:nvPr/>
+      </p:nvGrpSpPr>
+      <p:grpSpPr>
+        <a:xfrm>
+          <a:off x="0" y="0"/>
+          <a:ext cx="0" cy="0"/>
+          <a:chOff x="0" y="0"/>
+          <a:chExt cx="0" cy="0"/>
+        </a:xfrm>
+      </p:grpSpPr>
+      <p:sp>
+        <p:nvSpPr>
+          <p:cNvPr id="2" name="Zástupný symbol pro obrázek snímku 1"/>
+          <p:cNvSpPr>
+            <a:spLocks noGrp="1" noRot="1" noChangeAspect="1"/>
+          </p:cNvSpPr>
+          <p:nvPr>
+            <p:ph type="sldImg"/>
+          </p:nvPr>
+        </p:nvSpPr>
+        <p:spPr/>
+      </p:sp>
+      <p:sp>
+        <p:nvSpPr>
+          <p:cNvPr id="3" name="Zástupný symbol pro poznámky 2"/>
+          <p:cNvSpPr>
+            <a:spLocks noGrp="1"/>
+          </p:cNvSpPr>
+          <p:nvPr>
+            <p:ph type="body" idx="1"/>
+          </p:nvPr>
+        </p:nvSpPr>
+        <p:spPr/>
+        <p:txBody>
+          <a:bodyPr/>
+          <a:lstStyle/>
+          <a:p>
+            <a:r>
+              <a:rPr lang="cs-CZ" b="0" i="0" dirty="0" err="1">
+                <a:solidFill>
+                  <a:srgbClr val="333333"/>
+                </a:solidFill>
+                <a:effectLst/>
+                <a:latin typeface="Noto Serif" panose="020B0604020202020204" pitchFamily="18" charset="0"/>
+              </a:rPr>
+              <a:t>WiFi</a:t>
+            </a:r>
+            <a:r>
+              <a:rPr lang="cs-CZ" b="0" i="0" dirty="0">
+                <a:solidFill>
+                  <a:srgbClr val="333333"/>
+                </a:solidFill>
+                <a:effectLst/>
+                <a:latin typeface="Noto Serif" panose="020B0604020202020204" pitchFamily="18" charset="0"/>
+              </a:rPr>
+              <a:t> signál bude zeslabovat průchod skrz zdi a předměty, vliv dalších </a:t>
+            </a:r>
+            <a:r>
+              <a:rPr lang="cs-CZ" b="0" i="0" dirty="0" err="1">
+                <a:solidFill>
+                  <a:srgbClr val="333333"/>
+                </a:solidFill>
+                <a:effectLst/>
+                <a:latin typeface="Noto Serif" panose="020B0604020202020204" pitchFamily="18" charset="0"/>
+              </a:rPr>
+              <a:t>WiFi</a:t>
+            </a:r>
+            <a:r>
+              <a:rPr lang="cs-CZ" b="0" i="0" dirty="0">
+                <a:solidFill>
+                  <a:srgbClr val="333333"/>
+                </a:solidFill>
+                <a:effectLst/>
+                <a:latin typeface="Noto Serif" panose="020B0604020202020204" pitchFamily="18" charset="0"/>
+              </a:rPr>
+              <a:t>, použití mikrovlnných trub a řada dalších elektrických a elektronických zařízení.</a:t>
+            </a:r>
+          </a:p>
+          <a:p>
+            <a:r>
+              <a:rPr lang="cs-CZ" b="0" i="0" dirty="0">
+                <a:solidFill>
+                  <a:srgbClr val="333333"/>
+                </a:solidFill>
+                <a:effectLst/>
+                <a:latin typeface="Noto Serif" panose="020B0604020202020204" pitchFamily="18" charset="0"/>
+              </a:rPr>
+              <a:t>router – jak dobré a kolik má antén, nastavená „síla“ signálu – na straně opačného to ovlivní i anténa v zařízení, které k </a:t>
+            </a:r>
+            <a:r>
+              <a:rPr lang="cs-CZ" b="0" i="0" dirty="0" err="1">
+                <a:solidFill>
+                  <a:srgbClr val="333333"/>
+                </a:solidFill>
+                <a:effectLst/>
+                <a:latin typeface="Noto Serif" panose="020B0604020202020204" pitchFamily="18" charset="0"/>
+              </a:rPr>
+              <a:t>WiFi</a:t>
+            </a:r>
+            <a:r>
+              <a:rPr lang="cs-CZ" b="0" i="0" dirty="0">
+                <a:solidFill>
+                  <a:srgbClr val="333333"/>
+                </a:solidFill>
+                <a:effectLst/>
+                <a:latin typeface="Noto Serif" panose="020B0604020202020204" pitchFamily="18" charset="0"/>
+              </a:rPr>
+              <a:t> síti připojujete</a:t>
+            </a:r>
+          </a:p>
+          <a:p>
+            <a:r>
+              <a:rPr lang="cs-CZ" b="0" i="0" dirty="0">
+                <a:solidFill>
+                  <a:srgbClr val="333333"/>
+                </a:solidFill>
+                <a:effectLst/>
+                <a:latin typeface="Noto Serif" panose="020B0604020202020204" pitchFamily="18" charset="0"/>
+              </a:rPr>
+              <a:t>2.4 GHz- má méně kanálů</a:t>
+            </a:r>
+          </a:p>
+          <a:p>
+            <a:r>
+              <a:rPr lang="cs-CZ" b="0" i="0">
+                <a:solidFill>
+                  <a:srgbClr val="333333"/>
+                </a:solidFill>
+                <a:effectLst/>
+                <a:latin typeface="Noto Serif" panose="020B0604020202020204" pitchFamily="18" charset="0"/>
+              </a:rPr>
+              <a:t>5 GHz- 24 </a:t>
+            </a:r>
+            <a:r>
+              <a:rPr lang="cs-CZ" b="0" i="0" dirty="0">
+                <a:solidFill>
+                  <a:srgbClr val="333333"/>
+                </a:solidFill>
+                <a:effectLst/>
+                <a:latin typeface="Noto Serif" panose="020B0604020202020204" pitchFamily="18" charset="0"/>
+              </a:rPr>
+              <a:t>nepřekrývajících se kanálů</a:t>
+            </a:r>
+            <a:endParaRPr lang="cs-CZ" dirty="0"/>
+          </a:p>
+        </p:txBody>
+      </p:sp>
+      <p:sp>
+        <p:nvSpPr>
+          <p:cNvPr id="4" name="Zástupný symbol pro číslo snímku 3"/>
+          <p:cNvSpPr>
+            <a:spLocks noGrp="1"/>
+          </p:cNvSpPr>
+          <p:nvPr>
+            <p:ph type="sldNum" sz="quarter" idx="5"/>
+          </p:nvPr>
+        </p:nvSpPr>
+        <p:spPr/>
+        <p:txBody>
+          <a:bodyPr/>
+          <a:lstStyle/>
+          <a:p>
+            <a:fld id="{41D4C70A-8DA6-47AE-981F-F0A3334D9E74}" type="slidenum">
+              <a:rPr lang="cs-CZ" smtClean="0"/>
+              <a:t>12</a:t>
+            </a:fld>
+            <a:endParaRPr lang="cs-CZ"/>
+          </a:p>
+        </p:txBody>
+      </p:sp>
+    </p:spTree>
+    <p:extLst>
+      <p:ext uri="{BB962C8B-B14F-4D97-AF65-F5344CB8AC3E}">
+        <p14:creationId xmlns:p14="http://schemas.microsoft.com/office/powerpoint/2010/main" val="2755987071"/>
+      </p:ext>
+    </p:extLst>
+  </p:cSld>
+  <p:clrMapOvr>
+    <a:masterClrMapping/>
+  </p:clrMapOvr>
+</p:notes>
+</file>
+
+<file path=ppt/notesSlides/notesSlide12.xml><?xml version="1.0" encoding="utf-8"?>
+<p:notes xmlns:a="http://schemas.openxmlformats.org/drawingml/2006/main" xmlns:r="http://schemas.openxmlformats.org/officeDocument/2006/relationships" xmlns:p="http://schemas.openxmlformats.org/presentationml/2006/main">
+  <p:cSld>
+    <p:spTree>
+      <p:nvGrpSpPr>
+        <p:cNvPr id="1" name=""/>
+        <p:cNvGrpSpPr/>
+        <p:nvPr/>
+      </p:nvGrpSpPr>
+      <p:grpSpPr>
+        <a:xfrm>
+          <a:off x="0" y="0"/>
+          <a:ext cx="0" cy="0"/>
+          <a:chOff x="0" y="0"/>
+          <a:chExt cx="0" cy="0"/>
+        </a:xfrm>
+      </p:grpSpPr>
+      <p:sp>
+        <p:nvSpPr>
+          <p:cNvPr id="2" name="Zástupný symbol pro obrázek snímku 1"/>
+          <p:cNvSpPr>
+            <a:spLocks noGrp="1" noRot="1" noChangeAspect="1"/>
+          </p:cNvSpPr>
+          <p:nvPr>
+            <p:ph type="sldImg"/>
+          </p:nvPr>
+        </p:nvSpPr>
+        <p:spPr/>
+      </p:sp>
+      <p:sp>
+        <p:nvSpPr>
+          <p:cNvPr id="3" name="Zástupný symbol pro poznámky 2"/>
+          <p:cNvSpPr>
+            <a:spLocks noGrp="1"/>
+          </p:cNvSpPr>
+          <p:nvPr>
+            <p:ph type="body" idx="1"/>
+          </p:nvPr>
+        </p:nvSpPr>
+        <p:spPr/>
+        <p:txBody>
+          <a:bodyPr/>
+          <a:lstStyle/>
+          <a:p>
+            <a:r>
+              <a:rPr lang="cs-CZ" dirty="0"/>
+              <a:t>Cenná data= </a:t>
+            </a:r>
+            <a:r>
+              <a:rPr lang="cs-CZ" b="0" i="0" dirty="0">
+                <a:solidFill>
+                  <a:srgbClr val="404040"/>
+                </a:solidFill>
+                <a:effectLst/>
+                <a:latin typeface="Open Sans" panose="020B0606030504020204" pitchFamily="34" charset="0"/>
+              </a:rPr>
+              <a:t>fotografie, videozáznamy, dokumenty, hudba a filmy, IP kamery, dětské chůvičky a chytré televizory</a:t>
+            </a:r>
+            <a:endParaRPr lang="cs-CZ" dirty="0"/>
+          </a:p>
+          <a:p>
+            <a:r>
+              <a:rPr lang="cs-CZ" dirty="0"/>
+              <a:t>Útočník může </a:t>
+            </a:r>
+            <a:r>
+              <a:rPr lang="cs-CZ" b="0" i="0" dirty="0">
+                <a:solidFill>
+                  <a:srgbClr val="404040"/>
+                </a:solidFill>
+                <a:effectLst/>
+                <a:latin typeface="Open Sans" panose="020B0606030504020204" pitchFamily="34" charset="0"/>
+              </a:rPr>
+              <a:t>skrze náš router do naší domácí počítačové sítě proniknout a dále může sledovat skrze IP kamery náš soukromý život, krást a zneužívat naše data, nebo z našeho internetového připojení může dále páchat trestnou činnost atd.</a:t>
+            </a:r>
+          </a:p>
+          <a:p>
+            <a:r>
+              <a:rPr lang="cs-CZ" b="0" i="0" dirty="0" err="1">
+                <a:solidFill>
+                  <a:srgbClr val="404040"/>
+                </a:solidFill>
+                <a:effectLst/>
+                <a:latin typeface="Open Sans" panose="020B0606030504020204" pitchFamily="34" charset="0"/>
+              </a:rPr>
+              <a:t>Routuje</a:t>
+            </a:r>
+            <a:r>
+              <a:rPr lang="cs-CZ" b="0" i="0" dirty="0">
+                <a:solidFill>
+                  <a:srgbClr val="404040"/>
+                </a:solidFill>
+                <a:effectLst/>
+                <a:latin typeface="Open Sans" panose="020B0606030504020204" pitchFamily="34" charset="0"/>
+              </a:rPr>
+              <a:t>= </a:t>
+            </a:r>
+            <a:r>
+              <a:rPr lang="cs-CZ" sz="1200" b="0" i="0" dirty="0">
+                <a:solidFill>
+                  <a:schemeClr val="tx1"/>
+                </a:solidFill>
+                <a:effectLst/>
+                <a:latin typeface="Arial" panose="020B0604020202020204" pitchFamily="34" charset="0"/>
+                <a:cs typeface="Arial" panose="020B0604020202020204" pitchFamily="34" charset="0"/>
+              </a:rPr>
+              <a:t>směruje</a:t>
+            </a:r>
+            <a:endParaRPr lang="cs-CZ" dirty="0"/>
+          </a:p>
+        </p:txBody>
+      </p:sp>
+      <p:sp>
+        <p:nvSpPr>
+          <p:cNvPr id="4" name="Zástupný symbol pro číslo snímku 3"/>
+          <p:cNvSpPr>
+            <a:spLocks noGrp="1"/>
+          </p:cNvSpPr>
+          <p:nvPr>
+            <p:ph type="sldNum" sz="quarter" idx="5"/>
+          </p:nvPr>
+        </p:nvSpPr>
+        <p:spPr/>
+        <p:txBody>
+          <a:bodyPr/>
+          <a:lstStyle/>
+          <a:p>
+            <a:fld id="{41D4C70A-8DA6-47AE-981F-F0A3334D9E74}" type="slidenum">
+              <a:rPr lang="cs-CZ" smtClean="0"/>
+              <a:t>13</a:t>
+            </a:fld>
+            <a:endParaRPr lang="cs-CZ"/>
+          </a:p>
+        </p:txBody>
+      </p:sp>
+    </p:spTree>
+    <p:extLst>
+      <p:ext uri="{BB962C8B-B14F-4D97-AF65-F5344CB8AC3E}">
+        <p14:creationId xmlns:p14="http://schemas.microsoft.com/office/powerpoint/2010/main" val="3589523524"/>
+      </p:ext>
+    </p:extLst>
+  </p:cSld>
+  <p:clrMapOvr>
+    <a:masterClrMapping/>
+  </p:clrMapOvr>
+</p:notes>
+</file>
+
+<file path=ppt/notesSlides/notesSlide13.xml><?xml version="1.0" encoding="utf-8"?>
+<p:notes xmlns:a="http://schemas.openxmlformats.org/drawingml/2006/main" xmlns:r="http://schemas.openxmlformats.org/officeDocument/2006/relationships" xmlns:p="http://schemas.openxmlformats.org/presentationml/2006/main">
+  <p:cSld>
+    <p:spTree>
+      <p:nvGrpSpPr>
+        <p:cNvPr id="1" name=""/>
+        <p:cNvGrpSpPr/>
+        <p:nvPr/>
+      </p:nvGrpSpPr>
+      <p:grpSpPr>
+        <a:xfrm>
+          <a:off x="0" y="0"/>
+          <a:ext cx="0" cy="0"/>
+          <a:chOff x="0" y="0"/>
+          <a:chExt cx="0" cy="0"/>
+        </a:xfrm>
+      </p:grpSpPr>
+      <p:sp>
+        <p:nvSpPr>
+          <p:cNvPr id="2" name="Zástupný symbol pro obrázek snímku 1"/>
+          <p:cNvSpPr>
+            <a:spLocks noGrp="1" noRot="1" noChangeAspect="1"/>
+          </p:cNvSpPr>
+          <p:nvPr>
+            <p:ph type="sldImg"/>
+          </p:nvPr>
+        </p:nvSpPr>
+        <p:spPr/>
+      </p:sp>
+      <p:sp>
+        <p:nvSpPr>
+          <p:cNvPr id="3" name="Zástupný symbol pro poznámky 2"/>
+          <p:cNvSpPr>
+            <a:spLocks noGrp="1"/>
+          </p:cNvSpPr>
+          <p:nvPr>
+            <p:ph type="body" idx="1"/>
+          </p:nvPr>
+        </p:nvSpPr>
+        <p:spPr/>
+        <p:txBody>
+          <a:bodyPr/>
+          <a:lstStyle/>
+          <a:p>
+            <a:r>
+              <a:rPr lang="cs-CZ" dirty="0"/>
+              <a:t>K lepšímu zabezpečení je potřeba uživatelské jméno a heslo změnit</a:t>
+            </a:r>
+          </a:p>
+          <a:p>
+            <a:r>
+              <a:rPr lang="cs-CZ" b="0" i="0" dirty="0">
+                <a:solidFill>
+                  <a:srgbClr val="404040"/>
+                </a:solidFill>
+                <a:effectLst/>
+                <a:latin typeface="Open Sans" panose="020B0606030504020204" pitchFamily="34" charset="0"/>
+              </a:rPr>
+              <a:t>Do nastavení se uživatel dostane tak, že v internetovém prohlížeči zadá přístupovou IP adresu nalezenou na štítku nalepeném na routeru a je vyzván k zadání uživatelského jména a hesla</a:t>
+            </a:r>
+            <a:r>
+              <a:rPr lang="cs-CZ" dirty="0"/>
+              <a:t> </a:t>
+            </a:r>
+          </a:p>
+          <a:p>
+            <a:r>
+              <a:rPr lang="cs-CZ" b="0" i="0" dirty="0">
+                <a:solidFill>
+                  <a:srgbClr val="404040"/>
+                </a:solidFill>
+                <a:effectLst/>
+                <a:latin typeface="Open Sans" panose="020B0606030504020204" pitchFamily="34" charset="0"/>
+              </a:rPr>
+              <a:t>V sekci nastavení Wi-Fi sítě je třeba zadat jméno vysílané Wi-Fi sítě, tzv. SSID a hesla</a:t>
+            </a:r>
+          </a:p>
+          <a:p>
+            <a:r>
+              <a:rPr lang="cs-CZ" b="0" i="0" dirty="0" err="1">
+                <a:solidFill>
+                  <a:srgbClr val="202122"/>
+                </a:solidFill>
+                <a:effectLst/>
+                <a:latin typeface="Arial" panose="020B0604020202020204" pitchFamily="34" charset="0"/>
+              </a:rPr>
+              <a:t>WiFI</a:t>
+            </a:r>
+            <a:r>
+              <a:rPr lang="cs-CZ" b="0" i="0" dirty="0">
+                <a:solidFill>
+                  <a:srgbClr val="202122"/>
+                </a:solidFill>
+                <a:effectLst/>
+                <a:latin typeface="Arial" panose="020B0604020202020204" pitchFamily="34" charset="0"/>
+              </a:rPr>
+              <a:t> Alliance vydala 31. října 2002 popis zabezpečení WPA</a:t>
+            </a:r>
+            <a:endParaRPr lang="cs-CZ" b="0" dirty="0"/>
+          </a:p>
+        </p:txBody>
+      </p:sp>
+      <p:sp>
+        <p:nvSpPr>
+          <p:cNvPr id="4" name="Zástupný symbol pro číslo snímku 3"/>
+          <p:cNvSpPr>
+            <a:spLocks noGrp="1"/>
+          </p:cNvSpPr>
+          <p:nvPr>
+            <p:ph type="sldNum" sz="quarter" idx="5"/>
+          </p:nvPr>
+        </p:nvSpPr>
+        <p:spPr/>
+        <p:txBody>
+          <a:bodyPr/>
+          <a:lstStyle/>
+          <a:p>
+            <a:fld id="{41D4C70A-8DA6-47AE-981F-F0A3334D9E74}" type="slidenum">
+              <a:rPr lang="cs-CZ" smtClean="0"/>
+              <a:t>14</a:t>
             </a:fld>
             <a:endParaRPr lang="cs-CZ"/>
           </a:p>
@@ -1294,7 +1712,10 @@
           <a:bodyPr/>
           <a:lstStyle/>
           <a:p>
-            <a:endParaRPr lang="cs-CZ" dirty="0"/>
+            <a:r>
+              <a:rPr lang="cs-CZ" dirty="0"/>
+              <a:t>Vznikl v roce 1999</a:t>
+            </a:r>
           </a:p>
         </p:txBody>
       </p:sp>
@@ -1324,7 +1745,7 @@
     </p:spTree>
     <p:extLst>
       <p:ext uri="{BB962C8B-B14F-4D97-AF65-F5344CB8AC3E}">
-        <p14:creationId xmlns:p14="http://schemas.microsoft.com/office/powerpoint/2010/main" val="2274338897"/>
+        <p14:creationId xmlns:p14="http://schemas.microsoft.com/office/powerpoint/2010/main" val="3758408517"/>
       </p:ext>
     </p:extLst>
   </p:cSld>
@@ -1379,112 +1800,9 @@
           <a:lstStyle/>
           <a:p>
             <a:r>
-              <a:rPr lang="cs-CZ" b="0" i="0" dirty="0" err="1">
-                <a:solidFill>
-                  <a:srgbClr val="333333"/>
-                </a:solidFill>
-                <a:effectLst/>
-                <a:latin typeface="Noto Serif" panose="020B0604020202020204" pitchFamily="18" charset="0"/>
-              </a:rPr>
-              <a:t>WiFi</a:t>
-            </a:r>
-            <a:r>
-              <a:rPr lang="cs-CZ" b="0" i="0" dirty="0">
-                <a:solidFill>
-                  <a:srgbClr val="333333"/>
-                </a:solidFill>
-                <a:effectLst/>
-                <a:latin typeface="Noto Serif" panose="020B0604020202020204" pitchFamily="18" charset="0"/>
-              </a:rPr>
-              <a:t> signál bude zeslabovat průchod skrz zdi a předměty, vliv dalších </a:t>
-            </a:r>
-            <a:r>
-              <a:rPr lang="cs-CZ" b="0" i="0" dirty="0" err="1">
-                <a:solidFill>
-                  <a:srgbClr val="333333"/>
-                </a:solidFill>
-                <a:effectLst/>
-                <a:latin typeface="Noto Serif" panose="020B0604020202020204" pitchFamily="18" charset="0"/>
-              </a:rPr>
-              <a:t>WiFi</a:t>
-            </a:r>
-            <a:r>
-              <a:rPr lang="cs-CZ" b="0" i="0" dirty="0">
-                <a:solidFill>
-                  <a:srgbClr val="333333"/>
-                </a:solidFill>
-                <a:effectLst/>
-                <a:latin typeface="Noto Serif" panose="020B0604020202020204" pitchFamily="18" charset="0"/>
-              </a:rPr>
-              <a:t>, použití mikrovlnných trub a řada dalších elektrických a elektronických zařízení.</a:t>
-            </a:r>
-          </a:p>
-          <a:p>
-            <a:r>
-              <a:rPr lang="cs-CZ" b="0" i="0" dirty="0">
-                <a:solidFill>
-                  <a:srgbClr val="333333"/>
-                </a:solidFill>
-                <a:effectLst/>
-                <a:latin typeface="Noto Serif" panose="020B0604020202020204" pitchFamily="18" charset="0"/>
-              </a:rPr>
-              <a:t>router – jak dobré a kolik má antén, nastavená „síla“ signálu – na straně opačného to ovlivní i anténa v zařízení, které k </a:t>
-            </a:r>
-            <a:r>
-              <a:rPr lang="cs-CZ" b="0" i="0" dirty="0" err="1">
-                <a:solidFill>
-                  <a:srgbClr val="333333"/>
-                </a:solidFill>
-                <a:effectLst/>
-                <a:latin typeface="Noto Serif" panose="020B0604020202020204" pitchFamily="18" charset="0"/>
-              </a:rPr>
-              <a:t>WiFi</a:t>
-            </a:r>
-            <a:r>
-              <a:rPr lang="cs-CZ" b="0" i="0" dirty="0">
-                <a:solidFill>
-                  <a:srgbClr val="333333"/>
-                </a:solidFill>
-                <a:effectLst/>
-                <a:latin typeface="Noto Serif" panose="020B0604020202020204" pitchFamily="18" charset="0"/>
-              </a:rPr>
-              <a:t> síti připojujete</a:t>
-            </a:r>
-          </a:p>
-          <a:p>
-            <a:r>
-              <a:rPr lang="cs-CZ" b="0" i="0" dirty="0">
-                <a:solidFill>
-                  <a:srgbClr val="333333"/>
-                </a:solidFill>
-                <a:effectLst/>
-                <a:latin typeface="Noto Serif" panose="020B0604020202020204" pitchFamily="18" charset="0"/>
-              </a:rPr>
-              <a:t>2.4 GHz- má méně kanálů</a:t>
-            </a:r>
-          </a:p>
-          <a:p>
-            <a:r>
-              <a:rPr lang="cs-CZ" b="0" i="0">
-                <a:solidFill>
-                  <a:srgbClr val="333333"/>
-                </a:solidFill>
-                <a:effectLst/>
-                <a:latin typeface="Noto Serif" panose="020B0604020202020204" pitchFamily="18" charset="0"/>
-              </a:rPr>
-              <a:t>5 GHz- 24 </a:t>
-            </a:r>
-            <a:r>
-              <a:rPr lang="cs-CZ" b="0" i="0" dirty="0">
-                <a:solidFill>
-                  <a:srgbClr val="333333"/>
-                </a:solidFill>
-                <a:effectLst/>
-                <a:latin typeface="Noto Serif" panose="020B0604020202020204" pitchFamily="18" charset="0"/>
-              </a:rPr>
-              <a:t>nepřekrývajících se kanálů</a:t>
-            </a:r>
-            <a:endParaRPr lang="cs-CZ" dirty="0"/>
+              <a:rPr lang="cs-CZ" dirty="0"/>
+              <a:t>Vznikl v roce 2012</a:t>
+            </a:r>
           </a:p>
         </p:txBody>
       </p:sp>
@@ -1514,7 +1832,7 @@
     </p:spTree>
     <p:extLst>
       <p:ext uri="{BB962C8B-B14F-4D97-AF65-F5344CB8AC3E}">
-        <p14:creationId xmlns:p14="http://schemas.microsoft.com/office/powerpoint/2010/main" val="2755987071"/>
+        <p14:creationId xmlns:p14="http://schemas.microsoft.com/office/powerpoint/2010/main" val="2042173310"/>
       </p:ext>
     </p:extLst>
   </p:cSld>
@@ -1569,68 +1887,118 @@
           <a:lstStyle/>
           <a:p>
             <a:r>
-              <a:rPr lang="cs-CZ" dirty="0"/>
-              <a:t>Cenná data= </a:t>
-            </a:r>
-            <a:r>
               <a:rPr lang="cs-CZ" b="0" i="0" dirty="0">
                 <a:solidFill>
-                  <a:srgbClr val="404040"/>
-                </a:solidFill>
-                <a:effectLst/>
-                <a:latin typeface="Open Sans" panose="020B0606030504020204" pitchFamily="34" charset="0"/>
-              </a:rPr>
-              <a:t>fotografie, videozáznamy, dokumenty, hudba a filmy, IP kamery, dětské chůvičky a chytré televizory</a:t>
-            </a:r>
-            <a:endParaRPr lang="cs-CZ" dirty="0"/>
-          </a:p>
-          <a:p>
-            <a:r>
-              <a:rPr lang="cs-CZ" dirty="0"/>
-              <a:t>Útočník může </a:t>
-            </a:r>
+                  <a:srgbClr val="202122"/>
+                </a:solidFill>
+                <a:effectLst/>
+                <a:latin typeface="Arial" panose="020B0604020202020204" pitchFamily="34" charset="0"/>
+              </a:rPr>
+              <a:t>byl schválen v únoru 2021</a:t>
+            </a:r>
+          </a:p>
+          <a:p>
             <a:r>
               <a:rPr lang="cs-CZ" b="0" i="0" dirty="0">
                 <a:solidFill>
-                  <a:srgbClr val="404040"/>
-                </a:solidFill>
-                <a:effectLst/>
-                <a:latin typeface="Open Sans" panose="020B0606030504020204" pitchFamily="34" charset="0"/>
-              </a:rPr>
-              <a:t>skrze náš router do naší domácí počítačové sítě proniknout a dále může sledovat skrze IP kamery náš soukromý život, krást a zneužívat naše data, nebo z našeho internetového připojení může dále páchat trestnou činnost atd.</a:t>
-            </a:r>
-          </a:p>
-          <a:p>
+                  <a:srgbClr val="202122"/>
+                </a:solidFill>
+                <a:effectLst/>
+                <a:latin typeface="Arial" panose="020B0604020202020204" pitchFamily="34" charset="0"/>
+              </a:rPr>
+              <a:t>2. odrážka- až čtyřnásobně oproti předchozí Wi-Fi 5</a:t>
+            </a:r>
+          </a:p>
+          <a:p>
+            <a:r>
+              <a:rPr lang="cs-CZ" b="0" i="0" dirty="0">
+                <a:solidFill>
+                  <a:srgbClr val="202122"/>
+                </a:solidFill>
+                <a:effectLst/>
+                <a:latin typeface="Arial" panose="020B0604020202020204" pitchFamily="34" charset="0"/>
+              </a:rPr>
+              <a:t>Standard 802.11ax podporuje iPhone 11 a novější (maximální šířka pásma 80 MHz a maximálně dva streamy), Samsung </a:t>
+            </a:r>
             <a:r>
               <a:rPr lang="cs-CZ" b="0" i="0" dirty="0" err="1">
                 <a:solidFill>
-                  <a:srgbClr val="404040"/>
-                </a:solidFill>
-                <a:effectLst/>
-                <a:latin typeface="Open Sans" panose="020B0606030504020204" pitchFamily="34" charset="0"/>
-              </a:rPr>
-              <a:t>Routuje</a:t>
+                  <a:srgbClr val="202122"/>
+                </a:solidFill>
+                <a:effectLst/>
+                <a:latin typeface="Arial" panose="020B0604020202020204" pitchFamily="34" charset="0"/>
+              </a:rPr>
+              <a:t>Galaxy</a:t>
             </a:r>
             <a:r>
               <a:rPr lang="cs-CZ" b="0" i="0" dirty="0">
                 <a:solidFill>
-                  <a:srgbClr val="404040"/>
-                </a:solidFill>
-                <a:effectLst/>
-                <a:latin typeface="Open Sans" panose="020B0606030504020204" pitchFamily="34" charset="0"/>
-              </a:rPr>
-              <a:t>= </a:t>
-            </a:r>
-            <a:r>
-              <a:rPr lang="cs-CZ" sz="1200" b="0" i="0" dirty="0">
-                <a:solidFill>
-                  <a:schemeClr val="tx1"/>
+                  <a:srgbClr val="202122"/>
                 </a:solidFill>
                 <a:effectLst/>
                 <a:latin typeface="Arial" panose="020B0604020202020204" pitchFamily="34" charset="0"/>
-                <a:cs typeface="Arial" panose="020B0604020202020204" pitchFamily="34" charset="0"/>
-              </a:rPr>
-              <a:t>směruje</a:t>
+              </a:rPr>
+              <a:t> A52s 5G, </a:t>
+            </a:r>
+            <a:r>
+              <a:rPr lang="cs-CZ" b="0" i="0" dirty="0" err="1">
+                <a:solidFill>
+                  <a:srgbClr val="202122"/>
+                </a:solidFill>
+                <a:effectLst/>
+                <a:latin typeface="Arial" panose="020B0604020202020204" pitchFamily="34" charset="0"/>
+              </a:rPr>
+              <a:t>Galaxy</a:t>
+            </a:r>
+            <a:r>
+              <a:rPr lang="cs-CZ" b="0" i="0" dirty="0">
+                <a:solidFill>
+                  <a:srgbClr val="202122"/>
+                </a:solidFill>
+                <a:effectLst/>
+                <a:latin typeface="Arial" panose="020B0604020202020204" pitchFamily="34" charset="0"/>
+              </a:rPr>
+              <a:t> </a:t>
+            </a:r>
+            <a:r>
+              <a:rPr lang="cs-CZ" b="0" i="0" dirty="0" err="1">
+                <a:solidFill>
+                  <a:srgbClr val="202122"/>
+                </a:solidFill>
+                <a:effectLst/>
+                <a:latin typeface="Arial" panose="020B0604020202020204" pitchFamily="34" charset="0"/>
+              </a:rPr>
+              <a:t>Note</a:t>
+            </a:r>
+            <a:r>
+              <a:rPr lang="cs-CZ" b="0" i="0" dirty="0">
+                <a:solidFill>
+                  <a:srgbClr val="202122"/>
+                </a:solidFill>
+                <a:effectLst/>
+                <a:latin typeface="Arial" panose="020B0604020202020204" pitchFamily="34" charset="0"/>
+              </a:rPr>
+              <a:t> 10, </a:t>
+            </a:r>
+            <a:r>
+              <a:rPr lang="cs-CZ" b="0" i="0" dirty="0" err="1">
+                <a:solidFill>
+                  <a:srgbClr val="202122"/>
+                </a:solidFill>
+                <a:effectLst/>
+                <a:latin typeface="Arial" panose="020B0604020202020204" pitchFamily="34" charset="0"/>
+              </a:rPr>
+              <a:t>Galaxy</a:t>
+            </a:r>
+            <a:r>
+              <a:rPr lang="cs-CZ" b="0" i="0" dirty="0">
+                <a:solidFill>
+                  <a:srgbClr val="202122"/>
+                </a:solidFill>
+                <a:effectLst/>
+                <a:latin typeface="Arial" panose="020B0604020202020204" pitchFamily="34" charset="0"/>
+              </a:rPr>
+              <a:t> S10 a další (případně novější) zařízení</a:t>
             </a:r>
             <a:endParaRPr lang="cs-CZ" dirty="0"/>
           </a:p>
@@ -1662,7 +2030,7 @@
     </p:spTree>
     <p:extLst>
       <p:ext uri="{BB962C8B-B14F-4D97-AF65-F5344CB8AC3E}">
-        <p14:creationId xmlns:p14="http://schemas.microsoft.com/office/powerpoint/2010/main" val="3589523524"/>
+        <p14:creationId xmlns:p14="http://schemas.microsoft.com/office/powerpoint/2010/main" val="1139151605"/>
       </p:ext>
     </p:extLst>
   </p:cSld>
@@ -4878,6 +5246,53 @@
           </a:p>
         </p:txBody>
       </p:sp>
+      <p:pic>
+        <p:nvPicPr>
+          <p:cNvPr id="2054" name="Picture 6" descr="Wifi logo - Free logo icons">
+            <a:extLst>
+              <a:ext uri="{FF2B5EF4-FFF2-40B4-BE49-F238E27FC236}">
+                <a16:creationId xmlns:a16="http://schemas.microsoft.com/office/drawing/2014/main" id="{444EEA91-CB27-C6EB-C24A-F1A0B851F948}"/>
+              </a:ext>
+            </a:extLst>
+          </p:cNvPr>
+          <p:cNvPicPr>
+            <a:picLocks noChangeAspect="1" noChangeArrowheads="1"/>
+          </p:cNvPicPr>
+          <p:nvPr/>
+        </p:nvPicPr>
+        <p:blipFill>
+          <a:blip r:embed="rId2">
+            <a:extLst>
+              <a:ext uri="{28A0092B-C50C-407E-A947-70E740481C1C}">
+                <a14:useLocalDpi xmlns:a14="http://schemas.microsoft.com/office/drawing/2010/main" val="0"/>
+              </a:ext>
+            </a:extLst>
+          </a:blip>
+          <a:srcRect/>
+          <a:stretch>
+            <a:fillRect/>
+          </a:stretch>
+        </p:blipFill>
+        <p:spPr bwMode="auto">
+          <a:xfrm rot="20912159">
+            <a:off x="139484" y="-295759"/>
+            <a:ext cx="4876800" cy="4876800"/>
+          </a:xfrm>
+          <a:prstGeom prst="rect">
+            <a:avLst/>
+          </a:prstGeom>
+          <a:noFill/>
+          <a:extLst>
+            <a:ext uri="{909E8E84-426E-40DD-AFC4-6F175D3DCCD1}">
+              <a14:hiddenFill xmlns:a14="http://schemas.microsoft.com/office/drawing/2010/main">
+                <a:solidFill>
+                  <a:srgbClr val="FFFFFF"/>
+                </a:solidFill>
+              </a14:hiddenFill>
+            </a:ext>
+          </a:extLst>
+        </p:spPr>
+      </p:pic>
     </p:spTree>
     <p:extLst>
       <p:ext uri="{BB962C8B-B14F-4D97-AF65-F5344CB8AC3E}">
@@ -4892,6 +5307,583 @@
 </file>
 
 <file path=ppt/slides/slide10.xml><?xml version="1.0" encoding="utf-8"?>
+<p:sld xmlns:a="http://schemas.openxmlformats.org/drawingml/2006/main" xmlns:r="http://schemas.openxmlformats.org/officeDocument/2006/relationships" xmlns:p="http://schemas.openxmlformats.org/presentationml/2006/main">
+  <p:cSld>
+    <p:spTree>
+      <p:nvGrpSpPr>
+        <p:cNvPr id="1" name=""/>
+        <p:cNvGrpSpPr/>
+        <p:nvPr/>
+      </p:nvGrpSpPr>
+      <p:grpSpPr>
+        <a:xfrm>
+          <a:off x="0" y="0"/>
+          <a:ext cx="0" cy="0"/>
+          <a:chOff x="0" y="0"/>
+          <a:chExt cx="0" cy="0"/>
+        </a:xfrm>
+      </p:grpSpPr>
+      <p:sp>
+        <p:nvSpPr>
+          <p:cNvPr id="4" name="Obdélník 3">
+            <a:extLst>
+              <a:ext uri="{FF2B5EF4-FFF2-40B4-BE49-F238E27FC236}">
+                <a16:creationId xmlns:a16="http://schemas.microsoft.com/office/drawing/2014/main" id="{90829429-136A-39CC-E8AC-22CCABBE0379}"/>
+              </a:ext>
+            </a:extLst>
+          </p:cNvPr>
+          <p:cNvSpPr/>
+          <p:nvPr/>
+        </p:nvSpPr>
+        <p:spPr>
+          <a:xfrm>
+            <a:off x="4169044" y="2417737"/>
+            <a:ext cx="6276814" cy="2665708"/>
+          </a:xfrm>
+          <a:prstGeom prst="rect">
+            <a:avLst/>
+          </a:prstGeom>
+        </p:spPr>
+        <p:style>
+          <a:lnRef idx="2">
+            <a:schemeClr val="dk1"/>
+          </a:lnRef>
+          <a:fillRef idx="1">
+            <a:schemeClr val="lt1"/>
+          </a:fillRef>
+          <a:effectRef idx="0">
+            <a:schemeClr val="dk1"/>
+          </a:effectRef>
+          <a:fontRef idx="minor">
+            <a:schemeClr val="dk1"/>
+          </a:fontRef>
+        </p:style>
+        <p:txBody>
+          <a:bodyPr rtlCol="0" anchor="ctr"/>
+          <a:lstStyle/>
+          <a:p>
+            <a:pPr algn="ctr"/>
+            <a:endParaRPr lang="cs-CZ"/>
+          </a:p>
+        </p:txBody>
+      </p:sp>
+      <p:sp>
+        <p:nvSpPr>
+          <p:cNvPr id="2" name="Nadpis 1">
+            <a:extLst>
+              <a:ext uri="{FF2B5EF4-FFF2-40B4-BE49-F238E27FC236}">
+                <a16:creationId xmlns:a16="http://schemas.microsoft.com/office/drawing/2014/main" id="{3A8C88A5-8115-9129-3817-7C53A1481739}"/>
+              </a:ext>
+            </a:extLst>
+          </p:cNvPr>
+          <p:cNvSpPr>
+            <a:spLocks noGrp="1"/>
+          </p:cNvSpPr>
+          <p:nvPr>
+            <p:ph type="title"/>
+          </p:nvPr>
+        </p:nvSpPr>
+        <p:spPr>
+          <a:xfrm>
+            <a:off x="495326" y="395445"/>
+            <a:ext cx="4681108" cy="817613"/>
+          </a:xfrm>
+        </p:spPr>
+        <p:txBody>
+          <a:bodyPr/>
+          <a:lstStyle/>
+          <a:p>
+            <a:r>
+              <a:rPr lang="cs-CZ" b="1" i="0" dirty="0">
+                <a:solidFill>
+                  <a:srgbClr val="202122"/>
+                </a:solidFill>
+                <a:effectLst/>
+                <a:latin typeface="Arial" panose="020B0604020202020204" pitchFamily="34" charset="0"/>
+              </a:rPr>
+              <a:t>IEEE 802.11ax</a:t>
+            </a:r>
+            <a:endParaRPr lang="cs-CZ" dirty="0"/>
+          </a:p>
+        </p:txBody>
+      </p:sp>
+      <p:sp>
+        <p:nvSpPr>
+          <p:cNvPr id="3" name="Zástupný obsah 2">
+            <a:extLst>
+              <a:ext uri="{FF2B5EF4-FFF2-40B4-BE49-F238E27FC236}">
+                <a16:creationId xmlns:a16="http://schemas.microsoft.com/office/drawing/2014/main" id="{1A3709FE-76B5-9AD7-8429-0CE7BA0AB9DC}"/>
+              </a:ext>
+            </a:extLst>
+          </p:cNvPr>
+          <p:cNvSpPr>
+            <a:spLocks noGrp="1"/>
+          </p:cNvSpPr>
+          <p:nvPr>
+            <p:ph idx="1"/>
+          </p:nvPr>
+        </p:nvSpPr>
+        <p:spPr>
+          <a:xfrm>
+            <a:off x="4169044" y="2417736"/>
+            <a:ext cx="6276814" cy="3177151"/>
+          </a:xfrm>
+        </p:spPr>
+        <p:txBody>
+          <a:bodyPr>
+            <a:normAutofit/>
+          </a:bodyPr>
+          <a:lstStyle/>
+          <a:p>
+            <a:pPr>
+              <a:buClr>
+                <a:schemeClr val="tx1"/>
+              </a:buClr>
+            </a:pPr>
+            <a:r>
+              <a:rPr lang="cs-CZ" sz="2800" i="0" dirty="0">
+                <a:solidFill>
+                  <a:schemeClr val="tx1"/>
+                </a:solidFill>
+                <a:effectLst/>
+                <a:latin typeface="Arial" panose="020B0604020202020204" pitchFamily="34" charset="0"/>
+              </a:rPr>
+              <a:t>Označován jako Wi-Fi 6</a:t>
+            </a:r>
+          </a:p>
+          <a:p>
+            <a:pPr>
+              <a:buClr>
+                <a:schemeClr val="tx1"/>
+              </a:buClr>
+            </a:pPr>
+            <a:r>
+              <a:rPr lang="cs-CZ" sz="2800" b="0" i="0" dirty="0">
+                <a:solidFill>
+                  <a:schemeClr val="tx1"/>
+                </a:solidFill>
+                <a:effectLst/>
+                <a:latin typeface="Arial" panose="020B0604020202020204" pitchFamily="34" charset="0"/>
+              </a:rPr>
+              <a:t>Oproti předcházejícím standardům je zaměřen na zlepšení spolehlivosti a celkovou propustnost sítě v prostředí s velkým počtem zařízení</a:t>
+            </a:r>
+            <a:endParaRPr lang="cs-CZ" sz="2800" dirty="0">
+              <a:solidFill>
+                <a:schemeClr val="tx1"/>
+              </a:solidFill>
+            </a:endParaRPr>
+          </a:p>
+        </p:txBody>
+      </p:sp>
+    </p:spTree>
+    <p:extLst>
+      <p:ext uri="{BB962C8B-B14F-4D97-AF65-F5344CB8AC3E}">
+        <p14:creationId xmlns:p14="http://schemas.microsoft.com/office/powerpoint/2010/main" val="1147928050"/>
+      </p:ext>
+    </p:extLst>
+  </p:cSld>
+  <p:clrMapOvr>
+    <a:masterClrMapping/>
+  </p:clrMapOvr>
+</p:sld>
+</file>
+
+<file path=ppt/slides/slide11.xml><?xml version="1.0" encoding="utf-8"?>
+<p:sld xmlns:a="http://schemas.openxmlformats.org/drawingml/2006/main" xmlns:r="http://schemas.openxmlformats.org/officeDocument/2006/relationships" xmlns:p="http://schemas.openxmlformats.org/presentationml/2006/main">
+  <p:cSld>
+    <p:spTree>
+      <p:nvGrpSpPr>
+        <p:cNvPr id="1" name=""/>
+        <p:cNvGrpSpPr/>
+        <p:nvPr/>
+      </p:nvGrpSpPr>
+      <p:grpSpPr>
+        <a:xfrm>
+          <a:off x="0" y="0"/>
+          <a:ext cx="0" cy="0"/>
+          <a:chOff x="0" y="0"/>
+          <a:chExt cx="0" cy="0"/>
+        </a:xfrm>
+      </p:grpSpPr>
+      <p:pic>
+        <p:nvPicPr>
+          <p:cNvPr id="1026" name="Picture 2">
+            <a:extLst>
+              <a:ext uri="{FF2B5EF4-FFF2-40B4-BE49-F238E27FC236}">
+                <a16:creationId xmlns:a16="http://schemas.microsoft.com/office/drawing/2014/main" id="{455EA438-F64A-55DC-FC0A-0035A49819AF}"/>
+              </a:ext>
+            </a:extLst>
+          </p:cNvPr>
+          <p:cNvPicPr>
+            <a:picLocks noChangeAspect="1" noChangeArrowheads="1"/>
+          </p:cNvPicPr>
+          <p:nvPr/>
+        </p:nvPicPr>
+        <p:blipFill rotWithShape="1">
+          <a:blip r:embed="rId3">
+            <a:extLst>
+              <a:ext uri="{28A0092B-C50C-407E-A947-70E740481C1C}">
+                <a14:useLocalDpi xmlns:a14="http://schemas.microsoft.com/office/drawing/2010/main" val="0"/>
+              </a:ext>
+            </a:extLst>
+          </a:blip>
+          <a:srcRect l="11808" r="13107"/>
+          <a:stretch/>
+        </p:blipFill>
+        <p:spPr bwMode="auto">
+          <a:xfrm>
+            <a:off x="5145437" y="3889833"/>
+            <a:ext cx="6865750" cy="2828925"/>
+          </a:xfrm>
+          <a:prstGeom prst="rect">
+            <a:avLst/>
+          </a:prstGeom>
+          <a:noFill/>
+          <a:extLst>
+            <a:ext uri="{909E8E84-426E-40DD-AFC4-6F175D3DCCD1}">
+              <a14:hiddenFill xmlns:a14="http://schemas.microsoft.com/office/drawing/2010/main">
+                <a:solidFill>
+                  <a:srgbClr val="FFFFFF"/>
+                </a:solidFill>
+              </a14:hiddenFill>
+            </a:ext>
+          </a:extLst>
+        </p:spPr>
+      </p:pic>
+      <p:pic>
+        <p:nvPicPr>
+          <p:cNvPr id="4" name="Picture 2" descr="60GHz Wireless: The IEEE 802.11ad standard - 60GHz Wireless Networks">
+            <a:extLst>
+              <a:ext uri="{FF2B5EF4-FFF2-40B4-BE49-F238E27FC236}">
+                <a16:creationId xmlns:a16="http://schemas.microsoft.com/office/drawing/2014/main" id="{15C33D86-1BD6-855F-94EF-E23875DB040D}"/>
+              </a:ext>
+            </a:extLst>
+          </p:cNvPr>
+          <p:cNvPicPr>
+            <a:picLocks noChangeAspect="1" noChangeArrowheads="1"/>
+          </p:cNvPicPr>
+          <p:nvPr/>
+        </p:nvPicPr>
+        <p:blipFill>
+          <a:blip r:embed="rId4">
+            <a:extLst>
+              <a:ext uri="{28A0092B-C50C-407E-A947-70E740481C1C}">
+                <a14:useLocalDpi xmlns:a14="http://schemas.microsoft.com/office/drawing/2010/main" val="0"/>
+              </a:ext>
+            </a:extLst>
+          </a:blip>
+          <a:srcRect/>
+          <a:stretch>
+            <a:fillRect/>
+          </a:stretch>
+        </p:blipFill>
+        <p:spPr bwMode="auto">
+          <a:xfrm>
+            <a:off x="180813" y="139242"/>
+            <a:ext cx="5384541" cy="4153789"/>
+          </a:xfrm>
+          <a:prstGeom prst="rect">
+            <a:avLst/>
+          </a:prstGeom>
+          <a:noFill/>
+          <a:extLst>
+            <a:ext uri="{909E8E84-426E-40DD-AFC4-6F175D3DCCD1}">
+              <a14:hiddenFill xmlns:a14="http://schemas.microsoft.com/office/drawing/2010/main">
+                <a:solidFill>
+                  <a:srgbClr val="FFFFFF"/>
+                </a:solidFill>
+              </a14:hiddenFill>
+            </a:ext>
+          </a:extLst>
+        </p:spPr>
+      </p:pic>
+      <p:pic>
+        <p:nvPicPr>
+          <p:cNvPr id="1028" name="Picture 4" descr="802.11n wireless LAN standard and Its Advantages and Disadvantages">
+            <a:extLst>
+              <a:ext uri="{FF2B5EF4-FFF2-40B4-BE49-F238E27FC236}">
+                <a16:creationId xmlns:a16="http://schemas.microsoft.com/office/drawing/2014/main" id="{3ED457B3-0587-8D66-A12A-8CB5A207B09F}"/>
+              </a:ext>
+            </a:extLst>
+          </p:cNvPr>
+          <p:cNvPicPr>
+            <a:picLocks noChangeAspect="1" noChangeArrowheads="1"/>
+          </p:cNvPicPr>
+          <p:nvPr/>
+        </p:nvPicPr>
+        <p:blipFill>
+          <a:blip r:embed="rId5">
+            <a:extLst>
+              <a:ext uri="{28A0092B-C50C-407E-A947-70E740481C1C}">
+                <a14:useLocalDpi xmlns:a14="http://schemas.microsoft.com/office/drawing/2010/main" val="0"/>
+              </a:ext>
+            </a:extLst>
+          </a:blip>
+          <a:srcRect/>
+          <a:stretch>
+            <a:fillRect/>
+          </a:stretch>
+        </p:blipFill>
+        <p:spPr bwMode="auto">
+          <a:xfrm>
+            <a:off x="6707058" y="314325"/>
+            <a:ext cx="4162425" cy="3114675"/>
+          </a:xfrm>
+          <a:prstGeom prst="rect">
+            <a:avLst/>
+          </a:prstGeom>
+          <a:noFill/>
+          <a:extLst>
+            <a:ext uri="{909E8E84-426E-40DD-AFC4-6F175D3DCCD1}">
+              <a14:hiddenFill xmlns:a14="http://schemas.microsoft.com/office/drawing/2010/main">
+                <a:solidFill>
+                  <a:srgbClr val="FFFFFF"/>
+                </a:solidFill>
+              </a14:hiddenFill>
+            </a:ext>
+          </a:extLst>
+        </p:spPr>
+      </p:pic>
+    </p:spTree>
+    <p:extLst>
+      <p:ext uri="{BB962C8B-B14F-4D97-AF65-F5344CB8AC3E}">
+        <p14:creationId xmlns:p14="http://schemas.microsoft.com/office/powerpoint/2010/main" val="417661133"/>
+      </p:ext>
+    </p:extLst>
+  </p:cSld>
+  <p:clrMapOvr>
+    <a:masterClrMapping/>
+  </p:clrMapOvr>
+</p:sld>
+</file>
+
+<file path=ppt/slides/slide12.xml><?xml version="1.0" encoding="utf-8"?>
+<p:sld xmlns:a="http://schemas.openxmlformats.org/drawingml/2006/main" xmlns:r="http://schemas.openxmlformats.org/officeDocument/2006/relationships" xmlns:p="http://schemas.openxmlformats.org/presentationml/2006/main">
+  <p:cSld>
+    <p:spTree>
+      <p:nvGrpSpPr>
+        <p:cNvPr id="1" name=""/>
+        <p:cNvGrpSpPr/>
+        <p:nvPr/>
+      </p:nvGrpSpPr>
+      <p:grpSpPr>
+        <a:xfrm>
+          <a:off x="0" y="0"/>
+          <a:ext cx="0" cy="0"/>
+          <a:chOff x="0" y="0"/>
+          <a:chExt cx="0" cy="0"/>
+        </a:xfrm>
+      </p:grpSpPr>
+      <p:sp>
+        <p:nvSpPr>
+          <p:cNvPr id="4" name="Obdélník 3">
+            <a:extLst>
+              <a:ext uri="{FF2B5EF4-FFF2-40B4-BE49-F238E27FC236}">
+                <a16:creationId xmlns:a16="http://schemas.microsoft.com/office/drawing/2014/main" id="{5C37340C-F439-EB87-8A03-DBF2333BF665}"/>
+              </a:ext>
+            </a:extLst>
+          </p:cNvPr>
+          <p:cNvSpPr/>
+          <p:nvPr/>
+        </p:nvSpPr>
+        <p:spPr>
+          <a:xfrm>
+            <a:off x="2634712" y="2014781"/>
+            <a:ext cx="8214101" cy="3564610"/>
+          </a:xfrm>
+          <a:prstGeom prst="rect">
+            <a:avLst/>
+          </a:prstGeom>
+          <a:ln>
+            <a:solidFill>
+              <a:schemeClr val="tx1"/>
+            </a:solidFill>
+          </a:ln>
+        </p:spPr>
+        <p:style>
+          <a:lnRef idx="2">
+            <a:schemeClr val="accent6"/>
+          </a:lnRef>
+          <a:fillRef idx="1">
+            <a:schemeClr val="lt1"/>
+          </a:fillRef>
+          <a:effectRef idx="0">
+            <a:schemeClr val="accent6"/>
+          </a:effectRef>
+          <a:fontRef idx="minor">
+            <a:schemeClr val="dk1"/>
+          </a:fontRef>
+        </p:style>
+        <p:txBody>
+          <a:bodyPr rtlCol="0" anchor="ctr"/>
+          <a:lstStyle/>
+          <a:p>
+            <a:pPr algn="ctr"/>
+            <a:endParaRPr lang="cs-CZ"/>
+          </a:p>
+        </p:txBody>
+      </p:sp>
+      <p:sp>
+        <p:nvSpPr>
+          <p:cNvPr id="2" name="Nadpis 1">
+            <a:extLst>
+              <a:ext uri="{FF2B5EF4-FFF2-40B4-BE49-F238E27FC236}">
+                <a16:creationId xmlns:a16="http://schemas.microsoft.com/office/drawing/2014/main" id="{B7C87B54-C762-085A-F4B6-17F5DCC4855B}"/>
+              </a:ext>
+            </a:extLst>
+          </p:cNvPr>
+          <p:cNvSpPr>
+            <a:spLocks noGrp="1"/>
+          </p:cNvSpPr>
+          <p:nvPr>
+            <p:ph type="title"/>
+          </p:nvPr>
+        </p:nvSpPr>
+        <p:spPr>
+          <a:xfrm>
+            <a:off x="464330" y="360258"/>
+            <a:ext cx="3518734" cy="895105"/>
+          </a:xfrm>
+        </p:spPr>
+        <p:txBody>
+          <a:bodyPr/>
+          <a:lstStyle/>
+          <a:p>
+            <a:r>
+              <a:rPr lang="cs-CZ" dirty="0"/>
+              <a:t>dosah</a:t>
+            </a:r>
+          </a:p>
+        </p:txBody>
+      </p:sp>
+      <p:sp>
+        <p:nvSpPr>
+          <p:cNvPr id="3" name="Zástupný obsah 2">
+            <a:extLst>
+              <a:ext uri="{FF2B5EF4-FFF2-40B4-BE49-F238E27FC236}">
+                <a16:creationId xmlns:a16="http://schemas.microsoft.com/office/drawing/2014/main" id="{611F821F-90B9-606A-3D33-23EBA521D033}"/>
+              </a:ext>
+            </a:extLst>
+          </p:cNvPr>
+          <p:cNvSpPr>
+            <a:spLocks noGrp="1"/>
+          </p:cNvSpPr>
+          <p:nvPr>
+            <p:ph idx="1"/>
+          </p:nvPr>
+        </p:nvSpPr>
+        <p:spPr>
+          <a:xfrm>
+            <a:off x="2634712" y="2014780"/>
+            <a:ext cx="8214101" cy="5011607"/>
+          </a:xfrm>
+        </p:spPr>
+        <p:txBody>
+          <a:bodyPr>
+            <a:normAutofit/>
+          </a:bodyPr>
+          <a:lstStyle/>
+          <a:p>
+            <a:pPr>
+              <a:buClr>
+                <a:schemeClr val="tx1"/>
+              </a:buClr>
+            </a:pPr>
+            <a:r>
+              <a:rPr lang="cs-CZ" sz="2800" dirty="0">
+                <a:solidFill>
+                  <a:schemeClr val="tx1"/>
+                </a:solidFill>
+                <a:latin typeface="Arial" panose="020B0604020202020204" pitchFamily="34" charset="0"/>
+                <a:cs typeface="Arial" panose="020B0604020202020204" pitchFamily="34" charset="0"/>
+              </a:rPr>
+              <a:t>Nelze přesně určit</a:t>
+            </a:r>
+          </a:p>
+          <a:p>
+            <a:pPr>
+              <a:buClr>
+                <a:schemeClr val="tx1"/>
+              </a:buClr>
+            </a:pPr>
+            <a:r>
+              <a:rPr lang="cs-CZ" sz="2800" dirty="0">
+                <a:solidFill>
+                  <a:schemeClr val="tx1"/>
+                </a:solidFill>
+                <a:latin typeface="Arial" panose="020B0604020202020204" pitchFamily="34" charset="0"/>
+                <a:cs typeface="Arial" panose="020B0604020202020204" pitchFamily="34" charset="0"/>
+              </a:rPr>
+              <a:t>Zeslabován několika faktory</a:t>
+            </a:r>
+          </a:p>
+          <a:p>
+            <a:pPr>
+              <a:buClr>
+                <a:schemeClr val="tx1"/>
+              </a:buClr>
+            </a:pPr>
+            <a:r>
+              <a:rPr lang="cs-CZ" sz="2800" dirty="0">
+                <a:solidFill>
+                  <a:schemeClr val="tx1"/>
+                </a:solidFill>
+                <a:latin typeface="Arial" panose="020B0604020202020204" pitchFamily="34" charset="0"/>
+                <a:cs typeface="Arial" panose="020B0604020202020204" pitchFamily="34" charset="0"/>
+              </a:rPr>
+              <a:t>Roli hraje i router</a:t>
+            </a:r>
+          </a:p>
+          <a:p>
+            <a:pPr>
+              <a:buClr>
+                <a:schemeClr val="tx1"/>
+              </a:buClr>
+            </a:pPr>
+            <a:r>
+              <a:rPr lang="cs-CZ" sz="2800" dirty="0">
+                <a:solidFill>
+                  <a:schemeClr val="tx1"/>
+                </a:solidFill>
+                <a:latin typeface="Arial" panose="020B0604020202020204" pitchFamily="34" charset="0"/>
+                <a:cs typeface="Arial" panose="020B0604020202020204" pitchFamily="34" charset="0"/>
+              </a:rPr>
+              <a:t>Také zaleží na pásmu (2,4 nebo 5 GHz)</a:t>
+            </a:r>
+          </a:p>
+          <a:p>
+            <a:pPr>
+              <a:buClr>
+                <a:schemeClr val="tx1"/>
+              </a:buClr>
+            </a:pPr>
+            <a:r>
+              <a:rPr lang="cs-CZ" sz="2800" dirty="0">
+                <a:solidFill>
+                  <a:schemeClr val="tx1"/>
+                </a:solidFill>
+                <a:latin typeface="Arial" panose="020B0604020202020204" pitchFamily="34" charset="0"/>
+                <a:cs typeface="Arial" panose="020B0604020202020204" pitchFamily="34" charset="0"/>
+              </a:rPr>
+              <a:t>Wifi dokáže běžně zachytit zařízení až 300m, ale se slabým signálem </a:t>
+            </a:r>
+          </a:p>
+        </p:txBody>
+      </p:sp>
+    </p:spTree>
+    <p:extLst>
+      <p:ext uri="{BB962C8B-B14F-4D97-AF65-F5344CB8AC3E}">
+        <p14:creationId xmlns:p14="http://schemas.microsoft.com/office/powerpoint/2010/main" val="3247474966"/>
+      </p:ext>
+    </p:extLst>
+  </p:cSld>
+  <p:clrMapOvr>
+    <a:masterClrMapping/>
+  </p:clrMapOvr>
+</p:sld>
+</file>
+
+<file path=ppt/slides/slide13.xml><?xml version="1.0" encoding="utf-8"?>
 <p:sld xmlns:a="http://schemas.openxmlformats.org/drawingml/2006/main" xmlns:r="http://schemas.openxmlformats.org/officeDocument/2006/relationships" xmlns:p="http://schemas.openxmlformats.org/presentationml/2006/main">
   <p:cSld>
     <p:spTree>
@@ -5184,7 +6176,7 @@
 </p:sld>
 </file>
 
-<file path=ppt/slides/slide11.xml><?xml version="1.0" encoding="utf-8"?>
+<file path=ppt/slides/slide14.xml><?xml version="1.0" encoding="utf-8"?>
 <p:sld xmlns:a="http://schemas.openxmlformats.org/drawingml/2006/main" xmlns:r="http://schemas.openxmlformats.org/officeDocument/2006/relationships" xmlns:p="http://schemas.openxmlformats.org/presentationml/2006/main">
   <p:cSld>
     <p:spTree>
@@ -5554,640 +6546,6 @@
     <p:extLst>
       <p:ext uri="{BB962C8B-B14F-4D97-AF65-F5344CB8AC3E}">
         <p14:creationId xmlns:p14="http://schemas.microsoft.com/office/powerpoint/2010/main" val="202359997"/>
-      </p:ext>
-    </p:extLst>
-  </p:cSld>
-  <p:clrMapOvr>
-    <a:masterClrMapping/>
-  </p:clrMapOvr>
-</p:sld>
-</file>
-
-<file path=ppt/slides/slide12.xml><?xml version="1.0" encoding="utf-8"?>
-<p:sld xmlns:a="http://schemas.openxmlformats.org/drawingml/2006/main" xmlns:r="http://schemas.openxmlformats.org/officeDocument/2006/relationships" xmlns:p="http://schemas.openxmlformats.org/presentationml/2006/main">
-  <p:cSld>
-    <p:spTree>
-      <p:nvGrpSpPr>
-        <p:cNvPr id="1" name=""/>
-        <p:cNvGrpSpPr/>
-        <p:nvPr/>
-      </p:nvGrpSpPr>
-      <p:grpSpPr>
-        <a:xfrm>
-          <a:off x="0" y="0"/>
-          <a:ext cx="0" cy="0"/>
-          <a:chOff x="0" y="0"/>
-          <a:chExt cx="0" cy="0"/>
-        </a:xfrm>
-      </p:grpSpPr>
-      <p:sp>
-        <p:nvSpPr>
-          <p:cNvPr id="2" name="Nadpis 1">
-            <a:extLst>
-              <a:ext uri="{FF2B5EF4-FFF2-40B4-BE49-F238E27FC236}">
-                <a16:creationId xmlns:a16="http://schemas.microsoft.com/office/drawing/2014/main" id="{EA943DBD-8AA8-C441-CAAC-AE408D5B05F7}"/>
-              </a:ext>
-            </a:extLst>
-          </p:cNvPr>
-          <p:cNvSpPr>
-            <a:spLocks noGrp="1"/>
-          </p:cNvSpPr>
-          <p:nvPr>
-            <p:ph type="title"/>
-          </p:nvPr>
-        </p:nvSpPr>
-        <p:spPr>
-          <a:xfrm>
-            <a:off x="402336" y="298265"/>
-            <a:ext cx="3007291" cy="538644"/>
-          </a:xfrm>
-        </p:spPr>
-        <p:txBody>
-          <a:bodyPr>
-            <a:normAutofit fontScale="90000"/>
-          </a:bodyPr>
-          <a:lstStyle/>
-          <a:p>
-            <a:r>
-              <a:rPr lang="cs-CZ" dirty="0"/>
-              <a:t>citace</a:t>
-            </a:r>
-          </a:p>
-        </p:txBody>
-      </p:sp>
-      <p:sp>
-        <p:nvSpPr>
-          <p:cNvPr id="3" name="Zástupný obsah 2">
-            <a:extLst>
-              <a:ext uri="{FF2B5EF4-FFF2-40B4-BE49-F238E27FC236}">
-                <a16:creationId xmlns:a16="http://schemas.microsoft.com/office/drawing/2014/main" id="{FF883635-2FC2-6251-40F3-D283E3EB1748}"/>
-              </a:ext>
-            </a:extLst>
-          </p:cNvPr>
-          <p:cNvSpPr>
-            <a:spLocks noGrp="1"/>
-          </p:cNvSpPr>
-          <p:nvPr>
-            <p:ph idx="1"/>
-          </p:nvPr>
-        </p:nvSpPr>
-        <p:spPr>
-          <a:xfrm>
-            <a:off x="1069383" y="945397"/>
-            <a:ext cx="10383864" cy="5614338"/>
-          </a:xfrm>
-        </p:spPr>
-        <p:txBody>
-          <a:bodyPr/>
-          <a:lstStyle/>
-          <a:p>
-            <a:pPr>
-              <a:buClr>
-                <a:schemeClr val="tx1"/>
-              </a:buClr>
-            </a:pPr>
-            <a:r>
-              <a:rPr lang="pl-PL" b="0" i="0" dirty="0">
-                <a:solidFill>
-                  <a:srgbClr val="212529"/>
-                </a:solidFill>
-                <a:effectLst/>
-                <a:latin typeface="Open Sans" panose="020B0606030504020204" pitchFamily="34" charset="0"/>
-              </a:rPr>
-              <a:t>Wi-Fi. </a:t>
-            </a:r>
-            <a:r>
-              <a:rPr lang="pl-PL" b="0" i="1" dirty="0">
-                <a:solidFill>
-                  <a:srgbClr val="212529"/>
-                </a:solidFill>
-                <a:effectLst/>
-                <a:latin typeface="Open Sans" panose="020B0606030504020204" pitchFamily="34" charset="0"/>
-              </a:rPr>
-              <a:t>Wikipedia</a:t>
-            </a:r>
-            <a:r>
-              <a:rPr lang="pl-PL" b="0" i="0" dirty="0">
-                <a:solidFill>
-                  <a:srgbClr val="212529"/>
-                </a:solidFill>
-                <a:effectLst/>
-                <a:latin typeface="Open Sans" panose="020B0606030504020204" pitchFamily="34" charset="0"/>
-              </a:rPr>
-              <a:t> [online]. [cit. 2023-01-20]. Dostupné z: </a:t>
-            </a:r>
-            <a:r>
-              <a:rPr lang="pl-PL" b="0" i="0" dirty="0">
-                <a:solidFill>
-                  <a:schemeClr val="tx1"/>
-                </a:solidFill>
-                <a:effectLst/>
-                <a:latin typeface="Open Sans" panose="020B0606030504020204" pitchFamily="34" charset="0"/>
-                <a:hlinkClick r:id="rId2">
-                  <a:extLst>
-                    <a:ext uri="{A12FA001-AC4F-418D-AE19-62706E023703}">
-                      <ahyp:hlinkClr xmlns:ahyp="http://schemas.microsoft.com/office/drawing/2018/hyperlinkcolor" val="tx"/>
-                    </a:ext>
-                  </a:extLst>
-                </a:hlinkClick>
-              </a:rPr>
-              <a:t>https://cs.wikipedia.org/wiki/Wi-Fi</a:t>
-            </a:r>
-            <a:endParaRPr lang="pl-PL" b="0" i="0" dirty="0">
-              <a:solidFill>
-                <a:schemeClr val="tx1"/>
-              </a:solidFill>
-              <a:effectLst/>
-              <a:latin typeface="Open Sans" panose="020B0606030504020204" pitchFamily="34" charset="0"/>
-            </a:endParaRPr>
-          </a:p>
-          <a:p>
-            <a:pPr>
-              <a:buClr>
-                <a:schemeClr val="tx1"/>
-              </a:buClr>
-            </a:pPr>
-            <a:r>
-              <a:rPr lang="en-US" b="0" i="0" dirty="0">
-                <a:solidFill>
-                  <a:srgbClr val="212529"/>
-                </a:solidFill>
-                <a:effectLst/>
-                <a:latin typeface="Open Sans" panose="020B0606030504020204" pitchFamily="34" charset="0"/>
-              </a:rPr>
-              <a:t>What Is Wi-Fi?. </a:t>
-            </a:r>
-            <a:r>
-              <a:rPr lang="en-US" b="0" i="1" dirty="0">
-                <a:solidFill>
-                  <a:srgbClr val="212529"/>
-                </a:solidFill>
-                <a:effectLst/>
-                <a:latin typeface="Open Sans" panose="020B0606030504020204" pitchFamily="34" charset="0"/>
-              </a:rPr>
-              <a:t>Cisco</a:t>
-            </a:r>
-            <a:r>
-              <a:rPr lang="en-US" b="0" i="0" dirty="0">
-                <a:solidFill>
-                  <a:srgbClr val="212529"/>
-                </a:solidFill>
-                <a:effectLst/>
-                <a:latin typeface="Open Sans" panose="020B0606030504020204" pitchFamily="34" charset="0"/>
-              </a:rPr>
-              <a:t> [online]. [cit. 2023-01-20]. </a:t>
-            </a:r>
-            <a:r>
-              <a:rPr lang="en-US" b="0" i="0" dirty="0" err="1">
-                <a:solidFill>
-                  <a:srgbClr val="212529"/>
-                </a:solidFill>
-                <a:effectLst/>
-                <a:latin typeface="Open Sans" panose="020B0606030504020204" pitchFamily="34" charset="0"/>
-              </a:rPr>
-              <a:t>Dostupné</a:t>
-            </a:r>
-            <a:r>
-              <a:rPr lang="en-US" b="0" i="0" dirty="0">
-                <a:solidFill>
-                  <a:srgbClr val="212529"/>
-                </a:solidFill>
-                <a:effectLst/>
-                <a:latin typeface="Open Sans" panose="020B0606030504020204" pitchFamily="34" charset="0"/>
-              </a:rPr>
-              <a:t> z: </a:t>
-            </a:r>
-            <a:r>
-              <a:rPr lang="en-US" b="0" i="0" dirty="0">
-                <a:solidFill>
-                  <a:srgbClr val="212529"/>
-                </a:solidFill>
-                <a:effectLst/>
-                <a:latin typeface="Open Sans" panose="020B0606030504020204" pitchFamily="34" charset="0"/>
-                <a:hlinkClick r:id="rId3"/>
-              </a:rPr>
-              <a:t>https://www.cisco.com/c/en/us/products/wireless/what-is-wifi.html</a:t>
-            </a:r>
-            <a:endParaRPr lang="cs-CZ" b="0" i="0" dirty="0">
-              <a:solidFill>
-                <a:srgbClr val="212529"/>
-              </a:solidFill>
-              <a:effectLst/>
-              <a:latin typeface="Open Sans" panose="020B0606030504020204" pitchFamily="34" charset="0"/>
-            </a:endParaRPr>
-          </a:p>
-          <a:p>
-            <a:pPr>
-              <a:buClr>
-                <a:schemeClr val="tx1"/>
-              </a:buClr>
-            </a:pPr>
-            <a:r>
-              <a:rPr lang="cs-CZ" b="0" i="0" dirty="0">
-                <a:solidFill>
-                  <a:srgbClr val="212529"/>
-                </a:solidFill>
-                <a:effectLst/>
-                <a:latin typeface="Open Sans" panose="020B0606030504020204" pitchFamily="34" charset="0"/>
-              </a:rPr>
-              <a:t>Wi-Fi. </a:t>
-            </a:r>
-            <a:r>
-              <a:rPr lang="cs-CZ" b="0" i="1" dirty="0">
-                <a:solidFill>
-                  <a:srgbClr val="212529"/>
-                </a:solidFill>
-                <a:effectLst/>
-                <a:latin typeface="Open Sans" panose="020B0606030504020204" pitchFamily="34" charset="0"/>
-              </a:rPr>
-              <a:t>Verizon</a:t>
-            </a:r>
-            <a:r>
-              <a:rPr lang="cs-CZ" b="0" i="0" dirty="0">
-                <a:solidFill>
-                  <a:srgbClr val="212529"/>
-                </a:solidFill>
-                <a:effectLst/>
-                <a:latin typeface="Open Sans" panose="020B0606030504020204" pitchFamily="34" charset="0"/>
-              </a:rPr>
-              <a:t> [online]. [cit. 2023-01-20]. Dostupné z: </a:t>
-            </a:r>
-            <a:r>
-              <a:rPr lang="cs-CZ" b="0" i="0" dirty="0">
-                <a:solidFill>
-                  <a:srgbClr val="212529"/>
-                </a:solidFill>
-                <a:effectLst/>
-                <a:latin typeface="Open Sans" panose="020B0606030504020204" pitchFamily="34" charset="0"/>
-                <a:hlinkClick r:id="rId4"/>
-              </a:rPr>
-              <a:t>https://www.verizon.com/articles/internet-essentials/wifi-definiton/</a:t>
-            </a:r>
-            <a:endParaRPr lang="cs-CZ" dirty="0">
-              <a:solidFill>
-                <a:srgbClr val="212529"/>
-              </a:solidFill>
-              <a:latin typeface="Open Sans" panose="020B0606030504020204" pitchFamily="34" charset="0"/>
-            </a:endParaRPr>
-          </a:p>
-          <a:p>
-            <a:pPr>
-              <a:buClr>
-                <a:schemeClr val="tx1"/>
-              </a:buClr>
-            </a:pPr>
-            <a:r>
-              <a:rPr lang="pl-PL" b="0" i="0" dirty="0">
-                <a:solidFill>
-                  <a:srgbClr val="212529"/>
-                </a:solidFill>
-                <a:effectLst/>
-                <a:latin typeface="Open Sans" panose="020B0606030504020204" pitchFamily="34" charset="0"/>
-              </a:rPr>
-              <a:t>Co je to WiFi - úvod do technologie. </a:t>
-            </a:r>
-            <a:r>
-              <a:rPr lang="pl-PL" b="0" i="1" dirty="0">
-                <a:solidFill>
-                  <a:srgbClr val="212529"/>
-                </a:solidFill>
-                <a:effectLst/>
-                <a:latin typeface="Open Sans" panose="020B0606030504020204" pitchFamily="34" charset="0"/>
-              </a:rPr>
-              <a:t>Vyvoj.hw.cz</a:t>
-            </a:r>
-            <a:r>
-              <a:rPr lang="pl-PL" b="0" i="0" dirty="0">
-                <a:solidFill>
-                  <a:srgbClr val="212529"/>
-                </a:solidFill>
-                <a:effectLst/>
-                <a:latin typeface="Open Sans" panose="020B0606030504020204" pitchFamily="34" charset="0"/>
-              </a:rPr>
-              <a:t> [online]. [cit. 2023-01-20]. Dostupné z: </a:t>
-            </a:r>
-            <a:r>
-              <a:rPr lang="pl-PL" b="0" i="0" dirty="0">
-                <a:solidFill>
-                  <a:srgbClr val="212529"/>
-                </a:solidFill>
-                <a:effectLst/>
-                <a:latin typeface="Open Sans" panose="020B0606030504020204" pitchFamily="34" charset="0"/>
-                <a:hlinkClick r:id="rId5"/>
-              </a:rPr>
-              <a:t>https://vyvoj.hw.cz/produkty/ethernet/co-je-to-wifi-uvod-do-technologie.html</a:t>
-            </a:r>
-            <a:endParaRPr lang="cs-CZ" b="0" i="0" dirty="0">
-              <a:solidFill>
-                <a:srgbClr val="212529"/>
-              </a:solidFill>
-              <a:effectLst/>
-              <a:latin typeface="Open Sans" panose="020B0606030504020204" pitchFamily="34" charset="0"/>
-            </a:endParaRPr>
-          </a:p>
-          <a:p>
-            <a:pPr>
-              <a:buClr>
-                <a:schemeClr val="tx1"/>
-              </a:buClr>
-            </a:pPr>
-            <a:r>
-              <a:rPr lang="it-IT" b="0" i="0" dirty="0">
-                <a:solidFill>
-                  <a:srgbClr val="212529"/>
-                </a:solidFill>
-                <a:effectLst/>
-                <a:latin typeface="Open Sans" panose="020B0606030504020204" pitchFamily="34" charset="0"/>
-              </a:rPr>
-              <a:t>IEEE_802.11. </a:t>
-            </a:r>
-            <a:r>
-              <a:rPr lang="it-IT" b="0" i="1" dirty="0">
-                <a:solidFill>
-                  <a:srgbClr val="212529"/>
-                </a:solidFill>
-                <a:effectLst/>
-                <a:latin typeface="Open Sans" panose="020B0606030504020204" pitchFamily="34" charset="0"/>
-              </a:rPr>
-              <a:t>Wikipedia</a:t>
-            </a:r>
-            <a:r>
-              <a:rPr lang="it-IT" b="0" i="0" dirty="0">
-                <a:solidFill>
-                  <a:srgbClr val="212529"/>
-                </a:solidFill>
-                <a:effectLst/>
-                <a:latin typeface="Open Sans" panose="020B0606030504020204" pitchFamily="34" charset="0"/>
-              </a:rPr>
-              <a:t> [online]. [cit. 2023-01-20]. Dostupné z: </a:t>
-            </a:r>
-            <a:r>
-              <a:rPr lang="it-IT" b="0" i="0" dirty="0">
-                <a:solidFill>
-                  <a:srgbClr val="212529"/>
-                </a:solidFill>
-                <a:effectLst/>
-                <a:latin typeface="Open Sans" panose="020B0606030504020204" pitchFamily="34" charset="0"/>
-                <a:hlinkClick r:id="rId6"/>
-              </a:rPr>
-              <a:t>https://cs.wikipedia.org/wiki/IEEE_802.11</a:t>
-            </a:r>
-            <a:endParaRPr lang="cs-CZ" dirty="0">
-              <a:solidFill>
-                <a:srgbClr val="212529"/>
-              </a:solidFill>
-              <a:latin typeface="Open Sans" panose="020B0606030504020204" pitchFamily="34" charset="0"/>
-            </a:endParaRPr>
-          </a:p>
-          <a:p>
-            <a:pPr>
-              <a:buClr>
-                <a:schemeClr val="tx1"/>
-              </a:buClr>
-            </a:pPr>
-            <a:r>
-              <a:rPr lang="cs-CZ" b="0" i="0" dirty="0">
-                <a:solidFill>
-                  <a:srgbClr val="212529"/>
-                </a:solidFill>
-                <a:effectLst/>
-                <a:latin typeface="Open Sans" panose="020B0606030504020204" pitchFamily="34" charset="0"/>
-              </a:rPr>
-              <a:t>Vyznejte se ve standardech </a:t>
-            </a:r>
-            <a:r>
-              <a:rPr lang="cs-CZ" b="0" i="0" dirty="0" err="1">
-                <a:solidFill>
-                  <a:srgbClr val="212529"/>
-                </a:solidFill>
-                <a:effectLst/>
-                <a:latin typeface="Open Sans" panose="020B0606030504020204" pitchFamily="34" charset="0"/>
-              </a:rPr>
-              <a:t>WiFi</a:t>
-            </a:r>
-            <a:r>
-              <a:rPr lang="cs-CZ" b="0" i="0" dirty="0">
-                <a:solidFill>
-                  <a:srgbClr val="212529"/>
-                </a:solidFill>
-                <a:effectLst/>
-                <a:latin typeface="Open Sans" panose="020B0606030504020204" pitchFamily="34" charset="0"/>
-              </a:rPr>
-              <a:t>. </a:t>
-            </a:r>
-            <a:r>
-              <a:rPr lang="cs-CZ" b="0" i="1" dirty="0" err="1">
-                <a:solidFill>
-                  <a:srgbClr val="212529"/>
-                </a:solidFill>
-                <a:effectLst/>
-                <a:latin typeface="Open Sans" panose="020B0606030504020204" pitchFamily="34" charset="0"/>
-              </a:rPr>
-              <a:t>Airwaynet</a:t>
-            </a:r>
-            <a:r>
-              <a:rPr lang="cs-CZ" b="0" i="0" dirty="0">
-                <a:solidFill>
-                  <a:srgbClr val="212529"/>
-                </a:solidFill>
-                <a:effectLst/>
-                <a:latin typeface="Open Sans" panose="020B0606030504020204" pitchFamily="34" charset="0"/>
-              </a:rPr>
-              <a:t> [online]. [cit. 2023-01-20]. Dostupné z: </a:t>
-            </a:r>
-            <a:r>
-              <a:rPr lang="cs-CZ" b="0" i="0" dirty="0">
-                <a:solidFill>
-                  <a:srgbClr val="212529"/>
-                </a:solidFill>
-                <a:effectLst/>
-                <a:latin typeface="Open Sans" panose="020B0606030504020204" pitchFamily="34" charset="0"/>
-                <a:hlinkClick r:id="rId7"/>
-              </a:rPr>
-              <a:t>https://www.airwaynet.cz/vyznejte-se-ve-standardech-wifi/</a:t>
-            </a:r>
-            <a:endParaRPr lang="cs-CZ" b="0" i="0" dirty="0">
-              <a:solidFill>
-                <a:srgbClr val="212529"/>
-              </a:solidFill>
-              <a:effectLst/>
-              <a:latin typeface="Open Sans" panose="020B0606030504020204" pitchFamily="34" charset="0"/>
-            </a:endParaRPr>
-          </a:p>
-          <a:p>
-            <a:pPr>
-              <a:buClr>
-                <a:schemeClr val="tx1"/>
-              </a:buClr>
-            </a:pPr>
-            <a:endParaRPr lang="cs-CZ" dirty="0"/>
-          </a:p>
-        </p:txBody>
-      </p:sp>
-    </p:spTree>
-    <p:extLst>
-      <p:ext uri="{BB962C8B-B14F-4D97-AF65-F5344CB8AC3E}">
-        <p14:creationId xmlns:p14="http://schemas.microsoft.com/office/powerpoint/2010/main" val="3972665055"/>
-      </p:ext>
-    </p:extLst>
-  </p:cSld>
-  <p:clrMapOvr>
-    <a:masterClrMapping/>
-  </p:clrMapOvr>
-</p:sld>
-</file>
-
-<file path=ppt/slides/slide13.xml><?xml version="1.0" encoding="utf-8"?>
-<p:sld xmlns:a="http://schemas.openxmlformats.org/drawingml/2006/main" xmlns:r="http://schemas.openxmlformats.org/officeDocument/2006/relationships" xmlns:p="http://schemas.openxmlformats.org/presentationml/2006/main">
-  <p:cSld>
-    <p:spTree>
-      <p:nvGrpSpPr>
-        <p:cNvPr id="1" name=""/>
-        <p:cNvGrpSpPr/>
-        <p:nvPr/>
-      </p:nvGrpSpPr>
-      <p:grpSpPr>
-        <a:xfrm>
-          <a:off x="0" y="0"/>
-          <a:ext cx="0" cy="0"/>
-          <a:chOff x="0" y="0"/>
-          <a:chExt cx="0" cy="0"/>
-        </a:xfrm>
-      </p:grpSpPr>
-      <p:sp>
-        <p:nvSpPr>
-          <p:cNvPr id="2" name="Nadpis 1">
-            <a:extLst>
-              <a:ext uri="{FF2B5EF4-FFF2-40B4-BE49-F238E27FC236}">
-                <a16:creationId xmlns:a16="http://schemas.microsoft.com/office/drawing/2014/main" id="{A51351A0-14FD-0F3C-874E-EB855A2A14E4}"/>
-              </a:ext>
-            </a:extLst>
-          </p:cNvPr>
-          <p:cNvSpPr>
-            <a:spLocks noGrp="1"/>
-          </p:cNvSpPr>
-          <p:nvPr>
-            <p:ph type="title"/>
-          </p:nvPr>
-        </p:nvSpPr>
-        <p:spPr/>
-        <p:txBody>
-          <a:bodyPr/>
-          <a:lstStyle/>
-          <a:p>
-            <a:endParaRPr lang="cs-CZ"/>
-          </a:p>
-        </p:txBody>
-      </p:sp>
-      <p:sp>
-        <p:nvSpPr>
-          <p:cNvPr id="3" name="Zástupný obsah 2">
-            <a:extLst>
-              <a:ext uri="{FF2B5EF4-FFF2-40B4-BE49-F238E27FC236}">
-                <a16:creationId xmlns:a16="http://schemas.microsoft.com/office/drawing/2014/main" id="{A2FEDD8F-0387-6441-FD7A-353FA279FB86}"/>
-              </a:ext>
-            </a:extLst>
-          </p:cNvPr>
-          <p:cNvSpPr>
-            <a:spLocks noGrp="1"/>
-          </p:cNvSpPr>
-          <p:nvPr>
-            <p:ph idx="1"/>
-          </p:nvPr>
-        </p:nvSpPr>
-        <p:spPr/>
-        <p:txBody>
-          <a:bodyPr/>
-          <a:lstStyle/>
-          <a:p>
-            <a:endParaRPr lang="cs-CZ"/>
-          </a:p>
-        </p:txBody>
-      </p:sp>
-    </p:spTree>
-    <p:extLst>
-      <p:ext uri="{BB962C8B-B14F-4D97-AF65-F5344CB8AC3E}">
-        <p14:creationId xmlns:p14="http://schemas.microsoft.com/office/powerpoint/2010/main" val="1668518660"/>
-      </p:ext>
-    </p:extLst>
-  </p:cSld>
-  <p:clrMapOvr>
-    <a:masterClrMapping/>
-  </p:clrMapOvr>
-</p:sld>
-</file>
-
-<file path=ppt/slides/slide14.xml><?xml version="1.0" encoding="utf-8"?>
-<p:sld xmlns:a="http://schemas.openxmlformats.org/drawingml/2006/main" xmlns:r="http://schemas.openxmlformats.org/officeDocument/2006/relationships" xmlns:p="http://schemas.openxmlformats.org/presentationml/2006/main">
-  <p:cSld>
-    <p:spTree>
-      <p:nvGrpSpPr>
-        <p:cNvPr id="1" name=""/>
-        <p:cNvGrpSpPr/>
-        <p:nvPr/>
-      </p:nvGrpSpPr>
-      <p:grpSpPr>
-        <a:xfrm>
-          <a:off x="0" y="0"/>
-          <a:ext cx="0" cy="0"/>
-          <a:chOff x="0" y="0"/>
-          <a:chExt cx="0" cy="0"/>
-        </a:xfrm>
-      </p:grpSpPr>
-      <p:sp>
-        <p:nvSpPr>
-          <p:cNvPr id="2" name="Nadpis 1">
-            <a:extLst>
-              <a:ext uri="{FF2B5EF4-FFF2-40B4-BE49-F238E27FC236}">
-                <a16:creationId xmlns:a16="http://schemas.microsoft.com/office/drawing/2014/main" id="{C8AB5481-517E-79BB-3A0A-0547EC02F7C2}"/>
-              </a:ext>
-            </a:extLst>
-          </p:cNvPr>
-          <p:cNvSpPr>
-            <a:spLocks noGrp="1"/>
-          </p:cNvSpPr>
-          <p:nvPr>
-            <p:ph type="title"/>
-          </p:nvPr>
-        </p:nvSpPr>
-        <p:spPr/>
-        <p:txBody>
-          <a:bodyPr/>
-          <a:lstStyle/>
-          <a:p>
-            <a:endParaRPr lang="cs-CZ"/>
-          </a:p>
-        </p:txBody>
-      </p:sp>
-      <p:sp>
-        <p:nvSpPr>
-          <p:cNvPr id="3" name="Zástupný obsah 2">
-            <a:extLst>
-              <a:ext uri="{FF2B5EF4-FFF2-40B4-BE49-F238E27FC236}">
-                <a16:creationId xmlns:a16="http://schemas.microsoft.com/office/drawing/2014/main" id="{79CD1F13-BE3C-CFE6-FDDC-3A4D30572722}"/>
-              </a:ext>
-            </a:extLst>
-          </p:cNvPr>
-          <p:cNvSpPr>
-            <a:spLocks noGrp="1"/>
-          </p:cNvSpPr>
-          <p:nvPr>
-            <p:ph idx="1"/>
-          </p:nvPr>
-        </p:nvSpPr>
-        <p:spPr/>
-        <p:txBody>
-          <a:bodyPr/>
-          <a:lstStyle/>
-          <a:p>
-            <a:endParaRPr lang="cs-CZ"/>
-          </a:p>
-        </p:txBody>
-      </p:sp>
-    </p:spTree>
-    <p:extLst>
-      <p:ext uri="{BB962C8B-B14F-4D97-AF65-F5344CB8AC3E}">
-        <p14:creationId xmlns:p14="http://schemas.microsoft.com/office/powerpoint/2010/main" val="1566103268"/>
       </p:ext>
     </p:extLst>
   </p:cSld>
@@ -6216,10 +6574,54 @@
       </p:grpSpPr>
       <p:sp>
         <p:nvSpPr>
+          <p:cNvPr id="4" name="Obdélník 3">
+            <a:extLst>
+              <a:ext uri="{FF2B5EF4-FFF2-40B4-BE49-F238E27FC236}">
+                <a16:creationId xmlns:a16="http://schemas.microsoft.com/office/drawing/2014/main" id="{2B622411-DA84-FBA5-84AB-DE43DAA757CF}"/>
+              </a:ext>
+            </a:extLst>
+          </p:cNvPr>
+          <p:cNvSpPr/>
+          <p:nvPr/>
+        </p:nvSpPr>
+        <p:spPr>
+          <a:xfrm>
+            <a:off x="1007390" y="852407"/>
+            <a:ext cx="10337369" cy="5470901"/>
+          </a:xfrm>
+          <a:prstGeom prst="rect">
+            <a:avLst/>
+          </a:prstGeom>
+        </p:spPr>
+        <p:style>
+          <a:lnRef idx="2">
+            <a:schemeClr val="dk1"/>
+          </a:lnRef>
+          <a:fillRef idx="1">
+            <a:schemeClr val="lt1"/>
+          </a:fillRef>
+          <a:effectRef idx="0">
+            <a:schemeClr val="dk1"/>
+          </a:effectRef>
+          <a:fontRef idx="minor">
+            <a:schemeClr val="dk1"/>
+          </a:fontRef>
+        </p:style>
+        <p:txBody>
+          <a:bodyPr rtlCol="0" anchor="ctr"/>
+          <a:lstStyle/>
+          <a:p>
+            <a:pPr algn="ctr"/>
+            <a:endParaRPr lang="cs-CZ"/>
+          </a:p>
+        </p:txBody>
+      </p:sp>
+      <p:sp>
+        <p:nvSpPr>
           <p:cNvPr id="2" name="Nadpis 1">
             <a:extLst>
               <a:ext uri="{FF2B5EF4-FFF2-40B4-BE49-F238E27FC236}">
-                <a16:creationId xmlns:a16="http://schemas.microsoft.com/office/drawing/2014/main" id="{3E828C0C-E567-69B9-9B47-C9882ED481EA}"/>
+                <a16:creationId xmlns:a16="http://schemas.microsoft.com/office/drawing/2014/main" id="{EA943DBD-8AA8-C441-CAAC-AE408D5B05F7}"/>
               </a:ext>
             </a:extLst>
           </p:cNvPr>
@@ -6230,12 +6632,22 @@
             <p:ph type="title"/>
           </p:nvPr>
         </p:nvSpPr>
-        <p:spPr/>
-        <p:txBody>
-          <a:bodyPr/>
+        <p:spPr>
+          <a:xfrm>
+            <a:off x="386838" y="174279"/>
+            <a:ext cx="3007291" cy="538644"/>
+          </a:xfrm>
+        </p:spPr>
+        <p:txBody>
+          <a:bodyPr>
+            <a:normAutofit fontScale="90000"/>
+          </a:bodyPr>
           <a:lstStyle/>
           <a:p>
-            <a:endParaRPr lang="cs-CZ"/>
+            <a:r>
+              <a:rPr lang="cs-CZ" dirty="0"/>
+              <a:t>citace</a:t>
+            </a:r>
           </a:p>
         </p:txBody>
       </p:sp>
@@ -6244,7 +6656,7 @@
           <p:cNvPr id="3" name="Zástupný obsah 2">
             <a:extLst>
               <a:ext uri="{FF2B5EF4-FFF2-40B4-BE49-F238E27FC236}">
-                <a16:creationId xmlns:a16="http://schemas.microsoft.com/office/drawing/2014/main" id="{E9CEAB81-9185-AD5C-D592-39848CCBDB29}"/>
+                <a16:creationId xmlns:a16="http://schemas.microsoft.com/office/drawing/2014/main" id="{FF883635-2FC2-6251-40F3-D283E3EB1748}"/>
               </a:ext>
             </a:extLst>
           </p:cNvPr>
@@ -6255,19 +6667,892 @@
             <p:ph idx="1"/>
           </p:nvPr>
         </p:nvSpPr>
-        <p:spPr/>
-        <p:txBody>
-          <a:bodyPr/>
+        <p:spPr>
+          <a:xfrm>
+            <a:off x="1007390" y="852407"/>
+            <a:ext cx="10445857" cy="5470901"/>
+          </a:xfrm>
+        </p:spPr>
+        <p:txBody>
+          <a:bodyPr>
+            <a:normAutofit/>
+          </a:bodyPr>
           <a:lstStyle/>
           <a:p>
-            <a:endParaRPr lang="cs-CZ"/>
+            <a:pPr>
+              <a:buClr>
+                <a:schemeClr val="tx1"/>
+              </a:buClr>
+            </a:pPr>
+            <a:r>
+              <a:rPr lang="pl-PL" sz="1200" b="0" i="0" dirty="0">
+                <a:solidFill>
+                  <a:srgbClr val="212529"/>
+                </a:solidFill>
+                <a:effectLst/>
+                <a:latin typeface="Open Sans" panose="020B0606030504020204" pitchFamily="34" charset="0"/>
+              </a:rPr>
+              <a:t>Wi-Fi. </a:t>
+            </a:r>
+            <a:r>
+              <a:rPr lang="pl-PL" sz="1200" b="0" i="1" dirty="0">
+                <a:solidFill>
+                  <a:srgbClr val="212529"/>
+                </a:solidFill>
+                <a:effectLst/>
+                <a:latin typeface="Open Sans" panose="020B0606030504020204" pitchFamily="34" charset="0"/>
+              </a:rPr>
+              <a:t>Wikipedia</a:t>
+            </a:r>
+            <a:r>
+              <a:rPr lang="pl-PL" sz="1200" b="0" i="0" dirty="0">
+                <a:solidFill>
+                  <a:srgbClr val="212529"/>
+                </a:solidFill>
+                <a:effectLst/>
+                <a:latin typeface="Open Sans" panose="020B0606030504020204" pitchFamily="34" charset="0"/>
+              </a:rPr>
+              <a:t> [online]. [cit. 2023-01-20]. Dostupné z: </a:t>
+            </a:r>
+            <a:r>
+              <a:rPr lang="pl-PL" sz="1200" b="0" i="0" dirty="0">
+                <a:solidFill>
+                  <a:srgbClr val="00B0F0"/>
+                </a:solidFill>
+                <a:effectLst/>
+                <a:latin typeface="Open Sans" panose="020B0606030504020204" pitchFamily="34" charset="0"/>
+                <a:hlinkClick r:id="rId2">
+                  <a:extLst>
+                    <a:ext uri="{A12FA001-AC4F-418D-AE19-62706E023703}">
+                      <ahyp:hlinkClr xmlns:ahyp="http://schemas.microsoft.com/office/drawing/2018/hyperlinkcolor" val="tx"/>
+                    </a:ext>
+                  </a:extLst>
+                </a:hlinkClick>
+              </a:rPr>
+              <a:t>https://cs.wikipedia.org/wiki/Wi-Fi</a:t>
+            </a:r>
+            <a:endParaRPr lang="pl-PL" sz="1200" b="0" i="0" dirty="0">
+              <a:solidFill>
+                <a:srgbClr val="00B0F0"/>
+              </a:solidFill>
+              <a:effectLst/>
+              <a:latin typeface="Open Sans" panose="020B0606030504020204" pitchFamily="34" charset="0"/>
+            </a:endParaRPr>
+          </a:p>
+          <a:p>
+            <a:pPr>
+              <a:buClr>
+                <a:schemeClr val="tx1"/>
+              </a:buClr>
+            </a:pPr>
+            <a:r>
+              <a:rPr lang="en-US" sz="1200" b="0" i="0" dirty="0">
+                <a:solidFill>
+                  <a:srgbClr val="212529"/>
+                </a:solidFill>
+                <a:effectLst/>
+                <a:latin typeface="Open Sans" panose="020B0606030504020204" pitchFamily="34" charset="0"/>
+              </a:rPr>
+              <a:t>What Is Wi-Fi?. </a:t>
+            </a:r>
+            <a:r>
+              <a:rPr lang="en-US" sz="1200" b="0" i="1" dirty="0">
+                <a:solidFill>
+                  <a:srgbClr val="212529"/>
+                </a:solidFill>
+                <a:effectLst/>
+                <a:latin typeface="Open Sans" panose="020B0606030504020204" pitchFamily="34" charset="0"/>
+              </a:rPr>
+              <a:t>Cisco</a:t>
+            </a:r>
+            <a:r>
+              <a:rPr lang="en-US" sz="1200" b="0" i="0" dirty="0">
+                <a:solidFill>
+                  <a:srgbClr val="212529"/>
+                </a:solidFill>
+                <a:effectLst/>
+                <a:latin typeface="Open Sans" panose="020B0606030504020204" pitchFamily="34" charset="0"/>
+              </a:rPr>
+              <a:t> [online]. [cit. 2023-01-20]. </a:t>
+            </a:r>
+            <a:r>
+              <a:rPr lang="en-US" sz="1200" b="0" i="0" dirty="0" err="1">
+                <a:solidFill>
+                  <a:srgbClr val="212529"/>
+                </a:solidFill>
+                <a:effectLst/>
+                <a:latin typeface="Open Sans" panose="020B0606030504020204" pitchFamily="34" charset="0"/>
+              </a:rPr>
+              <a:t>Dostupné</a:t>
+            </a:r>
+            <a:r>
+              <a:rPr lang="en-US" sz="1200" b="0" i="0" dirty="0">
+                <a:solidFill>
+                  <a:srgbClr val="212529"/>
+                </a:solidFill>
+                <a:effectLst/>
+                <a:latin typeface="Open Sans" panose="020B0606030504020204" pitchFamily="34" charset="0"/>
+              </a:rPr>
+              <a:t> z: </a:t>
+            </a:r>
+            <a:r>
+              <a:rPr lang="en-US" sz="1200" b="0" i="0" dirty="0">
+                <a:solidFill>
+                  <a:srgbClr val="212529"/>
+                </a:solidFill>
+                <a:effectLst/>
+                <a:latin typeface="Open Sans" panose="020B0606030504020204" pitchFamily="34" charset="0"/>
+                <a:hlinkClick r:id="rId3"/>
+              </a:rPr>
+              <a:t>https://www.cisco.com/c/en/us/products/wireless/what-is-wifi.html</a:t>
+            </a:r>
+            <a:endParaRPr lang="cs-CZ" sz="1200" b="0" i="0" dirty="0">
+              <a:solidFill>
+                <a:srgbClr val="212529"/>
+              </a:solidFill>
+              <a:effectLst/>
+              <a:latin typeface="Open Sans" panose="020B0606030504020204" pitchFamily="34" charset="0"/>
+            </a:endParaRPr>
+          </a:p>
+          <a:p>
+            <a:pPr>
+              <a:buClr>
+                <a:schemeClr val="tx1"/>
+              </a:buClr>
+            </a:pPr>
+            <a:r>
+              <a:rPr lang="cs-CZ" sz="1200" b="0" i="0" dirty="0">
+                <a:solidFill>
+                  <a:srgbClr val="212529"/>
+                </a:solidFill>
+                <a:effectLst/>
+                <a:latin typeface="Open Sans" panose="020B0606030504020204" pitchFamily="34" charset="0"/>
+              </a:rPr>
+              <a:t>Wi-Fi. </a:t>
+            </a:r>
+            <a:r>
+              <a:rPr lang="cs-CZ" sz="1200" b="0" i="1" dirty="0">
+                <a:solidFill>
+                  <a:srgbClr val="212529"/>
+                </a:solidFill>
+                <a:effectLst/>
+                <a:latin typeface="Open Sans" panose="020B0606030504020204" pitchFamily="34" charset="0"/>
+              </a:rPr>
+              <a:t>Verizon</a:t>
+            </a:r>
+            <a:r>
+              <a:rPr lang="cs-CZ" sz="1200" b="0" i="0" dirty="0">
+                <a:solidFill>
+                  <a:srgbClr val="212529"/>
+                </a:solidFill>
+                <a:effectLst/>
+                <a:latin typeface="Open Sans" panose="020B0606030504020204" pitchFamily="34" charset="0"/>
+              </a:rPr>
+              <a:t> [online]. [cit. 2023-01-20]. Dostupné z: </a:t>
+            </a:r>
+            <a:r>
+              <a:rPr lang="cs-CZ" sz="1200" b="0" i="0" dirty="0">
+                <a:solidFill>
+                  <a:srgbClr val="212529"/>
+                </a:solidFill>
+                <a:effectLst/>
+                <a:latin typeface="Open Sans" panose="020B0606030504020204" pitchFamily="34" charset="0"/>
+                <a:hlinkClick r:id="rId4"/>
+              </a:rPr>
+              <a:t>https://www.verizon.com/articles/internet-essentials/wifi-definiton/</a:t>
+            </a:r>
+            <a:endParaRPr lang="cs-CZ" sz="1200" dirty="0">
+              <a:solidFill>
+                <a:srgbClr val="212529"/>
+              </a:solidFill>
+              <a:latin typeface="Open Sans" panose="020B0606030504020204" pitchFamily="34" charset="0"/>
+            </a:endParaRPr>
+          </a:p>
+          <a:p>
+            <a:pPr>
+              <a:buClr>
+                <a:schemeClr val="tx1"/>
+              </a:buClr>
+            </a:pPr>
+            <a:r>
+              <a:rPr lang="pl-PL" sz="1200" b="0" i="0" dirty="0">
+                <a:solidFill>
+                  <a:srgbClr val="212529"/>
+                </a:solidFill>
+                <a:effectLst/>
+                <a:latin typeface="Open Sans" panose="020B0606030504020204" pitchFamily="34" charset="0"/>
+              </a:rPr>
+              <a:t>Co je to WiFi - úvod do technologie. </a:t>
+            </a:r>
+            <a:r>
+              <a:rPr lang="pl-PL" sz="1200" b="0" i="1" dirty="0">
+                <a:solidFill>
+                  <a:srgbClr val="212529"/>
+                </a:solidFill>
+                <a:effectLst/>
+                <a:latin typeface="Open Sans" panose="020B0606030504020204" pitchFamily="34" charset="0"/>
+              </a:rPr>
+              <a:t>Vyvoj.hw.cz</a:t>
+            </a:r>
+            <a:r>
+              <a:rPr lang="pl-PL" sz="1200" b="0" i="0" dirty="0">
+                <a:solidFill>
+                  <a:srgbClr val="212529"/>
+                </a:solidFill>
+                <a:effectLst/>
+                <a:latin typeface="Open Sans" panose="020B0606030504020204" pitchFamily="34" charset="0"/>
+              </a:rPr>
+              <a:t> [online]. [cit. 2023-01-20]. Dostupné z: </a:t>
+            </a:r>
+            <a:r>
+              <a:rPr lang="pl-PL" sz="1200" b="0" i="0" dirty="0">
+                <a:solidFill>
+                  <a:srgbClr val="212529"/>
+                </a:solidFill>
+                <a:effectLst/>
+                <a:latin typeface="Open Sans" panose="020B0606030504020204" pitchFamily="34" charset="0"/>
+                <a:hlinkClick r:id="rId5"/>
+              </a:rPr>
+              <a:t>https://vyvoj.hw.cz/produkty/ethernet/co-je-to-wifi-uvod-do-technologie.html</a:t>
+            </a:r>
+            <a:endParaRPr lang="cs-CZ" sz="1200" b="0" i="0" dirty="0">
+              <a:solidFill>
+                <a:srgbClr val="212529"/>
+              </a:solidFill>
+              <a:effectLst/>
+              <a:latin typeface="Open Sans" panose="020B0606030504020204" pitchFamily="34" charset="0"/>
+            </a:endParaRPr>
+          </a:p>
+          <a:p>
+            <a:pPr>
+              <a:buClr>
+                <a:schemeClr val="tx1"/>
+              </a:buClr>
+            </a:pPr>
+            <a:r>
+              <a:rPr lang="it-IT" sz="1200" b="0" i="0" dirty="0">
+                <a:solidFill>
+                  <a:srgbClr val="212529"/>
+                </a:solidFill>
+                <a:effectLst/>
+                <a:latin typeface="Open Sans" panose="020B0606030504020204" pitchFamily="34" charset="0"/>
+              </a:rPr>
+              <a:t>IEEE_802.11. </a:t>
+            </a:r>
+            <a:r>
+              <a:rPr lang="it-IT" sz="1200" b="0" i="1" dirty="0">
+                <a:solidFill>
+                  <a:srgbClr val="212529"/>
+                </a:solidFill>
+                <a:effectLst/>
+                <a:latin typeface="Open Sans" panose="020B0606030504020204" pitchFamily="34" charset="0"/>
+              </a:rPr>
+              <a:t>Wikipedia</a:t>
+            </a:r>
+            <a:r>
+              <a:rPr lang="it-IT" sz="1200" b="0" i="0" dirty="0">
+                <a:solidFill>
+                  <a:srgbClr val="212529"/>
+                </a:solidFill>
+                <a:effectLst/>
+                <a:latin typeface="Open Sans" panose="020B0606030504020204" pitchFamily="34" charset="0"/>
+              </a:rPr>
+              <a:t> [online]. [cit. 2023-01-20]. Dostupné z: </a:t>
+            </a:r>
+            <a:r>
+              <a:rPr lang="it-IT" sz="1200" b="0" i="0" dirty="0">
+                <a:solidFill>
+                  <a:srgbClr val="212529"/>
+                </a:solidFill>
+                <a:effectLst/>
+                <a:latin typeface="Open Sans" panose="020B0606030504020204" pitchFamily="34" charset="0"/>
+                <a:hlinkClick r:id="rId6"/>
+              </a:rPr>
+              <a:t>https://cs.wikipedia.org/wiki/IEEE_802.11</a:t>
+            </a:r>
+            <a:endParaRPr lang="cs-CZ" sz="1200" dirty="0">
+              <a:solidFill>
+                <a:srgbClr val="212529"/>
+              </a:solidFill>
+              <a:latin typeface="Open Sans" panose="020B0606030504020204" pitchFamily="34" charset="0"/>
+            </a:endParaRPr>
+          </a:p>
+          <a:p>
+            <a:pPr>
+              <a:buClr>
+                <a:schemeClr val="tx1"/>
+              </a:buClr>
+            </a:pPr>
+            <a:r>
+              <a:rPr lang="cs-CZ" sz="1200" b="0" i="0" dirty="0">
+                <a:solidFill>
+                  <a:srgbClr val="212529"/>
+                </a:solidFill>
+                <a:effectLst/>
+                <a:latin typeface="Open Sans" panose="020B0606030504020204" pitchFamily="34" charset="0"/>
+              </a:rPr>
+              <a:t>Vyznejte se ve standardech </a:t>
+            </a:r>
+            <a:r>
+              <a:rPr lang="cs-CZ" sz="1200" b="0" i="0" dirty="0" err="1">
+                <a:solidFill>
+                  <a:srgbClr val="212529"/>
+                </a:solidFill>
+                <a:effectLst/>
+                <a:latin typeface="Open Sans" panose="020B0606030504020204" pitchFamily="34" charset="0"/>
+              </a:rPr>
+              <a:t>WiFi</a:t>
+            </a:r>
+            <a:r>
+              <a:rPr lang="cs-CZ" sz="1200" b="0" i="0" dirty="0">
+                <a:solidFill>
+                  <a:srgbClr val="212529"/>
+                </a:solidFill>
+                <a:effectLst/>
+                <a:latin typeface="Open Sans" panose="020B0606030504020204" pitchFamily="34" charset="0"/>
+              </a:rPr>
+              <a:t>. </a:t>
+            </a:r>
+            <a:r>
+              <a:rPr lang="cs-CZ" sz="1200" b="0" i="1" dirty="0" err="1">
+                <a:solidFill>
+                  <a:srgbClr val="212529"/>
+                </a:solidFill>
+                <a:effectLst/>
+                <a:latin typeface="Open Sans" panose="020B0606030504020204" pitchFamily="34" charset="0"/>
+              </a:rPr>
+              <a:t>Airwaynet</a:t>
+            </a:r>
+            <a:r>
+              <a:rPr lang="cs-CZ" sz="1200" b="0" i="0" dirty="0">
+                <a:solidFill>
+                  <a:srgbClr val="212529"/>
+                </a:solidFill>
+                <a:effectLst/>
+                <a:latin typeface="Open Sans" panose="020B0606030504020204" pitchFamily="34" charset="0"/>
+              </a:rPr>
+              <a:t> [online]. [cit. 2023-01-20]. Dostupné z: </a:t>
+            </a:r>
+            <a:r>
+              <a:rPr lang="cs-CZ" sz="1200" b="0" i="0" dirty="0">
+                <a:solidFill>
+                  <a:srgbClr val="212529"/>
+                </a:solidFill>
+                <a:effectLst/>
+                <a:latin typeface="Open Sans" panose="020B0606030504020204" pitchFamily="34" charset="0"/>
+                <a:hlinkClick r:id="rId7"/>
+              </a:rPr>
+              <a:t>https://www.airwaynet.cz/vyznejte-se-ve-standardech-wifi/</a:t>
+            </a:r>
+            <a:endParaRPr lang="cs-CZ" sz="1200" b="0" i="0" dirty="0">
+              <a:solidFill>
+                <a:srgbClr val="212529"/>
+              </a:solidFill>
+              <a:effectLst/>
+              <a:latin typeface="Open Sans" panose="020B0606030504020204" pitchFamily="34" charset="0"/>
+            </a:endParaRPr>
+          </a:p>
+          <a:p>
+            <a:pPr>
+              <a:buClr>
+                <a:schemeClr val="tx1"/>
+              </a:buClr>
+            </a:pPr>
+            <a:r>
+              <a:rPr lang="cs-CZ" sz="1200" b="0" i="0" dirty="0">
+                <a:solidFill>
+                  <a:srgbClr val="212529"/>
+                </a:solidFill>
+                <a:effectLst/>
+                <a:latin typeface="Open Sans" panose="020B0606030504020204" pitchFamily="34" charset="0"/>
+              </a:rPr>
+              <a:t>TIP#1081: Jak daleko dosáhne signál </a:t>
+            </a:r>
+            <a:r>
+              <a:rPr lang="cs-CZ" sz="1200" b="0" i="0" dirty="0" err="1">
+                <a:solidFill>
+                  <a:srgbClr val="212529"/>
+                </a:solidFill>
+                <a:effectLst/>
+                <a:latin typeface="Open Sans" panose="020B0606030504020204" pitchFamily="34" charset="0"/>
+              </a:rPr>
+              <a:t>WiFi</a:t>
+            </a:r>
+            <a:r>
+              <a:rPr lang="cs-CZ" sz="1200" b="0" i="0" dirty="0">
+                <a:solidFill>
+                  <a:srgbClr val="212529"/>
+                </a:solidFill>
+                <a:effectLst/>
+                <a:latin typeface="Open Sans" panose="020B0606030504020204" pitchFamily="34" charset="0"/>
+              </a:rPr>
+              <a:t>?. </a:t>
+            </a:r>
+            <a:r>
+              <a:rPr lang="cs-CZ" sz="1200" b="0" i="1" dirty="0">
+                <a:solidFill>
+                  <a:srgbClr val="212529"/>
+                </a:solidFill>
+                <a:effectLst/>
+                <a:latin typeface="Open Sans" panose="020B0606030504020204" pitchFamily="34" charset="0"/>
+              </a:rPr>
+              <a:t>365tipu</a:t>
+            </a:r>
+            <a:r>
+              <a:rPr lang="cs-CZ" sz="1200" b="0" i="0" dirty="0">
+                <a:solidFill>
+                  <a:srgbClr val="212529"/>
+                </a:solidFill>
+                <a:effectLst/>
+                <a:latin typeface="Open Sans" panose="020B0606030504020204" pitchFamily="34" charset="0"/>
+              </a:rPr>
+              <a:t> [online]. [cit. 2023-01-20]. Dostupné z: </a:t>
+            </a:r>
+            <a:r>
+              <a:rPr lang="cs-CZ" sz="1200" b="0" i="0" dirty="0">
+                <a:solidFill>
+                  <a:srgbClr val="212529"/>
+                </a:solidFill>
+                <a:effectLst/>
+                <a:latin typeface="Open Sans" panose="020B0606030504020204" pitchFamily="34" charset="0"/>
+                <a:hlinkClick r:id="rId8"/>
+              </a:rPr>
+              <a:t>https://365tipu.cz/2018/05/16/tip1081-jak-daleko-dosahne-signal-wifi/</a:t>
+            </a:r>
+            <a:endParaRPr lang="cs-CZ" sz="1200" dirty="0">
+              <a:solidFill>
+                <a:srgbClr val="212529"/>
+              </a:solidFill>
+              <a:latin typeface="Open Sans" panose="020B0606030504020204" pitchFamily="34" charset="0"/>
+            </a:endParaRPr>
+          </a:p>
+          <a:p>
+            <a:pPr>
+              <a:buClr>
+                <a:schemeClr val="tx1"/>
+              </a:buClr>
+            </a:pPr>
+            <a:r>
+              <a:rPr lang="cs-CZ" sz="1200" b="0" i="0" dirty="0">
+                <a:solidFill>
+                  <a:srgbClr val="212529"/>
+                </a:solidFill>
+                <a:effectLst/>
+                <a:latin typeface="Open Sans" panose="020B0606030504020204" pitchFamily="34" charset="0"/>
+              </a:rPr>
+              <a:t>Wi-Fi - Dosah. </a:t>
+            </a:r>
+            <a:r>
+              <a:rPr lang="cs-CZ" sz="1200" b="0" i="1" dirty="0">
+                <a:solidFill>
+                  <a:srgbClr val="212529"/>
+                </a:solidFill>
+                <a:effectLst/>
+                <a:latin typeface="Open Sans" panose="020B0606030504020204" pitchFamily="34" charset="0"/>
+              </a:rPr>
+              <a:t>Ropacek.cz</a:t>
+            </a:r>
+            <a:r>
+              <a:rPr lang="cs-CZ" sz="1200" b="0" i="0" dirty="0">
+                <a:solidFill>
+                  <a:srgbClr val="212529"/>
+                </a:solidFill>
+                <a:effectLst/>
+                <a:latin typeface="Open Sans" panose="020B0606030504020204" pitchFamily="34" charset="0"/>
+              </a:rPr>
+              <a:t> [online]. [cit. 2023-01-20]. Dostupné z: </a:t>
+            </a:r>
+            <a:r>
+              <a:rPr lang="cs-CZ" sz="1200" b="0" i="0" dirty="0">
+                <a:solidFill>
+                  <a:srgbClr val="212529"/>
+                </a:solidFill>
+                <a:effectLst/>
+                <a:latin typeface="Open Sans" panose="020B0606030504020204" pitchFamily="34" charset="0"/>
+                <a:hlinkClick r:id="rId9"/>
+              </a:rPr>
+              <a:t>http://www.ropacek.cz/wifi/dosah.html</a:t>
+            </a:r>
+            <a:endParaRPr lang="cs-CZ" sz="1200" b="0" i="0" dirty="0">
+              <a:solidFill>
+                <a:srgbClr val="212529"/>
+              </a:solidFill>
+              <a:effectLst/>
+              <a:latin typeface="Open Sans" panose="020B0606030504020204" pitchFamily="34" charset="0"/>
+            </a:endParaRPr>
+          </a:p>
+          <a:p>
+            <a:pPr>
+              <a:buClr>
+                <a:schemeClr val="tx1"/>
+              </a:buClr>
+            </a:pPr>
+            <a:r>
+              <a:rPr lang="cs-CZ" sz="1200" b="0" i="0" dirty="0">
+                <a:solidFill>
+                  <a:srgbClr val="212529"/>
+                </a:solidFill>
+                <a:effectLst/>
+                <a:latin typeface="Open Sans" panose="020B0606030504020204" pitchFamily="34" charset="0"/>
+              </a:rPr>
+              <a:t>Zabezpečení připojení k internetu. </a:t>
+            </a:r>
+            <a:r>
+              <a:rPr lang="cs-CZ" sz="1200" b="0" i="1" dirty="0">
+                <a:solidFill>
+                  <a:srgbClr val="212529"/>
+                </a:solidFill>
+                <a:effectLst/>
+                <a:latin typeface="Open Sans" panose="020B0606030504020204" pitchFamily="34" charset="0"/>
+              </a:rPr>
+              <a:t>Internetem bezpečně</a:t>
+            </a:r>
+            <a:r>
+              <a:rPr lang="cs-CZ" sz="1200" b="0" i="0" dirty="0">
+                <a:solidFill>
+                  <a:srgbClr val="212529"/>
+                </a:solidFill>
+                <a:effectLst/>
+                <a:latin typeface="Open Sans" panose="020B0606030504020204" pitchFamily="34" charset="0"/>
+              </a:rPr>
+              <a:t> [online]. [cit. 2023-01-20]. Dostupné z: </a:t>
+            </a:r>
+            <a:r>
+              <a:rPr lang="cs-CZ" sz="1200" b="0" i="0" dirty="0">
+                <a:solidFill>
+                  <a:srgbClr val="212529"/>
+                </a:solidFill>
+                <a:effectLst/>
+                <a:latin typeface="Open Sans" panose="020B0606030504020204" pitchFamily="34" charset="0"/>
+                <a:hlinkClick r:id="rId10"/>
+              </a:rPr>
+              <a:t>https://www.internetembezpecne.cz/internetem-bezpecne/navody/router-zabezpeceni-pripojeni-k-internetu/</a:t>
+            </a:r>
+            <a:endParaRPr lang="cs-CZ" sz="1200" dirty="0">
+              <a:solidFill>
+                <a:srgbClr val="212529"/>
+              </a:solidFill>
+              <a:latin typeface="Open Sans" panose="020B0606030504020204" pitchFamily="34" charset="0"/>
+            </a:endParaRPr>
+          </a:p>
+          <a:p>
+            <a:pPr>
+              <a:buClr>
+                <a:schemeClr val="tx1"/>
+              </a:buClr>
+            </a:pPr>
+            <a:r>
+              <a:rPr lang="cs-CZ" sz="1200" b="0" i="0" dirty="0">
+                <a:solidFill>
+                  <a:srgbClr val="212529"/>
+                </a:solidFill>
+                <a:effectLst/>
+                <a:latin typeface="Open Sans" panose="020B0606030504020204" pitchFamily="34" charset="0"/>
+              </a:rPr>
+              <a:t>2,4, nebo 5 GHz? Proč máme dvě pásma Wi-Fi a čím se liší?. </a:t>
+            </a:r>
+            <a:r>
+              <a:rPr lang="cs-CZ" sz="1200" b="0" i="1" dirty="0">
+                <a:solidFill>
+                  <a:srgbClr val="212529"/>
+                </a:solidFill>
+                <a:effectLst/>
+                <a:latin typeface="Open Sans" panose="020B0606030504020204" pitchFamily="34" charset="0"/>
+              </a:rPr>
+              <a:t>Svět androida</a:t>
+            </a:r>
+            <a:r>
+              <a:rPr lang="cs-CZ" sz="1200" b="0" i="0" dirty="0">
+                <a:solidFill>
+                  <a:srgbClr val="212529"/>
+                </a:solidFill>
+                <a:effectLst/>
+                <a:latin typeface="Open Sans" panose="020B0606030504020204" pitchFamily="34" charset="0"/>
+              </a:rPr>
+              <a:t> [online]. [cit. 2023-01-20]. Dostupné z: </a:t>
+            </a:r>
+            <a:r>
+              <a:rPr lang="cs-CZ" sz="1200" b="0" i="0" dirty="0">
+                <a:solidFill>
+                  <a:srgbClr val="212529"/>
+                </a:solidFill>
+                <a:effectLst/>
+                <a:latin typeface="Open Sans" panose="020B0606030504020204" pitchFamily="34" charset="0"/>
+                <a:hlinkClick r:id="rId11"/>
+              </a:rPr>
+              <a:t>https://www.svetandroida.cz/proc-mame-dve-pasma-wi-fi/</a:t>
+            </a:r>
+            <a:endParaRPr lang="cs-CZ" sz="1200" b="0" i="0" dirty="0">
+              <a:solidFill>
+                <a:srgbClr val="212529"/>
+              </a:solidFill>
+              <a:effectLst/>
+              <a:latin typeface="Open Sans" panose="020B0606030504020204" pitchFamily="34" charset="0"/>
+            </a:endParaRPr>
+          </a:p>
+          <a:p>
+            <a:pPr>
+              <a:buClr>
+                <a:schemeClr val="tx1"/>
+              </a:buClr>
+            </a:pPr>
+            <a:r>
+              <a:rPr lang="cs-CZ" sz="1200" b="0" i="0" dirty="0">
+                <a:solidFill>
+                  <a:srgbClr val="212529"/>
+                </a:solidFill>
+                <a:effectLst/>
+                <a:latin typeface="Open Sans" panose="020B0606030504020204" pitchFamily="34" charset="0"/>
+              </a:rPr>
+              <a:t>Wifi – Znáte hlavní rozdíly mezi pásmy 2,4 GHz a 5 GHz?. </a:t>
+            </a:r>
+            <a:r>
+              <a:rPr lang="cs-CZ" sz="1200" b="0" i="1" dirty="0" err="1">
+                <a:solidFill>
+                  <a:srgbClr val="212529"/>
+                </a:solidFill>
+                <a:effectLst/>
+                <a:latin typeface="Open Sans" panose="020B0606030504020204" pitchFamily="34" charset="0"/>
+              </a:rPr>
+              <a:t>LevnaPC</a:t>
+            </a:r>
+            <a:r>
+              <a:rPr lang="cs-CZ" sz="1200" b="0" i="0" dirty="0">
+                <a:solidFill>
+                  <a:srgbClr val="212529"/>
+                </a:solidFill>
+                <a:effectLst/>
+                <a:latin typeface="Open Sans" panose="020B0606030504020204" pitchFamily="34" charset="0"/>
+              </a:rPr>
+              <a:t> [online]. [cit. 2023-01-20]. Dostupné z: </a:t>
+            </a:r>
+            <a:r>
+              <a:rPr lang="cs-CZ" sz="1200" b="0" i="0" dirty="0">
+                <a:solidFill>
+                  <a:srgbClr val="212529"/>
+                </a:solidFill>
+                <a:effectLst/>
+                <a:latin typeface="Open Sans" panose="020B0606030504020204" pitchFamily="34" charset="0"/>
+                <a:hlinkClick r:id="rId12"/>
+              </a:rPr>
+              <a:t>https://www.levnapc.cz/wifi-znate-hlavni-rozdily-mezi-pasmy.html</a:t>
+            </a:r>
+            <a:endParaRPr lang="cs-CZ" sz="1200" dirty="0">
+              <a:solidFill>
+                <a:srgbClr val="212529"/>
+              </a:solidFill>
+              <a:latin typeface="Open Sans" panose="020B0606030504020204" pitchFamily="34" charset="0"/>
+            </a:endParaRPr>
+          </a:p>
+          <a:p>
+            <a:pPr>
+              <a:buClr>
+                <a:schemeClr val="tx1"/>
+              </a:buClr>
+            </a:pPr>
+            <a:r>
+              <a:rPr lang="cs-CZ" sz="1200" b="0" i="0" dirty="0">
+                <a:solidFill>
+                  <a:srgbClr val="212529"/>
+                </a:solidFill>
+                <a:effectLst/>
+                <a:latin typeface="Open Sans" panose="020B0606030504020204" pitchFamily="34" charset="0"/>
+              </a:rPr>
+              <a:t>Wi-Fi </a:t>
+            </a:r>
+            <a:r>
+              <a:rPr lang="cs-CZ" sz="1200" b="0" i="0" dirty="0" err="1">
+                <a:solidFill>
+                  <a:srgbClr val="212529"/>
+                </a:solidFill>
+                <a:effectLst/>
+                <a:latin typeface="Open Sans" panose="020B0606030504020204" pitchFamily="34" charset="0"/>
+              </a:rPr>
+              <a:t>Protected</a:t>
+            </a:r>
+            <a:r>
+              <a:rPr lang="cs-CZ" sz="1200" b="0" i="0" dirty="0">
+                <a:solidFill>
+                  <a:srgbClr val="212529"/>
+                </a:solidFill>
+                <a:effectLst/>
+                <a:latin typeface="Open Sans" panose="020B0606030504020204" pitchFamily="34" charset="0"/>
+              </a:rPr>
+              <a:t> Access. </a:t>
+            </a:r>
+            <a:r>
+              <a:rPr lang="cs-CZ" sz="1200" b="0" i="1" dirty="0">
+                <a:solidFill>
+                  <a:srgbClr val="212529"/>
+                </a:solidFill>
+                <a:effectLst/>
+                <a:latin typeface="Open Sans" panose="020B0606030504020204" pitchFamily="34" charset="0"/>
+              </a:rPr>
+              <a:t>Wikipedia</a:t>
+            </a:r>
+            <a:r>
+              <a:rPr lang="cs-CZ" sz="1200" b="0" i="0" dirty="0">
+                <a:solidFill>
+                  <a:srgbClr val="212529"/>
+                </a:solidFill>
+                <a:effectLst/>
+                <a:latin typeface="Open Sans" panose="020B0606030504020204" pitchFamily="34" charset="0"/>
+              </a:rPr>
+              <a:t> [online]. [cit. 2023-01-20]. Dostupné z: </a:t>
+            </a:r>
+            <a:r>
+              <a:rPr lang="cs-CZ" sz="1200" b="0" i="0" dirty="0">
+                <a:solidFill>
+                  <a:srgbClr val="212529"/>
+                </a:solidFill>
+                <a:effectLst/>
+                <a:latin typeface="Open Sans" panose="020B0606030504020204" pitchFamily="34" charset="0"/>
+                <a:hlinkClick r:id="rId13"/>
+              </a:rPr>
+              <a:t>https://cs.wikipedia.org/wiki/Wi-Fi_Protected_Access</a:t>
+            </a:r>
+            <a:endParaRPr lang="cs-CZ" sz="1200" b="0" i="0" dirty="0">
+              <a:solidFill>
+                <a:srgbClr val="212529"/>
+              </a:solidFill>
+              <a:effectLst/>
+              <a:latin typeface="Open Sans" panose="020B0606030504020204" pitchFamily="34" charset="0"/>
+            </a:endParaRPr>
+          </a:p>
+          <a:p>
+            <a:pPr>
+              <a:buClr>
+                <a:schemeClr val="tx1"/>
+              </a:buClr>
+            </a:pPr>
+            <a:r>
+              <a:rPr lang="pl-PL" sz="1200" b="0" i="0" dirty="0">
+                <a:solidFill>
+                  <a:srgbClr val="212529"/>
+                </a:solidFill>
+                <a:effectLst/>
+                <a:latin typeface="Open Sans" panose="020B0606030504020204" pitchFamily="34" charset="0"/>
+              </a:rPr>
+              <a:t>Wi-Fi 5. </a:t>
+            </a:r>
+            <a:r>
+              <a:rPr lang="pl-PL" sz="1200" b="0" i="1" dirty="0">
+                <a:solidFill>
+                  <a:srgbClr val="212529"/>
+                </a:solidFill>
+                <a:effectLst/>
+                <a:latin typeface="Open Sans" panose="020B0606030504020204" pitchFamily="34" charset="0"/>
+              </a:rPr>
+              <a:t>Wikipedia</a:t>
+            </a:r>
+            <a:r>
+              <a:rPr lang="pl-PL" sz="1200" b="0" i="0" dirty="0">
+                <a:solidFill>
+                  <a:srgbClr val="212529"/>
+                </a:solidFill>
+                <a:effectLst/>
+                <a:latin typeface="Open Sans" panose="020B0606030504020204" pitchFamily="34" charset="0"/>
+              </a:rPr>
+              <a:t> [online]. [cit. 2023-01-20]. Dostupné z: </a:t>
+            </a:r>
+            <a:r>
+              <a:rPr lang="pl-PL" sz="1200" b="0" i="0" dirty="0">
+                <a:solidFill>
+                  <a:srgbClr val="212529"/>
+                </a:solidFill>
+                <a:effectLst/>
+                <a:latin typeface="Open Sans" panose="020B0606030504020204" pitchFamily="34" charset="0"/>
+                <a:hlinkClick r:id="rId14"/>
+              </a:rPr>
+              <a:t>https://cs.wikipedia.org/wiki/Wi-Fi_5</a:t>
+            </a:r>
+            <a:endParaRPr lang="pl-PL" sz="1200" b="0" i="0" dirty="0">
+              <a:solidFill>
+                <a:srgbClr val="212529"/>
+              </a:solidFill>
+              <a:effectLst/>
+              <a:latin typeface="Open Sans" panose="020B0606030504020204" pitchFamily="34" charset="0"/>
+            </a:endParaRPr>
+          </a:p>
+          <a:p>
+            <a:pPr>
+              <a:buClr>
+                <a:schemeClr val="tx1"/>
+              </a:buClr>
+            </a:pPr>
+            <a:r>
+              <a:rPr lang="pl-PL" sz="1200" b="0" i="0" dirty="0">
+                <a:solidFill>
+                  <a:srgbClr val="212529"/>
+                </a:solidFill>
+                <a:effectLst/>
+                <a:latin typeface="Open Sans" panose="020B0606030504020204" pitchFamily="34" charset="0"/>
+              </a:rPr>
+              <a:t>Wi-Fi 6. </a:t>
+            </a:r>
+            <a:r>
+              <a:rPr lang="pl-PL" sz="1200" b="0" i="1" dirty="0">
+                <a:solidFill>
+                  <a:srgbClr val="212529"/>
+                </a:solidFill>
+                <a:effectLst/>
+                <a:latin typeface="Open Sans" panose="020B0606030504020204" pitchFamily="34" charset="0"/>
+              </a:rPr>
+              <a:t>Wikipedia</a:t>
+            </a:r>
+            <a:r>
+              <a:rPr lang="pl-PL" sz="1200" b="0" i="0" dirty="0">
+                <a:solidFill>
+                  <a:srgbClr val="212529"/>
+                </a:solidFill>
+                <a:effectLst/>
+                <a:latin typeface="Open Sans" panose="020B0606030504020204" pitchFamily="34" charset="0"/>
+              </a:rPr>
+              <a:t> [online]. [cit. 2023-01-20]. Dostupné z: </a:t>
+            </a:r>
+            <a:r>
+              <a:rPr lang="pl-PL" sz="1200" b="0" i="0" dirty="0">
+                <a:solidFill>
+                  <a:srgbClr val="212529"/>
+                </a:solidFill>
+                <a:effectLst/>
+                <a:latin typeface="Open Sans" panose="020B0606030504020204" pitchFamily="34" charset="0"/>
+                <a:hlinkClick r:id="rId15"/>
+              </a:rPr>
+              <a:t>https://cs.wikipedia.org/wiki/Wi-Fi_6</a:t>
+            </a:r>
+            <a:r>
+              <a:rPr lang="pl-PL" sz="1200" b="0" i="0" dirty="0">
+                <a:solidFill>
+                  <a:srgbClr val="212529"/>
+                </a:solidFill>
+                <a:effectLst/>
+                <a:latin typeface="Open Sans" panose="020B0606030504020204" pitchFamily="34" charset="0"/>
+              </a:rPr>
+              <a:t> </a:t>
+            </a:r>
+            <a:endParaRPr lang="cs-CZ" sz="1200" b="0" i="0" dirty="0">
+              <a:solidFill>
+                <a:srgbClr val="212529"/>
+              </a:solidFill>
+              <a:effectLst/>
+              <a:latin typeface="Open Sans" panose="020B0606030504020204" pitchFamily="34" charset="0"/>
+            </a:endParaRPr>
+          </a:p>
+          <a:p>
+            <a:pPr>
+              <a:buClr>
+                <a:schemeClr val="tx1"/>
+              </a:buClr>
+            </a:pPr>
+            <a:endParaRPr lang="cs-CZ" dirty="0"/>
           </a:p>
         </p:txBody>
       </p:sp>
     </p:spTree>
     <p:extLst>
       <p:ext uri="{BB962C8B-B14F-4D97-AF65-F5344CB8AC3E}">
-        <p14:creationId xmlns:p14="http://schemas.microsoft.com/office/powerpoint/2010/main" val="3439284420"/>
+        <p14:creationId xmlns:p14="http://schemas.microsoft.com/office/powerpoint/2010/main" val="3972665055"/>
       </p:ext>
     </p:extLst>
   </p:cSld>
@@ -6299,7 +7584,7 @@
           <p:cNvPr id="2" name="Nadpis 1">
             <a:extLst>
               <a:ext uri="{FF2B5EF4-FFF2-40B4-BE49-F238E27FC236}">
-                <a16:creationId xmlns:a16="http://schemas.microsoft.com/office/drawing/2014/main" id="{3A8C88A5-8115-9129-3817-7C53A1481739}"/>
+                <a16:creationId xmlns:a16="http://schemas.microsoft.com/office/drawing/2014/main" id="{C8AB5481-517E-79BB-3A0A-0547EC02F7C2}"/>
               </a:ext>
             </a:extLst>
           </p:cNvPr>
@@ -6310,12 +7595,31 @@
             <p:ph type="title"/>
           </p:nvPr>
         </p:nvSpPr>
-        <p:spPr/>
-        <p:txBody>
-          <a:bodyPr/>
+        <p:spPr>
+          <a:xfrm>
+            <a:off x="464329" y="253865"/>
+            <a:ext cx="3115779" cy="864108"/>
+          </a:xfrm>
+        </p:spPr>
+        <p:txBody>
+          <a:bodyPr>
+            <a:normAutofit fontScale="90000"/>
+          </a:bodyPr>
           <a:lstStyle/>
           <a:p>
-            <a:endParaRPr lang="cs-CZ"/>
+            <a:r>
+              <a:rPr lang="cs-CZ" dirty="0" err="1"/>
+              <a:t>Repozitář</a:t>
+            </a:r>
+            <a:r>
+              <a:rPr lang="cs-CZ" dirty="0"/>
+              <a:t> na </a:t>
+            </a:r>
+            <a:r>
+              <a:rPr lang="cs-CZ" dirty="0" err="1"/>
+              <a:t>github</a:t>
+            </a:r>
+            <a:endParaRPr lang="cs-CZ" dirty="0"/>
           </a:p>
         </p:txBody>
       </p:sp>
@@ -6324,7 +7628,7 @@
           <p:cNvPr id="3" name="Zástupný obsah 2">
             <a:extLst>
               <a:ext uri="{FF2B5EF4-FFF2-40B4-BE49-F238E27FC236}">
-                <a16:creationId xmlns:a16="http://schemas.microsoft.com/office/drawing/2014/main" id="{1A3709FE-76B5-9AD7-8429-0CE7BA0AB9DC}"/>
+                <a16:creationId xmlns:a16="http://schemas.microsoft.com/office/drawing/2014/main" id="{79CD1F13-BE3C-CFE6-FDDC-3A4D30572722}"/>
               </a:ext>
             </a:extLst>
           </p:cNvPr>
@@ -6335,259 +7639,24 @@
             <p:ph idx="1"/>
           </p:nvPr>
         </p:nvSpPr>
-        <p:spPr/>
+        <p:spPr>
+          <a:xfrm>
+            <a:off x="1549831" y="1890794"/>
+            <a:ext cx="8411033" cy="3849234"/>
+          </a:xfrm>
+        </p:spPr>
         <p:txBody>
           <a:bodyPr/>
           <a:lstStyle/>
           <a:p>
-            <a:endParaRPr lang="cs-CZ"/>
+            <a:endParaRPr lang="cs-CZ" dirty="0"/>
           </a:p>
         </p:txBody>
       </p:sp>
     </p:spTree>
     <p:extLst>
       <p:ext uri="{BB962C8B-B14F-4D97-AF65-F5344CB8AC3E}">
-        <p14:creationId xmlns:p14="http://schemas.microsoft.com/office/powerpoint/2010/main" val="1147928050"/>
-      </p:ext>
-    </p:extLst>
-  </p:cSld>
-  <p:clrMapOvr>
-    <a:masterClrMapping/>
-  </p:clrMapOvr>
-</p:sld>
-</file>
-
-<file path=ppt/slides/slide17.xml><?xml version="1.0" encoding="utf-8"?>
-<p:sld xmlns:a="http://schemas.openxmlformats.org/drawingml/2006/main" xmlns:r="http://schemas.openxmlformats.org/officeDocument/2006/relationships" xmlns:p="http://schemas.openxmlformats.org/presentationml/2006/main">
-  <p:cSld>
-    <p:spTree>
-      <p:nvGrpSpPr>
-        <p:cNvPr id="1" name=""/>
-        <p:cNvGrpSpPr/>
-        <p:nvPr/>
-      </p:nvGrpSpPr>
-      <p:grpSpPr>
-        <a:xfrm>
-          <a:off x="0" y="0"/>
-          <a:ext cx="0" cy="0"/>
-          <a:chOff x="0" y="0"/>
-          <a:chExt cx="0" cy="0"/>
-        </a:xfrm>
-      </p:grpSpPr>
-      <p:sp>
-        <p:nvSpPr>
-          <p:cNvPr id="2" name="Nadpis 1">
-            <a:extLst>
-              <a:ext uri="{FF2B5EF4-FFF2-40B4-BE49-F238E27FC236}">
-                <a16:creationId xmlns:a16="http://schemas.microsoft.com/office/drawing/2014/main" id="{C730515A-0245-39D2-8B5F-AEF3BCB42AC4}"/>
-              </a:ext>
-            </a:extLst>
-          </p:cNvPr>
-          <p:cNvSpPr>
-            <a:spLocks noGrp="1"/>
-          </p:cNvSpPr>
-          <p:nvPr>
-            <p:ph type="title"/>
-          </p:nvPr>
-        </p:nvSpPr>
-        <p:spPr/>
-        <p:txBody>
-          <a:bodyPr/>
-          <a:lstStyle/>
-          <a:p>
-            <a:endParaRPr lang="cs-CZ"/>
-          </a:p>
-        </p:txBody>
-      </p:sp>
-      <p:sp>
-        <p:nvSpPr>
-          <p:cNvPr id="3" name="Zástupný obsah 2">
-            <a:extLst>
-              <a:ext uri="{FF2B5EF4-FFF2-40B4-BE49-F238E27FC236}">
-                <a16:creationId xmlns:a16="http://schemas.microsoft.com/office/drawing/2014/main" id="{E18B97AC-0E9D-C062-8A1C-05148F3A82CD}"/>
-              </a:ext>
-            </a:extLst>
-          </p:cNvPr>
-          <p:cNvSpPr>
-            <a:spLocks noGrp="1"/>
-          </p:cNvSpPr>
-          <p:nvPr>
-            <p:ph idx="1"/>
-          </p:nvPr>
-        </p:nvSpPr>
-        <p:spPr/>
-        <p:txBody>
-          <a:bodyPr/>
-          <a:lstStyle/>
-          <a:p>
-            <a:endParaRPr lang="cs-CZ"/>
-          </a:p>
-        </p:txBody>
-      </p:sp>
-    </p:spTree>
-    <p:extLst>
-      <p:ext uri="{BB962C8B-B14F-4D97-AF65-F5344CB8AC3E}">
-        <p14:creationId xmlns:p14="http://schemas.microsoft.com/office/powerpoint/2010/main" val="3793748274"/>
-      </p:ext>
-    </p:extLst>
-  </p:cSld>
-  <p:clrMapOvr>
-    <a:masterClrMapping/>
-  </p:clrMapOvr>
-</p:sld>
-</file>
-
-<file path=ppt/slides/slide18.xml><?xml version="1.0" encoding="utf-8"?>
-<p:sld xmlns:a="http://schemas.openxmlformats.org/drawingml/2006/main" xmlns:r="http://schemas.openxmlformats.org/officeDocument/2006/relationships" xmlns:p="http://schemas.openxmlformats.org/presentationml/2006/main">
-  <p:cSld>
-    <p:spTree>
-      <p:nvGrpSpPr>
-        <p:cNvPr id="1" name=""/>
-        <p:cNvGrpSpPr/>
-        <p:nvPr/>
-      </p:nvGrpSpPr>
-      <p:grpSpPr>
-        <a:xfrm>
-          <a:off x="0" y="0"/>
-          <a:ext cx="0" cy="0"/>
-          <a:chOff x="0" y="0"/>
-          <a:chExt cx="0" cy="0"/>
-        </a:xfrm>
-      </p:grpSpPr>
-      <p:sp>
-        <p:nvSpPr>
-          <p:cNvPr id="2" name="Nadpis 1">
-            <a:extLst>
-              <a:ext uri="{FF2B5EF4-FFF2-40B4-BE49-F238E27FC236}">
-                <a16:creationId xmlns:a16="http://schemas.microsoft.com/office/drawing/2014/main" id="{75696E2F-4445-D6F4-69C4-544A7FEDFED2}"/>
-              </a:ext>
-            </a:extLst>
-          </p:cNvPr>
-          <p:cNvSpPr>
-            <a:spLocks noGrp="1"/>
-          </p:cNvSpPr>
-          <p:nvPr>
-            <p:ph type="title"/>
-          </p:nvPr>
-        </p:nvSpPr>
-        <p:spPr/>
-        <p:txBody>
-          <a:bodyPr/>
-          <a:lstStyle/>
-          <a:p>
-            <a:endParaRPr lang="cs-CZ"/>
-          </a:p>
-        </p:txBody>
-      </p:sp>
-      <p:sp>
-        <p:nvSpPr>
-          <p:cNvPr id="3" name="Zástupný obsah 2">
-            <a:extLst>
-              <a:ext uri="{FF2B5EF4-FFF2-40B4-BE49-F238E27FC236}">
-                <a16:creationId xmlns:a16="http://schemas.microsoft.com/office/drawing/2014/main" id="{B7D5CCF3-49C2-D3AE-D80F-B269F03A1320}"/>
-              </a:ext>
-            </a:extLst>
-          </p:cNvPr>
-          <p:cNvSpPr>
-            <a:spLocks noGrp="1"/>
-          </p:cNvSpPr>
-          <p:nvPr>
-            <p:ph idx="1"/>
-          </p:nvPr>
-        </p:nvSpPr>
-        <p:spPr/>
-        <p:txBody>
-          <a:bodyPr/>
-          <a:lstStyle/>
-          <a:p>
-            <a:endParaRPr lang="cs-CZ"/>
-          </a:p>
-        </p:txBody>
-      </p:sp>
-    </p:spTree>
-    <p:extLst>
-      <p:ext uri="{BB962C8B-B14F-4D97-AF65-F5344CB8AC3E}">
-        <p14:creationId xmlns:p14="http://schemas.microsoft.com/office/powerpoint/2010/main" val="1515943619"/>
-      </p:ext>
-    </p:extLst>
-  </p:cSld>
-  <p:clrMapOvr>
-    <a:masterClrMapping/>
-  </p:clrMapOvr>
-</p:sld>
-</file>
-
-<file path=ppt/slides/slide19.xml><?xml version="1.0" encoding="utf-8"?>
-<p:sld xmlns:a="http://schemas.openxmlformats.org/drawingml/2006/main" xmlns:r="http://schemas.openxmlformats.org/officeDocument/2006/relationships" xmlns:p="http://schemas.openxmlformats.org/presentationml/2006/main">
-  <p:cSld>
-    <p:spTree>
-      <p:nvGrpSpPr>
-        <p:cNvPr id="1" name=""/>
-        <p:cNvGrpSpPr/>
-        <p:nvPr/>
-      </p:nvGrpSpPr>
-      <p:grpSpPr>
-        <a:xfrm>
-          <a:off x="0" y="0"/>
-          <a:ext cx="0" cy="0"/>
-          <a:chOff x="0" y="0"/>
-          <a:chExt cx="0" cy="0"/>
-        </a:xfrm>
-      </p:grpSpPr>
-      <p:sp>
-        <p:nvSpPr>
-          <p:cNvPr id="2" name="Nadpis 1">
-            <a:extLst>
-              <a:ext uri="{FF2B5EF4-FFF2-40B4-BE49-F238E27FC236}">
-                <a16:creationId xmlns:a16="http://schemas.microsoft.com/office/drawing/2014/main" id="{DA7CABE9-F6C3-1CCE-8E89-93AAE825E2AF}"/>
-              </a:ext>
-            </a:extLst>
-          </p:cNvPr>
-          <p:cNvSpPr>
-            <a:spLocks noGrp="1"/>
-          </p:cNvSpPr>
-          <p:nvPr>
-            <p:ph type="title"/>
-          </p:nvPr>
-        </p:nvSpPr>
-        <p:spPr/>
-        <p:txBody>
-          <a:bodyPr/>
-          <a:lstStyle/>
-          <a:p>
-            <a:endParaRPr lang="cs-CZ"/>
-          </a:p>
-        </p:txBody>
-      </p:sp>
-      <p:sp>
-        <p:nvSpPr>
-          <p:cNvPr id="3" name="Zástupný obsah 2">
-            <a:extLst>
-              <a:ext uri="{FF2B5EF4-FFF2-40B4-BE49-F238E27FC236}">
-                <a16:creationId xmlns:a16="http://schemas.microsoft.com/office/drawing/2014/main" id="{BC5D86A8-7A19-527B-4C32-C55796FE7FBC}"/>
-              </a:ext>
-            </a:extLst>
-          </p:cNvPr>
-          <p:cNvSpPr>
-            <a:spLocks noGrp="1"/>
-          </p:cNvSpPr>
-          <p:nvPr>
-            <p:ph idx="1"/>
-          </p:nvPr>
-        </p:nvSpPr>
-        <p:spPr/>
-        <p:txBody>
-          <a:bodyPr/>
-          <a:lstStyle/>
-          <a:p>
-            <a:endParaRPr lang="cs-CZ"/>
-          </a:p>
-        </p:txBody>
-      </p:sp>
-    </p:spTree>
-    <p:extLst>
-      <p:ext uri="{BB962C8B-B14F-4D97-AF65-F5344CB8AC3E}">
-        <p14:creationId xmlns:p14="http://schemas.microsoft.com/office/powerpoint/2010/main" val="734858332"/>
+        <p14:creationId xmlns:p14="http://schemas.microsoft.com/office/powerpoint/2010/main" val="1566103268"/>
       </p:ext>
     </p:extLst>
   </p:cSld>
@@ -6900,86 +7969,6 @@
     <p:extLst>
       <p:ext uri="{BB962C8B-B14F-4D97-AF65-F5344CB8AC3E}">
         <p14:creationId xmlns:p14="http://schemas.microsoft.com/office/powerpoint/2010/main" val="2095459557"/>
-      </p:ext>
-    </p:extLst>
-  </p:cSld>
-  <p:clrMapOvr>
-    <a:masterClrMapping/>
-  </p:clrMapOvr>
-</p:sld>
-</file>
-
-<file path=ppt/slides/slide20.xml><?xml version="1.0" encoding="utf-8"?>
-<p:sld xmlns:a="http://schemas.openxmlformats.org/drawingml/2006/main" xmlns:r="http://schemas.openxmlformats.org/officeDocument/2006/relationships" xmlns:p="http://schemas.openxmlformats.org/presentationml/2006/main">
-  <p:cSld>
-    <p:spTree>
-      <p:nvGrpSpPr>
-        <p:cNvPr id="1" name=""/>
-        <p:cNvGrpSpPr/>
-        <p:nvPr/>
-      </p:nvGrpSpPr>
-      <p:grpSpPr>
-        <a:xfrm>
-          <a:off x="0" y="0"/>
-          <a:ext cx="0" cy="0"/>
-          <a:chOff x="0" y="0"/>
-          <a:chExt cx="0" cy="0"/>
-        </a:xfrm>
-      </p:grpSpPr>
-      <p:sp>
-        <p:nvSpPr>
-          <p:cNvPr id="2" name="Nadpis 1">
-            <a:extLst>
-              <a:ext uri="{FF2B5EF4-FFF2-40B4-BE49-F238E27FC236}">
-                <a16:creationId xmlns:a16="http://schemas.microsoft.com/office/drawing/2014/main" id="{B728589E-EA03-0D6D-7705-6FE57622BC1A}"/>
-              </a:ext>
-            </a:extLst>
-          </p:cNvPr>
-          <p:cNvSpPr>
-            <a:spLocks noGrp="1"/>
-          </p:cNvSpPr>
-          <p:nvPr>
-            <p:ph type="title"/>
-          </p:nvPr>
-        </p:nvSpPr>
-        <p:spPr/>
-        <p:txBody>
-          <a:bodyPr/>
-          <a:lstStyle/>
-          <a:p>
-            <a:endParaRPr lang="cs-CZ"/>
-          </a:p>
-        </p:txBody>
-      </p:sp>
-      <p:sp>
-        <p:nvSpPr>
-          <p:cNvPr id="3" name="Zástupný obsah 2">
-            <a:extLst>
-              <a:ext uri="{FF2B5EF4-FFF2-40B4-BE49-F238E27FC236}">
-                <a16:creationId xmlns:a16="http://schemas.microsoft.com/office/drawing/2014/main" id="{E45BDBE7-A377-E5BD-BA23-6C58C9C77EBF}"/>
-              </a:ext>
-            </a:extLst>
-          </p:cNvPr>
-          <p:cNvSpPr>
-            <a:spLocks noGrp="1"/>
-          </p:cNvSpPr>
-          <p:nvPr>
-            <p:ph idx="1"/>
-          </p:nvPr>
-        </p:nvSpPr>
-        <p:spPr/>
-        <p:txBody>
-          <a:bodyPr/>
-          <a:lstStyle/>
-          <a:p>
-            <a:endParaRPr lang="cs-CZ"/>
-          </a:p>
-        </p:txBody>
-      </p:sp>
-    </p:spTree>
-    <p:extLst>
-      <p:ext uri="{BB962C8B-B14F-4D97-AF65-F5344CB8AC3E}">
-        <p14:creationId xmlns:p14="http://schemas.microsoft.com/office/powerpoint/2010/main" val="1794189606"/>
       </p:ext>
     </p:extLst>
   </p:cSld>
@@ -9364,149 +10353,219 @@
           <a:chExt cx="0" cy="0"/>
         </a:xfrm>
       </p:grpSpPr>
-      <p:pic>
-        <p:nvPicPr>
-          <p:cNvPr id="1026" name="Picture 2">
+      <p:sp>
+        <p:nvSpPr>
+          <p:cNvPr id="4" name="Obdélník 3">
             <a:extLst>
               <a:ext uri="{FF2B5EF4-FFF2-40B4-BE49-F238E27FC236}">
-                <a16:creationId xmlns:a16="http://schemas.microsoft.com/office/drawing/2014/main" id="{455EA438-F64A-55DC-FC0A-0035A49819AF}"/>
+                <a16:creationId xmlns:a16="http://schemas.microsoft.com/office/drawing/2014/main" id="{E7CFF7E5-CB5C-3ED2-C445-7A724EBDB50B}"/>
               </a:ext>
             </a:extLst>
           </p:cNvPr>
-          <p:cNvPicPr>
-            <a:picLocks noChangeAspect="1" noChangeArrowheads="1"/>
-          </p:cNvPicPr>
+          <p:cNvSpPr/>
           <p:nvPr/>
-        </p:nvPicPr>
-        <p:blipFill rotWithShape="1">
-          <a:blip r:embed="rId3">
-            <a:extLst>
-              <a:ext uri="{28A0092B-C50C-407E-A947-70E740481C1C}">
-                <a14:useLocalDpi xmlns:a14="http://schemas.microsoft.com/office/drawing/2010/main" val="0"/>
-              </a:ext>
-            </a:extLst>
-          </a:blip>
-          <a:srcRect l="11808" r="13107"/>
-          <a:stretch/>
-        </p:blipFill>
-        <p:spPr bwMode="auto">
+        </p:nvSpPr>
+        <p:spPr>
           <a:xfrm>
-            <a:off x="5145437" y="3889833"/>
-            <a:ext cx="6865750" cy="2828925"/>
+            <a:off x="3095115" y="1854875"/>
+            <a:ext cx="6865749" cy="3812583"/>
           </a:xfrm>
           <a:prstGeom prst="rect">
             <a:avLst/>
           </a:prstGeom>
-          <a:noFill/>
-          <a:extLst>
-            <a:ext uri="{909E8E84-426E-40DD-AFC4-6F175D3DCCD1}">
-              <a14:hiddenFill xmlns:a14="http://schemas.microsoft.com/office/drawing/2010/main">
-                <a:solidFill>
-                  <a:srgbClr val="FFFFFF"/>
-                </a:solidFill>
-              </a14:hiddenFill>
-            </a:ext>
-          </a:extLst>
         </p:spPr>
-      </p:pic>
-      <p:pic>
-        <p:nvPicPr>
-          <p:cNvPr id="4" name="Picture 2" descr="60GHz Wireless: The IEEE 802.11ad standard - 60GHz Wireless Networks">
+        <p:style>
+          <a:lnRef idx="2">
+            <a:schemeClr val="dk1"/>
+          </a:lnRef>
+          <a:fillRef idx="1">
+            <a:schemeClr val="lt1"/>
+          </a:fillRef>
+          <a:effectRef idx="0">
+            <a:schemeClr val="dk1"/>
+          </a:effectRef>
+          <a:fontRef idx="minor">
+            <a:schemeClr val="dk1"/>
+          </a:fontRef>
+        </p:style>
+        <p:txBody>
+          <a:bodyPr rtlCol="0" anchor="ctr"/>
+          <a:lstStyle/>
+          <a:p>
+            <a:pPr algn="ctr"/>
+            <a:endParaRPr lang="cs-CZ"/>
+          </a:p>
+        </p:txBody>
+      </p:sp>
+      <p:sp>
+        <p:nvSpPr>
+          <p:cNvPr id="2" name="Nadpis 1">
             <a:extLst>
               <a:ext uri="{FF2B5EF4-FFF2-40B4-BE49-F238E27FC236}">
-                <a16:creationId xmlns:a16="http://schemas.microsoft.com/office/drawing/2014/main" id="{15C33D86-1BD6-855F-94EF-E23875DB040D}"/>
+                <a16:creationId xmlns:a16="http://schemas.microsoft.com/office/drawing/2014/main" id="{A51351A0-14FD-0F3C-874E-EB855A2A14E4}"/>
               </a:ext>
             </a:extLst>
           </p:cNvPr>
-          <p:cNvPicPr>
-            <a:picLocks noChangeAspect="1" noChangeArrowheads="1"/>
-          </p:cNvPicPr>
-          <p:nvPr/>
-        </p:nvPicPr>
-        <p:blipFill>
-          <a:blip r:embed="rId4">
-            <a:extLst>
-              <a:ext uri="{28A0092B-C50C-407E-A947-70E740481C1C}">
-                <a14:useLocalDpi xmlns:a14="http://schemas.microsoft.com/office/drawing/2010/main" val="0"/>
-              </a:ext>
-            </a:extLst>
-          </a:blip>
-          <a:srcRect/>
-          <a:stretch>
-            <a:fillRect/>
-          </a:stretch>
-        </p:blipFill>
-        <p:spPr bwMode="auto">
+          <p:cNvSpPr>
+            <a:spLocks noGrp="1"/>
+          </p:cNvSpPr>
+          <p:nvPr>
+            <p:ph type="title"/>
+          </p:nvPr>
+        </p:nvSpPr>
+        <p:spPr>
           <a:xfrm>
-            <a:off x="180813" y="139242"/>
-            <a:ext cx="5384541" cy="4153789"/>
+            <a:off x="704243" y="402957"/>
+            <a:ext cx="3053786" cy="945396"/>
           </a:xfrm>
-          <a:prstGeom prst="rect">
-            <a:avLst/>
-          </a:prstGeom>
-          <a:noFill/>
-          <a:extLst>
-            <a:ext uri="{909E8E84-426E-40DD-AFC4-6F175D3DCCD1}">
-              <a14:hiddenFill xmlns:a14="http://schemas.microsoft.com/office/drawing/2010/main">
-                <a:solidFill>
-                  <a:srgbClr val="FFFFFF"/>
-                </a:solidFill>
-              </a14:hiddenFill>
-            </a:ext>
-          </a:extLst>
         </p:spPr>
-      </p:pic>
-      <p:pic>
-        <p:nvPicPr>
-          <p:cNvPr id="1028" name="Picture 4" descr="802.11n wireless LAN standard and Its Advantages and Disadvantages">
+        <p:txBody>
+          <a:bodyPr>
+            <a:normAutofit fontScale="90000"/>
+          </a:bodyPr>
+          <a:lstStyle/>
+          <a:p>
+            <a:r>
+              <a:rPr lang="cs-CZ" sz="2800" b="0" i="0" kern="1200" dirty="0">
+                <a:solidFill>
+                  <a:schemeClr val="tx1"/>
+                </a:solidFill>
+                <a:effectLst/>
+                <a:latin typeface="Arial" panose="020B0604020202020204" pitchFamily="34" charset="0"/>
+                <a:ea typeface="+mn-ea"/>
+                <a:cs typeface="Arial" panose="020B0604020202020204" pitchFamily="34" charset="0"/>
+              </a:rPr>
+              <a:t>IEEE 802.11a</a:t>
+            </a:r>
+            <a:br>
+              <a:rPr lang="cs-CZ" dirty="0">
+                <a:latin typeface="Arial" panose="020B0604020202020204" pitchFamily="34" charset="0"/>
+                <a:cs typeface="Arial" panose="020B0604020202020204" pitchFamily="34" charset="0"/>
+              </a:rPr>
+            </a:br>
+            <a:endParaRPr lang="cs-CZ" dirty="0"/>
+          </a:p>
+        </p:txBody>
+      </p:sp>
+      <p:sp>
+        <p:nvSpPr>
+          <p:cNvPr id="3" name="Zástupný obsah 2">
             <a:extLst>
               <a:ext uri="{FF2B5EF4-FFF2-40B4-BE49-F238E27FC236}">
-                <a16:creationId xmlns:a16="http://schemas.microsoft.com/office/drawing/2014/main" id="{3ED457B3-0587-8D66-A12A-8CB5A207B09F}"/>
+                <a16:creationId xmlns:a16="http://schemas.microsoft.com/office/drawing/2014/main" id="{A2FEDD8F-0387-6441-FD7A-353FA279FB86}"/>
               </a:ext>
             </a:extLst>
           </p:cNvPr>
-          <p:cNvPicPr>
-            <a:picLocks noChangeAspect="1" noChangeArrowheads="1"/>
-          </p:cNvPicPr>
-          <p:nvPr/>
-        </p:nvPicPr>
-        <p:blipFill>
-          <a:blip r:embed="rId5">
-            <a:extLst>
-              <a:ext uri="{28A0092B-C50C-407E-A947-70E740481C1C}">
-                <a14:useLocalDpi xmlns:a14="http://schemas.microsoft.com/office/drawing/2010/main" val="0"/>
-              </a:ext>
-            </a:extLst>
-          </a:blip>
-          <a:srcRect/>
-          <a:stretch>
-            <a:fillRect/>
-          </a:stretch>
-        </p:blipFill>
-        <p:spPr bwMode="auto">
+          <p:cNvSpPr>
+            <a:spLocks noGrp="1"/>
+          </p:cNvSpPr>
+          <p:nvPr>
+            <p:ph idx="1"/>
+          </p:nvPr>
+        </p:nvSpPr>
+        <p:spPr>
           <a:xfrm>
-            <a:off x="6707058" y="314325"/>
-            <a:ext cx="4162425" cy="3114675"/>
+            <a:off x="3095115" y="1854874"/>
+            <a:ext cx="6865749" cy="3885153"/>
           </a:xfrm>
-          <a:prstGeom prst="rect">
-            <a:avLst/>
-          </a:prstGeom>
-          <a:noFill/>
-          <a:extLst>
-            <a:ext uri="{909E8E84-426E-40DD-AFC4-6F175D3DCCD1}">
-              <a14:hiddenFill xmlns:a14="http://schemas.microsoft.com/office/drawing/2010/main">
-                <a:solidFill>
-                  <a:srgbClr val="FFFFFF"/>
-                </a:solidFill>
-              </a14:hiddenFill>
-            </a:ext>
-          </a:extLst>
         </p:spPr>
-      </p:pic>
+        <p:txBody>
+          <a:bodyPr/>
+          <a:lstStyle/>
+          <a:p>
+            <a:pPr>
+              <a:buClrTx/>
+            </a:pPr>
+            <a:r>
+              <a:rPr lang="cs-CZ" sz="3200" b="0" i="0" dirty="0">
+                <a:solidFill>
+                  <a:schemeClr val="tx1"/>
+                </a:solidFill>
+                <a:effectLst/>
+                <a:latin typeface="Arial" panose="020B0604020202020204" pitchFamily="34" charset="0"/>
+              </a:rPr>
+              <a:t>pásmo 5 </a:t>
+            </a:r>
+            <a:r>
+              <a:rPr lang="cs-CZ" sz="3200" b="0" i="0" dirty="0" err="1">
+                <a:solidFill>
+                  <a:schemeClr val="tx1"/>
+                </a:solidFill>
+                <a:effectLst/>
+                <a:latin typeface="Arial" panose="020B0604020202020204" pitchFamily="34" charset="0"/>
+              </a:rPr>
+              <a:t>Ghz</a:t>
+            </a:r>
+            <a:endParaRPr lang="cs-CZ" sz="3200" dirty="0">
+              <a:solidFill>
+                <a:schemeClr val="tx1"/>
+              </a:solidFill>
+              <a:latin typeface="Arial" panose="020B0604020202020204" pitchFamily="34" charset="0"/>
+            </a:endParaRPr>
+          </a:p>
+          <a:p>
+            <a:pPr>
+              <a:buClrTx/>
+            </a:pPr>
+            <a:r>
+              <a:rPr lang="cs-CZ" sz="3200" b="0" i="0" dirty="0">
+                <a:solidFill>
+                  <a:schemeClr val="tx1"/>
+                </a:solidFill>
+                <a:effectLst/>
+                <a:latin typeface="Arial" panose="020B0604020202020204" pitchFamily="34" charset="0"/>
+              </a:rPr>
+              <a:t>Maximální rychlost  54 Mb/s</a:t>
+            </a:r>
+          </a:p>
+          <a:p>
+            <a:pPr>
+              <a:buClrTx/>
+            </a:pPr>
+            <a:r>
+              <a:rPr lang="cs-CZ" sz="3200" b="0" i="0" dirty="0">
+                <a:solidFill>
+                  <a:schemeClr val="tx1"/>
+                </a:solidFill>
+                <a:effectLst/>
+                <a:latin typeface="Arial" panose="020B0604020202020204" pitchFamily="34" charset="0"/>
+              </a:rPr>
+              <a:t>Oproti standardu IEEE 802.11b/IEEE 802.11g je tento stabilnější a vyspělejší</a:t>
+            </a:r>
+            <a:endParaRPr lang="cs-CZ" sz="3200" dirty="0">
+              <a:solidFill>
+                <a:schemeClr val="tx1"/>
+              </a:solidFill>
+              <a:latin typeface="Arial" panose="020B0604020202020204" pitchFamily="34" charset="0"/>
+            </a:endParaRPr>
+          </a:p>
+          <a:p>
+            <a:pPr>
+              <a:buClrTx/>
+            </a:pPr>
+            <a:r>
+              <a:rPr lang="cs-CZ" sz="3200" b="0" i="0" dirty="0">
+                <a:solidFill>
+                  <a:schemeClr val="tx1"/>
+                </a:solidFill>
+                <a:effectLst/>
+                <a:latin typeface="Arial" panose="020B0604020202020204" pitchFamily="34" charset="0"/>
+              </a:rPr>
+              <a:t>Označován jako Wi-Fi 1</a:t>
+            </a:r>
+          </a:p>
+          <a:p>
+            <a:pPr>
+              <a:buClrTx/>
+            </a:pPr>
+            <a:endParaRPr lang="cs-CZ" dirty="0"/>
+          </a:p>
+        </p:txBody>
+      </p:sp>
     </p:spTree>
     <p:extLst>
       <p:ext uri="{BB962C8B-B14F-4D97-AF65-F5344CB8AC3E}">
-        <p14:creationId xmlns:p14="http://schemas.microsoft.com/office/powerpoint/2010/main" val="417661133"/>
+        <p14:creationId xmlns:p14="http://schemas.microsoft.com/office/powerpoint/2010/main" val="1668518660"/>
       </p:ext>
     </p:extLst>
   </p:cSld>
@@ -9538,7 +10597,7 @@
           <p:cNvPr id="4" name="Obdélník 3">
             <a:extLst>
               <a:ext uri="{FF2B5EF4-FFF2-40B4-BE49-F238E27FC236}">
-                <a16:creationId xmlns:a16="http://schemas.microsoft.com/office/drawing/2014/main" id="{5C37340C-F439-EB87-8A03-DBF2333BF665}"/>
+                <a16:creationId xmlns:a16="http://schemas.microsoft.com/office/drawing/2014/main" id="{361FD5BF-4E0B-2DB0-FAB3-3933250E6DEC}"/>
               </a:ext>
             </a:extLst>
           </p:cNvPr>
@@ -9547,100 +10606,116 @@
         </p:nvSpPr>
         <p:spPr>
           <a:xfrm>
-            <a:off x="2634712" y="2014781"/>
-            <a:ext cx="8214101" cy="3564610"/>
+            <a:off x="3766089" y="1503336"/>
+            <a:ext cx="5842861" cy="3936569"/>
           </a:xfrm>
           <a:prstGeom prst="rect">
             <a:avLst/>
           </a:prstGeom>
-          <a:ln>
-            <a:solidFill>
-              <a:schemeClr val="tx1"/>
-            </a:solidFill>
-          </a:ln>
         </p:spPr>
         <p:style>
           <a:lnRef idx="2">
-            <a:schemeClr val="accent6"/>
+            <a:schemeClr val="accent1">
+              <a:shade val="50000"/>
+            </a:schemeClr>
+          </a:lnRef>
+          <a:fillRef idx="1">
+            <a:schemeClr val="accent1"/>
+          </a:fillRef>
+          <a:effectRef idx="0">
+            <a:schemeClr val="accent1"/>
+          </a:effectRef>
+          <a:fontRef idx="minor">
+            <a:schemeClr val="lt1"/>
+          </a:fontRef>
+        </p:style>
+        <p:txBody>
+          <a:bodyPr rtlCol="0" anchor="ctr"/>
+          <a:lstStyle/>
+          <a:p>
+            <a:pPr algn="ctr"/>
+            <a:endParaRPr lang="cs-CZ"/>
+          </a:p>
+        </p:txBody>
+      </p:sp>
+      <p:sp>
+        <p:nvSpPr>
+          <p:cNvPr id="2" name="Nadpis 1">
+            <a:extLst>
+              <a:ext uri="{FF2B5EF4-FFF2-40B4-BE49-F238E27FC236}">
+                <a16:creationId xmlns:a16="http://schemas.microsoft.com/office/drawing/2014/main" id="{3E828C0C-E567-69B9-9B47-C9882ED481EA}"/>
+              </a:ext>
+            </a:extLst>
+          </p:cNvPr>
+          <p:cNvSpPr>
+            <a:spLocks noGrp="1"/>
+          </p:cNvSpPr>
+          <p:nvPr>
+            <p:ph type="title"/>
+          </p:nvPr>
+        </p:nvSpPr>
+        <p:spPr>
+          <a:xfrm>
+            <a:off x="448831" y="379947"/>
+            <a:ext cx="4014681" cy="817613"/>
+          </a:xfrm>
+        </p:spPr>
+        <p:txBody>
+          <a:bodyPr/>
+          <a:lstStyle/>
+          <a:p>
+            <a:r>
+              <a:rPr lang="cs-CZ" b="1" i="0" dirty="0">
+                <a:solidFill>
+                  <a:srgbClr val="202122"/>
+                </a:solidFill>
+                <a:effectLst/>
+                <a:latin typeface="Arial" panose="020B0604020202020204" pitchFamily="34" charset="0"/>
+              </a:rPr>
+              <a:t>IEEE 802.11ac</a:t>
+            </a:r>
+            <a:endParaRPr lang="cs-CZ" dirty="0"/>
+          </a:p>
+        </p:txBody>
+      </p:sp>
+      <p:sp>
+        <p:nvSpPr>
+          <p:cNvPr id="3" name="Zástupný obsah 2">
+            <a:extLst>
+              <a:ext uri="{FF2B5EF4-FFF2-40B4-BE49-F238E27FC236}">
+                <a16:creationId xmlns:a16="http://schemas.microsoft.com/office/drawing/2014/main" id="{E9CEAB81-9185-AD5C-D592-39848CCBDB29}"/>
+              </a:ext>
+            </a:extLst>
+          </p:cNvPr>
+          <p:cNvSpPr>
+            <a:spLocks noGrp="1"/>
+          </p:cNvSpPr>
+          <p:nvPr>
+            <p:ph idx="1"/>
+          </p:nvPr>
+        </p:nvSpPr>
+        <p:spPr>
+          <a:xfrm>
+            <a:off x="3766089" y="1503336"/>
+            <a:ext cx="5842862" cy="3936569"/>
+          </a:xfrm>
+        </p:spPr>
+        <p:style>
+          <a:lnRef idx="2">
+            <a:schemeClr val="dk1"/>
           </a:lnRef>
           <a:fillRef idx="1">
             <a:schemeClr val="lt1"/>
           </a:fillRef>
           <a:effectRef idx="0">
-            <a:schemeClr val="accent6"/>
+            <a:schemeClr val="dk1"/>
           </a:effectRef>
           <a:fontRef idx="minor">
             <a:schemeClr val="dk1"/>
           </a:fontRef>
         </p:style>
         <p:txBody>
-          <a:bodyPr rtlCol="0" anchor="ctr"/>
-          <a:lstStyle/>
-          <a:p>
-            <a:pPr algn="ctr"/>
-            <a:endParaRPr lang="cs-CZ"/>
-          </a:p>
-        </p:txBody>
-      </p:sp>
-      <p:sp>
-        <p:nvSpPr>
-          <p:cNvPr id="2" name="Nadpis 1">
-            <a:extLst>
-              <a:ext uri="{FF2B5EF4-FFF2-40B4-BE49-F238E27FC236}">
-                <a16:creationId xmlns:a16="http://schemas.microsoft.com/office/drawing/2014/main" id="{B7C87B54-C762-085A-F4B6-17F5DCC4855B}"/>
-              </a:ext>
-            </a:extLst>
-          </p:cNvPr>
-          <p:cNvSpPr>
-            <a:spLocks noGrp="1"/>
-          </p:cNvSpPr>
-          <p:nvPr>
-            <p:ph type="title"/>
-          </p:nvPr>
-        </p:nvSpPr>
-        <p:spPr>
-          <a:xfrm>
-            <a:off x="464330" y="360258"/>
-            <a:ext cx="3518734" cy="895105"/>
-          </a:xfrm>
-        </p:spPr>
-        <p:txBody>
           <a:bodyPr/>
-          <a:lstStyle/>
-          <a:p>
-            <a:r>
-              <a:rPr lang="cs-CZ" dirty="0"/>
-              <a:t>dosah</a:t>
-            </a:r>
-          </a:p>
-        </p:txBody>
-      </p:sp>
-      <p:sp>
-        <p:nvSpPr>
-          <p:cNvPr id="3" name="Zástupný obsah 2">
-            <a:extLst>
-              <a:ext uri="{FF2B5EF4-FFF2-40B4-BE49-F238E27FC236}">
-                <a16:creationId xmlns:a16="http://schemas.microsoft.com/office/drawing/2014/main" id="{611F821F-90B9-606A-3D33-23EBA521D033}"/>
-              </a:ext>
-            </a:extLst>
-          </p:cNvPr>
-          <p:cNvSpPr>
-            <a:spLocks noGrp="1"/>
-          </p:cNvSpPr>
-          <p:nvPr>
-            <p:ph idx="1"/>
-          </p:nvPr>
-        </p:nvSpPr>
-        <p:spPr>
-          <a:xfrm>
-            <a:off x="2634712" y="2014780"/>
-            <a:ext cx="8214101" cy="5011607"/>
-          </a:xfrm>
-        </p:spPr>
-        <p:txBody>
-          <a:bodyPr>
-            <a:normAutofit/>
-          </a:bodyPr>
           <a:lstStyle/>
           <a:p>
             <a:pPr>
@@ -9649,14 +10724,14 @@
               </a:buClr>
             </a:pPr>
             <a:r>
-              <a:rPr lang="cs-CZ" sz="2800" dirty="0">
+              <a:rPr lang="cs-CZ" sz="3600" dirty="0">
                 <a:solidFill>
                   <a:schemeClr val="tx1"/>
                 </a:solidFill>
                 <a:latin typeface="Arial" panose="020B0604020202020204" pitchFamily="34" charset="0"/>
                 <a:cs typeface="Arial" panose="020B0604020202020204" pitchFamily="34" charset="0"/>
               </a:rPr>
-              <a:t>Nelze přesně určit</a:t>
+              <a:t>Pásmo 5 GHz</a:t>
             </a:r>
           </a:p>
           <a:p>
@@ -9666,14 +10741,14 @@
               </a:buClr>
             </a:pPr>
             <a:r>
-              <a:rPr lang="cs-CZ" sz="2800" dirty="0">
+              <a:rPr lang="cs-CZ" sz="3600" dirty="0">
                 <a:solidFill>
                   <a:schemeClr val="tx1"/>
                 </a:solidFill>
                 <a:latin typeface="Arial" panose="020B0604020202020204" pitchFamily="34" charset="0"/>
                 <a:cs typeface="Arial" panose="020B0604020202020204" pitchFamily="34" charset="0"/>
               </a:rPr>
-              <a:t>Zeslabován několika faktory</a:t>
+              <a:t>Maximální rychlost 6928Mb/s</a:t>
             </a:r>
           </a:p>
           <a:p>
@@ -9683,14 +10758,26 @@
               </a:buClr>
             </a:pPr>
             <a:r>
-              <a:rPr lang="cs-CZ" sz="2800" dirty="0">
+              <a:rPr lang="cs-CZ" sz="3600" b="0" i="0" dirty="0">
                 <a:solidFill>
                   <a:schemeClr val="tx1"/>
                 </a:solidFill>
+                <a:effectLst/>
                 <a:latin typeface="Arial" panose="020B0604020202020204" pitchFamily="34" charset="0"/>
                 <a:cs typeface="Arial" panose="020B0604020202020204" pitchFamily="34" charset="0"/>
               </a:rPr>
-              <a:t>Roli hraje i router</a:t>
+              <a:t>vysoká </a:t>
+            </a:r>
+            <a:r>
+              <a:rPr lang="cs-CZ" sz="3600" b="0" i="0" u="none" strike="noStrike" dirty="0">
+                <a:solidFill>
+                  <a:schemeClr val="tx1"/>
+                </a:solidFill>
+                <a:effectLst/>
+                <a:latin typeface="Arial" panose="020B0604020202020204" pitchFamily="34" charset="0"/>
+                <a:cs typeface="Arial" panose="020B0604020202020204" pitchFamily="34" charset="0"/>
+              </a:rPr>
+              <a:t>datová propustnost</a:t>
             </a:r>
           </a:p>
           <a:p>
@@ -9700,14 +10787,14 @@
               </a:buClr>
             </a:pPr>
             <a:r>
-              <a:rPr lang="cs-CZ" sz="2800" dirty="0">
+              <a:rPr lang="cs-CZ" sz="3600" dirty="0">
                 <a:solidFill>
                   <a:schemeClr val="tx1"/>
                 </a:solidFill>
                 <a:latin typeface="Arial" panose="020B0604020202020204" pitchFamily="34" charset="0"/>
                 <a:cs typeface="Arial" panose="020B0604020202020204" pitchFamily="34" charset="0"/>
               </a:rPr>
-              <a:t>Také zaleží na pásmu (2,4 nebo 5 GHz)</a:t>
+              <a:t>Označován jako Wi-Fi 5</a:t>
             </a:r>
           </a:p>
           <a:p>
@@ -9716,23 +10803,33 @@
                 <a:schemeClr val="tx1"/>
               </a:buClr>
             </a:pPr>
-            <a:r>
-              <a:rPr lang="cs-CZ" sz="2800" dirty="0">
-                <a:solidFill>
-                  <a:schemeClr val="tx1"/>
-                </a:solidFill>
-                <a:latin typeface="Arial" panose="020B0604020202020204" pitchFamily="34" charset="0"/>
-                <a:cs typeface="Arial" panose="020B0604020202020204" pitchFamily="34" charset="0"/>
-              </a:rPr>
-              <a:t>Wifi dokáže běžně zachytit zařízení až 300m, ale se slabým signálem </a:t>
-            </a:r>
+            <a:endParaRPr lang="cs-CZ" dirty="0">
+              <a:solidFill>
+                <a:schemeClr val="tx1"/>
+              </a:solidFill>
+            </a:endParaRPr>
+          </a:p>
+          <a:p>
+            <a:pPr>
+              <a:buClr>
+                <a:schemeClr val="tx1"/>
+              </a:buClr>
+            </a:pPr>
+            <a:endParaRPr lang="cs-CZ" dirty="0">
+              <a:solidFill>
+                <a:schemeClr val="tx1"/>
+              </a:solidFill>
+            </a:endParaRPr>
+          </a:p>
+          <a:p>
+            <a:endParaRPr lang="cs-CZ" dirty="0"/>
           </a:p>
         </p:txBody>
       </p:sp>
     </p:spTree>
     <p:extLst>
       <p:ext uri="{BB962C8B-B14F-4D97-AF65-F5344CB8AC3E}">
-        <p14:creationId xmlns:p14="http://schemas.microsoft.com/office/powerpoint/2010/main" val="3247474966"/>
+        <p14:creationId xmlns:p14="http://schemas.microsoft.com/office/powerpoint/2010/main" val="3439284420"/>
       </p:ext>
     </p:extLst>
   </p:cSld>

--- a/prochazkova.pptx
+++ b/prochazkova.pptx
@@ -5485,6 +5485,9 @@
   <p:clrMapOvr>
     <a:masterClrMapping/>
   </p:clrMapOvr>
+  <p:transition spd="slow">
+    <p:wipe/>
+  </p:transition>
 </p:sld>
 </file>
 
@@ -5654,6 +5657,9 @@
   <p:clrMapOvr>
     <a:masterClrMapping/>
   </p:clrMapOvr>
+  <p:transition spd="slow">
+    <p:wipe/>
+  </p:transition>
 </p:sld>
 </file>
 
@@ -5880,6 +5886,9 @@
   <p:clrMapOvr>
     <a:masterClrMapping/>
   </p:clrMapOvr>
+  <p:transition spd="slow">
+    <p:wipe/>
+  </p:transition>
 </p:sld>
 </file>
 
@@ -6173,6 +6182,9 @@
   <p:clrMapOvr>
     <a:masterClrMapping/>
   </p:clrMapOvr>
+  <p:transition spd="slow">
+    <p:wipe/>
+  </p:transition>
 </p:sld>
 </file>
 
@@ -6552,6 +6564,9 @@
   <p:clrMapOvr>
     <a:masterClrMapping/>
   </p:clrMapOvr>
+  <p:transition spd="slow">
+    <p:wipe/>
+  </p:transition>
 </p:sld>
 </file>
 
@@ -7559,6 +7574,9 @@
   <p:clrMapOvr>
     <a:masterClrMapping/>
   </p:clrMapOvr>
+  <p:transition spd="slow">
+    <p:wipe/>
+  </p:transition>
 </p:sld>
 </file>
 
@@ -7581,6 +7599,50 @@
       </p:grpSpPr>
       <p:sp>
         <p:nvSpPr>
+          <p:cNvPr id="4" name="Obdélník 3">
+            <a:extLst>
+              <a:ext uri="{FF2B5EF4-FFF2-40B4-BE49-F238E27FC236}">
+                <a16:creationId xmlns:a16="http://schemas.microsoft.com/office/drawing/2014/main" id="{7A3F92DC-F6B6-CB3E-D83E-F363DCCD128E}"/>
+              </a:ext>
+            </a:extLst>
+          </p:cNvPr>
+          <p:cNvSpPr/>
+          <p:nvPr/>
+        </p:nvSpPr>
+        <p:spPr>
+          <a:xfrm>
+            <a:off x="2758699" y="2452608"/>
+            <a:ext cx="5780868" cy="976392"/>
+          </a:xfrm>
+          <a:prstGeom prst="rect">
+            <a:avLst/>
+          </a:prstGeom>
+        </p:spPr>
+        <p:style>
+          <a:lnRef idx="2">
+            <a:schemeClr val="dk1"/>
+          </a:lnRef>
+          <a:fillRef idx="1">
+            <a:schemeClr val="lt1"/>
+          </a:fillRef>
+          <a:effectRef idx="0">
+            <a:schemeClr val="dk1"/>
+          </a:effectRef>
+          <a:fontRef idx="minor">
+            <a:schemeClr val="dk1"/>
+          </a:fontRef>
+        </p:style>
+        <p:txBody>
+          <a:bodyPr rtlCol="0" anchor="ctr"/>
+          <a:lstStyle/>
+          <a:p>
+            <a:pPr algn="ctr"/>
+            <a:endParaRPr lang="cs-CZ"/>
+          </a:p>
+        </p:txBody>
+      </p:sp>
+      <p:sp>
+        <p:nvSpPr>
           <p:cNvPr id="2" name="Nadpis 1">
             <a:extLst>
               <a:ext uri="{FF2B5EF4-FFF2-40B4-BE49-F238E27FC236}">
@@ -7641,15 +7703,23 @@
         </p:nvSpPr>
         <p:spPr>
           <a:xfrm>
-            <a:off x="1549831" y="1890794"/>
-            <a:ext cx="8411033" cy="3849234"/>
+            <a:off x="2758698" y="2452608"/>
+            <a:ext cx="5610387" cy="976392"/>
           </a:xfrm>
         </p:spPr>
         <p:txBody>
-          <a:bodyPr/>
+          <a:bodyPr>
+            <a:normAutofit/>
+          </a:bodyPr>
           <a:lstStyle/>
           <a:p>
-            <a:endParaRPr lang="cs-CZ" dirty="0"/>
+            <a:r>
+              <a:rPr lang="cs-CZ" sz="2400" dirty="0">
+                <a:latin typeface="Arial" panose="020B0604020202020204" pitchFamily="34" charset="0"/>
+                <a:cs typeface="Arial" panose="020B0604020202020204" pitchFamily="34" charset="0"/>
+              </a:rPr>
+              <a:t>https://github.com/proch4zkov4/prezentace-wifi.git</a:t>
+            </a:r>
           </a:p>
         </p:txBody>
       </p:sp>
@@ -7663,6 +7733,9 @@
   <p:clrMapOvr>
     <a:masterClrMapping/>
   </p:clrMapOvr>
+  <p:transition spd="slow">
+    <p:wipe/>
+  </p:transition>
 </p:sld>
 </file>
 
@@ -7975,6 +8048,9 @@
   <p:clrMapOvr>
     <a:masterClrMapping/>
   </p:clrMapOvr>
+  <p:transition spd="slow">
+    <p:wipe/>
+  </p:transition>
 </p:sld>
 </file>
 
@@ -8210,6 +8286,9 @@
   <p:clrMapOvr>
     <a:masterClrMapping/>
   </p:clrMapOvr>
+  <p:transition spd="slow">
+    <p:wipe/>
+  </p:transition>
 </p:sld>
 </file>
 
@@ -8460,6 +8539,9 @@
   <p:clrMapOvr>
     <a:masterClrMapping/>
   </p:clrMapOvr>
+  <p:transition spd="slow">
+    <p:wipe/>
+  </p:transition>
 </p:sld>
 </file>
 
@@ -8723,6 +8805,9 @@
   <p:clrMapOvr>
     <a:masterClrMapping/>
   </p:clrMapOvr>
+  <p:transition spd="slow">
+    <p:wipe/>
+  </p:transition>
 </p:sld>
 </file>
 
@@ -10119,6 +10204,9 @@
   <p:clrMapOvr>
     <a:masterClrMapping/>
   </p:clrMapOvr>
+  <p:transition spd="slow">
+    <p:wipe/>
+  </p:transition>
 </p:sld>
 </file>
 
@@ -10333,6 +10421,9 @@
   <p:clrMapOvr>
     <a:masterClrMapping/>
   </p:clrMapOvr>
+  <p:transition spd="slow">
+    <p:wipe/>
+  </p:transition>
 </p:sld>
 </file>
 
@@ -10572,6 +10663,9 @@
   <p:clrMapOvr>
     <a:masterClrMapping/>
   </p:clrMapOvr>
+  <p:transition spd="slow">
+    <p:wipe/>
+  </p:transition>
 </p:sld>
 </file>
 
@@ -10836,6 +10930,9 @@
   <p:clrMapOvr>
     <a:masterClrMapping/>
   </p:clrMapOvr>
+  <p:transition spd="slow">
+    <p:wipe/>
+  </p:transition>
 </p:sld>
 </file>
 
